--- a/Cirpark_Modbus/Ressources/Final/Revue 2.pptx
+++ b/Cirpark_Modbus/Ressources/Final/Revue 2.pptx
@@ -1,24 +1,25 @@
 
 <file path=ppt/presentation.xml><?xml version="1.0" encoding="utf-8"?>
-<p:presentation xmlns:a="http://schemas.openxmlformats.org/drawingml/2006/main" xmlns:r="http://schemas.openxmlformats.org/officeDocument/2006/relationships" xmlns:p="http://schemas.openxmlformats.org/presentationml/2006/main">
+<p:presentation xmlns:a="http://schemas.openxmlformats.org/drawingml/2006/main" xmlns:r="http://schemas.openxmlformats.org/officeDocument/2006/relationships" xmlns:p="http://schemas.openxmlformats.org/presentationml/2006/main" xmlns:m="http://schemas.openxmlformats.org/officeDocument/2006/math" xmlns:a14="http://schemas.microsoft.com/office/drawing/2010/main">
   <p:sldMasterIdLst>
-    <p:sldMasterId id="2147483648" r:id="rId1"/>
+    <p:sldMasterId id="2147483648" r:id="rId5"/>
   </p:sldMasterIdLst>
   <p:notesMasterIdLst>
-    <p:notesMasterId r:id="rId13"/>
+    <p:notesMasterId r:id="rId7"/>
   </p:notesMasterIdLst>
   <p:sldIdLst>
-    <p:sldId id="256" r:id="rId2"/>
-    <p:sldId id="257" r:id="rId3"/>
-    <p:sldId id="258" r:id="rId4"/>
-    <p:sldId id="259" r:id="rId5"/>
-    <p:sldId id="260" r:id="rId6"/>
-    <p:sldId id="261" r:id="rId7"/>
-    <p:sldId id="262" r:id="rId8"/>
-    <p:sldId id="263" r:id="rId9"/>
-    <p:sldId id="264" r:id="rId10"/>
-    <p:sldId id="265" r:id="rId11"/>
-    <p:sldId id="266" r:id="rId12"/>
+    <p:sldId id="256" r:id="rId8"/>
+    <p:sldId id="257" r:id="rId9"/>
+    <p:sldId id="258" r:id="rId10"/>
+    <p:sldId id="259" r:id="rId11"/>
+    <p:sldId id="260" r:id="rId12"/>
+    <p:sldId id="261" r:id="rId13"/>
+    <p:sldId id="262" r:id="rId14"/>
+    <p:sldId id="263" r:id="rId15"/>
+    <p:sldId id="264" r:id="rId16"/>
+    <p:sldId id="265" r:id="rId17"/>
+    <p:sldId id="266" r:id="rId18"/>
+    <p:sldId id="267" r:id="rId19"/>
   </p:sldIdLst>
   <p:sldSz cx="24384000" cy="13716000"/>
   <p:notesSz cx="6858000" cy="9144000"/>
@@ -38,7 +39,7 @@
       <a:buFontTx/>
       <a:buNone/>
       <a:tabLst/>
-      <a:defRPr kumimoji="0" sz="1800" b="0" i="0" u="none" strike="noStrike" cap="none" spc="0" normalizeH="0" baseline="0">
+      <a:defRPr b="0" baseline="0" cap="none" i="0" spc="0" strike="noStrike" sz="1800" u="none" kumimoji="0" normalizeH="0">
         <a:ln>
           <a:noFill/>
         </a:ln>
@@ -64,7 +65,7 @@
       <a:buFontTx/>
       <a:buNone/>
       <a:tabLst/>
-      <a:defRPr kumimoji="0" sz="2400" b="0" i="0" u="none" strike="noStrike" cap="none" spc="0" normalizeH="0" baseline="0">
+      <a:defRPr b="0" baseline="0" cap="none" i="0" spc="0" strike="noStrike" sz="2400" u="none" kumimoji="0" normalizeH="0">
         <a:ln>
           <a:noFill/>
         </a:ln>
@@ -94,7 +95,7 @@
       <a:buFontTx/>
       <a:buNone/>
       <a:tabLst/>
-      <a:defRPr kumimoji="0" sz="2400" b="0" i="0" u="none" strike="noStrike" cap="none" spc="0" normalizeH="0" baseline="0">
+      <a:defRPr b="0" baseline="0" cap="none" i="0" spc="0" strike="noStrike" sz="2400" u="none" kumimoji="0" normalizeH="0">
         <a:ln>
           <a:noFill/>
         </a:ln>
@@ -124,7 +125,7 @@
       <a:buFontTx/>
       <a:buNone/>
       <a:tabLst/>
-      <a:defRPr kumimoji="0" sz="2400" b="0" i="0" u="none" strike="noStrike" cap="none" spc="0" normalizeH="0" baseline="0">
+      <a:defRPr b="0" baseline="0" cap="none" i="0" spc="0" strike="noStrike" sz="2400" u="none" kumimoji="0" normalizeH="0">
         <a:ln>
           <a:noFill/>
         </a:ln>
@@ -154,7 +155,7 @@
       <a:buFontTx/>
       <a:buNone/>
       <a:tabLst/>
-      <a:defRPr kumimoji="0" sz="2400" b="0" i="0" u="none" strike="noStrike" cap="none" spc="0" normalizeH="0" baseline="0">
+      <a:defRPr b="0" baseline="0" cap="none" i="0" spc="0" strike="noStrike" sz="2400" u="none" kumimoji="0" normalizeH="0">
         <a:ln>
           <a:noFill/>
         </a:ln>
@@ -184,7 +185,7 @@
       <a:buFontTx/>
       <a:buNone/>
       <a:tabLst/>
-      <a:defRPr kumimoji="0" sz="2400" b="0" i="0" u="none" strike="noStrike" cap="none" spc="0" normalizeH="0" baseline="0">
+      <a:defRPr b="0" baseline="0" cap="none" i="0" spc="0" strike="noStrike" sz="2400" u="none" kumimoji="0" normalizeH="0">
         <a:ln>
           <a:noFill/>
         </a:ln>
@@ -214,7 +215,7 @@
       <a:buFontTx/>
       <a:buNone/>
       <a:tabLst/>
-      <a:defRPr kumimoji="0" sz="2400" b="0" i="0" u="none" strike="noStrike" cap="none" spc="0" normalizeH="0" baseline="0">
+      <a:defRPr b="0" baseline="0" cap="none" i="0" spc="0" strike="noStrike" sz="2400" u="none" kumimoji="0" normalizeH="0">
         <a:ln>
           <a:noFill/>
         </a:ln>
@@ -244,7 +245,7 @@
       <a:buFontTx/>
       <a:buNone/>
       <a:tabLst/>
-      <a:defRPr kumimoji="0" sz="2400" b="0" i="0" u="none" strike="noStrike" cap="none" spc="0" normalizeH="0" baseline="0">
+      <a:defRPr b="0" baseline="0" cap="none" i="0" spc="0" strike="noStrike" sz="2400" u="none" kumimoji="0" normalizeH="0">
         <a:ln>
           <a:noFill/>
         </a:ln>
@@ -274,7 +275,7 @@
       <a:buFontTx/>
       <a:buNone/>
       <a:tabLst/>
-      <a:defRPr kumimoji="0" sz="2400" b="0" i="0" u="none" strike="noStrike" cap="none" spc="0" normalizeH="0" baseline="0">
+      <a:defRPr b="0" baseline="0" cap="none" i="0" spc="0" strike="noStrike" sz="2400" u="none" kumimoji="0" normalizeH="0">
         <a:ln>
           <a:noFill/>
         </a:ln>
@@ -304,7 +305,7 @@
       <a:buFontTx/>
       <a:buNone/>
       <a:tabLst/>
-      <a:defRPr kumimoji="0" sz="2400" b="0" i="0" u="none" strike="noStrike" cap="none" spc="0" normalizeH="0" baseline="0">
+      <a:defRPr b="0" baseline="0" cap="none" i="0" spc="0" strike="noStrike" sz="2400" u="none" kumimoji="0" normalizeH="0">
         <a:ln>
           <a:noFill/>
         </a:ln>
@@ -323,14 +324,13 @@
 </p:presentation>
 </file>
 
+<file path=ppt/commentAuthors.xml><?xml version="1.0" encoding="utf-8"?>
+<p:cmAuthorLst xmlns:a="http://schemas.openxmlformats.org/drawingml/2006/main" xmlns:r="http://schemas.openxmlformats.org/officeDocument/2006/relationships" xmlns:p="http://schemas.openxmlformats.org/presentationml/2006/main" xmlns:m="http://schemas.openxmlformats.org/officeDocument/2006/math" xmlns:a14="http://schemas.microsoft.com/office/drawing/2010/main"/>
+</file>
+
 <file path=ppt/notesMasters/notesMaster1.xml><?xml version="1.0" encoding="utf-8"?>
-<p:notesMaster xmlns:a="http://schemas.openxmlformats.org/drawingml/2006/main" xmlns:r="http://schemas.openxmlformats.org/officeDocument/2006/relationships" xmlns:p="http://schemas.openxmlformats.org/presentationml/2006/main">
+<p:notesMaster xmlns:a="http://schemas.openxmlformats.org/drawingml/2006/main" xmlns:r="http://schemas.openxmlformats.org/officeDocument/2006/relationships" xmlns:p="http://schemas.openxmlformats.org/presentationml/2006/main" xmlns:m="http://schemas.openxmlformats.org/officeDocument/2006/math" xmlns:a14="http://schemas.microsoft.com/office/drawing/2010/main">
   <p:cSld>
-    <p:bg>
-      <p:bgRef idx="1001">
-        <a:schemeClr val="bg1"/>
-      </p:bgRef>
-    </p:bg>
     <p:spTree>
       <p:nvGrpSpPr>
         <p:cNvPr id="1" name=""/>
@@ -348,9 +348,7 @@
       <p:sp>
         <p:nvSpPr>
           <p:cNvPr id="148" name="Shape 148"/>
-          <p:cNvSpPr>
-            <a:spLocks noGrp="1" noRot="1" noChangeAspect="1"/>
-          </p:cNvSpPr>
+          <p:cNvSpPr/>
           <p:nvPr>
             <p:ph type="sldImg"/>
           </p:nvPr>
@@ -368,16 +366,14 @@
           <a:bodyPr/>
           <a:lstStyle/>
           <a:p>
-            <a:endParaRPr/>
+            <a:pPr/>
           </a:p>
         </p:txBody>
       </p:sp>
       <p:sp>
         <p:nvSpPr>
           <p:cNvPr id="149" name="Shape 149"/>
-          <p:cNvSpPr>
-            <a:spLocks noGrp="1"/>
-          </p:cNvSpPr>
+          <p:cNvSpPr/>
           <p:nvPr>
             <p:ph type="body" sz="quarter" idx="1"/>
           </p:nvPr>
@@ -395,7 +391,7 @@
           <a:bodyPr/>
           <a:lstStyle/>
           <a:p>
-            <a:endParaRPr/>
+            <a:pPr/>
           </a:p>
         </p:txBody>
       </p:sp>
@@ -507,7 +503,7 @@
 </file>
 
 <file path=ppt/notesSlides/notesSlide1.xml><?xml version="1.0" encoding="utf-8"?>
-<p:notes xmlns:a="http://schemas.openxmlformats.org/drawingml/2006/main" xmlns:r="http://schemas.openxmlformats.org/officeDocument/2006/relationships" xmlns:p="http://schemas.openxmlformats.org/presentationml/2006/main">
+<p:notes xmlns:a="http://schemas.openxmlformats.org/drawingml/2006/main" xmlns:r="http://schemas.openxmlformats.org/officeDocument/2006/relationships" xmlns:p="http://schemas.openxmlformats.org/presentationml/2006/main" xmlns:m="http://schemas.openxmlformats.org/officeDocument/2006/math" xmlns:a14="http://schemas.microsoft.com/office/drawing/2010/main" showMasterSp="1" showMasterPhAnim="1">
   <p:cSld>
     <p:spTree>
       <p:nvGrpSpPr>
@@ -526,9 +522,7 @@
       <p:sp>
         <p:nvSpPr>
           <p:cNvPr id="174" name="Shape 174"/>
-          <p:cNvSpPr>
-            <a:spLocks noGrp="1" noRot="1" noChangeAspect="1"/>
-          </p:cNvSpPr>
+          <p:cNvSpPr/>
           <p:nvPr>
             <p:ph type="sldImg"/>
           </p:nvPr>
@@ -542,16 +536,14 @@
           <a:bodyPr/>
           <a:lstStyle/>
           <a:p>
-            <a:endParaRPr/>
+            <a:pPr/>
           </a:p>
         </p:txBody>
       </p:sp>
       <p:sp>
         <p:nvSpPr>
           <p:cNvPr id="175" name="Shape 175"/>
-          <p:cNvSpPr>
-            <a:spLocks noGrp="1"/>
-          </p:cNvSpPr>
+          <p:cNvSpPr/>
           <p:nvPr>
             <p:ph type="body" sz="quarter" idx="1"/>
           </p:nvPr>
@@ -593,7 +585,6 @@
               </a:lnSpc>
               <a:defRPr sz="2100"/>
             </a:pPr>
-            <a:endParaRPr/>
           </a:p>
           <a:p>
             <a:pPr defTabSz="2438338">
@@ -624,7 +615,6 @@
               </a:lnSpc>
               <a:defRPr sz="2100"/>
             </a:pPr>
-            <a:endParaRPr/>
           </a:p>
           <a:p>
             <a:pPr defTabSz="2438338">
@@ -670,14 +660,13 @@
 </file>
 
 <file path=ppt/slideLayouts/slideLayout1.xml><?xml version="1.0" encoding="utf-8"?>
-<p:sldLayout xmlns:a="http://schemas.openxmlformats.org/drawingml/2006/main" xmlns:r="http://schemas.openxmlformats.org/officeDocument/2006/relationships" xmlns:p="http://schemas.openxmlformats.org/presentationml/2006/main" type="title">
+<p:sldLayout xmlns:a="http://schemas.openxmlformats.org/drawingml/2006/main" xmlns:r="http://schemas.openxmlformats.org/officeDocument/2006/relationships" xmlns:p="http://schemas.openxmlformats.org/presentationml/2006/main" xmlns:m="http://schemas.openxmlformats.org/officeDocument/2006/math" xmlns:a14="http://schemas.microsoft.com/office/drawing/2010/main" type="title" showMasterSp="1" showMasterPhAnim="1">
   <p:cSld name="Titre">
     <p:bg>
       <p:bgPr>
         <a:solidFill>
           <a:srgbClr val="003462"/>
         </a:solidFill>
-        <a:effectLst/>
       </p:bgPr>
     </p:bg>
     <p:spTree>
@@ -697,9 +686,7 @@
       <p:sp>
         <p:nvSpPr>
           <p:cNvPr id="11" name="Auteur et date"/>
-          <p:cNvSpPr txBox="1">
-            <a:spLocks noGrp="1"/>
-          </p:cNvSpPr>
+          <p:cNvSpPr txBox="1"/>
           <p:nvPr>
             <p:ph type="body" sz="quarter" idx="21" hasCustomPrompt="1"/>
           </p:nvPr>
@@ -725,7 +712,7 @@
               </a:spcBef>
               <a:buSzTx/>
               <a:buNone/>
-              <a:defRPr sz="3600" b="1">
+              <a:defRPr b="1" sz="3600">
                 <a:solidFill>
                   <a:srgbClr val="FFFFFF"/>
                 </a:solidFill>
@@ -733,6 +720,7 @@
             </a:lvl1pPr>
           </a:lstStyle>
           <a:p>
+            <a:pPr/>
             <a:r>
               <a:t>Auteur et date</a:t>
             </a:r>
@@ -742,9 +730,7 @@
       <p:sp>
         <p:nvSpPr>
           <p:cNvPr id="12" name="Titre de la présentation"/>
-          <p:cNvSpPr txBox="1">
-            <a:spLocks noGrp="1"/>
-          </p:cNvSpPr>
+          <p:cNvSpPr txBox="1"/>
           <p:nvPr>
             <p:ph type="title" hasCustomPrompt="1"/>
           </p:nvPr>
@@ -762,7 +748,7 @@
           <a:bodyPr anchor="b"/>
           <a:lstStyle>
             <a:lvl1pPr>
-              <a:defRPr sz="11600" spc="-232">
+              <a:defRPr spc="-232" sz="11600">
                 <a:solidFill>
                   <a:srgbClr val="FFFFFF"/>
                 </a:solidFill>
@@ -770,6 +756,7 @@
             </a:lvl1pPr>
           </a:lstStyle>
           <a:p>
+            <a:pPr/>
             <a:r>
               <a:t>Titre de la présentation</a:t>
             </a:r>
@@ -779,9 +766,7 @@
       <p:sp>
         <p:nvSpPr>
           <p:cNvPr id="13" name="Texte niveau 1…"/>
-          <p:cNvSpPr txBox="1">
-            <a:spLocks noGrp="1"/>
-          </p:cNvSpPr>
+          <p:cNvSpPr txBox="1"/>
           <p:nvPr>
             <p:ph type="body" sz="quarter" idx="1" hasCustomPrompt="1"/>
           </p:nvPr>
@@ -807,7 +792,7 @@
               </a:spcBef>
               <a:buSzTx/>
               <a:buNone/>
-              <a:defRPr sz="5500" b="1">
+              <a:defRPr b="1" sz="5500">
                 <a:solidFill>
                   <a:schemeClr val="accent1"/>
                 </a:solidFill>
@@ -822,7 +807,7 @@
               </a:spcBef>
               <a:buSzTx/>
               <a:buNone/>
-              <a:defRPr sz="5500" b="1">
+              <a:defRPr b="1" sz="5500">
                 <a:solidFill>
                   <a:schemeClr val="accent1"/>
                 </a:solidFill>
@@ -837,7 +822,7 @@
               </a:spcBef>
               <a:buSzTx/>
               <a:buNone/>
-              <a:defRPr sz="5500" b="1">
+              <a:defRPr b="1" sz="5500">
                 <a:solidFill>
                   <a:schemeClr val="accent1"/>
                 </a:solidFill>
@@ -852,7 +837,7 @@
               </a:spcBef>
               <a:buSzTx/>
               <a:buNone/>
-              <a:defRPr sz="5500" b="1">
+              <a:defRPr b="1" sz="5500">
                 <a:solidFill>
                   <a:schemeClr val="accent1"/>
                 </a:solidFill>
@@ -867,7 +852,7 @@
               </a:spcBef>
               <a:buSzTx/>
               <a:buNone/>
-              <a:defRPr sz="5500" b="1">
+              <a:defRPr b="1" sz="5500">
                 <a:solidFill>
                   <a:schemeClr val="accent1"/>
                 </a:solidFill>
@@ -875,34 +860,41 @@
             </a:lvl5pPr>
           </a:lstStyle>
           <a:p>
+            <a:pPr/>
             <a:r>
               <a:t>Sous-titre de la présentation</a:t>
             </a:r>
           </a:p>
           <a:p>
             <a:pPr lvl="1"/>
-            <a:endParaRPr/>
+            <a:r>
+              <a:t/>
+            </a:r>
           </a:p>
           <a:p>
             <a:pPr lvl="2"/>
-            <a:endParaRPr/>
+            <a:r>
+              <a:t/>
+            </a:r>
           </a:p>
           <a:p>
             <a:pPr lvl="3"/>
-            <a:endParaRPr/>
+            <a:r>
+              <a:t/>
+            </a:r>
           </a:p>
           <a:p>
             <a:pPr lvl="4"/>
-            <a:endParaRPr/>
+            <a:r>
+              <a:t/>
+            </a:r>
           </a:p>
         </p:txBody>
       </p:sp>
       <p:sp>
         <p:nvSpPr>
           <p:cNvPr id="14" name="01"/>
-          <p:cNvSpPr txBox="1">
-            <a:spLocks noGrp="1"/>
-          </p:cNvSpPr>
+          <p:cNvSpPr txBox="1"/>
           <p:nvPr>
             <p:ph type="sldNum" sz="quarter" idx="2"/>
           </p:nvPr>
@@ -924,12 +916,8 @@
             </a:lvl1pPr>
           </a:lstStyle>
           <a:p>
-            <a:fld id="{86CB4B4D-7CA3-9044-876B-883B54F8677D}" type="slidenum">
-              <a:rPr/>
-              <a:pPr/>
-              <a:t>‹N°›</a:t>
-            </a:fld>
-            <a:endParaRPr/>
+            <a:pPr/>
+            <a:fld id="{86CB4B4D-7CA3-9044-876B-883B54F8677D}" type="slidenum"/>
           </a:p>
         </p:txBody>
       </p:sp>
@@ -938,12 +926,12 @@
   <p:clrMapOvr>
     <a:masterClrMapping/>
   </p:clrMapOvr>
-  <p:transition spd="med"/>
+  <p:transition xmlns:p14="http://schemas.microsoft.com/office/powerpoint/2010/main" spd="med" advClick="1"/>
 </p:sldLayout>
 </file>
 
 <file path=ppt/slideLayouts/slideLayout10.xml><?xml version="1.0" encoding="utf-8"?>
-<p:sldLayout xmlns:a="http://schemas.openxmlformats.org/drawingml/2006/main" xmlns:r="http://schemas.openxmlformats.org/officeDocument/2006/relationships" xmlns:p="http://schemas.openxmlformats.org/presentationml/2006/main" type="tx">
+<p:sldLayout xmlns:a="http://schemas.openxmlformats.org/drawingml/2006/main" xmlns:r="http://schemas.openxmlformats.org/officeDocument/2006/relationships" xmlns:p="http://schemas.openxmlformats.org/presentationml/2006/main" xmlns:m="http://schemas.openxmlformats.org/officeDocument/2006/math" xmlns:a14="http://schemas.microsoft.com/office/drawing/2010/main" type="tx" showMasterSp="1" showMasterPhAnim="1">
   <p:cSld name="Déclaration">
     <p:spTree>
       <p:nvGrpSpPr>
@@ -962,9 +950,7 @@
       <p:sp>
         <p:nvSpPr>
           <p:cNvPr id="98" name="Texte niveau 1…"/>
-          <p:cNvSpPr txBox="1">
-            <a:spLocks noGrp="1"/>
-          </p:cNvSpPr>
+          <p:cNvSpPr txBox="1"/>
           <p:nvPr>
             <p:ph type="body" sz="half" idx="1" hasCustomPrompt="1"/>
           </p:nvPr>
@@ -990,7 +976,7 @@
               </a:spcBef>
               <a:buSzTx/>
               <a:buNone/>
-              <a:defRPr sz="11600" spc="-232">
+              <a:defRPr spc="-232" sz="11600">
                 <a:solidFill>
                   <a:schemeClr val="accent1">
                     <a:hueOff val="114395"/>
@@ -1012,7 +998,7 @@
               </a:spcBef>
               <a:buSzTx/>
               <a:buNone/>
-              <a:defRPr sz="11600" spc="-232">
+              <a:defRPr spc="-232" sz="11600">
                 <a:solidFill>
                   <a:schemeClr val="accent1">
                     <a:hueOff val="114395"/>
@@ -1034,7 +1020,7 @@
               </a:spcBef>
               <a:buSzTx/>
               <a:buNone/>
-              <a:defRPr sz="11600" spc="-232">
+              <a:defRPr spc="-232" sz="11600">
                 <a:solidFill>
                   <a:schemeClr val="accent1">
                     <a:hueOff val="114395"/>
@@ -1056,7 +1042,7 @@
               </a:spcBef>
               <a:buSzTx/>
               <a:buNone/>
-              <a:defRPr sz="11600" spc="-232">
+              <a:defRPr spc="-232" sz="11600">
                 <a:solidFill>
                   <a:schemeClr val="accent1">
                     <a:hueOff val="114395"/>
@@ -1078,7 +1064,7 @@
               </a:spcBef>
               <a:buSzTx/>
               <a:buNone/>
-              <a:defRPr sz="11600" spc="-232">
+              <a:defRPr spc="-232" sz="11600">
                 <a:solidFill>
                   <a:schemeClr val="accent1">
                     <a:hueOff val="114395"/>
@@ -1093,34 +1079,41 @@
             </a:lvl5pPr>
           </a:lstStyle>
           <a:p>
+            <a:pPr/>
             <a:r>
               <a:t>Déclaration</a:t>
             </a:r>
           </a:p>
           <a:p>
             <a:pPr lvl="1"/>
-            <a:endParaRPr/>
+            <a:r>
+              <a:t/>
+            </a:r>
           </a:p>
           <a:p>
             <a:pPr lvl="2"/>
-            <a:endParaRPr/>
+            <a:r>
+              <a:t/>
+            </a:r>
           </a:p>
           <a:p>
             <a:pPr lvl="3"/>
-            <a:endParaRPr/>
+            <a:r>
+              <a:t/>
+            </a:r>
           </a:p>
           <a:p>
             <a:pPr lvl="4"/>
-            <a:endParaRPr/>
+            <a:r>
+              <a:t/>
+            </a:r>
           </a:p>
         </p:txBody>
       </p:sp>
       <p:sp>
         <p:nvSpPr>
           <p:cNvPr id="99" name="01"/>
-          <p:cNvSpPr txBox="1">
-            <a:spLocks noGrp="1"/>
-          </p:cNvSpPr>
+          <p:cNvSpPr txBox="1"/>
           <p:nvPr>
             <p:ph type="sldNum" sz="quarter" idx="2"/>
           </p:nvPr>
@@ -1134,12 +1127,8 @@
           <a:bodyPr/>
           <a:lstStyle/>
           <a:p>
-            <a:fld id="{86CB4B4D-7CA3-9044-876B-883B54F8677D}" type="slidenum">
-              <a:rPr/>
-              <a:pPr/>
-              <a:t>‹N°›</a:t>
-            </a:fld>
-            <a:endParaRPr/>
+            <a:pPr/>
+            <a:fld id="{86CB4B4D-7CA3-9044-876B-883B54F8677D}" type="slidenum"/>
           </a:p>
         </p:txBody>
       </p:sp>
@@ -1148,12 +1137,12 @@
   <p:clrMapOvr>
     <a:masterClrMapping/>
   </p:clrMapOvr>
-  <p:transition spd="med"/>
+  <p:transition xmlns:p14="http://schemas.microsoft.com/office/powerpoint/2010/main" spd="med" advClick="1"/>
 </p:sldLayout>
 </file>
 
 <file path=ppt/slideLayouts/slideLayout11.xml><?xml version="1.0" encoding="utf-8"?>
-<p:sldLayout xmlns:a="http://schemas.openxmlformats.org/drawingml/2006/main" xmlns:r="http://schemas.openxmlformats.org/officeDocument/2006/relationships" xmlns:p="http://schemas.openxmlformats.org/presentationml/2006/main" type="tx">
+<p:sldLayout xmlns:a="http://schemas.openxmlformats.org/drawingml/2006/main" xmlns:r="http://schemas.openxmlformats.org/officeDocument/2006/relationships" xmlns:p="http://schemas.openxmlformats.org/presentationml/2006/main" xmlns:m="http://schemas.openxmlformats.org/officeDocument/2006/math" xmlns:a14="http://schemas.microsoft.com/office/drawing/2010/main" type="tx" showMasterSp="1" showMasterPhAnim="1">
   <p:cSld name="Fait important">
     <p:spTree>
       <p:nvGrpSpPr>
@@ -1172,9 +1161,7 @@
       <p:sp>
         <p:nvSpPr>
           <p:cNvPr id="106" name="Texte niveau 1…"/>
-          <p:cNvSpPr txBox="1">
-            <a:spLocks noGrp="1"/>
-          </p:cNvSpPr>
+          <p:cNvSpPr txBox="1"/>
           <p:nvPr>
             <p:ph type="body" idx="1" hasCustomPrompt="1"/>
           </p:nvPr>
@@ -1200,7 +1187,7 @@
               </a:spcBef>
               <a:buSzTx/>
               <a:buNone/>
-              <a:defRPr sz="25000" b="1" spc="-250">
+              <a:defRPr b="1" spc="-250" sz="25000">
                 <a:solidFill>
                   <a:schemeClr val="accent1">
                     <a:hueOff val="114395"/>
@@ -1218,7 +1205,7 @@
               </a:spcBef>
               <a:buSzTx/>
               <a:buNone/>
-              <a:defRPr sz="25000" b="1" spc="-250">
+              <a:defRPr b="1" spc="-250" sz="25000">
                 <a:solidFill>
                   <a:schemeClr val="accent1">
                     <a:hueOff val="114395"/>
@@ -1236,7 +1223,7 @@
               </a:spcBef>
               <a:buSzTx/>
               <a:buNone/>
-              <a:defRPr sz="25000" b="1" spc="-250">
+              <a:defRPr b="1" spc="-250" sz="25000">
                 <a:solidFill>
                   <a:schemeClr val="accent1">
                     <a:hueOff val="114395"/>
@@ -1254,7 +1241,7 @@
               </a:spcBef>
               <a:buSzTx/>
               <a:buNone/>
-              <a:defRPr sz="25000" b="1" spc="-250">
+              <a:defRPr b="1" spc="-250" sz="25000">
                 <a:solidFill>
                   <a:schemeClr val="accent1">
                     <a:hueOff val="114395"/>
@@ -1272,7 +1259,7 @@
               </a:spcBef>
               <a:buSzTx/>
               <a:buNone/>
-              <a:defRPr sz="25000" b="1" spc="-250">
+              <a:defRPr b="1" spc="-250" sz="25000">
                 <a:solidFill>
                   <a:schemeClr val="accent1">
                     <a:hueOff val="114395"/>
@@ -1283,34 +1270,41 @@
             </a:lvl5pPr>
           </a:lstStyle>
           <a:p>
+            <a:pPr/>
             <a:r>
               <a:t>100 %</a:t>
             </a:r>
           </a:p>
           <a:p>
             <a:pPr lvl="1"/>
-            <a:endParaRPr/>
+            <a:r>
+              <a:t/>
+            </a:r>
           </a:p>
           <a:p>
             <a:pPr lvl="2"/>
-            <a:endParaRPr/>
+            <a:r>
+              <a:t/>
+            </a:r>
           </a:p>
           <a:p>
             <a:pPr lvl="3"/>
-            <a:endParaRPr/>
+            <a:r>
+              <a:t/>
+            </a:r>
           </a:p>
           <a:p>
             <a:pPr lvl="4"/>
-            <a:endParaRPr/>
+            <a:r>
+              <a:t/>
+            </a:r>
           </a:p>
         </p:txBody>
       </p:sp>
       <p:sp>
         <p:nvSpPr>
           <p:cNvPr id="107" name="Données clés"/>
-          <p:cNvSpPr txBox="1">
-            <a:spLocks noGrp="1"/>
-          </p:cNvSpPr>
+          <p:cNvSpPr txBox="1"/>
           <p:nvPr>
             <p:ph type="body" sz="quarter" idx="21" hasCustomPrompt="1"/>
           </p:nvPr>
@@ -1336,10 +1330,11 @@
               </a:spcBef>
               <a:buSzTx/>
               <a:buNone/>
-              <a:defRPr sz="5500" b="1"/>
+              <a:defRPr b="1" sz="5500"/>
             </a:lvl1pPr>
           </a:lstStyle>
           <a:p>
+            <a:pPr/>
             <a:r>
               <a:t>Données clés</a:t>
             </a:r>
@@ -1349,9 +1344,7 @@
       <p:sp>
         <p:nvSpPr>
           <p:cNvPr id="108" name="01"/>
-          <p:cNvSpPr txBox="1">
-            <a:spLocks noGrp="1"/>
-          </p:cNvSpPr>
+          <p:cNvSpPr txBox="1"/>
           <p:nvPr>
             <p:ph type="sldNum" sz="quarter" idx="2"/>
           </p:nvPr>
@@ -1365,12 +1358,8 @@
           <a:bodyPr/>
           <a:lstStyle/>
           <a:p>
-            <a:fld id="{86CB4B4D-7CA3-9044-876B-883B54F8677D}" type="slidenum">
-              <a:rPr/>
-              <a:pPr/>
-              <a:t>‹N°›</a:t>
-            </a:fld>
-            <a:endParaRPr/>
+            <a:pPr/>
+            <a:fld id="{86CB4B4D-7CA3-9044-876B-883B54F8677D}" type="slidenum"/>
           </a:p>
         </p:txBody>
       </p:sp>
@@ -1379,12 +1368,12 @@
   <p:clrMapOvr>
     <a:masterClrMapping/>
   </p:clrMapOvr>
-  <p:transition spd="med"/>
+  <p:transition xmlns:p14="http://schemas.microsoft.com/office/powerpoint/2010/main" spd="med" advClick="1"/>
 </p:sldLayout>
 </file>
 
 <file path=ppt/slideLayouts/slideLayout12.xml><?xml version="1.0" encoding="utf-8"?>
-<p:sldLayout xmlns:a="http://schemas.openxmlformats.org/drawingml/2006/main" xmlns:r="http://schemas.openxmlformats.org/officeDocument/2006/relationships" xmlns:p="http://schemas.openxmlformats.org/presentationml/2006/main" type="tx">
+<p:sldLayout xmlns:a="http://schemas.openxmlformats.org/drawingml/2006/main" xmlns:r="http://schemas.openxmlformats.org/officeDocument/2006/relationships" xmlns:p="http://schemas.openxmlformats.org/presentationml/2006/main" xmlns:m="http://schemas.openxmlformats.org/officeDocument/2006/math" xmlns:a14="http://schemas.microsoft.com/office/drawing/2010/main" type="tx" showMasterSp="1" showMasterPhAnim="1">
   <p:cSld name="Citation">
     <p:spTree>
       <p:nvGrpSpPr>
@@ -1403,9 +1392,7 @@
       <p:sp>
         <p:nvSpPr>
           <p:cNvPr id="115" name="Attribution"/>
-          <p:cNvSpPr txBox="1">
-            <a:spLocks noGrp="1"/>
-          </p:cNvSpPr>
+          <p:cNvSpPr txBox="1"/>
           <p:nvPr>
             <p:ph type="body" sz="quarter" idx="21" hasCustomPrompt="1"/>
           </p:nvPr>
@@ -1431,10 +1418,11 @@
               </a:spcBef>
               <a:buSzTx/>
               <a:buNone/>
-              <a:defRPr sz="3600" b="1"/>
+              <a:defRPr b="1" sz="3600"/>
             </a:lvl1pPr>
           </a:lstStyle>
           <a:p>
+            <a:pPr/>
             <a:r>
               <a:t>Attribution</a:t>
             </a:r>
@@ -1444,9 +1432,7 @@
       <p:sp>
         <p:nvSpPr>
           <p:cNvPr id="116" name="Texte niveau 1…"/>
-          <p:cNvSpPr txBox="1">
-            <a:spLocks noGrp="1"/>
-          </p:cNvSpPr>
+          <p:cNvSpPr txBox="1"/>
           <p:nvPr>
             <p:ph type="body" sz="half" idx="1" hasCustomPrompt="1"/>
           </p:nvPr>
@@ -1469,7 +1455,7 @@
               </a:spcBef>
               <a:buSzTx/>
               <a:buNone/>
-              <a:defRPr sz="8500" spc="-170">
+              <a:defRPr spc="-170" sz="8500">
                 <a:solidFill>
                   <a:schemeClr val="accent1">
                     <a:hueOff val="114395"/>
@@ -1488,7 +1474,7 @@
               </a:spcBef>
               <a:buSzTx/>
               <a:buNone/>
-              <a:defRPr sz="8500" spc="-170">
+              <a:defRPr spc="-170" sz="8500">
                 <a:solidFill>
                   <a:schemeClr val="accent1">
                     <a:hueOff val="114395"/>
@@ -1507,7 +1493,7 @@
               </a:spcBef>
               <a:buSzTx/>
               <a:buNone/>
-              <a:defRPr sz="8500" spc="-170">
+              <a:defRPr spc="-170" sz="8500">
                 <a:solidFill>
                   <a:schemeClr val="accent1">
                     <a:hueOff val="114395"/>
@@ -1526,7 +1512,7 @@
               </a:spcBef>
               <a:buSzTx/>
               <a:buNone/>
-              <a:defRPr sz="8500" spc="-170">
+              <a:defRPr spc="-170" sz="8500">
                 <a:solidFill>
                   <a:schemeClr val="accent1">
                     <a:hueOff val="114395"/>
@@ -1545,7 +1531,7 @@
               </a:spcBef>
               <a:buSzTx/>
               <a:buNone/>
-              <a:defRPr sz="8500" spc="-170">
+              <a:defRPr spc="-170" sz="8500">
                 <a:solidFill>
                   <a:schemeClr val="accent1">
                     <a:hueOff val="114395"/>
@@ -1560,34 +1546,41 @@
             </a:lvl5pPr>
           </a:lstStyle>
           <a:p>
+            <a:pPr/>
             <a:r>
               <a:t>« Citation notable »</a:t>
             </a:r>
           </a:p>
           <a:p>
             <a:pPr lvl="1"/>
-            <a:endParaRPr/>
+            <a:r>
+              <a:t/>
+            </a:r>
           </a:p>
           <a:p>
             <a:pPr lvl="2"/>
-            <a:endParaRPr/>
+            <a:r>
+              <a:t/>
+            </a:r>
           </a:p>
           <a:p>
             <a:pPr lvl="3"/>
-            <a:endParaRPr/>
+            <a:r>
+              <a:t/>
+            </a:r>
           </a:p>
           <a:p>
             <a:pPr lvl="4"/>
-            <a:endParaRPr/>
+            <a:r>
+              <a:t/>
+            </a:r>
           </a:p>
         </p:txBody>
       </p:sp>
       <p:sp>
         <p:nvSpPr>
           <p:cNvPr id="117" name="01"/>
-          <p:cNvSpPr txBox="1">
-            <a:spLocks noGrp="1"/>
-          </p:cNvSpPr>
+          <p:cNvSpPr txBox="1"/>
           <p:nvPr>
             <p:ph type="sldNum" sz="quarter" idx="2"/>
           </p:nvPr>
@@ -1601,12 +1594,8 @@
           <a:bodyPr/>
           <a:lstStyle/>
           <a:p>
-            <a:fld id="{86CB4B4D-7CA3-9044-876B-883B54F8677D}" type="slidenum">
-              <a:rPr/>
-              <a:pPr/>
-              <a:t>‹N°›</a:t>
-            </a:fld>
-            <a:endParaRPr/>
+            <a:pPr/>
+            <a:fld id="{86CB4B4D-7CA3-9044-876B-883B54F8677D}" type="slidenum"/>
           </a:p>
         </p:txBody>
       </p:sp>
@@ -1615,12 +1604,12 @@
   <p:clrMapOvr>
     <a:masterClrMapping/>
   </p:clrMapOvr>
-  <p:transition spd="med"/>
+  <p:transition xmlns:p14="http://schemas.microsoft.com/office/powerpoint/2010/main" spd="med" advClick="1"/>
 </p:sldLayout>
 </file>
 
 <file path=ppt/slideLayouts/slideLayout13.xml><?xml version="1.0" encoding="utf-8"?>
-<p:sldLayout xmlns:a="http://schemas.openxmlformats.org/drawingml/2006/main" xmlns:r="http://schemas.openxmlformats.org/officeDocument/2006/relationships" xmlns:p="http://schemas.openxmlformats.org/presentationml/2006/main" type="tx">
+<p:sldLayout xmlns:a="http://schemas.openxmlformats.org/drawingml/2006/main" xmlns:r="http://schemas.openxmlformats.org/officeDocument/2006/relationships" xmlns:p="http://schemas.openxmlformats.org/presentationml/2006/main" xmlns:m="http://schemas.openxmlformats.org/officeDocument/2006/math" xmlns:a14="http://schemas.microsoft.com/office/drawing/2010/main" type="tx" showMasterSp="1" showMasterPhAnim="1">
   <p:cSld name="3 photos">
     <p:spTree>
       <p:nvGrpSpPr>
@@ -1639,9 +1628,7 @@
       <p:sp>
         <p:nvSpPr>
           <p:cNvPr id="124" name="Montgolfières vues de dessous avec un ciel bleu"/>
-          <p:cNvSpPr>
-            <a:spLocks noGrp="1"/>
-          </p:cNvSpPr>
+          <p:cNvSpPr/>
           <p:nvPr>
             <p:ph type="pic" sz="quarter" idx="21"/>
           </p:nvPr>
@@ -1661,16 +1648,14 @@
           </a:bodyPr>
           <a:lstStyle/>
           <a:p>
-            <a:endParaRPr/>
+            <a:pPr/>
           </a:p>
         </p:txBody>
       </p:sp>
       <p:sp>
         <p:nvSpPr>
           <p:cNvPr id="125" name="Gros plan sur la partie supérieure d’une montgolfière vue de dessus"/>
-          <p:cNvSpPr>
-            <a:spLocks noGrp="1"/>
-          </p:cNvSpPr>
+          <p:cNvSpPr/>
           <p:nvPr>
             <p:ph type="pic" sz="quarter" idx="22"/>
           </p:nvPr>
@@ -1690,16 +1675,14 @@
           </a:bodyPr>
           <a:lstStyle/>
           <a:p>
-            <a:endParaRPr/>
+            <a:pPr/>
           </a:p>
         </p:txBody>
       </p:sp>
       <p:sp>
         <p:nvSpPr>
           <p:cNvPr id="126" name="Montgolfières vues de dessous avec un ciel bleu"/>
-          <p:cNvSpPr>
-            <a:spLocks noGrp="1"/>
-          </p:cNvSpPr>
+          <p:cNvSpPr/>
           <p:nvPr>
             <p:ph type="pic" idx="23"/>
           </p:nvPr>
@@ -1719,16 +1702,14 @@
           </a:bodyPr>
           <a:lstStyle/>
           <a:p>
-            <a:endParaRPr/>
+            <a:pPr/>
           </a:p>
         </p:txBody>
       </p:sp>
       <p:sp>
         <p:nvSpPr>
           <p:cNvPr id="127" name="01"/>
-          <p:cNvSpPr txBox="1">
-            <a:spLocks noGrp="1"/>
-          </p:cNvSpPr>
+          <p:cNvSpPr txBox="1"/>
           <p:nvPr>
             <p:ph type="sldNum" sz="quarter" idx="2"/>
           </p:nvPr>
@@ -1742,12 +1723,8 @@
           <a:bodyPr/>
           <a:lstStyle/>
           <a:p>
-            <a:fld id="{86CB4B4D-7CA3-9044-876B-883B54F8677D}" type="slidenum">
-              <a:rPr/>
-              <a:pPr/>
-              <a:t>‹N°›</a:t>
-            </a:fld>
-            <a:endParaRPr/>
+            <a:pPr/>
+            <a:fld id="{86CB4B4D-7CA3-9044-876B-883B54F8677D}" type="slidenum"/>
           </a:p>
         </p:txBody>
       </p:sp>
@@ -1756,12 +1733,12 @@
   <p:clrMapOvr>
     <a:masterClrMapping/>
   </p:clrMapOvr>
-  <p:transition spd="med"/>
+  <p:transition xmlns:p14="http://schemas.microsoft.com/office/powerpoint/2010/main" spd="med" advClick="1"/>
 </p:sldLayout>
 </file>
 
 <file path=ppt/slideLayouts/slideLayout14.xml><?xml version="1.0" encoding="utf-8"?>
-<p:sldLayout xmlns:a="http://schemas.openxmlformats.org/drawingml/2006/main" xmlns:r="http://schemas.openxmlformats.org/officeDocument/2006/relationships" xmlns:p="http://schemas.openxmlformats.org/presentationml/2006/main" type="tx">
+<p:sldLayout xmlns:a="http://schemas.openxmlformats.org/drawingml/2006/main" xmlns:r="http://schemas.openxmlformats.org/officeDocument/2006/relationships" xmlns:p="http://schemas.openxmlformats.org/presentationml/2006/main" xmlns:m="http://schemas.openxmlformats.org/officeDocument/2006/math" xmlns:a14="http://schemas.microsoft.com/office/drawing/2010/main" type="tx" showMasterSp="1" showMasterPhAnim="1">
   <p:cSld name="Photo">
     <p:spTree>
       <p:nvGrpSpPr>
@@ -1780,9 +1757,7 @@
       <p:sp>
         <p:nvSpPr>
           <p:cNvPr id="134" name="Montgolfières vues de dessous avec un ciel bleu"/>
-          <p:cNvSpPr>
-            <a:spLocks noGrp="1"/>
-          </p:cNvSpPr>
+          <p:cNvSpPr/>
           <p:nvPr>
             <p:ph type="pic" idx="21"/>
           </p:nvPr>
@@ -1802,16 +1777,14 @@
           </a:bodyPr>
           <a:lstStyle/>
           <a:p>
-            <a:endParaRPr/>
+            <a:pPr/>
           </a:p>
         </p:txBody>
       </p:sp>
       <p:sp>
         <p:nvSpPr>
           <p:cNvPr id="135" name="01"/>
-          <p:cNvSpPr txBox="1">
-            <a:spLocks noGrp="1"/>
-          </p:cNvSpPr>
+          <p:cNvSpPr txBox="1"/>
           <p:nvPr>
             <p:ph type="sldNum" sz="quarter" idx="2"/>
           </p:nvPr>
@@ -1833,12 +1806,8 @@
             </a:lvl1pPr>
           </a:lstStyle>
           <a:p>
-            <a:fld id="{86CB4B4D-7CA3-9044-876B-883B54F8677D}" type="slidenum">
-              <a:rPr/>
-              <a:pPr/>
-              <a:t>‹N°›</a:t>
-            </a:fld>
-            <a:endParaRPr/>
+            <a:pPr/>
+            <a:fld id="{86CB4B4D-7CA3-9044-876B-883B54F8677D}" type="slidenum"/>
           </a:p>
         </p:txBody>
       </p:sp>
@@ -1847,12 +1816,12 @@
   <p:clrMapOvr>
     <a:masterClrMapping/>
   </p:clrMapOvr>
-  <p:transition spd="med"/>
+  <p:transition xmlns:p14="http://schemas.microsoft.com/office/powerpoint/2010/main" spd="med" advClick="1"/>
 </p:sldLayout>
 </file>
 
 <file path=ppt/slideLayouts/slideLayout15.xml><?xml version="1.0" encoding="utf-8"?>
-<p:sldLayout xmlns:a="http://schemas.openxmlformats.org/drawingml/2006/main" xmlns:r="http://schemas.openxmlformats.org/officeDocument/2006/relationships" xmlns:p="http://schemas.openxmlformats.org/presentationml/2006/main" type="tx">
+<p:sldLayout xmlns:a="http://schemas.openxmlformats.org/drawingml/2006/main" xmlns:r="http://schemas.openxmlformats.org/officeDocument/2006/relationships" xmlns:p="http://schemas.openxmlformats.org/presentationml/2006/main" xmlns:m="http://schemas.openxmlformats.org/officeDocument/2006/math" xmlns:a14="http://schemas.microsoft.com/office/drawing/2010/main" type="tx" showMasterSp="1" showMasterPhAnim="1">
   <p:cSld name="Vierge">
     <p:spTree>
       <p:nvGrpSpPr>
@@ -1871,9 +1840,7 @@
       <p:sp>
         <p:nvSpPr>
           <p:cNvPr id="142" name="01"/>
-          <p:cNvSpPr txBox="1">
-            <a:spLocks noGrp="1"/>
-          </p:cNvSpPr>
+          <p:cNvSpPr txBox="1"/>
           <p:nvPr>
             <p:ph type="sldNum" sz="quarter" idx="2"/>
           </p:nvPr>
@@ -1887,12 +1854,8 @@
           <a:bodyPr/>
           <a:lstStyle/>
           <a:p>
-            <a:fld id="{86CB4B4D-7CA3-9044-876B-883B54F8677D}" type="slidenum">
-              <a:rPr/>
-              <a:pPr/>
-              <a:t>‹N°›</a:t>
-            </a:fld>
-            <a:endParaRPr/>
+            <a:pPr/>
+            <a:fld id="{86CB4B4D-7CA3-9044-876B-883B54F8677D}" type="slidenum"/>
           </a:p>
         </p:txBody>
       </p:sp>
@@ -1901,12 +1864,12 @@
   <p:clrMapOvr>
     <a:masterClrMapping/>
   </p:clrMapOvr>
-  <p:transition spd="med"/>
+  <p:transition xmlns:p14="http://schemas.microsoft.com/office/powerpoint/2010/main" spd="med" advClick="1"/>
 </p:sldLayout>
 </file>
 
 <file path=ppt/slideLayouts/slideLayout2.xml><?xml version="1.0" encoding="utf-8"?>
-<p:sldLayout xmlns:a="http://schemas.openxmlformats.org/drawingml/2006/main" xmlns:r="http://schemas.openxmlformats.org/officeDocument/2006/relationships" xmlns:p="http://schemas.openxmlformats.org/presentationml/2006/main" type="tx">
+<p:sldLayout xmlns:a="http://schemas.openxmlformats.org/drawingml/2006/main" xmlns:r="http://schemas.openxmlformats.org/officeDocument/2006/relationships" xmlns:p="http://schemas.openxmlformats.org/presentationml/2006/main" xmlns:m="http://schemas.openxmlformats.org/officeDocument/2006/math" xmlns:a14="http://schemas.microsoft.com/office/drawing/2010/main" type="tx" showMasterSp="1" showMasterPhAnim="1">
   <p:cSld name="Titre et photo">
     <p:spTree>
       <p:nvGrpSpPr>
@@ -1925,9 +1888,7 @@
       <p:sp>
         <p:nvSpPr>
           <p:cNvPr id="21" name="Gros plan sur la partie supérieure d’une montgolfière vue de dessus"/>
-          <p:cNvSpPr>
-            <a:spLocks noGrp="1"/>
-          </p:cNvSpPr>
+          <p:cNvSpPr/>
           <p:nvPr>
             <p:ph type="pic" idx="21"/>
           </p:nvPr>
@@ -1947,16 +1908,14 @@
           </a:bodyPr>
           <a:lstStyle/>
           <a:p>
-            <a:endParaRPr/>
+            <a:pPr/>
           </a:p>
         </p:txBody>
       </p:sp>
       <p:sp>
         <p:nvSpPr>
           <p:cNvPr id="22" name="Titre de la présentation"/>
-          <p:cNvSpPr txBox="1">
-            <a:spLocks noGrp="1"/>
-          </p:cNvSpPr>
+          <p:cNvSpPr txBox="1"/>
           <p:nvPr>
             <p:ph type="title" hasCustomPrompt="1"/>
           </p:nvPr>
@@ -1974,7 +1933,7 @@
           <a:bodyPr anchor="b"/>
           <a:lstStyle>
             <a:lvl1pPr>
-              <a:defRPr sz="11600" spc="-232">
+              <a:defRPr spc="-232" sz="11600">
                 <a:solidFill>
                   <a:srgbClr val="FFFFFF"/>
                 </a:solidFill>
@@ -1982,6 +1941,7 @@
             </a:lvl1pPr>
           </a:lstStyle>
           <a:p>
+            <a:pPr/>
             <a:r>
               <a:t>Titre de la présentation</a:t>
             </a:r>
@@ -1991,9 +1951,7 @@
       <p:sp>
         <p:nvSpPr>
           <p:cNvPr id="23" name="Auteur et date"/>
-          <p:cNvSpPr txBox="1">
-            <a:spLocks noGrp="1"/>
-          </p:cNvSpPr>
+          <p:cNvSpPr txBox="1"/>
           <p:nvPr>
             <p:ph type="body" sz="quarter" idx="22" hasCustomPrompt="1"/>
           </p:nvPr>
@@ -2019,10 +1977,11 @@
               </a:spcBef>
               <a:buSzTx/>
               <a:buNone/>
-              <a:defRPr sz="3600" b="1"/>
+              <a:defRPr b="1" sz="3600"/>
             </a:lvl1pPr>
           </a:lstStyle>
           <a:p>
+            <a:pPr/>
             <a:r>
               <a:t>Auteur et date</a:t>
             </a:r>
@@ -2032,9 +1991,7 @@
       <p:sp>
         <p:nvSpPr>
           <p:cNvPr id="24" name="Texte niveau 1…"/>
-          <p:cNvSpPr txBox="1">
-            <a:spLocks noGrp="1"/>
-          </p:cNvSpPr>
+          <p:cNvSpPr txBox="1"/>
           <p:nvPr>
             <p:ph type="body" sz="quarter" idx="1" hasCustomPrompt="1"/>
           </p:nvPr>
@@ -2060,7 +2017,7 @@
               </a:spcBef>
               <a:buSzTx/>
               <a:buNone/>
-              <a:defRPr sz="5500" b="1">
+              <a:defRPr b="1" sz="5500">
                 <a:solidFill>
                   <a:srgbClr val="FFFFFF"/>
                 </a:solidFill>
@@ -2075,7 +2032,7 @@
               </a:spcBef>
               <a:buSzTx/>
               <a:buNone/>
-              <a:defRPr sz="5500" b="1">
+              <a:defRPr b="1" sz="5500">
                 <a:solidFill>
                   <a:srgbClr val="FFFFFF"/>
                 </a:solidFill>
@@ -2090,7 +2047,7 @@
               </a:spcBef>
               <a:buSzTx/>
               <a:buNone/>
-              <a:defRPr sz="5500" b="1">
+              <a:defRPr b="1" sz="5500">
                 <a:solidFill>
                   <a:srgbClr val="FFFFFF"/>
                 </a:solidFill>
@@ -2105,7 +2062,7 @@
               </a:spcBef>
               <a:buSzTx/>
               <a:buNone/>
-              <a:defRPr sz="5500" b="1">
+              <a:defRPr b="1" sz="5500">
                 <a:solidFill>
                   <a:srgbClr val="FFFFFF"/>
                 </a:solidFill>
@@ -2120,7 +2077,7 @@
               </a:spcBef>
               <a:buSzTx/>
               <a:buNone/>
-              <a:defRPr sz="5500" b="1">
+              <a:defRPr b="1" sz="5500">
                 <a:solidFill>
                   <a:srgbClr val="FFFFFF"/>
                 </a:solidFill>
@@ -2128,34 +2085,41 @@
             </a:lvl5pPr>
           </a:lstStyle>
           <a:p>
+            <a:pPr/>
             <a:r>
               <a:t>Sous-titre de la présentation</a:t>
             </a:r>
           </a:p>
           <a:p>
             <a:pPr lvl="1"/>
-            <a:endParaRPr/>
+            <a:r>
+              <a:t/>
+            </a:r>
           </a:p>
           <a:p>
             <a:pPr lvl="2"/>
-            <a:endParaRPr/>
+            <a:r>
+              <a:t/>
+            </a:r>
           </a:p>
           <a:p>
             <a:pPr lvl="3"/>
-            <a:endParaRPr/>
+            <a:r>
+              <a:t/>
+            </a:r>
           </a:p>
           <a:p>
             <a:pPr lvl="4"/>
-            <a:endParaRPr/>
+            <a:r>
+              <a:t/>
+            </a:r>
           </a:p>
         </p:txBody>
       </p:sp>
       <p:sp>
         <p:nvSpPr>
           <p:cNvPr id="25" name="01"/>
-          <p:cNvSpPr txBox="1">
-            <a:spLocks noGrp="1"/>
-          </p:cNvSpPr>
+          <p:cNvSpPr txBox="1"/>
           <p:nvPr>
             <p:ph type="sldNum" sz="quarter" idx="2"/>
           </p:nvPr>
@@ -2177,12 +2141,8 @@
             </a:lvl1pPr>
           </a:lstStyle>
           <a:p>
-            <a:fld id="{86CB4B4D-7CA3-9044-876B-883B54F8677D}" type="slidenum">
-              <a:rPr/>
-              <a:pPr/>
-              <a:t>‹N°›</a:t>
-            </a:fld>
-            <a:endParaRPr/>
+            <a:pPr/>
+            <a:fld id="{86CB4B4D-7CA3-9044-876B-883B54F8677D}" type="slidenum"/>
           </a:p>
         </p:txBody>
       </p:sp>
@@ -2191,12 +2151,12 @@
   <p:clrMapOvr>
     <a:masterClrMapping/>
   </p:clrMapOvr>
-  <p:transition spd="med"/>
+  <p:transition xmlns:p14="http://schemas.microsoft.com/office/powerpoint/2010/main" spd="med" advClick="1"/>
 </p:sldLayout>
 </file>
 
 <file path=ppt/slideLayouts/slideLayout3.xml><?xml version="1.0" encoding="utf-8"?>
-<p:sldLayout xmlns:a="http://schemas.openxmlformats.org/drawingml/2006/main" xmlns:r="http://schemas.openxmlformats.org/officeDocument/2006/relationships" xmlns:p="http://schemas.openxmlformats.org/presentationml/2006/main" type="tx">
+<p:sldLayout xmlns:a="http://schemas.openxmlformats.org/drawingml/2006/main" xmlns:r="http://schemas.openxmlformats.org/officeDocument/2006/relationships" xmlns:p="http://schemas.openxmlformats.org/presentationml/2006/main" xmlns:m="http://schemas.openxmlformats.org/officeDocument/2006/math" xmlns:a14="http://schemas.microsoft.com/office/drawing/2010/main" type="tx" showMasterSp="1" showMasterPhAnim="1">
   <p:cSld name="Autre titre et photo">
     <p:spTree>
       <p:nvGrpSpPr>
@@ -2215,9 +2175,7 @@
       <p:sp>
         <p:nvSpPr>
           <p:cNvPr id="32" name="Gros plan sur une montgolfière vue de dessous"/>
-          <p:cNvSpPr>
-            <a:spLocks noGrp="1"/>
-          </p:cNvSpPr>
+          <p:cNvSpPr/>
           <p:nvPr>
             <p:ph type="pic" idx="21"/>
           </p:nvPr>
@@ -2237,16 +2195,14 @@
           </a:bodyPr>
           <a:lstStyle/>
           <a:p>
-            <a:endParaRPr/>
+            <a:pPr/>
           </a:p>
         </p:txBody>
       </p:sp>
       <p:sp>
         <p:nvSpPr>
           <p:cNvPr id="33" name="Titre de diapositive"/>
-          <p:cNvSpPr txBox="1">
-            <a:spLocks noGrp="1"/>
-          </p:cNvSpPr>
+          <p:cNvSpPr txBox="1"/>
           <p:nvPr>
             <p:ph type="title" hasCustomPrompt="1"/>
           </p:nvPr>
@@ -2264,6 +2220,7 @@
           <a:bodyPr anchor="b"/>
           <a:lstStyle/>
           <a:p>
+            <a:pPr/>
             <a:r>
               <a:t>Titre de diapositive</a:t>
             </a:r>
@@ -2273,9 +2230,7 @@
       <p:sp>
         <p:nvSpPr>
           <p:cNvPr id="34" name="Texte niveau 1…"/>
-          <p:cNvSpPr txBox="1">
-            <a:spLocks noGrp="1"/>
-          </p:cNvSpPr>
+          <p:cNvSpPr txBox="1"/>
           <p:nvPr>
             <p:ph type="body" sz="quarter" idx="1" hasCustomPrompt="1"/>
           </p:nvPr>
@@ -2301,7 +2256,7 @@
               </a:spcBef>
               <a:buSzTx/>
               <a:buNone/>
-              <a:defRPr sz="5500" b="1"/>
+              <a:defRPr b="1" sz="5500"/>
             </a:lvl1pPr>
             <a:lvl2pPr marL="0" indent="457200" defTabSz="825500">
               <a:lnSpc>
@@ -2312,7 +2267,7 @@
               </a:spcBef>
               <a:buSzTx/>
               <a:buNone/>
-              <a:defRPr sz="5500" b="1"/>
+              <a:defRPr b="1" sz="5500"/>
             </a:lvl2pPr>
             <a:lvl3pPr marL="0" indent="914400" defTabSz="825500">
               <a:lnSpc>
@@ -2323,7 +2278,7 @@
               </a:spcBef>
               <a:buSzTx/>
               <a:buNone/>
-              <a:defRPr sz="5500" b="1"/>
+              <a:defRPr b="1" sz="5500"/>
             </a:lvl3pPr>
             <a:lvl4pPr marL="0" indent="1371600" defTabSz="825500">
               <a:lnSpc>
@@ -2334,7 +2289,7 @@
               </a:spcBef>
               <a:buSzTx/>
               <a:buNone/>
-              <a:defRPr sz="5500" b="1"/>
+              <a:defRPr b="1" sz="5500"/>
             </a:lvl4pPr>
             <a:lvl5pPr marL="0" indent="1828800" defTabSz="825500">
               <a:lnSpc>
@@ -2345,38 +2300,45 @@
               </a:spcBef>
               <a:buSzTx/>
               <a:buNone/>
-              <a:defRPr sz="5500" b="1"/>
+              <a:defRPr b="1" sz="5500"/>
             </a:lvl5pPr>
           </a:lstStyle>
           <a:p>
+            <a:pPr/>
             <a:r>
               <a:t>Sous-titre de diapositive</a:t>
             </a:r>
           </a:p>
           <a:p>
             <a:pPr lvl="1"/>
-            <a:endParaRPr/>
+            <a:r>
+              <a:t/>
+            </a:r>
           </a:p>
           <a:p>
             <a:pPr lvl="2"/>
-            <a:endParaRPr/>
+            <a:r>
+              <a:t/>
+            </a:r>
           </a:p>
           <a:p>
             <a:pPr lvl="3"/>
-            <a:endParaRPr/>
+            <a:r>
+              <a:t/>
+            </a:r>
           </a:p>
           <a:p>
             <a:pPr lvl="4"/>
-            <a:endParaRPr/>
+            <a:r>
+              <a:t/>
+            </a:r>
           </a:p>
         </p:txBody>
       </p:sp>
       <p:sp>
         <p:nvSpPr>
           <p:cNvPr id="35" name="01"/>
-          <p:cNvSpPr txBox="1">
-            <a:spLocks noGrp="1"/>
-          </p:cNvSpPr>
+          <p:cNvSpPr txBox="1"/>
           <p:nvPr>
             <p:ph type="sldNum" sz="quarter" idx="2"/>
           </p:nvPr>
@@ -2394,12 +2356,8 @@
           <a:bodyPr/>
           <a:lstStyle/>
           <a:p>
-            <a:fld id="{86CB4B4D-7CA3-9044-876B-883B54F8677D}" type="slidenum">
-              <a:rPr/>
-              <a:pPr/>
-              <a:t>‹N°›</a:t>
-            </a:fld>
-            <a:endParaRPr/>
+            <a:pPr/>
+            <a:fld id="{86CB4B4D-7CA3-9044-876B-883B54F8677D}" type="slidenum"/>
           </a:p>
         </p:txBody>
       </p:sp>
@@ -2408,12 +2366,12 @@
   <p:clrMapOvr>
     <a:masterClrMapping/>
   </p:clrMapOvr>
-  <p:transition spd="med"/>
+  <p:transition xmlns:p14="http://schemas.microsoft.com/office/powerpoint/2010/main" spd="med" advClick="1"/>
 </p:sldLayout>
 </file>
 
 <file path=ppt/slideLayouts/slideLayout4.xml><?xml version="1.0" encoding="utf-8"?>
-<p:sldLayout xmlns:a="http://schemas.openxmlformats.org/drawingml/2006/main" xmlns:r="http://schemas.openxmlformats.org/officeDocument/2006/relationships" xmlns:p="http://schemas.openxmlformats.org/presentationml/2006/main" type="tx">
+<p:sldLayout xmlns:a="http://schemas.openxmlformats.org/drawingml/2006/main" xmlns:r="http://schemas.openxmlformats.org/officeDocument/2006/relationships" xmlns:p="http://schemas.openxmlformats.org/presentationml/2006/main" xmlns:m="http://schemas.openxmlformats.org/officeDocument/2006/math" xmlns:a14="http://schemas.microsoft.com/office/drawing/2010/main" type="tx" showMasterSp="1" showMasterPhAnim="1">
   <p:cSld name="Titre et puces">
     <p:spTree>
       <p:nvGrpSpPr>
@@ -2432,9 +2390,7 @@
       <p:sp>
         <p:nvSpPr>
           <p:cNvPr id="42" name="Titre de diapositive"/>
-          <p:cNvSpPr txBox="1">
-            <a:spLocks noGrp="1"/>
-          </p:cNvSpPr>
+          <p:cNvSpPr txBox="1"/>
           <p:nvPr>
             <p:ph type="title" hasCustomPrompt="1"/>
           </p:nvPr>
@@ -2448,6 +2404,7 @@
           <a:bodyPr/>
           <a:lstStyle/>
           <a:p>
+            <a:pPr/>
             <a:r>
               <a:t>Titre de diapositive</a:t>
             </a:r>
@@ -2457,9 +2414,7 @@
       <p:sp>
         <p:nvSpPr>
           <p:cNvPr id="43" name="Sous-titre de diapositive"/>
-          <p:cNvSpPr txBox="1">
-            <a:spLocks noGrp="1"/>
-          </p:cNvSpPr>
+          <p:cNvSpPr txBox="1"/>
           <p:nvPr>
             <p:ph type="body" sz="quarter" idx="21" hasCustomPrompt="1"/>
           </p:nvPr>
@@ -2485,10 +2440,11 @@
               </a:spcBef>
               <a:buSzTx/>
               <a:buNone/>
-              <a:defRPr sz="5500" b="1"/>
+              <a:defRPr b="1" sz="5500"/>
             </a:lvl1pPr>
           </a:lstStyle>
           <a:p>
+            <a:pPr/>
             <a:r>
               <a:t>Sous-titre de diapositive</a:t>
             </a:r>
@@ -2498,9 +2454,7 @@
       <p:sp>
         <p:nvSpPr>
           <p:cNvPr id="44" name="Texte niveau 1…"/>
-          <p:cNvSpPr txBox="1">
-            <a:spLocks noGrp="1"/>
-          </p:cNvSpPr>
+          <p:cNvSpPr txBox="1"/>
           <p:nvPr>
             <p:ph type="body" idx="1" hasCustomPrompt="1"/>
           </p:nvPr>
@@ -2514,34 +2468,41 @@
           <a:bodyPr/>
           <a:lstStyle/>
           <a:p>
+            <a:pPr/>
             <a:r>
               <a:t>Texte de puce de diapositive</a:t>
             </a:r>
           </a:p>
           <a:p>
             <a:pPr lvl="1"/>
-            <a:endParaRPr/>
+            <a:r>
+              <a:t/>
+            </a:r>
           </a:p>
           <a:p>
             <a:pPr lvl="2"/>
-            <a:endParaRPr/>
+            <a:r>
+              <a:t/>
+            </a:r>
           </a:p>
           <a:p>
             <a:pPr lvl="3"/>
-            <a:endParaRPr/>
+            <a:r>
+              <a:t/>
+            </a:r>
           </a:p>
           <a:p>
             <a:pPr lvl="4"/>
-            <a:endParaRPr/>
+            <a:r>
+              <a:t/>
+            </a:r>
           </a:p>
         </p:txBody>
       </p:sp>
       <p:sp>
         <p:nvSpPr>
           <p:cNvPr id="45" name="01"/>
-          <p:cNvSpPr txBox="1">
-            <a:spLocks noGrp="1"/>
-          </p:cNvSpPr>
+          <p:cNvSpPr txBox="1"/>
           <p:nvPr>
             <p:ph type="sldNum" sz="quarter" idx="2"/>
           </p:nvPr>
@@ -2555,12 +2516,8 @@
           <a:bodyPr/>
           <a:lstStyle/>
           <a:p>
-            <a:fld id="{86CB4B4D-7CA3-9044-876B-883B54F8677D}" type="slidenum">
-              <a:rPr/>
-              <a:pPr/>
-              <a:t>‹N°›</a:t>
-            </a:fld>
-            <a:endParaRPr/>
+            <a:pPr/>
+            <a:fld id="{86CB4B4D-7CA3-9044-876B-883B54F8677D}" type="slidenum"/>
           </a:p>
         </p:txBody>
       </p:sp>
@@ -2569,12 +2526,12 @@
   <p:clrMapOvr>
     <a:masterClrMapping/>
   </p:clrMapOvr>
-  <p:transition spd="med"/>
+  <p:transition xmlns:p14="http://schemas.microsoft.com/office/powerpoint/2010/main" spd="med" advClick="1"/>
 </p:sldLayout>
 </file>
 
 <file path=ppt/slideLayouts/slideLayout5.xml><?xml version="1.0" encoding="utf-8"?>
-<p:sldLayout xmlns:a="http://schemas.openxmlformats.org/drawingml/2006/main" xmlns:r="http://schemas.openxmlformats.org/officeDocument/2006/relationships" xmlns:p="http://schemas.openxmlformats.org/presentationml/2006/main" type="tx">
+<p:sldLayout xmlns:a="http://schemas.openxmlformats.org/drawingml/2006/main" xmlns:r="http://schemas.openxmlformats.org/officeDocument/2006/relationships" xmlns:p="http://schemas.openxmlformats.org/presentationml/2006/main" xmlns:m="http://schemas.openxmlformats.org/officeDocument/2006/math" xmlns:a14="http://schemas.microsoft.com/office/drawing/2010/main" type="tx" showMasterSp="1" showMasterPhAnim="1">
   <p:cSld name="Puces">
     <p:spTree>
       <p:nvGrpSpPr>
@@ -2593,9 +2550,7 @@
       <p:sp>
         <p:nvSpPr>
           <p:cNvPr id="52" name="Texte niveau 1…"/>
-          <p:cNvSpPr txBox="1">
-            <a:spLocks noGrp="1"/>
-          </p:cNvSpPr>
+          <p:cNvSpPr txBox="1"/>
           <p:nvPr>
             <p:ph type="body" idx="1" hasCustomPrompt="1"/>
           </p:nvPr>
@@ -2609,34 +2564,41 @@
           <a:bodyPr numCol="2" spcCol="1098550"/>
           <a:lstStyle/>
           <a:p>
+            <a:pPr/>
             <a:r>
               <a:t>Texte de puce de diapositive</a:t>
             </a:r>
           </a:p>
           <a:p>
             <a:pPr lvl="1"/>
-            <a:endParaRPr/>
+            <a:r>
+              <a:t/>
+            </a:r>
           </a:p>
           <a:p>
             <a:pPr lvl="2"/>
-            <a:endParaRPr/>
+            <a:r>
+              <a:t/>
+            </a:r>
           </a:p>
           <a:p>
             <a:pPr lvl="3"/>
-            <a:endParaRPr/>
+            <a:r>
+              <a:t/>
+            </a:r>
           </a:p>
           <a:p>
             <a:pPr lvl="4"/>
-            <a:endParaRPr/>
+            <a:r>
+              <a:t/>
+            </a:r>
           </a:p>
         </p:txBody>
       </p:sp>
       <p:sp>
         <p:nvSpPr>
           <p:cNvPr id="53" name="01"/>
-          <p:cNvSpPr txBox="1">
-            <a:spLocks noGrp="1"/>
-          </p:cNvSpPr>
+          <p:cNvSpPr txBox="1"/>
           <p:nvPr>
             <p:ph type="sldNum" sz="quarter" idx="2"/>
           </p:nvPr>
@@ -2650,12 +2612,8 @@
           <a:bodyPr/>
           <a:lstStyle/>
           <a:p>
-            <a:fld id="{86CB4B4D-7CA3-9044-876B-883B54F8677D}" type="slidenum">
-              <a:rPr/>
-              <a:pPr/>
-              <a:t>‹N°›</a:t>
-            </a:fld>
-            <a:endParaRPr/>
+            <a:pPr/>
+            <a:fld id="{86CB4B4D-7CA3-9044-876B-883B54F8677D}" type="slidenum"/>
           </a:p>
         </p:txBody>
       </p:sp>
@@ -2664,12 +2622,12 @@
   <p:clrMapOvr>
     <a:masterClrMapping/>
   </p:clrMapOvr>
-  <p:transition spd="med"/>
+  <p:transition xmlns:p14="http://schemas.microsoft.com/office/powerpoint/2010/main" spd="med" advClick="1"/>
 </p:sldLayout>
 </file>
 
 <file path=ppt/slideLayouts/slideLayout6.xml><?xml version="1.0" encoding="utf-8"?>
-<p:sldLayout xmlns:a="http://schemas.openxmlformats.org/drawingml/2006/main" xmlns:r="http://schemas.openxmlformats.org/officeDocument/2006/relationships" xmlns:p="http://schemas.openxmlformats.org/presentationml/2006/main" type="tx">
+<p:sldLayout xmlns:a="http://schemas.openxmlformats.org/drawingml/2006/main" xmlns:r="http://schemas.openxmlformats.org/officeDocument/2006/relationships" xmlns:p="http://schemas.openxmlformats.org/presentationml/2006/main" xmlns:m="http://schemas.openxmlformats.org/officeDocument/2006/math" xmlns:a14="http://schemas.microsoft.com/office/drawing/2010/main" type="tx" showMasterSp="1" showMasterPhAnim="1">
   <p:cSld name="Titre, puces et photo">
     <p:spTree>
       <p:nvGrpSpPr>
@@ -2688,9 +2646,7 @@
       <p:sp>
         <p:nvSpPr>
           <p:cNvPr id="60" name="Sous-titre de diapositive"/>
-          <p:cNvSpPr txBox="1">
-            <a:spLocks noGrp="1"/>
-          </p:cNvSpPr>
+          <p:cNvSpPr txBox="1"/>
           <p:nvPr>
             <p:ph type="body" sz="quarter" idx="21" hasCustomPrompt="1"/>
           </p:nvPr>
@@ -2716,10 +2672,11 @@
               </a:spcBef>
               <a:buSzTx/>
               <a:buNone/>
-              <a:defRPr sz="5500" b="1"/>
+              <a:defRPr b="1" sz="5500"/>
             </a:lvl1pPr>
           </a:lstStyle>
           <a:p>
+            <a:pPr/>
             <a:r>
               <a:t>Sous-titre de diapositive</a:t>
             </a:r>
@@ -2729,9 +2686,7 @@
       <p:sp>
         <p:nvSpPr>
           <p:cNvPr id="61" name="Texte niveau 1…"/>
-          <p:cNvSpPr txBox="1">
-            <a:spLocks noGrp="1"/>
-          </p:cNvSpPr>
+          <p:cNvSpPr txBox="1"/>
           <p:nvPr>
             <p:ph type="body" sz="half" idx="1" hasCustomPrompt="1"/>
           </p:nvPr>
@@ -2749,34 +2704,41 @@
           <a:bodyPr/>
           <a:lstStyle/>
           <a:p>
+            <a:pPr/>
             <a:r>
               <a:t>Texte de puce de diapositive</a:t>
             </a:r>
           </a:p>
           <a:p>
             <a:pPr lvl="1"/>
-            <a:endParaRPr/>
+            <a:r>
+              <a:t/>
+            </a:r>
           </a:p>
           <a:p>
             <a:pPr lvl="2"/>
-            <a:endParaRPr/>
+            <a:r>
+              <a:t/>
+            </a:r>
           </a:p>
           <a:p>
             <a:pPr lvl="3"/>
-            <a:endParaRPr/>
+            <a:r>
+              <a:t/>
+            </a:r>
           </a:p>
           <a:p>
             <a:pPr lvl="4"/>
-            <a:endParaRPr/>
+            <a:r>
+              <a:t/>
+            </a:r>
           </a:p>
         </p:txBody>
       </p:sp>
       <p:sp>
         <p:nvSpPr>
           <p:cNvPr id="62" name="Montgolfières vues de dessous avec un ciel bleu"/>
-          <p:cNvSpPr>
-            <a:spLocks noGrp="1"/>
-          </p:cNvSpPr>
+          <p:cNvSpPr/>
           <p:nvPr>
             <p:ph type="pic" idx="22"/>
           </p:nvPr>
@@ -2796,16 +2758,14 @@
           </a:bodyPr>
           <a:lstStyle/>
           <a:p>
-            <a:endParaRPr/>
+            <a:pPr/>
           </a:p>
         </p:txBody>
       </p:sp>
       <p:sp>
         <p:nvSpPr>
           <p:cNvPr id="63" name="Titre de diapositive"/>
-          <p:cNvSpPr txBox="1">
-            <a:spLocks noGrp="1"/>
-          </p:cNvSpPr>
+          <p:cNvSpPr txBox="1"/>
           <p:nvPr>
             <p:ph type="title" hasCustomPrompt="1"/>
           </p:nvPr>
@@ -2823,6 +2783,7 @@
           <a:bodyPr/>
           <a:lstStyle/>
           <a:p>
+            <a:pPr/>
             <a:r>
               <a:t>Titre de diapositive</a:t>
             </a:r>
@@ -2832,9 +2793,7 @@
       <p:sp>
         <p:nvSpPr>
           <p:cNvPr id="64" name="01"/>
-          <p:cNvSpPr txBox="1">
-            <a:spLocks noGrp="1"/>
-          </p:cNvSpPr>
+          <p:cNvSpPr txBox="1"/>
           <p:nvPr>
             <p:ph type="sldNum" sz="quarter" idx="2"/>
           </p:nvPr>
@@ -2848,12 +2807,8 @@
           <a:bodyPr/>
           <a:lstStyle/>
           <a:p>
-            <a:fld id="{86CB4B4D-7CA3-9044-876B-883B54F8677D}" type="slidenum">
-              <a:rPr/>
-              <a:pPr/>
-              <a:t>‹N°›</a:t>
-            </a:fld>
-            <a:endParaRPr/>
+            <a:pPr/>
+            <a:fld id="{86CB4B4D-7CA3-9044-876B-883B54F8677D}" type="slidenum"/>
           </a:p>
         </p:txBody>
       </p:sp>
@@ -2862,19 +2817,18 @@
   <p:clrMapOvr>
     <a:masterClrMapping/>
   </p:clrMapOvr>
-  <p:transition spd="med"/>
+  <p:transition xmlns:p14="http://schemas.microsoft.com/office/powerpoint/2010/main" spd="med" advClick="1"/>
 </p:sldLayout>
 </file>
 
 <file path=ppt/slideLayouts/slideLayout7.xml><?xml version="1.0" encoding="utf-8"?>
-<p:sldLayout xmlns:a="http://schemas.openxmlformats.org/drawingml/2006/main" xmlns:r="http://schemas.openxmlformats.org/officeDocument/2006/relationships" xmlns:p="http://schemas.openxmlformats.org/presentationml/2006/main" type="tx">
+<p:sldLayout xmlns:a="http://schemas.openxmlformats.org/drawingml/2006/main" xmlns:r="http://schemas.openxmlformats.org/officeDocument/2006/relationships" xmlns:p="http://schemas.openxmlformats.org/presentationml/2006/main" xmlns:m="http://schemas.openxmlformats.org/officeDocument/2006/math" xmlns:a14="http://schemas.microsoft.com/office/drawing/2010/main" type="tx" showMasterSp="1" showMasterPhAnim="1">
   <p:cSld name="Section">
     <p:bg>
       <p:bgPr>
         <a:solidFill>
           <a:srgbClr val="003462"/>
         </a:solidFill>
-        <a:effectLst/>
       </p:bgPr>
     </p:bg>
     <p:spTree>
@@ -2894,9 +2848,7 @@
       <p:sp>
         <p:nvSpPr>
           <p:cNvPr id="71" name="Titre de section"/>
-          <p:cNvSpPr txBox="1">
-            <a:spLocks noGrp="1"/>
-          </p:cNvSpPr>
+          <p:cNvSpPr txBox="1"/>
           <p:nvPr>
             <p:ph type="title" hasCustomPrompt="1"/>
           </p:nvPr>
@@ -2914,7 +2866,7 @@
           <a:bodyPr anchor="ctr"/>
           <a:lstStyle>
             <a:lvl1pPr>
-              <a:defRPr sz="11600" b="0" spc="-232">
+              <a:defRPr b="0" spc="-232" sz="11600">
                 <a:solidFill>
                   <a:srgbClr val="FFFFFF"/>
                 </a:solidFill>
@@ -2926,6 +2878,7 @@
             </a:lvl1pPr>
           </a:lstStyle>
           <a:p>
+            <a:pPr/>
             <a:r>
               <a:t>Titre de section</a:t>
             </a:r>
@@ -2935,9 +2888,7 @@
       <p:sp>
         <p:nvSpPr>
           <p:cNvPr id="72" name="01"/>
-          <p:cNvSpPr txBox="1">
-            <a:spLocks noGrp="1"/>
-          </p:cNvSpPr>
+          <p:cNvSpPr txBox="1"/>
           <p:nvPr>
             <p:ph type="sldNum" sz="quarter" idx="2"/>
           </p:nvPr>
@@ -2963,12 +2914,8 @@
             </a:lvl1pPr>
           </a:lstStyle>
           <a:p>
-            <a:fld id="{86CB4B4D-7CA3-9044-876B-883B54F8677D}" type="slidenum">
-              <a:rPr/>
-              <a:pPr/>
-              <a:t>‹N°›</a:t>
-            </a:fld>
-            <a:endParaRPr/>
+            <a:pPr/>
+            <a:fld id="{86CB4B4D-7CA3-9044-876B-883B54F8677D}" type="slidenum"/>
           </a:p>
         </p:txBody>
       </p:sp>
@@ -2977,12 +2924,12 @@
   <p:clrMapOvr>
     <a:masterClrMapping/>
   </p:clrMapOvr>
-  <p:transition spd="med"/>
+  <p:transition xmlns:p14="http://schemas.microsoft.com/office/powerpoint/2010/main" spd="med" advClick="1"/>
 </p:sldLayout>
 </file>
 
 <file path=ppt/slideLayouts/slideLayout8.xml><?xml version="1.0" encoding="utf-8"?>
-<p:sldLayout xmlns:a="http://schemas.openxmlformats.org/drawingml/2006/main" xmlns:r="http://schemas.openxmlformats.org/officeDocument/2006/relationships" xmlns:p="http://schemas.openxmlformats.org/presentationml/2006/main" type="tx">
+<p:sldLayout xmlns:a="http://schemas.openxmlformats.org/drawingml/2006/main" xmlns:r="http://schemas.openxmlformats.org/officeDocument/2006/relationships" xmlns:p="http://schemas.openxmlformats.org/presentationml/2006/main" xmlns:m="http://schemas.openxmlformats.org/officeDocument/2006/math" xmlns:a14="http://schemas.microsoft.com/office/drawing/2010/main" type="tx" showMasterSp="1" showMasterPhAnim="1">
   <p:cSld name="Titre seulement">
     <p:spTree>
       <p:nvGrpSpPr>
@@ -3001,9 +2948,7 @@
       <p:sp>
         <p:nvSpPr>
           <p:cNvPr id="79" name="Titre de diapositive"/>
-          <p:cNvSpPr txBox="1">
-            <a:spLocks noGrp="1"/>
-          </p:cNvSpPr>
+          <p:cNvSpPr txBox="1"/>
           <p:nvPr>
             <p:ph type="title" hasCustomPrompt="1"/>
           </p:nvPr>
@@ -3021,6 +2966,7 @@
           <a:bodyPr/>
           <a:lstStyle/>
           <a:p>
+            <a:pPr/>
             <a:r>
               <a:t>Titre de diapositive</a:t>
             </a:r>
@@ -3030,9 +2976,7 @@
       <p:sp>
         <p:nvSpPr>
           <p:cNvPr id="80" name="Sous-titre de diapositive"/>
-          <p:cNvSpPr txBox="1">
-            <a:spLocks noGrp="1"/>
-          </p:cNvSpPr>
+          <p:cNvSpPr txBox="1"/>
           <p:nvPr>
             <p:ph type="body" sz="quarter" idx="21" hasCustomPrompt="1"/>
           </p:nvPr>
@@ -3058,10 +3002,11 @@
               </a:spcBef>
               <a:buSzTx/>
               <a:buNone/>
-              <a:defRPr sz="5500" b="1"/>
+              <a:defRPr b="1" sz="5500"/>
             </a:lvl1pPr>
           </a:lstStyle>
           <a:p>
+            <a:pPr/>
             <a:r>
               <a:t>Sous-titre de diapositive</a:t>
             </a:r>
@@ -3071,9 +3016,7 @@
       <p:sp>
         <p:nvSpPr>
           <p:cNvPr id="81" name="01"/>
-          <p:cNvSpPr txBox="1">
-            <a:spLocks noGrp="1"/>
-          </p:cNvSpPr>
+          <p:cNvSpPr txBox="1"/>
           <p:nvPr>
             <p:ph type="sldNum" sz="quarter" idx="2"/>
           </p:nvPr>
@@ -3087,12 +3030,8 @@
           <a:bodyPr/>
           <a:lstStyle/>
           <a:p>
-            <a:fld id="{86CB4B4D-7CA3-9044-876B-883B54F8677D}" type="slidenum">
-              <a:rPr/>
-              <a:pPr/>
-              <a:t>‹N°›</a:t>
-            </a:fld>
-            <a:endParaRPr/>
+            <a:pPr/>
+            <a:fld id="{86CB4B4D-7CA3-9044-876B-883B54F8677D}" type="slidenum"/>
           </a:p>
         </p:txBody>
       </p:sp>
@@ -3101,12 +3040,12 @@
   <p:clrMapOvr>
     <a:masterClrMapping/>
   </p:clrMapOvr>
-  <p:transition spd="med"/>
+  <p:transition xmlns:p14="http://schemas.microsoft.com/office/powerpoint/2010/main" spd="med" advClick="1"/>
 </p:sldLayout>
 </file>
 
 <file path=ppt/slideLayouts/slideLayout9.xml><?xml version="1.0" encoding="utf-8"?>
-<p:sldLayout xmlns:a="http://schemas.openxmlformats.org/drawingml/2006/main" xmlns:r="http://schemas.openxmlformats.org/officeDocument/2006/relationships" xmlns:p="http://schemas.openxmlformats.org/presentationml/2006/main" type="tx">
+<p:sldLayout xmlns:a="http://schemas.openxmlformats.org/drawingml/2006/main" xmlns:r="http://schemas.openxmlformats.org/officeDocument/2006/relationships" xmlns:p="http://schemas.openxmlformats.org/presentationml/2006/main" xmlns:m="http://schemas.openxmlformats.org/officeDocument/2006/math" xmlns:a14="http://schemas.microsoft.com/office/drawing/2010/main" type="tx" showMasterSp="1" showMasterPhAnim="1">
   <p:cSld name="Ordre du jour">
     <p:spTree>
       <p:nvGrpSpPr>
@@ -3125,9 +3064,7 @@
       <p:sp>
         <p:nvSpPr>
           <p:cNvPr id="88" name="Titre de l’ordre du jour"/>
-          <p:cNvSpPr txBox="1">
-            <a:spLocks noGrp="1"/>
-          </p:cNvSpPr>
+          <p:cNvSpPr txBox="1"/>
           <p:nvPr>
             <p:ph type="title" hasCustomPrompt="1"/>
           </p:nvPr>
@@ -3145,6 +3082,7 @@
           <a:bodyPr/>
           <a:lstStyle/>
           <a:p>
+            <a:pPr/>
             <a:r>
               <a:t>Titre de l’ordre du jour</a:t>
             </a:r>
@@ -3154,9 +3092,7 @@
       <p:sp>
         <p:nvSpPr>
           <p:cNvPr id="89" name="Sous-titre de l’ordre du jour"/>
-          <p:cNvSpPr txBox="1">
-            <a:spLocks noGrp="1"/>
-          </p:cNvSpPr>
+          <p:cNvSpPr txBox="1"/>
           <p:nvPr>
             <p:ph type="body" sz="quarter" idx="21" hasCustomPrompt="1"/>
           </p:nvPr>
@@ -3182,10 +3118,11 @@
               </a:spcBef>
               <a:buSzTx/>
               <a:buNone/>
-              <a:defRPr sz="5500" b="1"/>
+              <a:defRPr b="1" sz="5500"/>
             </a:lvl1pPr>
           </a:lstStyle>
           <a:p>
+            <a:pPr/>
             <a:r>
               <a:t>Sous-titre de l’ordre du jour</a:t>
             </a:r>
@@ -3195,9 +3132,7 @@
       <p:sp>
         <p:nvSpPr>
           <p:cNvPr id="90" name="Texte niveau 1…"/>
-          <p:cNvSpPr txBox="1">
-            <a:spLocks noGrp="1"/>
-          </p:cNvSpPr>
+          <p:cNvSpPr txBox="1"/>
           <p:nvPr>
             <p:ph type="body" idx="1" hasCustomPrompt="1"/>
           </p:nvPr>
@@ -3219,7 +3154,7 @@
               </a:spcBef>
               <a:buSzTx/>
               <a:buNone/>
-              <a:defRPr sz="5500" spc="-55"/>
+              <a:defRPr spc="-55" sz="5500"/>
             </a:lvl1pPr>
             <a:lvl2pPr marL="0" indent="457200" defTabSz="825500">
               <a:lnSpc>
@@ -3230,7 +3165,7 @@
               </a:spcBef>
               <a:buSzTx/>
               <a:buNone/>
-              <a:defRPr sz="5500" spc="-55"/>
+              <a:defRPr spc="-55" sz="5500"/>
             </a:lvl2pPr>
             <a:lvl3pPr marL="0" indent="914400" defTabSz="825500">
               <a:lnSpc>
@@ -3241,7 +3176,7 @@
               </a:spcBef>
               <a:buSzTx/>
               <a:buNone/>
-              <a:defRPr sz="5500" spc="-55"/>
+              <a:defRPr spc="-55" sz="5500"/>
             </a:lvl3pPr>
             <a:lvl4pPr marL="0" indent="1371600" defTabSz="825500">
               <a:lnSpc>
@@ -3252,7 +3187,7 @@
               </a:spcBef>
               <a:buSzTx/>
               <a:buNone/>
-              <a:defRPr sz="5500" spc="-55"/>
+              <a:defRPr spc="-55" sz="5500"/>
             </a:lvl4pPr>
             <a:lvl5pPr marL="0" indent="1828800" defTabSz="825500">
               <a:lnSpc>
@@ -3263,38 +3198,45 @@
               </a:spcBef>
               <a:buSzTx/>
               <a:buNone/>
-              <a:defRPr sz="5500" spc="-55"/>
+              <a:defRPr spc="-55" sz="5500"/>
             </a:lvl5pPr>
           </a:lstStyle>
           <a:p>
+            <a:pPr/>
             <a:r>
               <a:t>Rubriques de l’ordre du jour</a:t>
             </a:r>
           </a:p>
           <a:p>
             <a:pPr lvl="1"/>
-            <a:endParaRPr/>
+            <a:r>
+              <a:t/>
+            </a:r>
           </a:p>
           <a:p>
             <a:pPr lvl="2"/>
-            <a:endParaRPr/>
+            <a:r>
+              <a:t/>
+            </a:r>
           </a:p>
           <a:p>
             <a:pPr lvl="3"/>
-            <a:endParaRPr/>
+            <a:r>
+              <a:t/>
+            </a:r>
           </a:p>
           <a:p>
             <a:pPr lvl="4"/>
-            <a:endParaRPr/>
+            <a:r>
+              <a:t/>
+            </a:r>
           </a:p>
         </p:txBody>
       </p:sp>
       <p:sp>
         <p:nvSpPr>
           <p:cNvPr id="91" name="01"/>
-          <p:cNvSpPr txBox="1">
-            <a:spLocks noGrp="1"/>
-          </p:cNvSpPr>
+          <p:cNvSpPr txBox="1"/>
           <p:nvPr>
             <p:ph type="sldNum" sz="quarter" idx="2"/>
           </p:nvPr>
@@ -3308,12 +3250,8 @@
           <a:bodyPr/>
           <a:lstStyle/>
           <a:p>
-            <a:fld id="{86CB4B4D-7CA3-9044-876B-883B54F8677D}" type="slidenum">
-              <a:rPr/>
-              <a:pPr/>
-              <a:t>‹N°›</a:t>
-            </a:fld>
-            <a:endParaRPr/>
+            <a:pPr/>
+            <a:fld id="{86CB4B4D-7CA3-9044-876B-883B54F8677D}" type="slidenum"/>
           </a:p>
         </p:txBody>
       </p:sp>
@@ -3322,19 +3260,18 @@
   <p:clrMapOvr>
     <a:masterClrMapping/>
   </p:clrMapOvr>
-  <p:transition spd="med"/>
+  <p:transition xmlns:p14="http://schemas.microsoft.com/office/powerpoint/2010/main" spd="med" advClick="1"/>
 </p:sldLayout>
 </file>
 
 <file path=ppt/slideMasters/slideMaster1.xml><?xml version="1.0" encoding="utf-8"?>
-<p:sldMaster xmlns:a="http://schemas.openxmlformats.org/drawingml/2006/main" xmlns:r="http://schemas.openxmlformats.org/officeDocument/2006/relationships" xmlns:p="http://schemas.openxmlformats.org/presentationml/2006/main">
+<p:sldMaster xmlns:a="http://schemas.openxmlformats.org/drawingml/2006/main" xmlns:r="http://schemas.openxmlformats.org/officeDocument/2006/relationships" xmlns:p="http://schemas.openxmlformats.org/presentationml/2006/main" xmlns:m="http://schemas.openxmlformats.org/officeDocument/2006/math" xmlns:a14="http://schemas.microsoft.com/office/drawing/2010/main">
   <p:cSld>
     <p:bg>
       <p:bgPr>
         <a:solidFill>
           <a:srgbClr val="FFFFFF"/>
         </a:solidFill>
-        <a:effectLst/>
       </p:bgPr>
     </p:bg>
     <p:spTree>
@@ -3354,11 +3291,9 @@
       <p:sp>
         <p:nvSpPr>
           <p:cNvPr id="2" name="Titre de diapositive"/>
-          <p:cNvSpPr txBox="1">
-            <a:spLocks noGrp="1"/>
-          </p:cNvSpPr>
+          <p:cNvSpPr txBox="1"/>
           <p:nvPr>
-            <p:ph type="title"/>
+            <p:ph type="title" hasCustomPrompt="1"/>
           </p:nvPr>
         </p:nvSpPr>
         <p:spPr>
@@ -3374,16 +3309,17 @@
           </a:ln>
           <a:extLst>
             <a:ext uri="{C572A759-6A51-4108-AA02-DFA0A04FC94B}">
-              <ma14:wrappingTextBoxFlag xmlns:ma14="http://schemas.microsoft.com/office/mac/drawingml/2011/main" xmlns:a14="http://schemas.microsoft.com/office/drawing/2010/main" xmlns:m="http://schemas.openxmlformats.org/officeDocument/2006/math" xmlns="" val="1"/>
+              <ma14:wrappingTextBoxFlag xmlns:ma14="http://schemas.microsoft.com/office/mac/drawingml/2011/main" val="1"/>
             </a:ext>
           </a:extLst>
         </p:spPr>
         <p:txBody>
           <a:bodyPr lIns="50800" tIns="50800" rIns="50800" bIns="50800">
-            <a:normAutofit/>
+            <a:normAutofit fontScale="100000" lnSpcReduction="0"/>
           </a:bodyPr>
           <a:lstStyle/>
           <a:p>
+            <a:pPr/>
             <a:r>
               <a:t>Titre de diapositive</a:t>
             </a:r>
@@ -3393,11 +3329,9 @@
       <p:sp>
         <p:nvSpPr>
           <p:cNvPr id="3" name="Texte niveau 1…"/>
-          <p:cNvSpPr txBox="1">
-            <a:spLocks noGrp="1"/>
-          </p:cNvSpPr>
+          <p:cNvSpPr txBox="1"/>
           <p:nvPr>
-            <p:ph type="body" idx="1"/>
+            <p:ph type="body" idx="1" hasCustomPrompt="1"/>
           </p:nvPr>
         </p:nvSpPr>
         <p:spPr>
@@ -3413,44 +3347,51 @@
           </a:ln>
           <a:extLst>
             <a:ext uri="{C572A759-6A51-4108-AA02-DFA0A04FC94B}">
-              <ma14:wrappingTextBoxFlag xmlns:ma14="http://schemas.microsoft.com/office/mac/drawingml/2011/main" xmlns:a14="http://schemas.microsoft.com/office/drawing/2010/main" xmlns:m="http://schemas.openxmlformats.org/officeDocument/2006/math" xmlns="" val="1"/>
+              <ma14:wrappingTextBoxFlag xmlns:ma14="http://schemas.microsoft.com/office/mac/drawingml/2011/main" val="1"/>
             </a:ext>
           </a:extLst>
         </p:spPr>
         <p:txBody>
           <a:bodyPr lIns="50800" tIns="50800" rIns="50800" bIns="50800">
-            <a:normAutofit/>
+            <a:normAutofit fontScale="100000" lnSpcReduction="0"/>
           </a:bodyPr>
           <a:lstStyle/>
           <a:p>
+            <a:pPr/>
             <a:r>
               <a:t>Texte de puce de diapositive</a:t>
             </a:r>
           </a:p>
           <a:p>
             <a:pPr lvl="1"/>
-            <a:endParaRPr/>
+            <a:r>
+              <a:t/>
+            </a:r>
           </a:p>
           <a:p>
             <a:pPr lvl="2"/>
-            <a:endParaRPr/>
+            <a:r>
+              <a:t/>
+            </a:r>
           </a:p>
           <a:p>
             <a:pPr lvl="3"/>
-            <a:endParaRPr/>
+            <a:r>
+              <a:t/>
+            </a:r>
           </a:p>
           <a:p>
             <a:pPr lvl="4"/>
-            <a:endParaRPr/>
+            <a:r>
+              <a:t/>
+            </a:r>
           </a:p>
         </p:txBody>
       </p:sp>
       <p:sp>
         <p:nvSpPr>
           <p:cNvPr id="4" name="01"/>
-          <p:cNvSpPr txBox="1">
-            <a:spLocks noGrp="1"/>
-          </p:cNvSpPr>
+          <p:cNvSpPr txBox="1"/>
           <p:nvPr>
             <p:ph type="sldNum" sz="quarter" idx="2"/>
           </p:nvPr>
@@ -3481,12 +3422,8 @@
             </a:lvl1pPr>
           </a:lstStyle>
           <a:p>
-            <a:fld id="{86CB4B4D-7CA3-9044-876B-883B54F8677D}" type="slidenum">
-              <a:rPr/>
-              <a:pPr/>
-              <a:t>‹N°›</a:t>
-            </a:fld>
-            <a:endParaRPr/>
+            <a:pPr/>
+            <a:fld id="{86CB4B4D-7CA3-9044-876B-883B54F8677D}" type="slidenum"/>
           </a:p>
         </p:txBody>
       </p:sp>
@@ -3494,23 +3431,23 @@
   </p:cSld>
   <p:clrMap bg1="lt1" tx1="dk1" bg2="lt2" tx2="dk2" accent1="accent1" accent2="accent2" accent3="accent3" accent4="accent4" accent5="accent5" accent6="accent6" hlink="hlink" folHlink="folHlink"/>
   <p:sldLayoutIdLst>
-    <p:sldLayoutId id="2147483649" r:id="rId1"/>
-    <p:sldLayoutId id="2147483650" r:id="rId2"/>
-    <p:sldLayoutId id="2147483651" r:id="rId3"/>
-    <p:sldLayoutId id="2147483652" r:id="rId4"/>
-    <p:sldLayoutId id="2147483653" r:id="rId5"/>
-    <p:sldLayoutId id="2147483654" r:id="rId6"/>
-    <p:sldLayoutId id="2147483655" r:id="rId7"/>
-    <p:sldLayoutId id="2147483656" r:id="rId8"/>
-    <p:sldLayoutId id="2147483657" r:id="rId9"/>
-    <p:sldLayoutId id="2147483658" r:id="rId10"/>
-    <p:sldLayoutId id="2147483659" r:id="rId11"/>
-    <p:sldLayoutId id="2147483660" r:id="rId12"/>
-    <p:sldLayoutId id="2147483661" r:id="rId13"/>
-    <p:sldLayoutId id="2147483662" r:id="rId14"/>
-    <p:sldLayoutId id="2147483663" r:id="rId15"/>
+    <p:sldLayoutId id="2147483649" r:id="rId2"/>
+    <p:sldLayoutId id="2147483650" r:id="rId3"/>
+    <p:sldLayoutId id="2147483651" r:id="rId4"/>
+    <p:sldLayoutId id="2147483652" r:id="rId5"/>
+    <p:sldLayoutId id="2147483653" r:id="rId6"/>
+    <p:sldLayoutId id="2147483654" r:id="rId7"/>
+    <p:sldLayoutId id="2147483655" r:id="rId8"/>
+    <p:sldLayoutId id="2147483656" r:id="rId9"/>
+    <p:sldLayoutId id="2147483657" r:id="rId10"/>
+    <p:sldLayoutId id="2147483658" r:id="rId11"/>
+    <p:sldLayoutId id="2147483659" r:id="rId12"/>
+    <p:sldLayoutId id="2147483660" r:id="rId13"/>
+    <p:sldLayoutId id="2147483661" r:id="rId14"/>
+    <p:sldLayoutId id="2147483662" r:id="rId15"/>
+    <p:sldLayoutId id="2147483663" r:id="rId16"/>
   </p:sldLayoutIdLst>
-  <p:transition spd="med"/>
+  <p:transition xmlns:p14="http://schemas.microsoft.com/office/powerpoint/2010/main" spd="med" advClick="1"/>
   <p:txStyles>
     <p:titleStyle>
       <a:lvl1pPr marL="0" marR="0" indent="0" algn="l" defTabSz="2438338" rtl="0" latinLnBrk="0">
@@ -3528,7 +3465,7 @@
         <a:buFontTx/>
         <a:buNone/>
         <a:tabLst/>
-        <a:defRPr sz="8500" b="1" i="0" u="none" strike="noStrike" cap="none" spc="-170" baseline="0">
+        <a:defRPr b="1" baseline="0" cap="none" i="0" spc="-170" strike="noStrike" sz="8500" u="none">
           <a:solidFill>
             <a:schemeClr val="accent1">
               <a:hueOff val="114395"/>
@@ -3557,7 +3494,7 @@
         <a:buFontTx/>
         <a:buNone/>
         <a:tabLst/>
-        <a:defRPr sz="8500" b="1" i="0" u="none" strike="noStrike" cap="none" spc="-170" baseline="0">
+        <a:defRPr b="1" baseline="0" cap="none" i="0" spc="-170" strike="noStrike" sz="8500" u="none">
           <a:solidFill>
             <a:schemeClr val="accent1">
               <a:hueOff val="114395"/>
@@ -3586,7 +3523,7 @@
         <a:buFontTx/>
         <a:buNone/>
         <a:tabLst/>
-        <a:defRPr sz="8500" b="1" i="0" u="none" strike="noStrike" cap="none" spc="-170" baseline="0">
+        <a:defRPr b="1" baseline="0" cap="none" i="0" spc="-170" strike="noStrike" sz="8500" u="none">
           <a:solidFill>
             <a:schemeClr val="accent1">
               <a:hueOff val="114395"/>
@@ -3615,7 +3552,7 @@
         <a:buFontTx/>
         <a:buNone/>
         <a:tabLst/>
-        <a:defRPr sz="8500" b="1" i="0" u="none" strike="noStrike" cap="none" spc="-170" baseline="0">
+        <a:defRPr b="1" baseline="0" cap="none" i="0" spc="-170" strike="noStrike" sz="8500" u="none">
           <a:solidFill>
             <a:schemeClr val="accent1">
               <a:hueOff val="114395"/>
@@ -3644,7 +3581,7 @@
         <a:buFontTx/>
         <a:buNone/>
         <a:tabLst/>
-        <a:defRPr sz="8500" b="1" i="0" u="none" strike="noStrike" cap="none" spc="-170" baseline="0">
+        <a:defRPr b="1" baseline="0" cap="none" i="0" spc="-170" strike="noStrike" sz="8500" u="none">
           <a:solidFill>
             <a:schemeClr val="accent1">
               <a:hueOff val="114395"/>
@@ -3673,7 +3610,7 @@
         <a:buFontTx/>
         <a:buNone/>
         <a:tabLst/>
-        <a:defRPr sz="8500" b="1" i="0" u="none" strike="noStrike" cap="none" spc="-170" baseline="0">
+        <a:defRPr b="1" baseline="0" cap="none" i="0" spc="-170" strike="noStrike" sz="8500" u="none">
           <a:solidFill>
             <a:schemeClr val="accent1">
               <a:hueOff val="114395"/>
@@ -3702,7 +3639,7 @@
         <a:buFontTx/>
         <a:buNone/>
         <a:tabLst/>
-        <a:defRPr sz="8500" b="1" i="0" u="none" strike="noStrike" cap="none" spc="-170" baseline="0">
+        <a:defRPr b="1" baseline="0" cap="none" i="0" spc="-170" strike="noStrike" sz="8500" u="none">
           <a:solidFill>
             <a:schemeClr val="accent1">
               <a:hueOff val="114395"/>
@@ -3731,7 +3668,7 @@
         <a:buFontTx/>
         <a:buNone/>
         <a:tabLst/>
-        <a:defRPr sz="8500" b="1" i="0" u="none" strike="noStrike" cap="none" spc="-170" baseline="0">
+        <a:defRPr b="1" baseline="0" cap="none" i="0" spc="-170" strike="noStrike" sz="8500" u="none">
           <a:solidFill>
             <a:schemeClr val="accent1">
               <a:hueOff val="114395"/>
@@ -3760,7 +3697,7 @@
         <a:buFontTx/>
         <a:buNone/>
         <a:tabLst/>
-        <a:defRPr sz="8500" b="1" i="0" u="none" strike="noStrike" cap="none" spc="-170" baseline="0">
+        <a:defRPr b="1" baseline="0" cap="none" i="0" spc="-170" strike="noStrike" sz="8500" u="none">
           <a:solidFill>
             <a:schemeClr val="accent1">
               <a:hueOff val="114395"/>
@@ -3791,7 +3728,7 @@
         <a:buFontTx/>
         <a:buChar char="•"/>
         <a:tabLst/>
-        <a:defRPr sz="4800" b="0" i="0" u="none" strike="noStrike" cap="none" spc="0" baseline="0">
+        <a:defRPr b="0" baseline="0" cap="none" i="0" spc="0" strike="noStrike" sz="4800" u="none">
           <a:solidFill>
             <a:srgbClr val="000000"/>
           </a:solidFill>
@@ -3817,7 +3754,7 @@
         <a:buFontTx/>
         <a:buChar char="•"/>
         <a:tabLst/>
-        <a:defRPr sz="4800" b="0" i="0" u="none" strike="noStrike" cap="none" spc="0" baseline="0">
+        <a:defRPr b="0" baseline="0" cap="none" i="0" spc="0" strike="noStrike" sz="4800" u="none">
           <a:solidFill>
             <a:srgbClr val="000000"/>
           </a:solidFill>
@@ -3843,7 +3780,7 @@
         <a:buFontTx/>
         <a:buChar char="•"/>
         <a:tabLst/>
-        <a:defRPr sz="4800" b="0" i="0" u="none" strike="noStrike" cap="none" spc="0" baseline="0">
+        <a:defRPr b="0" baseline="0" cap="none" i="0" spc="0" strike="noStrike" sz="4800" u="none">
           <a:solidFill>
             <a:srgbClr val="000000"/>
           </a:solidFill>
@@ -3869,7 +3806,7 @@
         <a:buFontTx/>
         <a:buChar char="•"/>
         <a:tabLst/>
-        <a:defRPr sz="4800" b="0" i="0" u="none" strike="noStrike" cap="none" spc="0" baseline="0">
+        <a:defRPr b="0" baseline="0" cap="none" i="0" spc="0" strike="noStrike" sz="4800" u="none">
           <a:solidFill>
             <a:srgbClr val="000000"/>
           </a:solidFill>
@@ -3895,7 +3832,7 @@
         <a:buFontTx/>
         <a:buChar char="•"/>
         <a:tabLst/>
-        <a:defRPr sz="4800" b="0" i="0" u="none" strike="noStrike" cap="none" spc="0" baseline="0">
+        <a:defRPr b="0" baseline="0" cap="none" i="0" spc="0" strike="noStrike" sz="4800" u="none">
           <a:solidFill>
             <a:srgbClr val="000000"/>
           </a:solidFill>
@@ -3921,7 +3858,7 @@
         <a:buFontTx/>
         <a:buChar char="•"/>
         <a:tabLst/>
-        <a:defRPr sz="4800" b="0" i="0" u="none" strike="noStrike" cap="none" spc="0" baseline="0">
+        <a:defRPr b="0" baseline="0" cap="none" i="0" spc="0" strike="noStrike" sz="4800" u="none">
           <a:solidFill>
             <a:srgbClr val="000000"/>
           </a:solidFill>
@@ -3947,7 +3884,7 @@
         <a:buFontTx/>
         <a:buChar char="•"/>
         <a:tabLst/>
-        <a:defRPr sz="4800" b="0" i="0" u="none" strike="noStrike" cap="none" spc="0" baseline="0">
+        <a:defRPr b="0" baseline="0" cap="none" i="0" spc="0" strike="noStrike" sz="4800" u="none">
           <a:solidFill>
             <a:srgbClr val="000000"/>
           </a:solidFill>
@@ -3973,7 +3910,7 @@
         <a:buFontTx/>
         <a:buChar char="•"/>
         <a:tabLst/>
-        <a:defRPr sz="4800" b="0" i="0" u="none" strike="noStrike" cap="none" spc="0" baseline="0">
+        <a:defRPr b="0" baseline="0" cap="none" i="0" spc="0" strike="noStrike" sz="4800" u="none">
           <a:solidFill>
             <a:srgbClr val="000000"/>
           </a:solidFill>
@@ -3999,7 +3936,7 @@
         <a:buFontTx/>
         <a:buChar char="•"/>
         <a:tabLst/>
-        <a:defRPr sz="4800" b="0" i="0" u="none" strike="noStrike" cap="none" spc="0" baseline="0">
+        <a:defRPr b="0" baseline="0" cap="none" i="0" spc="0" strike="noStrike" sz="4800" u="none">
           <a:solidFill>
             <a:srgbClr val="000000"/>
           </a:solidFill>
@@ -4027,7 +3964,7 @@
         <a:buFontTx/>
         <a:buNone/>
         <a:tabLst/>
-        <a:defRPr sz="1800" b="0" i="0" u="none" strike="noStrike" cap="none" spc="0" baseline="0">
+        <a:defRPr b="0" baseline="0" cap="none" i="0" spc="0" strike="noStrike" sz="1800" u="none">
           <a:solidFill>
             <a:schemeClr val="tx1"/>
           </a:solidFill>
@@ -4053,7 +3990,7 @@
         <a:buFontTx/>
         <a:buNone/>
         <a:tabLst/>
-        <a:defRPr sz="1800" b="0" i="0" u="none" strike="noStrike" cap="none" spc="0" baseline="0">
+        <a:defRPr b="0" baseline="0" cap="none" i="0" spc="0" strike="noStrike" sz="1800" u="none">
           <a:solidFill>
             <a:schemeClr val="tx1"/>
           </a:solidFill>
@@ -4079,7 +4016,7 @@
         <a:buFontTx/>
         <a:buNone/>
         <a:tabLst/>
-        <a:defRPr sz="1800" b="0" i="0" u="none" strike="noStrike" cap="none" spc="0" baseline="0">
+        <a:defRPr b="0" baseline="0" cap="none" i="0" spc="0" strike="noStrike" sz="1800" u="none">
           <a:solidFill>
             <a:schemeClr val="tx1"/>
           </a:solidFill>
@@ -4105,7 +4042,7 @@
         <a:buFontTx/>
         <a:buNone/>
         <a:tabLst/>
-        <a:defRPr sz="1800" b="0" i="0" u="none" strike="noStrike" cap="none" spc="0" baseline="0">
+        <a:defRPr b="0" baseline="0" cap="none" i="0" spc="0" strike="noStrike" sz="1800" u="none">
           <a:solidFill>
             <a:schemeClr val="tx1"/>
           </a:solidFill>
@@ -4131,7 +4068,7 @@
         <a:buFontTx/>
         <a:buNone/>
         <a:tabLst/>
-        <a:defRPr sz="1800" b="0" i="0" u="none" strike="noStrike" cap="none" spc="0" baseline="0">
+        <a:defRPr b="0" baseline="0" cap="none" i="0" spc="0" strike="noStrike" sz="1800" u="none">
           <a:solidFill>
             <a:schemeClr val="tx1"/>
           </a:solidFill>
@@ -4157,7 +4094,7 @@
         <a:buFontTx/>
         <a:buNone/>
         <a:tabLst/>
-        <a:defRPr sz="1800" b="0" i="0" u="none" strike="noStrike" cap="none" spc="0" baseline="0">
+        <a:defRPr b="0" baseline="0" cap="none" i="0" spc="0" strike="noStrike" sz="1800" u="none">
           <a:solidFill>
             <a:schemeClr val="tx1"/>
           </a:solidFill>
@@ -4183,7 +4120,7 @@
         <a:buFontTx/>
         <a:buNone/>
         <a:tabLst/>
-        <a:defRPr sz="1800" b="0" i="0" u="none" strike="noStrike" cap="none" spc="0" baseline="0">
+        <a:defRPr b="0" baseline="0" cap="none" i="0" spc="0" strike="noStrike" sz="1800" u="none">
           <a:solidFill>
             <a:schemeClr val="tx1"/>
           </a:solidFill>
@@ -4209,7 +4146,7 @@
         <a:buFontTx/>
         <a:buNone/>
         <a:tabLst/>
-        <a:defRPr sz="1800" b="0" i="0" u="none" strike="noStrike" cap="none" spc="0" baseline="0">
+        <a:defRPr b="0" baseline="0" cap="none" i="0" spc="0" strike="noStrike" sz="1800" u="none">
           <a:solidFill>
             <a:schemeClr val="tx1"/>
           </a:solidFill>
@@ -4235,7 +4172,7 @@
         <a:buFontTx/>
         <a:buNone/>
         <a:tabLst/>
-        <a:defRPr sz="1800" b="0" i="0" u="none" strike="noStrike" cap="none" spc="0" baseline="0">
+        <a:defRPr b="0" baseline="0" cap="none" i="0" spc="0" strike="noStrike" sz="1800" u="none">
           <a:solidFill>
             <a:schemeClr val="tx1"/>
           </a:solidFill>
@@ -4252,7 +4189,7 @@
 </file>
 
 <file path=ppt/slides/slide1.xml><?xml version="1.0" encoding="utf-8"?>
-<p:sld xmlns:a="http://schemas.openxmlformats.org/drawingml/2006/main" xmlns:r="http://schemas.openxmlformats.org/officeDocument/2006/relationships" xmlns:p="http://schemas.openxmlformats.org/presentationml/2006/main">
+<p:sld xmlns:a="http://schemas.openxmlformats.org/drawingml/2006/main" xmlns:r="http://schemas.openxmlformats.org/officeDocument/2006/relationships" xmlns:p="http://schemas.openxmlformats.org/presentationml/2006/main" xmlns:m="http://schemas.openxmlformats.org/officeDocument/2006/math" xmlns:a14="http://schemas.microsoft.com/office/drawing/2010/main" showMasterSp="1" showMasterPhAnim="1">
   <p:cSld>
     <p:spTree>
       <p:nvGrpSpPr>
@@ -4271,9 +4208,7 @@
       <p:sp>
         <p:nvSpPr>
           <p:cNvPr id="151" name="BHAVSAR Rashmi                     Lycée Louis Armand, 2022"/>
-          <p:cNvSpPr txBox="1">
-            <a:spLocks noGrp="1"/>
-          </p:cNvSpPr>
+          <p:cNvSpPr txBox="1"/>
           <p:nvPr>
             <p:ph type="body" idx="21"/>
           </p:nvPr>
@@ -4284,16 +4219,15 @@
           </a:prstGeom>
           <a:extLst>
             <a:ext uri="{C572A759-6A51-4108-AA02-DFA0A04FC94B}">
-              <ma14:wrappingTextBoxFlag xmlns:ma14="http://schemas.microsoft.com/office/mac/drawingml/2011/main" xmlns:a14="http://schemas.microsoft.com/office/drawing/2010/main" xmlns:m="http://schemas.openxmlformats.org/officeDocument/2006/math" xmlns="" val="1"/>
+              <ma14:wrappingTextBoxFlag xmlns:ma14="http://schemas.microsoft.com/office/mac/drawingml/2011/main" val="1"/>
             </a:ext>
           </a:extLst>
         </p:spPr>
         <p:txBody>
-          <a:bodyPr>
-            <a:normAutofit lnSpcReduction="10000"/>
-          </a:bodyPr>
+          <a:bodyPr/>
           <a:lstStyle/>
           <a:p>
+            <a:pPr/>
             <a:r>
               <a:t>BHAVSAR Rashmi										      					Lycée Louis Armand, 2022</a:t>
             </a:r>
@@ -4303,9 +4237,7 @@
       <p:sp>
         <p:nvSpPr>
           <p:cNvPr id="152" name="Cirpark Modbus :…"/>
-          <p:cNvSpPr txBox="1">
-            <a:spLocks noGrp="1"/>
-          </p:cNvSpPr>
+          <p:cNvSpPr txBox="1"/>
           <p:nvPr>
             <p:ph type="ctrTitle"/>
           </p:nvPr>
@@ -4313,7 +4245,7 @@
         <p:spPr>
           <a:xfrm>
             <a:off x="888996" y="4340290"/>
-            <a:ext cx="21971004" cy="4648201"/>
+            <a:ext cx="19126201" cy="4648201"/>
           </a:xfrm>
           <a:prstGeom prst="rect">
             <a:avLst/>
@@ -4324,7 +4256,7 @@
           <a:lstStyle/>
           <a:p>
             <a:pPr>
-              <a:defRPr sz="10600" spc="-211"/>
+              <a:defRPr spc="-211" sz="10600"/>
             </a:pPr>
             <a:r>
               <a:t>Cirpark Modbus : </a:t>
@@ -4332,7 +4264,7 @@
           </a:p>
           <a:p>
             <a:pPr>
-              <a:defRPr sz="10600" spc="-211"/>
+              <a:defRPr spc="-211" sz="10600"/>
             </a:pPr>
             <a:r>
               <a:t>Gestion d'un parking privé</a:t>
@@ -4343,9 +4275,7 @@
       <p:sp>
         <p:nvSpPr>
           <p:cNvPr id="153" name="Revue 2"/>
-          <p:cNvSpPr txBox="1">
-            <a:spLocks noGrp="1"/>
-          </p:cNvSpPr>
+          <p:cNvSpPr txBox="1"/>
           <p:nvPr>
             <p:ph type="subTitle" sz="quarter" idx="1"/>
           </p:nvPr>
@@ -4363,6 +4293,7 @@
           <a:bodyPr/>
           <a:lstStyle/>
           <a:p>
+            <a:pPr/>
             <a:r>
               <a:t>Revue 2</a:t>
             </a:r>
@@ -4398,7 +4329,7 @@
             <a:miter lim="400000"/>
           </a:ln>
           <a:effectLst>
-            <a:reflection stA="18000" endPos="40000" dir="5400000" sy="-100000" algn="bl" rotWithShape="0"/>
+            <a:reflection blurRad="0" stA="18000" stPos="0" endA="0" endPos="40000" dist="0" dir="5400000" fadeDir="5400000" sx="100000" sy="-100000" kx="0" ky="0" algn="bl" rotWithShape="0"/>
           </a:effectLst>
         </p:spPr>
       </p:pic>
@@ -4407,12 +4338,12 @@
   <p:clrMapOvr>
     <a:masterClrMapping/>
   </p:clrMapOvr>
-  <p:transition spd="med"/>
+  <p:transition xmlns:p14="http://schemas.microsoft.com/office/powerpoint/2010/main" spd="med" advClick="1"/>
 </p:sld>
 </file>
 
 <file path=ppt/slides/slide10.xml><?xml version="1.0" encoding="utf-8"?>
-<p:sld xmlns:a="http://schemas.openxmlformats.org/drawingml/2006/main" xmlns:r="http://schemas.openxmlformats.org/officeDocument/2006/relationships" xmlns:p="http://schemas.openxmlformats.org/presentationml/2006/main">
+<p:sld xmlns:a="http://schemas.openxmlformats.org/drawingml/2006/main" xmlns:r="http://schemas.openxmlformats.org/officeDocument/2006/relationships" xmlns:p="http://schemas.openxmlformats.org/presentationml/2006/main" xmlns:m="http://schemas.openxmlformats.org/officeDocument/2006/math" xmlns:a14="http://schemas.microsoft.com/office/drawing/2010/main" showMasterSp="1" showMasterPhAnim="1">
   <p:cSld>
     <p:spTree>
       <p:nvGrpSpPr>
@@ -4430,10 +4361,8 @@
       </p:grpSpPr>
       <p:sp>
         <p:nvSpPr>
-          <p:cNvPr id="389" name="Partie Physique"/>
-          <p:cNvSpPr txBox="1">
-            <a:spLocks noGrp="1"/>
-          </p:cNvSpPr>
+          <p:cNvPr id="431" name="Partie Physique"/>
+          <p:cNvSpPr txBox="1"/>
           <p:nvPr>
             <p:ph type="title" idx="4294967295"/>
           </p:nvPr>
@@ -4451,6 +4380,7 @@
           <a:bodyPr/>
           <a:lstStyle/>
           <a:p>
+            <a:pPr/>
             <a:r>
               <a:t>Partie Physique</a:t>
             </a:r>
@@ -4459,7 +4389,7 @@
       </p:sp>
       <p:sp>
         <p:nvSpPr>
-          <p:cNvPr id="390" name="Ultrason"/>
+          <p:cNvPr id="432" name="Ultrason"/>
           <p:cNvSpPr txBox="1"/>
           <p:nvPr/>
         </p:nvSpPr>
@@ -4476,7 +4406,7 @@
           </a:ln>
           <a:extLst>
             <a:ext uri="{C572A759-6A51-4108-AA02-DFA0A04FC94B}">
-              <ma14:wrappingTextBoxFlag xmlns:ma14="http://schemas.microsoft.com/office/mac/drawingml/2011/main" xmlns:a14="http://schemas.microsoft.com/office/drawing/2010/main" xmlns:m="http://schemas.openxmlformats.org/officeDocument/2006/math" xmlns="" val="1"/>
+              <ma14:wrappingTextBoxFlag xmlns:ma14="http://schemas.microsoft.com/office/mac/drawingml/2011/main" val="1"/>
             </a:ext>
           </a:extLst>
         </p:spPr>
@@ -4486,7 +4416,7 @@
           </a:bodyPr>
           <a:lstStyle>
             <a:lvl1pPr algn="l" defTabSz="825500">
-              <a:defRPr sz="5500" b="1">
+              <a:defRPr b="1" sz="5500">
                 <a:solidFill>
                   <a:schemeClr val="accent1"/>
                 </a:solidFill>
@@ -4494,6 +4424,7 @@
             </a:lvl1pPr>
           </a:lstStyle>
           <a:p>
+            <a:pPr/>
             <a:r>
               <a:t>Ultrason</a:t>
             </a:r>
@@ -4502,7 +4433,7 @@
       </p:sp>
       <p:sp>
         <p:nvSpPr>
-          <p:cNvPr id="391" name="Principe détection de présence…"/>
+          <p:cNvPr id="433" name="Principe détection de présence…"/>
           <p:cNvSpPr txBox="1"/>
           <p:nvPr/>
         </p:nvSpPr>
@@ -4519,7 +4450,7 @@
           </a:ln>
           <a:extLst>
             <a:ext uri="{C572A759-6A51-4108-AA02-DFA0A04FC94B}">
-              <ma14:wrappingTextBoxFlag xmlns:ma14="http://schemas.microsoft.com/office/mac/drawingml/2011/main" xmlns:a14="http://schemas.microsoft.com/office/drawing/2010/main" xmlns:m="http://schemas.openxmlformats.org/officeDocument/2006/math" xmlns="" val="1"/>
+              <ma14:wrappingTextBoxFlag xmlns:ma14="http://schemas.microsoft.com/office/mac/drawingml/2011/main" val="1"/>
             </a:ext>
           </a:extLst>
         </p:spPr>
@@ -4529,48 +4460,55 @@
           </a:bodyPr>
           <a:lstStyle/>
           <a:p>
+            <a:pPr/>
             <a:r>
               <a:t>Principe détection de présence</a:t>
             </a:r>
           </a:p>
           <a:p>
+            <a:pPr/>
             <a:r>
               <a:t>Types de capteurs qui peuvent exister</a:t>
             </a:r>
           </a:p>
           <a:p>
+            <a:pPr/>
             <a:r>
               <a:t>A partir de la documentation du capteur, différent types de détection</a:t>
             </a:r>
           </a:p>
           <a:p>
+            <a:pPr/>
             <a:r>
               <a:t>protocole de communication des capteurs SP3</a:t>
             </a:r>
           </a:p>
           <a:p>
-            <a:endParaRPr/>
-          </a:p>
-          <a:p>
-            <a:endParaRPr/>
-          </a:p>
-          <a:p>
-            <a:endParaRPr/>
-          </a:p>
-          <a:p>
-            <a:endParaRPr/>
-          </a:p>
-          <a:p>
+            <a:pPr/>
+          </a:p>
+          <a:p>
+            <a:pPr/>
+          </a:p>
+          <a:p>
+            <a:pPr/>
+          </a:p>
+          <a:p>
+            <a:pPr/>
+          </a:p>
+          <a:p>
+            <a:pPr/>
             <a:r>
               <a:t>Activités</a:t>
             </a:r>
           </a:p>
           <a:p>
+            <a:pPr/>
             <a:r>
               <a:t>Visualisation des trames ultrasonores</a:t>
             </a:r>
           </a:p>
           <a:p>
+            <a:pPr/>
             <a:r>
               <a:t>Caractérisation les ultrason des capteurs</a:t>
             </a:r>
@@ -4582,12 +4520,23 @@
   <p:clrMapOvr>
     <a:masterClrMapping/>
   </p:clrMapOvr>
-  <p:transition spd="med"/>
+  <mc:AlternateContent xmlns:mc="http://schemas.openxmlformats.org/markup-compatibility/2006">
+    <mc:Choice xmlns:p14="http://schemas.microsoft.com/office/powerpoint/2010/main" Requires="p14">
+      <p:transition spd="slow" advClick="1" p14:dur="1500">
+        <p:push dir="l"/>
+      </p:transition>
+    </mc:Choice>
+    <mc:Fallback>
+      <p:transition spd="slow">
+        <p:fade/>
+      </p:transition>
+    </mc:Fallback>
+  </mc:AlternateContent>
 </p:sld>
 </file>
 
 <file path=ppt/slides/slide11.xml><?xml version="1.0" encoding="utf-8"?>
-<p:sld xmlns:a="http://schemas.openxmlformats.org/drawingml/2006/main" xmlns:r="http://schemas.openxmlformats.org/officeDocument/2006/relationships" xmlns:p="http://schemas.openxmlformats.org/presentationml/2006/main">
+<p:sld xmlns:a="http://schemas.openxmlformats.org/drawingml/2006/main" xmlns:r="http://schemas.openxmlformats.org/officeDocument/2006/relationships" xmlns:p="http://schemas.openxmlformats.org/presentationml/2006/main" xmlns:m="http://schemas.openxmlformats.org/officeDocument/2006/math" xmlns:a14="http://schemas.microsoft.com/office/drawing/2010/main" showMasterSp="1" showMasterPhAnim="1">
   <p:cSld>
     <p:spTree>
       <p:nvGrpSpPr>
@@ -4605,10 +4554,8 @@
       </p:grpSpPr>
       <p:sp>
         <p:nvSpPr>
-          <p:cNvPr id="393" name="Conclusion"/>
-          <p:cNvSpPr txBox="1">
-            <a:spLocks noGrp="1"/>
-          </p:cNvSpPr>
+          <p:cNvPr id="435" name="Conclusion"/>
+          <p:cNvSpPr txBox="1"/>
           <p:nvPr>
             <p:ph type="title" idx="4294967295"/>
           </p:nvPr>
@@ -4626,6 +4573,7 @@
           <a:bodyPr/>
           <a:lstStyle/>
           <a:p>
+            <a:pPr/>
             <a:r>
               <a:t>Conclusion</a:t>
             </a:r>
@@ -4634,7 +4582,7 @@
       </p:sp>
       <p:sp>
         <p:nvSpPr>
-          <p:cNvPr id="394" name="Rectangle"/>
+          <p:cNvPr id="436" name="Rectangle"/>
           <p:cNvSpPr/>
           <p:nvPr/>
         </p:nvSpPr>
@@ -4668,13 +4616,12 @@
                 <a:sym typeface="Helvetica Neue Medium"/>
               </a:defRPr>
             </a:pPr>
-            <a:endParaRPr/>
-          </a:p>
-        </p:txBody>
-      </p:sp>
-      <p:sp>
-        <p:nvSpPr>
-          <p:cNvPr id="395" name="Rectangle"/>
+          </a:p>
+        </p:txBody>
+      </p:sp>
+      <p:sp>
+        <p:nvSpPr>
+          <p:cNvPr id="437" name="Rectangle"/>
           <p:cNvSpPr/>
           <p:nvPr/>
         </p:nvSpPr>
@@ -4708,13 +4655,12 @@
                 <a:sym typeface="Helvetica Neue Medium"/>
               </a:defRPr>
             </a:pPr>
-            <a:endParaRPr/>
-          </a:p>
-        </p:txBody>
-      </p:sp>
-      <p:sp>
-        <p:nvSpPr>
-          <p:cNvPr id="396" name="Rectangle"/>
+          </a:p>
+        </p:txBody>
+      </p:sp>
+      <p:sp>
+        <p:nvSpPr>
+          <p:cNvPr id="438" name="Rectangle"/>
           <p:cNvSpPr/>
           <p:nvPr/>
         </p:nvSpPr>
@@ -4748,13 +4694,12 @@
                 <a:sym typeface="Helvetica Neue Medium"/>
               </a:defRPr>
             </a:pPr>
-            <a:endParaRPr/>
-          </a:p>
-        </p:txBody>
-      </p:sp>
-      <p:sp>
-        <p:nvSpPr>
-          <p:cNvPr id="397" name="Rectangle"/>
+          </a:p>
+        </p:txBody>
+      </p:sp>
+      <p:sp>
+        <p:nvSpPr>
+          <p:cNvPr id="439" name="Rectangle"/>
           <p:cNvSpPr/>
           <p:nvPr/>
         </p:nvSpPr>
@@ -4788,20 +4733,19 @@
                 <a:sym typeface="Helvetica Neue Medium"/>
               </a:defRPr>
             </a:pPr>
-            <a:endParaRPr/>
-          </a:p>
-        </p:txBody>
-      </p:sp>
-      <p:sp>
-        <p:nvSpPr>
-          <p:cNvPr id="398" name="En Cours"/>
+          </a:p>
+        </p:txBody>
+      </p:sp>
+      <p:sp>
+        <p:nvSpPr>
+          <p:cNvPr id="440" name="En Cours"/>
           <p:cNvSpPr txBox="1"/>
           <p:nvPr/>
         </p:nvSpPr>
         <p:spPr>
           <a:xfrm>
-            <a:off x="813662" y="2793339"/>
-            <a:ext cx="1948522" cy="595035"/>
+            <a:off x="813663" y="2793339"/>
+            <a:ext cx="1598474" cy="585522"/>
           </a:xfrm>
           <a:prstGeom prst="rect">
             <a:avLst/>
@@ -4817,12 +4761,12 @@
           </a:ln>
           <a:extLst>
             <a:ext uri="{C572A759-6A51-4108-AA02-DFA0A04FC94B}">
-              <ma14:wrappingTextBoxFlag xmlns:ma14="http://schemas.microsoft.com/office/mac/drawingml/2011/main" xmlns:a14="http://schemas.microsoft.com/office/drawing/2010/main" xmlns:m="http://schemas.openxmlformats.org/officeDocument/2006/math" xmlns="" val="1"/>
+              <ma14:wrappingTextBoxFlag xmlns:ma14="http://schemas.microsoft.com/office/mac/drawingml/2011/main" val="1"/>
             </a:ext>
           </a:extLst>
         </p:spPr>
         <p:txBody>
-          <a:bodyPr wrap="square" lIns="50800" tIns="50800" rIns="50800" bIns="50800" anchor="ctr">
+          <a:bodyPr wrap="none" lIns="50800" tIns="50800" rIns="50800" bIns="50800" anchor="ctr">
             <a:spAutoFit/>
           </a:bodyPr>
           <a:lstStyle>
@@ -4839,6 +4783,7 @@
             </a:lvl1pPr>
           </a:lstStyle>
           <a:p>
+            <a:pPr/>
             <a:r>
               <a:t>En Cours</a:t>
             </a:r>
@@ -4847,14 +4792,14 @@
       </p:sp>
       <p:sp>
         <p:nvSpPr>
-          <p:cNvPr id="399" name="Terminer"/>
+          <p:cNvPr id="441" name="Terminer"/>
           <p:cNvSpPr txBox="1"/>
           <p:nvPr/>
         </p:nvSpPr>
         <p:spPr>
           <a:xfrm>
             <a:off x="12544297" y="2793339"/>
-            <a:ext cx="1862281" cy="595035"/>
+            <a:ext cx="1581405" cy="585522"/>
           </a:xfrm>
           <a:prstGeom prst="rect">
             <a:avLst/>
@@ -4871,12 +4816,12 @@
           </a:ln>
           <a:extLst>
             <a:ext uri="{C572A759-6A51-4108-AA02-DFA0A04FC94B}">
-              <ma14:wrappingTextBoxFlag xmlns:ma14="http://schemas.microsoft.com/office/mac/drawingml/2011/main" xmlns:a14="http://schemas.microsoft.com/office/drawing/2010/main" xmlns:m="http://schemas.openxmlformats.org/officeDocument/2006/math" xmlns="" val="1"/>
+              <ma14:wrappingTextBoxFlag xmlns:ma14="http://schemas.microsoft.com/office/mac/drawingml/2011/main" val="1"/>
             </a:ext>
           </a:extLst>
         </p:spPr>
         <p:txBody>
-          <a:bodyPr wrap="square" lIns="50800" tIns="50800" rIns="50800" bIns="50800" anchor="ctr">
+          <a:bodyPr wrap="none" lIns="50800" tIns="50800" rIns="50800" bIns="50800" anchor="ctr">
             <a:spAutoFit/>
           </a:bodyPr>
           <a:lstStyle>
@@ -4893,6 +4838,7 @@
             </a:lvl1pPr>
           </a:lstStyle>
           <a:p>
+            <a:pPr/>
             <a:r>
               <a:t>Terminer</a:t>
             </a:r>
@@ -4901,14 +4847,14 @@
       </p:sp>
       <p:sp>
         <p:nvSpPr>
-          <p:cNvPr id="400" name="Problèmes rencontrés"/>
+          <p:cNvPr id="442" name="Problèmes rencontrés"/>
           <p:cNvSpPr txBox="1"/>
           <p:nvPr/>
         </p:nvSpPr>
         <p:spPr>
           <a:xfrm>
             <a:off x="812545" y="8140039"/>
-            <a:ext cx="4307093" cy="595035"/>
+            <a:ext cx="3810509" cy="585522"/>
           </a:xfrm>
           <a:prstGeom prst="rect">
             <a:avLst/>
@@ -4921,12 +4867,12 @@
           </a:ln>
           <a:extLst>
             <a:ext uri="{C572A759-6A51-4108-AA02-DFA0A04FC94B}">
-              <ma14:wrappingTextBoxFlag xmlns:ma14="http://schemas.microsoft.com/office/mac/drawingml/2011/main" xmlns:a14="http://schemas.microsoft.com/office/drawing/2010/main" xmlns:m="http://schemas.openxmlformats.org/officeDocument/2006/math" xmlns="" val="1"/>
+              <ma14:wrappingTextBoxFlag xmlns:ma14="http://schemas.microsoft.com/office/mac/drawingml/2011/main" val="1"/>
             </a:ext>
           </a:extLst>
         </p:spPr>
         <p:txBody>
-          <a:bodyPr wrap="square" lIns="50800" tIns="50800" rIns="50800" bIns="50800" anchor="ctr">
+          <a:bodyPr wrap="none" lIns="50800" tIns="50800" rIns="50800" bIns="50800" anchor="ctr">
             <a:spAutoFit/>
           </a:bodyPr>
           <a:lstStyle>
@@ -4943,6 +4889,7 @@
             </a:lvl1pPr>
           </a:lstStyle>
           <a:p>
+            <a:pPr/>
             <a:r>
               <a:t>Problèmes rencontrés</a:t>
             </a:r>
@@ -4951,32 +4898,32 @@
       </p:sp>
       <p:sp>
         <p:nvSpPr>
-          <p:cNvPr id="401" name="Solutions envisagés"/>
+          <p:cNvPr id="443" name="Solutions envisagés"/>
           <p:cNvSpPr txBox="1"/>
           <p:nvPr/>
         </p:nvSpPr>
         <p:spPr>
           <a:xfrm>
             <a:off x="12547854" y="8140039"/>
-            <a:ext cx="3787550" cy="595035"/>
+            <a:ext cx="3479293" cy="585522"/>
           </a:xfrm>
           <a:prstGeom prst="rect">
             <a:avLst/>
           </a:prstGeom>
           <a:solidFill>
-            <a:srgbClr val="DD2067"/>
+            <a:schemeClr val="accent6"/>
           </a:solidFill>
           <a:ln w="12700">
             <a:miter lim="400000"/>
           </a:ln>
           <a:extLst>
             <a:ext uri="{C572A759-6A51-4108-AA02-DFA0A04FC94B}">
-              <ma14:wrappingTextBoxFlag xmlns:ma14="http://schemas.microsoft.com/office/mac/drawingml/2011/main" xmlns:a14="http://schemas.microsoft.com/office/drawing/2010/main" xmlns:m="http://schemas.openxmlformats.org/officeDocument/2006/math" xmlns="" val="1"/>
+              <ma14:wrappingTextBoxFlag xmlns:ma14="http://schemas.microsoft.com/office/mac/drawingml/2011/main" val="1"/>
             </a:ext>
           </a:extLst>
         </p:spPr>
         <p:txBody>
-          <a:bodyPr wrap="square" lIns="50800" tIns="50800" rIns="50800" bIns="50800" anchor="ctr">
+          <a:bodyPr wrap="none" lIns="50800" tIns="50800" rIns="50800" bIns="50800" anchor="ctr">
             <a:spAutoFit/>
           </a:bodyPr>
           <a:lstStyle>
@@ -4993,8 +4940,288 @@
             </a:lvl1pPr>
           </a:lstStyle>
           <a:p>
+            <a:pPr/>
             <a:r>
               <a:t>Solutions envisagés</a:t>
+            </a:r>
+          </a:p>
+        </p:txBody>
+      </p:sp>
+      <p:sp>
+        <p:nvSpPr>
+          <p:cNvPr id="444" name="Étude du protocole Engine de Cirpark qui permet de récupérer les informations de tous les capteurs du parking"/>
+          <p:cNvSpPr txBox="1"/>
+          <p:nvPr/>
+        </p:nvSpPr>
+        <p:spPr>
+          <a:xfrm>
+            <a:off x="13335762" y="3884117"/>
+            <a:ext cx="8623301" cy="1197966"/>
+          </a:xfrm>
+          <a:prstGeom prst="rect">
+            <a:avLst/>
+          </a:prstGeom>
+          <a:ln w="12700">
+            <a:miter lim="400000"/>
+          </a:ln>
+          <a:extLst>
+            <a:ext uri="{C572A759-6A51-4108-AA02-DFA0A04FC94B}">
+              <ma14:wrappingTextBoxFlag xmlns:ma14="http://schemas.microsoft.com/office/mac/drawingml/2011/main" val="1"/>
+            </a:ext>
+          </a:extLst>
+        </p:spPr>
+        <p:txBody>
+          <a:bodyPr lIns="50800" tIns="50800" rIns="50800" bIns="50800" anchor="ctr">
+            <a:spAutoFit/>
+          </a:bodyPr>
+          <a:lstStyle/>
+          <a:p>
+            <a:pPr lvl="1" marL="914400" indent="-304800" algn="l">
+              <a:buSzPct val="123000"/>
+              <a:buChar char="•"/>
+            </a:pPr>
+            <a:r>
+              <a:t>Étude du protocole Engine de Cirpark qui permet de récupérer les informations de tous les capteurs du parking</a:t>
+            </a:r>
+          </a:p>
+        </p:txBody>
+      </p:sp>
+      <p:sp>
+        <p:nvSpPr>
+          <p:cNvPr id="445" name="Création d'une application graphique permettant d'ajouter et de simuler des capteurs de parking selon le protocole Cirpark"/>
+          <p:cNvSpPr txBox="1"/>
+          <p:nvPr/>
+        </p:nvSpPr>
+        <p:spPr>
+          <a:xfrm>
+            <a:off x="1790700" y="3884117"/>
+            <a:ext cx="8623300" cy="1197966"/>
+          </a:xfrm>
+          <a:prstGeom prst="rect">
+            <a:avLst/>
+          </a:prstGeom>
+          <a:ln w="12700">
+            <a:miter lim="400000"/>
+          </a:ln>
+          <a:extLst>
+            <a:ext uri="{C572A759-6A51-4108-AA02-DFA0A04FC94B}">
+              <ma14:wrappingTextBoxFlag xmlns:ma14="http://schemas.microsoft.com/office/mac/drawingml/2011/main" val="1"/>
+            </a:ext>
+          </a:extLst>
+        </p:spPr>
+        <p:txBody>
+          <a:bodyPr lIns="50800" tIns="50800" rIns="50800" bIns="50800" anchor="ctr">
+            <a:spAutoFit/>
+          </a:bodyPr>
+          <a:lstStyle/>
+          <a:p>
+            <a:pPr lvl="1" marL="914400" indent="-304800" algn="l">
+              <a:buSzPct val="123000"/>
+              <a:buChar char="•"/>
+              <a:defRPr>
+                <a:solidFill>
+                  <a:srgbClr val="929292"/>
+                </a:solidFill>
+              </a:defRPr>
+            </a:pPr>
+            <a:r>
+              <a:t>Création d'une application graphique permettant d'ajouter et de simuler des capteurs de parking selon le protocole Cirpark</a:t>
+            </a:r>
+          </a:p>
+        </p:txBody>
+      </p:sp>
+      <p:sp>
+        <p:nvSpPr>
+          <p:cNvPr id="446" name="Connexion en TCP avec le serveur TCP/RF…"/>
+          <p:cNvSpPr txBox="1"/>
+          <p:nvPr/>
+        </p:nvSpPr>
+        <p:spPr>
+          <a:xfrm>
+            <a:off x="1790700" y="9287967"/>
+            <a:ext cx="8623300" cy="2302866"/>
+          </a:xfrm>
+          <a:prstGeom prst="rect">
+            <a:avLst/>
+          </a:prstGeom>
+          <a:ln w="12700">
+            <a:miter lim="400000"/>
+          </a:ln>
+          <a:extLst>
+            <a:ext uri="{C572A759-6A51-4108-AA02-DFA0A04FC94B}">
+              <ma14:wrappingTextBoxFlag xmlns:ma14="http://schemas.microsoft.com/office/mac/drawingml/2011/main" val="1"/>
+            </a:ext>
+          </a:extLst>
+        </p:spPr>
+        <p:txBody>
+          <a:bodyPr lIns="50800" tIns="50800" rIns="50800" bIns="50800" anchor="ctr">
+            <a:spAutoFit/>
+          </a:bodyPr>
+          <a:lstStyle/>
+          <a:p>
+            <a:pPr lvl="1" marL="914400" indent="-304800" algn="l">
+              <a:buSzPct val="123000"/>
+              <a:buChar char="•"/>
+              <a:defRPr>
+                <a:solidFill>
+                  <a:srgbClr val="FFFFFF"/>
+                </a:solidFill>
+              </a:defRPr>
+            </a:pPr>
+            <a:r>
+              <a:t>Connexion en TCP avec le serveur TCP/RF</a:t>
+            </a:r>
+          </a:p>
+          <a:p>
+            <a:pPr lvl="1" marL="914400" indent="-304800" algn="l">
+              <a:buSzPct val="123000"/>
+              <a:buChar char="•"/>
+              <a:defRPr>
+                <a:solidFill>
+                  <a:srgbClr val="FFFFFF"/>
+                </a:solidFill>
+              </a:defRPr>
+            </a:pPr>
+          </a:p>
+          <a:p>
+            <a:pPr lvl="1" marL="914400" indent="-304800" algn="l">
+              <a:buSzPct val="123000"/>
+              <a:buChar char="•"/>
+              <a:defRPr>
+                <a:solidFill>
+                  <a:srgbClr val="FFFFFF"/>
+                </a:solidFill>
+              </a:defRPr>
+            </a:pPr>
+            <a:r>
+              <a:t>Erreurs de compilation : </a:t>
+            </a:r>
+          </a:p>
+          <a:p>
+            <a:pPr lvl="3" algn="l">
+              <a:defRPr>
+                <a:solidFill>
+                  <a:srgbClr val="FFFFFF"/>
+                </a:solidFill>
+              </a:defRPr>
+            </a:pPr>
+            <a:r>
+              <a:t>&lt;iostream.h&gt; using namespace std</a:t>
+            </a:r>
+          </a:p>
+          <a:p>
+            <a:pPr lvl="3" algn="l">
+              <a:defRPr>
+                <a:solidFill>
+                  <a:srgbClr val="FFFFFF"/>
+                </a:solidFill>
+              </a:defRPr>
+            </a:pPr>
+          </a:p>
+          <a:p>
+            <a:pPr lvl="1" marL="914400" indent="-304800" algn="l">
+              <a:buSzPct val="123000"/>
+              <a:buChar char="•"/>
+              <a:defRPr>
+                <a:solidFill>
+                  <a:srgbClr val="FFFFFF"/>
+                </a:solidFill>
+              </a:defRPr>
+            </a:pPr>
+            <a:r>
+              <a:t>Erreur de conversion string en char</a:t>
+            </a:r>
+          </a:p>
+        </p:txBody>
+      </p:sp>
+      <p:sp>
+        <p:nvSpPr>
+          <p:cNvPr id="447" name="Connexion en UDP avec le serveur TCP/RF…"/>
+          <p:cNvSpPr txBox="1"/>
+          <p:nvPr/>
+        </p:nvSpPr>
+        <p:spPr>
+          <a:xfrm>
+            <a:off x="13335000" y="9237167"/>
+            <a:ext cx="8623300" cy="2302866"/>
+          </a:xfrm>
+          <a:prstGeom prst="rect">
+            <a:avLst/>
+          </a:prstGeom>
+          <a:ln w="12700">
+            <a:miter lim="400000"/>
+          </a:ln>
+          <a:extLst>
+            <a:ext uri="{C572A759-6A51-4108-AA02-DFA0A04FC94B}">
+              <ma14:wrappingTextBoxFlag xmlns:ma14="http://schemas.microsoft.com/office/mac/drawingml/2011/main" val="1"/>
+            </a:ext>
+          </a:extLst>
+        </p:spPr>
+        <p:txBody>
+          <a:bodyPr lIns="50800" tIns="50800" rIns="50800" bIns="50800" anchor="ctr">
+            <a:spAutoFit/>
+          </a:bodyPr>
+          <a:lstStyle/>
+          <a:p>
+            <a:pPr lvl="1" marL="914400" indent="-304800" algn="l">
+              <a:buSzPct val="123000"/>
+              <a:buChar char="•"/>
+              <a:defRPr>
+                <a:solidFill>
+                  <a:srgbClr val="FFFFFF"/>
+                </a:solidFill>
+              </a:defRPr>
+            </a:pPr>
+            <a:r>
+              <a:t>Connexion en UDP avec le serveur TCP/RF</a:t>
+            </a:r>
+          </a:p>
+          <a:p>
+            <a:pPr lvl="1" marL="914400" indent="-304800" algn="l">
+              <a:buSzPct val="123000"/>
+              <a:buChar char="•"/>
+              <a:defRPr>
+                <a:solidFill>
+                  <a:srgbClr val="FFFFFF"/>
+                </a:solidFill>
+              </a:defRPr>
+            </a:pPr>
+          </a:p>
+          <a:p>
+            <a:pPr lvl="1" marL="914400" indent="-304800" algn="l">
+              <a:buSzPct val="123000"/>
+              <a:buChar char="•"/>
+              <a:defRPr>
+                <a:solidFill>
+                  <a:srgbClr val="FFFFFF"/>
+                </a:solidFill>
+              </a:defRPr>
+            </a:pPr>
+            <a:r>
+              <a:t>Utilisation de la librairie &lt;iostream.h&gt; sans "using namespace std"</a:t>
+            </a:r>
+          </a:p>
+          <a:p>
+            <a:pPr lvl="3" algn="l">
+              <a:defRPr>
+                <a:solidFill>
+                  <a:srgbClr val="FFFFFF"/>
+                </a:solidFill>
+              </a:defRPr>
+            </a:pPr>
+          </a:p>
+          <a:p>
+            <a:pPr lvl="1" marL="914400" indent="-304800" algn="l">
+              <a:buSzPct val="123000"/>
+              <a:buChar char="•"/>
+              <a:defRPr>
+                <a:solidFill>
+                  <a:srgbClr val="FFFFFF"/>
+                </a:solidFill>
+              </a:defRPr>
+            </a:pPr>
+            <a:r>
+              <a:t>Création d'un tableau de char </a:t>
             </a:r>
           </a:p>
         </p:txBody>
@@ -5004,19 +5231,29 @@
   <p:clrMapOvr>
     <a:masterClrMapping/>
   </p:clrMapOvr>
-  <p:transition spd="med"/>
+  <mc:AlternateContent xmlns:mc="http://schemas.openxmlformats.org/markup-compatibility/2006">
+    <mc:Choice xmlns:p14="http://schemas.microsoft.com/office/powerpoint/2010/main" Requires="p14">
+      <p:transition spd="slow" advClick="1" p14:dur="1500">
+        <p:push dir="l"/>
+      </p:transition>
+    </mc:Choice>
+    <mc:Fallback>
+      <p:transition spd="slow">
+        <p:fade/>
+      </p:transition>
+    </mc:Fallback>
+  </mc:AlternateContent>
 </p:sld>
 </file>
 
-<file path=ppt/slides/slide2.xml><?xml version="1.0" encoding="utf-8"?>
-<p:sld xmlns:a="http://schemas.openxmlformats.org/drawingml/2006/main" xmlns:r="http://schemas.openxmlformats.org/officeDocument/2006/relationships" xmlns:p="http://schemas.openxmlformats.org/presentationml/2006/main">
+<file path=ppt/slides/slide12.xml><?xml version="1.0" encoding="utf-8"?>
+<p:sld xmlns:a="http://schemas.openxmlformats.org/drawingml/2006/main" xmlns:r="http://schemas.openxmlformats.org/officeDocument/2006/relationships" xmlns:p="http://schemas.openxmlformats.org/presentationml/2006/main" xmlns:m="http://schemas.openxmlformats.org/officeDocument/2006/math" xmlns:a14="http://schemas.microsoft.com/office/drawing/2010/main" showMasterSp="1" showMasterPhAnim="1">
   <p:cSld>
     <p:bg>
       <p:bgPr>
         <a:solidFill>
-          <a:srgbClr val="E6E6E6"/>
+          <a:srgbClr val="D5D5D5"/>
         </a:solidFill>
-        <a:effectLst/>
       </p:bgPr>
     </p:bg>
     <p:spTree>
@@ -5035,51 +5272,197 @@
       </p:grpSpPr>
       <p:sp>
         <p:nvSpPr>
-          <p:cNvPr id="156" name="Sommaire"/>
-          <p:cNvSpPr txBox="1">
-            <a:spLocks noGrp="1"/>
-          </p:cNvSpPr>
+          <p:cNvPr id="449" name="Je…"/>
+          <p:cNvSpPr txBox="1"/>
           <p:nvPr>
-            <p:ph type="body" sz="quarter" idx="1"/>
+            <p:ph type="body" sz="half" idx="1"/>
           </p:nvPr>
         </p:nvSpPr>
         <p:spPr>
-          <a:xfrm>
-            <a:off x="381000" y="5263743"/>
-            <a:ext cx="21971000" cy="2006601"/>
-          </a:xfrm>
           <a:prstGeom prst="rect">
             <a:avLst/>
           </a:prstGeom>
         </p:spPr>
         <p:txBody>
           <a:bodyPr/>
-          <a:lstStyle>
-            <a:lvl1pPr algn="r">
-              <a:defRPr sz="10600" spc="-211"/>
-            </a:lvl1pPr>
-          </a:lstStyle>
-          <a:p>
-            <a:r>
-              <a:t>Sommaire</a:t>
-            </a:r>
-          </a:p>
-        </p:txBody>
-      </p:sp>
-      <p:sp>
-        <p:nvSpPr>
-          <p:cNvPr id="157" name="Présentation du projet…"/>
+          <a:lstStyle/>
+          <a:p>
+            <a:pPr defTabSz="1950671">
+              <a:defRPr spc="-185" sz="9280"/>
+            </a:pPr>
+            <a:r>
+              <a:t>Je </a:t>
+            </a:r>
+          </a:p>
+          <a:p>
+            <a:pPr defTabSz="1950671">
+              <a:defRPr spc="-185" sz="9280"/>
+            </a:pPr>
+            <a:r>
+              <a:t>vous remercie </a:t>
+            </a:r>
+          </a:p>
+          <a:p>
+            <a:pPr defTabSz="1950671">
+              <a:defRPr spc="-185" sz="9280"/>
+            </a:pPr>
+            <a:r>
+              <a:t>pour votre attention.</a:t>
+            </a:r>
+          </a:p>
+        </p:txBody>
+      </p:sp>
+      <p:sp>
+        <p:nvSpPr>
+          <p:cNvPr id="450" name="Head with Shoulders"/>
           <p:cNvSpPr/>
           <p:nvPr/>
         </p:nvSpPr>
         <p:spPr>
           <a:xfrm>
-            <a:off x="2717800" y="2540000"/>
-            <a:ext cx="11036300" cy="8394700"/>
-          </a:xfrm>
-          <a:prstGeom prst="rect">
-            <a:avLst/>
-          </a:prstGeom>
+            <a:off x="11239500" y="8940800"/>
+            <a:ext cx="2030980" cy="1759591"/>
+          </a:xfrm>
+          <a:custGeom>
+            <a:avLst/>
+            <a:gdLst/>
+            <a:ahLst/>
+            <a:cxnLst>
+              <a:cxn ang="0">
+                <a:pos x="wd2" y="hd2"/>
+              </a:cxn>
+              <a:cxn ang="5400000">
+                <a:pos x="wd2" y="hd2"/>
+              </a:cxn>
+              <a:cxn ang="10800000">
+                <a:pos x="wd2" y="hd2"/>
+              </a:cxn>
+              <a:cxn ang="16200000">
+                <a:pos x="wd2" y="hd2"/>
+              </a:cxn>
+            </a:cxnLst>
+            <a:rect l="0" t="0" r="r" b="b"/>
+            <a:pathLst>
+              <a:path w="21600" h="21600" fill="norm" stroke="1" extrusionOk="0">
+                <a:moveTo>
+                  <a:pt x="10801" y="0"/>
+                </a:moveTo>
+                <a:cubicBezTo>
+                  <a:pt x="8419" y="0"/>
+                  <a:pt x="7041" y="1374"/>
+                  <a:pt x="6553" y="3337"/>
+                </a:cubicBezTo>
+                <a:cubicBezTo>
+                  <a:pt x="6322" y="4269"/>
+                  <a:pt x="6312" y="5365"/>
+                  <a:pt x="6383" y="6556"/>
+                </a:cubicBezTo>
+                <a:cubicBezTo>
+                  <a:pt x="6251" y="6550"/>
+                  <a:pt x="6103" y="6550"/>
+                  <a:pt x="5944" y="6556"/>
+                </a:cubicBezTo>
+                <a:cubicBezTo>
+                  <a:pt x="5170" y="6600"/>
+                  <a:pt x="5740" y="8660"/>
+                  <a:pt x="6261" y="9870"/>
+                </a:cubicBezTo>
+                <a:cubicBezTo>
+                  <a:pt x="6371" y="10117"/>
+                  <a:pt x="6602" y="10060"/>
+                  <a:pt x="6700" y="10028"/>
+                </a:cubicBezTo>
+                <a:cubicBezTo>
+                  <a:pt x="6898" y="12074"/>
+                  <a:pt x="7173" y="12688"/>
+                  <a:pt x="7865" y="13587"/>
+                </a:cubicBezTo>
+                <a:lnTo>
+                  <a:pt x="7853" y="14563"/>
+                </a:lnTo>
+                <a:cubicBezTo>
+                  <a:pt x="7836" y="15893"/>
+                  <a:pt x="7177" y="16995"/>
+                  <a:pt x="6102" y="17704"/>
+                </a:cubicBezTo>
+                <a:cubicBezTo>
+                  <a:pt x="6014" y="17761"/>
+                  <a:pt x="5927" y="17818"/>
+                  <a:pt x="5839" y="17863"/>
+                </a:cubicBezTo>
+                <a:cubicBezTo>
+                  <a:pt x="5335" y="18148"/>
+                  <a:pt x="4780" y="18293"/>
+                  <a:pt x="4221" y="18318"/>
+                </a:cubicBezTo>
+                <a:cubicBezTo>
+                  <a:pt x="1630" y="18457"/>
+                  <a:pt x="779" y="19820"/>
+                  <a:pt x="0" y="21600"/>
+                </a:cubicBezTo>
+                <a:lnTo>
+                  <a:pt x="10801" y="21600"/>
+                </a:lnTo>
+                <a:lnTo>
+                  <a:pt x="21600" y="21600"/>
+                </a:lnTo>
+                <a:cubicBezTo>
+                  <a:pt x="20821" y="19820"/>
+                  <a:pt x="19970" y="18457"/>
+                  <a:pt x="17379" y="18318"/>
+                </a:cubicBezTo>
+                <a:cubicBezTo>
+                  <a:pt x="16820" y="18286"/>
+                  <a:pt x="16260" y="18148"/>
+                  <a:pt x="15761" y="17863"/>
+                </a:cubicBezTo>
+                <a:cubicBezTo>
+                  <a:pt x="15678" y="17812"/>
+                  <a:pt x="15591" y="17761"/>
+                  <a:pt x="15498" y="17704"/>
+                </a:cubicBezTo>
+                <a:cubicBezTo>
+                  <a:pt x="14423" y="16995"/>
+                  <a:pt x="13758" y="15893"/>
+                  <a:pt x="13747" y="14563"/>
+                </a:cubicBezTo>
+                <a:lnTo>
+                  <a:pt x="13737" y="13587"/>
+                </a:lnTo>
+                <a:cubicBezTo>
+                  <a:pt x="14428" y="12688"/>
+                  <a:pt x="14697" y="12074"/>
+                  <a:pt x="14900" y="10028"/>
+                </a:cubicBezTo>
+                <a:cubicBezTo>
+                  <a:pt x="14993" y="10066"/>
+                  <a:pt x="15229" y="10123"/>
+                  <a:pt x="15339" y="9870"/>
+                </a:cubicBezTo>
+                <a:cubicBezTo>
+                  <a:pt x="15865" y="8660"/>
+                  <a:pt x="16431" y="6600"/>
+                  <a:pt x="15658" y="6556"/>
+                </a:cubicBezTo>
+                <a:cubicBezTo>
+                  <a:pt x="15498" y="6550"/>
+                  <a:pt x="15350" y="6543"/>
+                  <a:pt x="15219" y="6556"/>
+                </a:cubicBezTo>
+                <a:cubicBezTo>
+                  <a:pt x="15290" y="5371"/>
+                  <a:pt x="15283" y="4269"/>
+                  <a:pt x="15047" y="3337"/>
+                </a:cubicBezTo>
+                <a:cubicBezTo>
+                  <a:pt x="14559" y="1374"/>
+                  <a:pt x="13183" y="0"/>
+                  <a:pt x="10801" y="0"/>
+                </a:cubicBezTo>
+                <a:close/>
+              </a:path>
+            </a:pathLst>
+          </a:custGeom>
           <a:solidFill>
             <a:schemeClr val="accent1">
               <a:hueOff val="114395"/>
@@ -5089,506 +5472,6 @@
           <a:ln w="12700">
             <a:miter lim="400000"/>
           </a:ln>
-          <a:extLst>
-            <a:ext uri="{C572A759-6A51-4108-AA02-DFA0A04FC94B}">
-              <ma14:wrappingTextBoxFlag xmlns:ma14="http://schemas.microsoft.com/office/mac/drawingml/2011/main" xmlns:a14="http://schemas.microsoft.com/office/drawing/2010/main" xmlns:m="http://schemas.openxmlformats.org/officeDocument/2006/math" xmlns="" val="1"/>
-            </a:ext>
-          </a:extLst>
-        </p:spPr>
-        <p:txBody>
-          <a:bodyPr lIns="50800" tIns="50800" rIns="50800" bIns="50800" anchor="ctr"/>
-          <a:lstStyle/>
-          <a:p>
-            <a:pPr marL="1409700" lvl="1" indent="-800100" algn="l" defTabSz="825500">
-              <a:buSzPct val="123000"/>
-              <a:buChar char="•"/>
-              <a:defRPr sz="6300" b="1">
-                <a:solidFill>
-                  <a:srgbClr val="FFFFFF"/>
-                </a:solidFill>
-              </a:defRPr>
-            </a:pPr>
-            <a:r>
-              <a:t>Présentation du projet</a:t>
-            </a:r>
-          </a:p>
-          <a:p>
-            <a:pPr marL="1409700" lvl="1" indent="-800100" algn="l" defTabSz="825500">
-              <a:buSzPct val="123000"/>
-              <a:buChar char="•"/>
-              <a:defRPr sz="6300" b="1">
-                <a:solidFill>
-                  <a:srgbClr val="FFFFFF"/>
-                </a:solidFill>
-              </a:defRPr>
-            </a:pPr>
-            <a:r>
-              <a:t>Répartition des tâches</a:t>
-            </a:r>
-          </a:p>
-          <a:p>
-            <a:pPr marL="1409700" lvl="1" indent="-800100" algn="l" defTabSz="825500">
-              <a:buSzPct val="123000"/>
-              <a:buChar char="•"/>
-              <a:defRPr sz="6300" b="1">
-                <a:solidFill>
-                  <a:srgbClr val="FFFFFF"/>
-                </a:solidFill>
-              </a:defRPr>
-            </a:pPr>
-            <a:r>
-              <a:t>Tâche personnelle</a:t>
-            </a:r>
-          </a:p>
-          <a:p>
-            <a:pPr marL="1409700" lvl="1" indent="-800100" algn="l" defTabSz="825500">
-              <a:buSzPct val="123000"/>
-              <a:buChar char="•"/>
-              <a:defRPr sz="5500" b="1">
-                <a:solidFill>
-                  <a:srgbClr val="FFFFFF"/>
-                </a:solidFill>
-              </a:defRPr>
-            </a:pPr>
-            <a:r>
-              <a:rPr sz="6300"/>
-              <a:t>Partie Physiqu</a:t>
-            </a:r>
-            <a:r>
-              <a:t>e</a:t>
-            </a:r>
-          </a:p>
-        </p:txBody>
-      </p:sp>
-      <p:sp>
-        <p:nvSpPr>
-          <p:cNvPr id="158" name="01"/>
-          <p:cNvSpPr txBox="1">
-            <a:spLocks noGrp="1"/>
-          </p:cNvSpPr>
-          <p:nvPr>
-            <p:ph type="sldNum" sz="quarter" idx="4294967295"/>
-          </p:nvPr>
-        </p:nvSpPr>
-        <p:spPr>
-          <a:xfrm>
-            <a:off x="12065050" y="13080999"/>
-            <a:ext cx="241403" cy="374600"/>
-          </a:xfrm>
-          <a:prstGeom prst="rect">
-            <a:avLst/>
-          </a:prstGeom>
-          <a:extLst>
-            <a:ext uri="{C572A759-6A51-4108-AA02-DFA0A04FC94B}">
-              <ma14:wrappingTextBoxFlag xmlns:ma14="http://schemas.microsoft.com/office/mac/drawingml/2011/main" xmlns:a14="http://schemas.microsoft.com/office/drawing/2010/main" xmlns:m="http://schemas.openxmlformats.org/officeDocument/2006/math" xmlns="" val="1"/>
-            </a:ext>
-          </a:extLst>
-        </p:spPr>
-        <p:txBody>
-          <a:bodyPr/>
-          <a:lstStyle/>
-          <a:p>
-            <a:fld id="{86CB4B4D-7CA3-9044-876B-883B54F8677D}" type="slidenum">
-              <a:rPr/>
-              <a:pPr/>
-              <a:t>2</a:t>
-            </a:fld>
-            <a:endParaRPr/>
-          </a:p>
-        </p:txBody>
-      </p:sp>
-    </p:spTree>
-  </p:cSld>
-  <p:clrMapOvr>
-    <a:masterClrMapping/>
-  </p:clrMapOvr>
-  <p:transition spd="med"/>
-</p:sld>
-</file>
-
-<file path=ppt/slides/slide3.xml><?xml version="1.0" encoding="utf-8"?>
-<p:sld xmlns:a="http://schemas.openxmlformats.org/drawingml/2006/main" xmlns:r="http://schemas.openxmlformats.org/officeDocument/2006/relationships" xmlns:p="http://schemas.openxmlformats.org/presentationml/2006/main">
-  <p:cSld>
-    <p:spTree>
-      <p:nvGrpSpPr>
-        <p:cNvPr id="1" name=""/>
-        <p:cNvGrpSpPr/>
-        <p:nvPr/>
-      </p:nvGrpSpPr>
-      <p:grpSpPr>
-        <a:xfrm>
-          <a:off x="0" y="0"/>
-          <a:ext cx="0" cy="0"/>
-          <a:chOff x="0" y="0"/>
-          <a:chExt cx="0" cy="0"/>
-        </a:xfrm>
-      </p:grpSpPr>
-      <p:sp>
-        <p:nvSpPr>
-          <p:cNvPr id="160" name="Présentation du projet"/>
-          <p:cNvSpPr txBox="1">
-            <a:spLocks noGrp="1"/>
-          </p:cNvSpPr>
-          <p:nvPr>
-            <p:ph type="title"/>
-          </p:nvPr>
-        </p:nvSpPr>
-        <p:spPr>
-          <a:xfrm>
-            <a:off x="660400" y="596900"/>
-            <a:ext cx="21971000" cy="1433163"/>
-          </a:xfrm>
-          <a:prstGeom prst="rect">
-            <a:avLst/>
-          </a:prstGeom>
-        </p:spPr>
-        <p:txBody>
-          <a:bodyPr/>
-          <a:lstStyle/>
-          <a:p>
-            <a:r>
-              <a:t>Présentation du projet</a:t>
-            </a:r>
-          </a:p>
-        </p:txBody>
-      </p:sp>
-      <p:sp>
-        <p:nvSpPr>
-          <p:cNvPr id="161" name="Pour optimiser la circulation des véhicules, un centre commercial souhaite améliorer l'accueil de ses…"/>
-          <p:cNvSpPr txBox="1"/>
-          <p:nvPr/>
-        </p:nvSpPr>
-        <p:spPr>
-          <a:xfrm>
-            <a:off x="761491" y="10208183"/>
-            <a:ext cx="20853401" cy="2951634"/>
-          </a:xfrm>
-          <a:prstGeom prst="rect">
-            <a:avLst/>
-          </a:prstGeom>
-          <a:ln w="12700">
-            <a:miter lim="400000"/>
-          </a:ln>
-          <a:extLst>
-            <a:ext uri="{C572A759-6A51-4108-AA02-DFA0A04FC94B}">
-              <ma14:wrappingTextBoxFlag xmlns:ma14="http://schemas.microsoft.com/office/mac/drawingml/2011/main" xmlns:a14="http://schemas.microsoft.com/office/drawing/2010/main" xmlns:m="http://schemas.openxmlformats.org/officeDocument/2006/math" xmlns="" val="1"/>
-            </a:ext>
-          </a:extLst>
-        </p:spPr>
-        <p:txBody>
-          <a:bodyPr lIns="50800" tIns="50800" rIns="50800" bIns="50800" anchor="ctr">
-            <a:spAutoFit/>
-          </a:bodyPr>
-          <a:lstStyle/>
-          <a:p>
-            <a:pPr algn="l">
-              <a:defRPr sz="2100">
-                <a:solidFill>
-                  <a:srgbClr val="000000"/>
-                </a:solidFill>
-              </a:defRPr>
-            </a:pPr>
-            <a:r>
-              <a:t>Pour optimiser la circulation des véhicules, un centre commercial souhaite améliorer l'accueil de ses </a:t>
-            </a:r>
-          </a:p>
-          <a:p>
-            <a:pPr algn="l">
-              <a:defRPr sz="2100">
-                <a:solidFill>
-                  <a:srgbClr val="000000"/>
-                </a:solidFill>
-              </a:defRPr>
-            </a:pPr>
-            <a:r>
-              <a:t>clients dans son parking. Elle souhaite permettre à ses clients de :</a:t>
-            </a:r>
-          </a:p>
-          <a:p>
-            <a:pPr algn="l">
-              <a:defRPr sz="2100">
-                <a:solidFill>
-                  <a:srgbClr val="000000"/>
-                </a:solidFill>
-              </a:defRPr>
-            </a:pPr>
-            <a:endParaRPr/>
-          </a:p>
-          <a:p>
-            <a:pPr algn="l">
-              <a:defRPr sz="2100">
-                <a:solidFill>
-                  <a:srgbClr val="000000"/>
-                </a:solidFill>
-              </a:defRPr>
-            </a:pPr>
-            <a:r>
-              <a:t>- réserver une place de parking à l'avance </a:t>
-            </a:r>
-          </a:p>
-          <a:p>
-            <a:pPr algn="l">
-              <a:defRPr sz="2100">
-                <a:solidFill>
-                  <a:srgbClr val="000000"/>
-                </a:solidFill>
-              </a:defRPr>
-            </a:pPr>
-            <a:r>
-              <a:t>- guider ses clients jusqu'à leur place de parking réservée.</a:t>
-            </a:r>
-          </a:p>
-          <a:p>
-            <a:pPr algn="l">
-              <a:defRPr sz="2100">
-                <a:solidFill>
-                  <a:srgbClr val="000000"/>
-                </a:solidFill>
-              </a:defRPr>
-            </a:pPr>
-            <a:endParaRPr/>
-          </a:p>
-          <a:p>
-            <a:pPr algn="l">
-              <a:defRPr sz="2100">
-                <a:solidFill>
-                  <a:srgbClr val="000000"/>
-                </a:solidFill>
-              </a:defRPr>
-            </a:pPr>
-            <a:r>
-              <a:t>Le centre commercial veut également permettre aux </a:t>
-            </a:r>
-          </a:p>
-          <a:p>
-            <a:pPr algn="l">
-              <a:defRPr sz="2100">
-                <a:solidFill>
-                  <a:srgbClr val="000000"/>
-                </a:solidFill>
-              </a:defRPr>
-            </a:pPr>
-            <a:r>
-              <a:t>gérants de magasin d'afficher leur publicité sur un </a:t>
-            </a:r>
-          </a:p>
-          <a:p>
-            <a:pPr algn="l">
-              <a:defRPr sz="2100">
-                <a:solidFill>
-                  <a:srgbClr val="000000"/>
-                </a:solidFill>
-              </a:defRPr>
-            </a:pPr>
-            <a:r>
-              <a:t>afficheur géant à l'entrée</a:t>
-            </a:r>
-          </a:p>
-        </p:txBody>
-      </p:sp>
-      <p:pic>
-        <p:nvPicPr>
-          <p:cNvPr id="162" name="Image" descr="Image"/>
-          <p:cNvPicPr>
-            <a:picLocks noChangeAspect="1"/>
-          </p:cNvPicPr>
-          <p:nvPr/>
-        </p:nvPicPr>
-        <p:blipFill>
-          <a:blip r:embed="rId3">
-            <a:extLst/>
-          </a:blip>
-          <a:srcRect l="5625" t="17500" b="25277"/>
-          <a:stretch>
-            <a:fillRect/>
-          </a:stretch>
-        </p:blipFill>
-        <p:spPr>
-          <a:xfrm>
-            <a:off x="16484600" y="2032000"/>
-            <a:ext cx="5753100" cy="2616200"/>
-          </a:xfrm>
-          <a:prstGeom prst="rect">
-            <a:avLst/>
-          </a:prstGeom>
-          <a:ln w="25400">
-            <a:miter lim="400000"/>
-          </a:ln>
-          <a:effectLst>
-            <a:outerShdw blurRad="127000" dist="177800" dir="2700000" rotWithShape="0">
-              <a:srgbClr val="000000">
-                <a:alpha val="75000"/>
-              </a:srgbClr>
-            </a:outerShdw>
-          </a:effectLst>
-        </p:spPr>
-      </p:pic>
-      <p:pic>
-        <p:nvPicPr>
-          <p:cNvPr id="163" name="Image" descr="Image"/>
-          <p:cNvPicPr>
-            <a:picLocks noChangeAspect="1"/>
-          </p:cNvPicPr>
-          <p:nvPr/>
-        </p:nvPicPr>
-        <p:blipFill>
-          <a:blip r:embed="rId4">
-            <a:extLst/>
-          </a:blip>
-          <a:stretch>
-            <a:fillRect/>
-          </a:stretch>
-        </p:blipFill>
-        <p:spPr>
-          <a:xfrm>
-            <a:off x="876300" y="5359400"/>
-            <a:ext cx="10771252" cy="4140200"/>
-          </a:xfrm>
-          <a:prstGeom prst="rect">
-            <a:avLst/>
-          </a:prstGeom>
-          <a:ln w="12700">
-            <a:miter lim="400000"/>
-          </a:ln>
-        </p:spPr>
-      </p:pic>
-      <p:pic>
-        <p:nvPicPr>
-          <p:cNvPr id="164" name="Image" descr="Image"/>
-          <p:cNvPicPr>
-            <a:picLocks noChangeAspect="1"/>
-          </p:cNvPicPr>
-          <p:nvPr/>
-        </p:nvPicPr>
-        <p:blipFill>
-          <a:blip r:embed="rId5">
-            <a:extLst/>
-          </a:blip>
-          <a:stretch>
-            <a:fillRect/>
-          </a:stretch>
-        </p:blipFill>
-        <p:spPr>
-          <a:xfrm>
-            <a:off x="18935700" y="4965700"/>
-            <a:ext cx="3784600" cy="3784600"/>
-          </a:xfrm>
-          <a:prstGeom prst="rect">
-            <a:avLst/>
-          </a:prstGeom>
-          <a:ln w="12700">
-            <a:miter lim="400000"/>
-          </a:ln>
-          <a:effectLst>
-            <a:outerShdw blurRad="127000" dist="76200" dir="2700000" rotWithShape="0">
-              <a:srgbClr val="000000">
-                <a:alpha val="82000"/>
-              </a:srgbClr>
-            </a:outerShdw>
-          </a:effectLst>
-        </p:spPr>
-      </p:pic>
-      <p:pic>
-        <p:nvPicPr>
-          <p:cNvPr id="165" name="Line Line" descr="Line Line"/>
-          <p:cNvPicPr>
-            <a:picLocks/>
-          </p:cNvPicPr>
-          <p:nvPr/>
-        </p:nvPicPr>
-        <p:blipFill>
-          <a:blip r:embed="rId6">
-            <a:extLst/>
-          </a:blip>
-          <a:stretch>
-            <a:fillRect/>
-          </a:stretch>
-        </p:blipFill>
-        <p:spPr>
-          <a:xfrm rot="19500952">
-            <a:off x="11131688" y="5055355"/>
-            <a:ext cx="5893066" cy="76201"/>
-          </a:xfrm>
-          <a:prstGeom prst="rect">
-            <a:avLst/>
-          </a:prstGeom>
-        </p:spPr>
-      </p:pic>
-      <p:pic>
-        <p:nvPicPr>
-          <p:cNvPr id="167" name="Line Line" descr="Line Line"/>
-          <p:cNvPicPr>
-            <a:picLocks/>
-          </p:cNvPicPr>
-          <p:nvPr/>
-        </p:nvPicPr>
-        <p:blipFill>
-          <a:blip r:embed="rId7">
-            <a:extLst/>
-          </a:blip>
-          <a:stretch>
-            <a:fillRect/>
-          </a:stretch>
-        </p:blipFill>
-        <p:spPr>
-          <a:xfrm rot="2715">
-            <a:off x="11655143" y="6697940"/>
-            <a:ext cx="7279973" cy="76201"/>
-          </a:xfrm>
-          <a:prstGeom prst="rect">
-            <a:avLst/>
-          </a:prstGeom>
-        </p:spPr>
-      </p:pic>
-      <p:pic>
-        <p:nvPicPr>
-          <p:cNvPr id="169" name="Line Line" descr="Line Line"/>
-          <p:cNvPicPr>
-            <a:picLocks/>
-          </p:cNvPicPr>
-          <p:nvPr/>
-        </p:nvPicPr>
-        <p:blipFill>
-          <a:blip r:embed="rId8">
-            <a:extLst/>
-          </a:blip>
-          <a:stretch>
-            <a:fillRect/>
-          </a:stretch>
-        </p:blipFill>
-        <p:spPr>
-          <a:xfrm rot="2437321">
-            <a:off x="10972039" y="8720085"/>
-            <a:ext cx="6235714" cy="76201"/>
-          </a:xfrm>
-          <a:prstGeom prst="rect">
-            <a:avLst/>
-          </a:prstGeom>
-        </p:spPr>
-      </p:pic>
-      <p:sp>
-        <p:nvSpPr>
-          <p:cNvPr id="171" name="Oval"/>
-          <p:cNvSpPr/>
-          <p:nvPr/>
-        </p:nvSpPr>
-        <p:spPr>
-          <a:xfrm>
-            <a:off x="11430000" y="6413500"/>
-            <a:ext cx="635000" cy="660400"/>
-          </a:xfrm>
-          <a:prstGeom prst="ellipse">
-            <a:avLst/>
-          </a:prstGeom>
-          <a:solidFill>
-            <a:schemeClr val="accent1">
-              <a:hueOff val="114395"/>
-              <a:lumOff val="-24975"/>
-            </a:schemeClr>
-          </a:solidFill>
-          <a:ln w="12700">
-            <a:miter lim="400000"/>
-          </a:ln>
         </p:spPr>
         <p:txBody>
           <a:bodyPr lIns="50800" tIns="50800" rIns="50800" bIns="50800" anchor="ctr"/>
@@ -5597,7 +5480,7 @@
             <a:pPr defTabSz="825500">
               <a:defRPr sz="3200">
                 <a:solidFill>
-                  <a:srgbClr val="000000"/>
+                  <a:srgbClr val="FFFFFF"/>
                 </a:solidFill>
                 <a:latin typeface="Helvetica Neue Medium"/>
                 <a:ea typeface="Helvetica Neue Medium"/>
@@ -5605,101 +5488,37 @@
                 <a:sym typeface="Helvetica Neue Medium"/>
               </a:defRPr>
             </a:pPr>
-            <a:endParaRPr/>
-          </a:p>
-        </p:txBody>
-      </p:sp>
-      <p:sp>
-        <p:nvSpPr>
-          <p:cNvPr id="172" name="01"/>
-          <p:cNvSpPr txBox="1">
-            <a:spLocks noGrp="1"/>
-          </p:cNvSpPr>
-          <p:nvPr>
-            <p:ph type="sldNum" sz="quarter" idx="4294967295"/>
-          </p:nvPr>
-        </p:nvSpPr>
-        <p:spPr>
-          <a:xfrm>
-            <a:off x="12065050" y="13080999"/>
-            <a:ext cx="241403" cy="374600"/>
-          </a:xfrm>
-          <a:prstGeom prst="rect">
-            <a:avLst/>
-          </a:prstGeom>
-          <a:extLst>
-            <a:ext uri="{C572A759-6A51-4108-AA02-DFA0A04FC94B}">
-              <ma14:wrappingTextBoxFlag xmlns:ma14="http://schemas.microsoft.com/office/mac/drawingml/2011/main" xmlns:a14="http://schemas.microsoft.com/office/drawing/2010/main" xmlns:m="http://schemas.openxmlformats.org/officeDocument/2006/math" xmlns="" val="1"/>
-            </a:ext>
-          </a:extLst>
-        </p:spPr>
-        <p:txBody>
-          <a:bodyPr/>
-          <a:lstStyle/>
-          <a:p>
-            <a:fld id="{86CB4B4D-7CA3-9044-876B-883B54F8677D}" type="slidenum">
-              <a:rPr/>
-              <a:pPr/>
-              <a:t>3</a:t>
-            </a:fld>
-            <a:endParaRPr/>
-          </a:p>
-        </p:txBody>
-      </p:sp>
-      <p:pic>
-        <p:nvPicPr>
-          <p:cNvPr id="173" name="Image" descr="Image"/>
-          <p:cNvPicPr>
-            <a:picLocks noChangeAspect="1"/>
-          </p:cNvPicPr>
-          <p:nvPr/>
-        </p:nvPicPr>
-        <p:blipFill>
-          <a:blip r:embed="rId9">
-            <a:extLst/>
-          </a:blip>
-          <a:stretch>
-            <a:fillRect/>
-          </a:stretch>
-        </p:blipFill>
-        <p:spPr>
-          <a:xfrm>
-            <a:off x="16230600" y="8610600"/>
-            <a:ext cx="3810000" cy="3810000"/>
-          </a:xfrm>
-          <a:prstGeom prst="rect">
-            <a:avLst/>
-          </a:prstGeom>
-          <a:ln w="12700">
-            <a:miter lim="400000"/>
-          </a:ln>
-          <a:effectLst>
-            <a:outerShdw blurRad="127000" dist="241300" dir="2700000" rotWithShape="0">
-              <a:srgbClr val="000000">
-                <a:alpha val="75000"/>
-              </a:srgbClr>
-            </a:outerShdw>
-          </a:effectLst>
-        </p:spPr>
-      </p:pic>
+          </a:p>
+        </p:txBody>
+      </p:sp>
     </p:spTree>
   </p:cSld>
   <p:clrMapOvr>
     <a:masterClrMapping/>
   </p:clrMapOvr>
-  <p:transition spd="med"/>
+  <mc:AlternateContent xmlns:mc="http://schemas.openxmlformats.org/markup-compatibility/2006">
+    <mc:Choice xmlns:p14="http://schemas.microsoft.com/office/powerpoint/2010/main" Requires="p14">
+      <p:transition spd="slow" advClick="1" p14:dur="1500">
+        <p:push dir="l"/>
+      </p:transition>
+    </mc:Choice>
+    <mc:Fallback>
+      <p:transition spd="slow">
+        <p:fade/>
+      </p:transition>
+    </mc:Fallback>
+  </mc:AlternateContent>
 </p:sld>
 </file>
 
-<file path=ppt/slides/slide4.xml><?xml version="1.0" encoding="utf-8"?>
-<p:sld xmlns:a="http://schemas.openxmlformats.org/drawingml/2006/main" xmlns:r="http://schemas.openxmlformats.org/officeDocument/2006/relationships" xmlns:p="http://schemas.openxmlformats.org/presentationml/2006/main">
+<file path=ppt/slides/slide2.xml><?xml version="1.0" encoding="utf-8"?>
+<p:sld xmlns:a="http://schemas.openxmlformats.org/drawingml/2006/main" xmlns:r="http://schemas.openxmlformats.org/officeDocument/2006/relationships" xmlns:p="http://schemas.openxmlformats.org/presentationml/2006/main" xmlns:m="http://schemas.openxmlformats.org/officeDocument/2006/math" xmlns:a14="http://schemas.microsoft.com/office/drawing/2010/main" showMasterSp="1" showMasterPhAnim="1">
   <p:cSld>
     <p:bg>
       <p:bgPr>
         <a:solidFill>
           <a:srgbClr val="E6E6E6"/>
         </a:solidFill>
-        <a:effectLst/>
       </p:bgPr>
     </p:bg>
     <p:spTree>
@@ -5718,10 +5537,694 @@
       </p:grpSpPr>
       <p:sp>
         <p:nvSpPr>
+          <p:cNvPr id="156" name="Sommaire"/>
+          <p:cNvSpPr txBox="1"/>
+          <p:nvPr>
+            <p:ph type="body" sz="quarter" idx="1"/>
+          </p:nvPr>
+        </p:nvSpPr>
+        <p:spPr>
+          <a:xfrm>
+            <a:off x="381000" y="5263743"/>
+            <a:ext cx="21971000" cy="2006601"/>
+          </a:xfrm>
+          <a:prstGeom prst="rect">
+            <a:avLst/>
+          </a:prstGeom>
+        </p:spPr>
+        <p:txBody>
+          <a:bodyPr/>
+          <a:lstStyle>
+            <a:lvl1pPr algn="r">
+              <a:defRPr spc="-211" sz="10600"/>
+            </a:lvl1pPr>
+          </a:lstStyle>
+          <a:p>
+            <a:pPr/>
+            <a:r>
+              <a:t>Sommaire</a:t>
+            </a:r>
+          </a:p>
+        </p:txBody>
+      </p:sp>
+      <p:sp>
+        <p:nvSpPr>
+          <p:cNvPr id="157" name="Présentation du projet…"/>
+          <p:cNvSpPr/>
+          <p:nvPr/>
+        </p:nvSpPr>
+        <p:spPr>
+          <a:xfrm>
+            <a:off x="2717800" y="2540000"/>
+            <a:ext cx="11036300" cy="8394700"/>
+          </a:xfrm>
+          <a:prstGeom prst="rect">
+            <a:avLst/>
+          </a:prstGeom>
+          <a:solidFill>
+            <a:schemeClr val="accent1">
+              <a:hueOff val="114395"/>
+              <a:lumOff val="-24975"/>
+            </a:schemeClr>
+          </a:solidFill>
+          <a:ln w="12700">
+            <a:miter lim="400000"/>
+          </a:ln>
+          <a:extLst>
+            <a:ext uri="{C572A759-6A51-4108-AA02-DFA0A04FC94B}">
+              <ma14:wrappingTextBoxFlag xmlns:ma14="http://schemas.microsoft.com/office/mac/drawingml/2011/main" val="1"/>
+            </a:ext>
+          </a:extLst>
+        </p:spPr>
+        <p:txBody>
+          <a:bodyPr lIns="50800" tIns="50800" rIns="50800" bIns="50800" anchor="ctr"/>
+          <a:lstStyle/>
+          <a:p>
+            <a:pPr lvl="1" marL="1409700" indent="-800100" algn="l" defTabSz="825500">
+              <a:buSzPct val="123000"/>
+              <a:buChar char="•"/>
+              <a:defRPr b="1" sz="6300">
+                <a:solidFill>
+                  <a:srgbClr val="FFFFFF"/>
+                </a:solidFill>
+              </a:defRPr>
+            </a:pPr>
+            <a:r>
+              <a:t>Présentation du projet</a:t>
+            </a:r>
+          </a:p>
+          <a:p>
+            <a:pPr lvl="1" marL="1409700" indent="-800100" algn="l" defTabSz="825500">
+              <a:buSzPct val="123000"/>
+              <a:buChar char="•"/>
+              <a:defRPr b="1" sz="6300">
+                <a:solidFill>
+                  <a:srgbClr val="FFFFFF"/>
+                </a:solidFill>
+              </a:defRPr>
+            </a:pPr>
+            <a:r>
+              <a:t>Répartition des tâches</a:t>
+            </a:r>
+          </a:p>
+          <a:p>
+            <a:pPr lvl="1" marL="1409700" indent="-800100" algn="l" defTabSz="825500">
+              <a:buSzPct val="123000"/>
+              <a:buChar char="•"/>
+              <a:defRPr b="1" sz="6300">
+                <a:solidFill>
+                  <a:srgbClr val="FFFFFF"/>
+                </a:solidFill>
+              </a:defRPr>
+            </a:pPr>
+            <a:r>
+              <a:t>Tâche personnelle</a:t>
+            </a:r>
+          </a:p>
+          <a:p>
+            <a:pPr lvl="1" marL="1409700" indent="-800100" algn="l" defTabSz="825500">
+              <a:buSzPct val="123000"/>
+              <a:buChar char="•"/>
+              <a:defRPr b="1" sz="6300">
+                <a:solidFill>
+                  <a:srgbClr val="FFFFFF"/>
+                </a:solidFill>
+              </a:defRPr>
+            </a:pPr>
+            <a:r>
+              <a:t>Partie Physiqu</a:t>
+            </a:r>
+            <a:r>
+              <a:t>e</a:t>
+            </a:r>
+          </a:p>
+        </p:txBody>
+      </p:sp>
+      <p:sp>
+        <p:nvSpPr>
+          <p:cNvPr id="158" name="01"/>
+          <p:cNvSpPr txBox="1"/>
+          <p:nvPr>
+            <p:ph type="sldNum" sz="quarter" idx="4294967295"/>
+          </p:nvPr>
+        </p:nvSpPr>
+        <p:spPr>
+          <a:xfrm>
+            <a:off x="12065050" y="13080999"/>
+            <a:ext cx="241403" cy="374600"/>
+          </a:xfrm>
+          <a:prstGeom prst="rect">
+            <a:avLst/>
+          </a:prstGeom>
+          <a:extLst>
+            <a:ext uri="{C572A759-6A51-4108-AA02-DFA0A04FC94B}">
+              <ma14:wrappingTextBoxFlag xmlns:ma14="http://schemas.microsoft.com/office/mac/drawingml/2011/main" val="1"/>
+            </a:ext>
+          </a:extLst>
+        </p:spPr>
+        <p:txBody>
+          <a:bodyPr/>
+          <a:lstStyle/>
+          <a:p>
+            <a:pPr/>
+            <a:fld id="{86CB4B4D-7CA3-9044-876B-883B54F8677D}" type="slidenum"/>
+          </a:p>
+        </p:txBody>
+      </p:sp>
+    </p:spTree>
+  </p:cSld>
+  <p:clrMapOvr>
+    <a:masterClrMapping/>
+  </p:clrMapOvr>
+  <mc:AlternateContent xmlns:mc="http://schemas.openxmlformats.org/markup-compatibility/2006">
+    <mc:Choice xmlns:p14="http://schemas.microsoft.com/office/powerpoint/2010/main" Requires="p14">
+      <p:transition spd="slow" advClick="1" p14:dur="1500">
+        <p:push dir="l"/>
+      </p:transition>
+    </mc:Choice>
+    <mc:Fallback>
+      <p:transition spd="slow">
+        <p:fade/>
+      </p:transition>
+    </mc:Fallback>
+  </mc:AlternateContent>
+</p:sld>
+</file>
+
+<file path=ppt/slides/slide3.xml><?xml version="1.0" encoding="utf-8"?>
+<p:sld xmlns:a="http://schemas.openxmlformats.org/drawingml/2006/main" xmlns:r="http://schemas.openxmlformats.org/officeDocument/2006/relationships" xmlns:p="http://schemas.openxmlformats.org/presentationml/2006/main" xmlns:m="http://schemas.openxmlformats.org/officeDocument/2006/math" xmlns:a14="http://schemas.microsoft.com/office/drawing/2010/main" showMasterSp="1" showMasterPhAnim="1">
+  <p:cSld>
+    <p:spTree>
+      <p:nvGrpSpPr>
+        <p:cNvPr id="1" name=""/>
+        <p:cNvGrpSpPr/>
+        <p:nvPr/>
+      </p:nvGrpSpPr>
+      <p:grpSpPr>
+        <a:xfrm>
+          <a:off x="0" y="0"/>
+          <a:ext cx="0" cy="0"/>
+          <a:chOff x="0" y="0"/>
+          <a:chExt cx="0" cy="0"/>
+        </a:xfrm>
+      </p:grpSpPr>
+      <p:sp>
+        <p:nvSpPr>
+          <p:cNvPr id="160" name="Présentation du projet"/>
+          <p:cNvSpPr txBox="1"/>
+          <p:nvPr>
+            <p:ph type="title"/>
+          </p:nvPr>
+        </p:nvSpPr>
+        <p:spPr>
+          <a:xfrm>
+            <a:off x="660400" y="596900"/>
+            <a:ext cx="21971000" cy="1433163"/>
+          </a:xfrm>
+          <a:prstGeom prst="rect">
+            <a:avLst/>
+          </a:prstGeom>
+        </p:spPr>
+        <p:txBody>
+          <a:bodyPr/>
+          <a:lstStyle/>
+          <a:p>
+            <a:pPr/>
+            <a:r>
+              <a:t>Présentation du projet</a:t>
+            </a:r>
+          </a:p>
+        </p:txBody>
+      </p:sp>
+      <p:sp>
+        <p:nvSpPr>
+          <p:cNvPr id="161" name="Pour optimiser la circulation des véhicules, un centre commercial souhaite améliorer l'accueil de ses…"/>
+          <p:cNvSpPr txBox="1"/>
+          <p:nvPr/>
+        </p:nvSpPr>
+        <p:spPr>
+          <a:xfrm>
+            <a:off x="761491" y="10208183"/>
+            <a:ext cx="20853401" cy="2951634"/>
+          </a:xfrm>
+          <a:prstGeom prst="rect">
+            <a:avLst/>
+          </a:prstGeom>
+          <a:ln w="12700">
+            <a:miter lim="400000"/>
+          </a:ln>
+          <a:extLst>
+            <a:ext uri="{C572A759-6A51-4108-AA02-DFA0A04FC94B}">
+              <ma14:wrappingTextBoxFlag xmlns:ma14="http://schemas.microsoft.com/office/mac/drawingml/2011/main" val="1"/>
+            </a:ext>
+          </a:extLst>
+        </p:spPr>
+        <p:txBody>
+          <a:bodyPr lIns="50800" tIns="50800" rIns="50800" bIns="50800" anchor="ctr">
+            <a:spAutoFit/>
+          </a:bodyPr>
+          <a:lstStyle/>
+          <a:p>
+            <a:pPr algn="l">
+              <a:defRPr sz="2100">
+                <a:solidFill>
+                  <a:srgbClr val="000000"/>
+                </a:solidFill>
+              </a:defRPr>
+            </a:pPr>
+            <a:r>
+              <a:t>Pour optimiser la circulation des véhicules, un centre commercial souhaite améliorer l'accueil de ses </a:t>
+            </a:r>
+          </a:p>
+          <a:p>
+            <a:pPr algn="l">
+              <a:defRPr sz="2100">
+                <a:solidFill>
+                  <a:srgbClr val="000000"/>
+                </a:solidFill>
+              </a:defRPr>
+            </a:pPr>
+            <a:r>
+              <a:t>clients dans son parking. Elle souhaite permettre à ses clients de :</a:t>
+            </a:r>
+          </a:p>
+          <a:p>
+            <a:pPr algn="l">
+              <a:defRPr sz="2100">
+                <a:solidFill>
+                  <a:srgbClr val="000000"/>
+                </a:solidFill>
+              </a:defRPr>
+            </a:pPr>
+          </a:p>
+          <a:p>
+            <a:pPr algn="l">
+              <a:defRPr sz="2100">
+                <a:solidFill>
+                  <a:srgbClr val="000000"/>
+                </a:solidFill>
+              </a:defRPr>
+            </a:pPr>
+            <a:r>
+              <a:t>- réserver une place de parking à l'avance </a:t>
+            </a:r>
+          </a:p>
+          <a:p>
+            <a:pPr algn="l">
+              <a:defRPr sz="2100">
+                <a:solidFill>
+                  <a:srgbClr val="000000"/>
+                </a:solidFill>
+              </a:defRPr>
+            </a:pPr>
+            <a:r>
+              <a:t>- guider ses clients jusqu'à leur place de parking réservée.</a:t>
+            </a:r>
+          </a:p>
+          <a:p>
+            <a:pPr algn="l">
+              <a:defRPr sz="2100">
+                <a:solidFill>
+                  <a:srgbClr val="000000"/>
+                </a:solidFill>
+              </a:defRPr>
+            </a:pPr>
+          </a:p>
+          <a:p>
+            <a:pPr algn="l">
+              <a:defRPr sz="2100">
+                <a:solidFill>
+                  <a:srgbClr val="000000"/>
+                </a:solidFill>
+              </a:defRPr>
+            </a:pPr>
+            <a:r>
+              <a:t>Le centre commercial veut également permettre aux </a:t>
+            </a:r>
+          </a:p>
+          <a:p>
+            <a:pPr algn="l">
+              <a:defRPr sz="2100">
+                <a:solidFill>
+                  <a:srgbClr val="000000"/>
+                </a:solidFill>
+              </a:defRPr>
+            </a:pPr>
+            <a:r>
+              <a:t>gérants de magasin d'afficher leur publicité sur un </a:t>
+            </a:r>
+          </a:p>
+          <a:p>
+            <a:pPr algn="l">
+              <a:defRPr sz="2100">
+                <a:solidFill>
+                  <a:srgbClr val="000000"/>
+                </a:solidFill>
+              </a:defRPr>
+            </a:pPr>
+            <a:r>
+              <a:t>afficheur géant à l'entrée</a:t>
+            </a:r>
+          </a:p>
+        </p:txBody>
+      </p:sp>
+      <p:pic>
+        <p:nvPicPr>
+          <p:cNvPr id="162" name="Image" descr="Image"/>
+          <p:cNvPicPr>
+            <a:picLocks noChangeAspect="1"/>
+          </p:cNvPicPr>
+          <p:nvPr/>
+        </p:nvPicPr>
+        <p:blipFill>
+          <a:blip r:embed="rId3">
+            <a:extLst/>
+          </a:blip>
+          <a:srcRect l="5625" t="17500" r="0" b="25277"/>
+          <a:stretch>
+            <a:fillRect/>
+          </a:stretch>
+        </p:blipFill>
+        <p:spPr>
+          <a:xfrm>
+            <a:off x="16484600" y="2032000"/>
+            <a:ext cx="5753100" cy="2616200"/>
+          </a:xfrm>
+          <a:prstGeom prst="rect">
+            <a:avLst/>
+          </a:prstGeom>
+          <a:ln w="25400">
+            <a:miter lim="400000"/>
+          </a:ln>
+          <a:effectLst>
+            <a:outerShdw sx="100000" sy="100000" kx="0" ky="0" algn="b" rotWithShape="0" blurRad="127000" dist="177800" dir="2700000">
+              <a:srgbClr val="000000">
+                <a:alpha val="75000"/>
+              </a:srgbClr>
+            </a:outerShdw>
+          </a:effectLst>
+        </p:spPr>
+      </p:pic>
+      <p:pic>
+        <p:nvPicPr>
+          <p:cNvPr id="163" name="Image" descr="Image"/>
+          <p:cNvPicPr>
+            <a:picLocks noChangeAspect="1"/>
+          </p:cNvPicPr>
+          <p:nvPr/>
+        </p:nvPicPr>
+        <p:blipFill>
+          <a:blip r:embed="rId4">
+            <a:extLst/>
+          </a:blip>
+          <a:stretch>
+            <a:fillRect/>
+          </a:stretch>
+        </p:blipFill>
+        <p:spPr>
+          <a:xfrm>
+            <a:off x="876300" y="5359400"/>
+            <a:ext cx="10771252" cy="4140200"/>
+          </a:xfrm>
+          <a:prstGeom prst="rect">
+            <a:avLst/>
+          </a:prstGeom>
+          <a:ln w="12700">
+            <a:miter lim="400000"/>
+          </a:ln>
+        </p:spPr>
+      </p:pic>
+      <p:pic>
+        <p:nvPicPr>
+          <p:cNvPr id="164" name="Image" descr="Image"/>
+          <p:cNvPicPr>
+            <a:picLocks noChangeAspect="1"/>
+          </p:cNvPicPr>
+          <p:nvPr/>
+        </p:nvPicPr>
+        <p:blipFill>
+          <a:blip r:embed="rId5">
+            <a:extLst/>
+          </a:blip>
+          <a:stretch>
+            <a:fillRect/>
+          </a:stretch>
+        </p:blipFill>
+        <p:spPr>
+          <a:xfrm>
+            <a:off x="18935700" y="4965700"/>
+            <a:ext cx="3784600" cy="3784600"/>
+          </a:xfrm>
+          <a:prstGeom prst="rect">
+            <a:avLst/>
+          </a:prstGeom>
+          <a:ln w="12700">
+            <a:miter lim="400000"/>
+          </a:ln>
+          <a:effectLst>
+            <a:outerShdw sx="100000" sy="100000" kx="0" ky="0" algn="b" rotWithShape="0" blurRad="127000" dist="76200" dir="2700000">
+              <a:srgbClr val="000000">
+                <a:alpha val="82000"/>
+              </a:srgbClr>
+            </a:outerShdw>
+          </a:effectLst>
+        </p:spPr>
+      </p:pic>
+      <p:pic>
+        <p:nvPicPr>
+          <p:cNvPr id="165" name="Line Line" descr="Line Line"/>
+          <p:cNvPicPr>
+            <a:picLocks noChangeAspect="0"/>
+          </p:cNvPicPr>
+          <p:nvPr/>
+        </p:nvPicPr>
+        <p:blipFill>
+          <a:blip r:embed="rId6">
+            <a:extLst/>
+          </a:blip>
+          <a:stretch>
+            <a:fillRect/>
+          </a:stretch>
+        </p:blipFill>
+        <p:spPr>
+          <a:xfrm rot="19500952">
+            <a:off x="11131688" y="5055355"/>
+            <a:ext cx="5893066" cy="76201"/>
+          </a:xfrm>
+          <a:prstGeom prst="rect">
+            <a:avLst/>
+          </a:prstGeom>
+        </p:spPr>
+      </p:pic>
+      <p:pic>
+        <p:nvPicPr>
+          <p:cNvPr id="167" name="Line Line" descr="Line Line"/>
+          <p:cNvPicPr>
+            <a:picLocks noChangeAspect="0"/>
+          </p:cNvPicPr>
+          <p:nvPr/>
+        </p:nvPicPr>
+        <p:blipFill>
+          <a:blip r:embed="rId7">
+            <a:extLst/>
+          </a:blip>
+          <a:stretch>
+            <a:fillRect/>
+          </a:stretch>
+        </p:blipFill>
+        <p:spPr>
+          <a:xfrm rot="2715">
+            <a:off x="11655143" y="6697940"/>
+            <a:ext cx="7279973" cy="76201"/>
+          </a:xfrm>
+          <a:prstGeom prst="rect">
+            <a:avLst/>
+          </a:prstGeom>
+        </p:spPr>
+      </p:pic>
+      <p:pic>
+        <p:nvPicPr>
+          <p:cNvPr id="169" name="Line Line" descr="Line Line"/>
+          <p:cNvPicPr>
+            <a:picLocks noChangeAspect="0"/>
+          </p:cNvPicPr>
+          <p:nvPr/>
+        </p:nvPicPr>
+        <p:blipFill>
+          <a:blip r:embed="rId8">
+            <a:extLst/>
+          </a:blip>
+          <a:stretch>
+            <a:fillRect/>
+          </a:stretch>
+        </p:blipFill>
+        <p:spPr>
+          <a:xfrm rot="2437321">
+            <a:off x="10972039" y="8720085"/>
+            <a:ext cx="6235714" cy="76201"/>
+          </a:xfrm>
+          <a:prstGeom prst="rect">
+            <a:avLst/>
+          </a:prstGeom>
+        </p:spPr>
+      </p:pic>
+      <p:sp>
+        <p:nvSpPr>
+          <p:cNvPr id="171" name="Oval"/>
+          <p:cNvSpPr/>
+          <p:nvPr/>
+        </p:nvSpPr>
+        <p:spPr>
+          <a:xfrm>
+            <a:off x="11430000" y="6413500"/>
+            <a:ext cx="635000" cy="660400"/>
+          </a:xfrm>
+          <a:prstGeom prst="ellipse">
+            <a:avLst/>
+          </a:prstGeom>
+          <a:solidFill>
+            <a:schemeClr val="accent1">
+              <a:hueOff val="114395"/>
+              <a:lumOff val="-24975"/>
+            </a:schemeClr>
+          </a:solidFill>
+          <a:ln w="12700">
+            <a:miter lim="400000"/>
+          </a:ln>
+        </p:spPr>
+        <p:txBody>
+          <a:bodyPr lIns="50800" tIns="50800" rIns="50800" bIns="50800" anchor="ctr"/>
+          <a:lstStyle/>
+          <a:p>
+            <a:pPr defTabSz="825500">
+              <a:defRPr sz="3200">
+                <a:solidFill>
+                  <a:srgbClr val="000000"/>
+                </a:solidFill>
+                <a:latin typeface="Helvetica Neue Medium"/>
+                <a:ea typeface="Helvetica Neue Medium"/>
+                <a:cs typeface="Helvetica Neue Medium"/>
+                <a:sym typeface="Helvetica Neue Medium"/>
+              </a:defRPr>
+            </a:pPr>
+          </a:p>
+        </p:txBody>
+      </p:sp>
+      <p:sp>
+        <p:nvSpPr>
+          <p:cNvPr id="172" name="01"/>
+          <p:cNvSpPr txBox="1"/>
+          <p:nvPr>
+            <p:ph type="sldNum" sz="quarter" idx="4294967295"/>
+          </p:nvPr>
+        </p:nvSpPr>
+        <p:spPr>
+          <a:xfrm>
+            <a:off x="12065050" y="13080999"/>
+            <a:ext cx="241403" cy="374600"/>
+          </a:xfrm>
+          <a:prstGeom prst="rect">
+            <a:avLst/>
+          </a:prstGeom>
+          <a:extLst>
+            <a:ext uri="{C572A759-6A51-4108-AA02-DFA0A04FC94B}">
+              <ma14:wrappingTextBoxFlag xmlns:ma14="http://schemas.microsoft.com/office/mac/drawingml/2011/main" val="1"/>
+            </a:ext>
+          </a:extLst>
+        </p:spPr>
+        <p:txBody>
+          <a:bodyPr/>
+          <a:lstStyle/>
+          <a:p>
+            <a:pPr/>
+            <a:fld id="{86CB4B4D-7CA3-9044-876B-883B54F8677D}" type="slidenum"/>
+          </a:p>
+        </p:txBody>
+      </p:sp>
+      <p:pic>
+        <p:nvPicPr>
+          <p:cNvPr id="173" name="Image" descr="Image"/>
+          <p:cNvPicPr>
+            <a:picLocks noChangeAspect="1"/>
+          </p:cNvPicPr>
+          <p:nvPr/>
+        </p:nvPicPr>
+        <p:blipFill>
+          <a:blip r:embed="rId9">
+            <a:extLst/>
+          </a:blip>
+          <a:stretch>
+            <a:fillRect/>
+          </a:stretch>
+        </p:blipFill>
+        <p:spPr>
+          <a:xfrm>
+            <a:off x="16230600" y="8610600"/>
+            <a:ext cx="3810000" cy="3810000"/>
+          </a:xfrm>
+          <a:prstGeom prst="rect">
+            <a:avLst/>
+          </a:prstGeom>
+          <a:ln w="12700">
+            <a:miter lim="400000"/>
+          </a:ln>
+          <a:effectLst>
+            <a:outerShdw sx="100000" sy="100000" kx="0" ky="0" algn="b" rotWithShape="0" blurRad="127000" dist="241300" dir="2700000">
+              <a:srgbClr val="000000">
+                <a:alpha val="75000"/>
+              </a:srgbClr>
+            </a:outerShdw>
+          </a:effectLst>
+        </p:spPr>
+      </p:pic>
+    </p:spTree>
+  </p:cSld>
+  <p:clrMapOvr>
+    <a:masterClrMapping/>
+  </p:clrMapOvr>
+  <mc:AlternateContent xmlns:mc="http://schemas.openxmlformats.org/markup-compatibility/2006">
+    <mc:Choice xmlns:p14="http://schemas.microsoft.com/office/powerpoint/2010/main" Requires="p14">
+      <p:transition spd="slow" advClick="1" p14:dur="1500">
+        <p:push dir="l"/>
+      </p:transition>
+    </mc:Choice>
+    <mc:Fallback>
+      <p:transition spd="slow">
+        <p:fade/>
+      </p:transition>
+    </mc:Fallback>
+  </mc:AlternateContent>
+</p:sld>
+</file>
+
+<file path=ppt/slides/slide4.xml><?xml version="1.0" encoding="utf-8"?>
+<p:sld xmlns:a="http://schemas.openxmlformats.org/drawingml/2006/main" xmlns:r="http://schemas.openxmlformats.org/officeDocument/2006/relationships" xmlns:p="http://schemas.openxmlformats.org/presentationml/2006/main" xmlns:m="http://schemas.openxmlformats.org/officeDocument/2006/math" xmlns:a14="http://schemas.microsoft.com/office/drawing/2010/main" showMasterSp="1" showMasterPhAnim="1">
+  <p:cSld>
+    <p:bg>
+      <p:bgPr>
+        <a:solidFill>
+          <a:srgbClr val="E6E6E6"/>
+        </a:solidFill>
+      </p:bgPr>
+    </p:bg>
+    <p:spTree>
+      <p:nvGrpSpPr>
+        <p:cNvPr id="1" name=""/>
+        <p:cNvGrpSpPr/>
+        <p:nvPr/>
+      </p:nvGrpSpPr>
+      <p:grpSpPr>
+        <a:xfrm>
+          <a:off x="0" y="0"/>
+          <a:ext cx="0" cy="0"/>
+          <a:chOff x="0" y="0"/>
+          <a:chExt cx="0" cy="0"/>
+        </a:xfrm>
+      </p:grpSpPr>
+      <p:sp>
+        <p:nvSpPr>
           <p:cNvPr id="177" name="Répartitions des tâches"/>
-          <p:cNvSpPr txBox="1">
-            <a:spLocks noGrp="1"/>
-          </p:cNvSpPr>
+          <p:cNvSpPr txBox="1"/>
           <p:nvPr>
             <p:ph type="title" idx="4294967295"/>
           </p:nvPr>
@@ -5739,6 +6242,7 @@
           <a:bodyPr/>
           <a:lstStyle/>
           <a:p>
+            <a:pPr/>
             <a:r>
               <a:t>Répartitions des tâches</a:t>
             </a:r>
@@ -5774,7 +6278,7 @@
             <a:miter lim="400000"/>
           </a:ln>
           <a:effectLst>
-            <a:outerShdw blurRad="127000" dist="355600" dir="2700000" rotWithShape="0">
+            <a:outerShdw sx="100000" sy="100000" kx="0" ky="0" algn="b" rotWithShape="0" blurRad="127000" dist="355600" dir="2700000">
               <a:srgbClr val="000000">
                 <a:alpha val="75000"/>
               </a:srgbClr>
@@ -5782,7 +6286,7 @@
           </a:effectLst>
           <a:extLst>
             <a:ext uri="{C572A759-6A51-4108-AA02-DFA0A04FC94B}">
-              <ma14:wrappingTextBoxFlag xmlns:ma14="http://schemas.microsoft.com/office/mac/drawingml/2011/main" xmlns:a14="http://schemas.microsoft.com/office/drawing/2010/main" xmlns:m="http://schemas.openxmlformats.org/officeDocument/2006/math" xmlns="" val="1"/>
+              <ma14:wrappingTextBoxFlag xmlns:ma14="http://schemas.microsoft.com/office/mac/drawingml/2011/main" val="1"/>
             </a:ext>
           </a:extLst>
         </p:spPr>
@@ -5791,7 +6295,7 @@
           <a:lstStyle/>
           <a:p>
             <a:pPr defTabSz="825500">
-              <a:defRPr sz="2500" b="1">
+              <a:defRPr b="1" sz="2500">
                 <a:solidFill>
                   <a:srgbClr val="000000"/>
                 </a:solidFill>
@@ -5801,7 +6305,6 @@
                 <a:sym typeface="Iowan Old Style Roman"/>
               </a:defRPr>
             </a:pPr>
-            <a:endParaRPr/>
           </a:p>
         </p:txBody>
       </p:sp>
@@ -5834,7 +6337,7 @@
             <a:miter lim="400000"/>
           </a:ln>
           <a:effectLst>
-            <a:outerShdw blurRad="127000" dist="381000" dir="2700000" rotWithShape="0">
+            <a:outerShdw sx="100000" sy="100000" kx="0" ky="0" algn="b" rotWithShape="0" blurRad="127000" dist="381000" dir="2700000">
               <a:srgbClr val="000000">
                 <a:alpha val="75000"/>
               </a:srgbClr>
@@ -5856,7 +6359,6 @@
                 <a:sym typeface="Helvetica Neue Medium"/>
               </a:defRPr>
             </a:pPr>
-            <a:endParaRPr/>
           </a:p>
         </p:txBody>
       </p:sp>
@@ -5901,7 +6403,6 @@
                 <a:sym typeface="Iowan Old Style Titling"/>
               </a:defRPr>
             </a:pPr>
-            <a:endParaRPr/>
           </a:p>
         </p:txBody>
       </p:sp>
@@ -5946,7 +6447,6 @@
                 <a:sym typeface="Helvetica Neue Medium"/>
               </a:defRPr>
             </a:pPr>
-            <a:endParaRPr/>
           </a:p>
         </p:txBody>
       </p:sp>
@@ -5991,7 +6491,6 @@
                 <a:sym typeface="Helvetica Neue Medium"/>
               </a:defRPr>
             </a:pPr>
-            <a:endParaRPr/>
           </a:p>
         </p:txBody>
       </p:sp>
@@ -6036,7 +6535,6 @@
                 <a:sym typeface="Helvetica Neue Medium"/>
               </a:defRPr>
             </a:pPr>
-            <a:endParaRPr/>
           </a:p>
         </p:txBody>
       </p:sp>
@@ -6069,7 +6567,7 @@
             <a:miter lim="400000"/>
           </a:ln>
           <a:effectLst>
-            <a:outerShdw blurRad="127000" dist="355600" dir="2700000" rotWithShape="0">
+            <a:outerShdw sx="100000" sy="100000" kx="0" ky="0" algn="b" rotWithShape="0" blurRad="127000" dist="355600" dir="2700000">
               <a:srgbClr val="000000">
                 <a:alpha val="75000"/>
               </a:srgbClr>
@@ -6091,7 +6589,6 @@
                 <a:sym typeface="Helvetica Neue Medium"/>
               </a:defRPr>
             </a:pPr>
-            <a:endParaRPr/>
           </a:p>
         </p:txBody>
       </p:sp>
@@ -6124,7 +6621,7 @@
             <a:miter lim="400000"/>
           </a:ln>
           <a:effectLst>
-            <a:outerShdw blurRad="127000" dist="381000" dir="2700000" rotWithShape="0">
+            <a:outerShdw sx="100000" sy="100000" kx="0" ky="0" algn="b" rotWithShape="0" blurRad="127000" dist="381000" dir="2700000">
               <a:srgbClr val="000000">
                 <a:alpha val="75000"/>
               </a:srgbClr>
@@ -6146,7 +6643,6 @@
                 <a:sym typeface="Helvetica Neue Medium"/>
               </a:defRPr>
             </a:pPr>
-            <a:endParaRPr/>
           </a:p>
         </p:txBody>
       </p:sp>
@@ -6169,7 +6665,7 @@
           </a:ln>
           <a:extLst>
             <a:ext uri="{C572A759-6A51-4108-AA02-DFA0A04FC94B}">
-              <ma14:wrappingTextBoxFlag xmlns:ma14="http://schemas.microsoft.com/office/mac/drawingml/2011/main" xmlns:a14="http://schemas.microsoft.com/office/drawing/2010/main" xmlns:m="http://schemas.openxmlformats.org/officeDocument/2006/math" xmlns="" val="1"/>
+              <ma14:wrappingTextBoxFlag xmlns:ma14="http://schemas.microsoft.com/office/mac/drawingml/2011/main" val="1"/>
             </a:ext>
           </a:extLst>
         </p:spPr>
@@ -6180,7 +6676,7 @@
           <a:lstStyle/>
           <a:p>
             <a:pPr defTabSz="825500">
-              <a:defRPr sz="2500" b="1">
+              <a:defRPr b="1" sz="2500">
                 <a:solidFill>
                   <a:srgbClr val="000000"/>
                 </a:solidFill>
@@ -6196,7 +6692,7 @@
           </a:p>
           <a:p>
             <a:pPr defTabSz="825500">
-              <a:defRPr sz="2500" b="1">
+              <a:defRPr b="1" sz="2500">
                 <a:solidFill>
                   <a:srgbClr val="000000"/>
                 </a:solidFill>
@@ -6231,7 +6727,7 @@
           </a:ln>
           <a:extLst>
             <a:ext uri="{C572A759-6A51-4108-AA02-DFA0A04FC94B}">
-              <ma14:wrappingTextBoxFlag xmlns:ma14="http://schemas.microsoft.com/office/mac/drawingml/2011/main" xmlns:a14="http://schemas.microsoft.com/office/drawing/2010/main" xmlns:m="http://schemas.openxmlformats.org/officeDocument/2006/math" xmlns="" val="1"/>
+              <ma14:wrappingTextBoxFlag xmlns:ma14="http://schemas.microsoft.com/office/mac/drawingml/2011/main" val="1"/>
             </a:ext>
           </a:extLst>
         </p:spPr>
@@ -6242,7 +6738,7 @@
           <a:lstStyle/>
           <a:p>
             <a:pPr defTabSz="825500">
-              <a:defRPr sz="2500" b="1">
+              <a:defRPr b="1" sz="2500">
                 <a:solidFill>
                   <a:srgbClr val="000000"/>
                 </a:solidFill>
@@ -6258,7 +6754,7 @@
           </a:p>
           <a:p>
             <a:pPr defTabSz="825500">
-              <a:defRPr sz="2500" b="1">
+              <a:defRPr b="1" sz="2500">
                 <a:solidFill>
                   <a:srgbClr val="000000"/>
                 </a:solidFill>
@@ -6274,7 +6770,7 @@
           </a:p>
           <a:p>
             <a:pPr defTabSz="825500">
-              <a:defRPr sz="2500" b="1">
+              <a:defRPr b="1" sz="2500">
                 <a:solidFill>
                   <a:srgbClr val="000000"/>
                 </a:solidFill>
@@ -6309,7 +6805,7 @@
           </a:ln>
           <a:extLst>
             <a:ext uri="{C572A759-6A51-4108-AA02-DFA0A04FC94B}">
-              <ma14:wrappingTextBoxFlag xmlns:ma14="http://schemas.microsoft.com/office/mac/drawingml/2011/main" xmlns:a14="http://schemas.microsoft.com/office/drawing/2010/main" xmlns:m="http://schemas.openxmlformats.org/officeDocument/2006/math" xmlns="" val="1"/>
+              <ma14:wrappingTextBoxFlag xmlns:ma14="http://schemas.microsoft.com/office/mac/drawingml/2011/main" val="1"/>
             </a:ext>
           </a:extLst>
         </p:spPr>
@@ -6320,7 +6816,7 @@
           <a:lstStyle/>
           <a:p>
             <a:pPr defTabSz="825500">
-              <a:defRPr sz="2500" b="1">
+              <a:defRPr b="1" sz="2500">
                 <a:solidFill>
                   <a:srgbClr val="000000"/>
                 </a:solidFill>
@@ -6336,7 +6832,7 @@
           </a:p>
           <a:p>
             <a:pPr defTabSz="825500">
-              <a:defRPr sz="2500" b="1">
+              <a:defRPr b="1" sz="2500">
                 <a:solidFill>
                   <a:srgbClr val="000000"/>
                 </a:solidFill>
@@ -6371,7 +6867,7 @@
           </a:ln>
           <a:extLst>
             <a:ext uri="{C572A759-6A51-4108-AA02-DFA0A04FC94B}">
-              <ma14:wrappingTextBoxFlag xmlns:ma14="http://schemas.microsoft.com/office/mac/drawingml/2011/main" xmlns:a14="http://schemas.microsoft.com/office/drawing/2010/main" xmlns:m="http://schemas.openxmlformats.org/officeDocument/2006/math" xmlns="" val="1"/>
+              <ma14:wrappingTextBoxFlag xmlns:ma14="http://schemas.microsoft.com/office/mac/drawingml/2011/main" val="1"/>
             </a:ext>
           </a:extLst>
         </p:spPr>
@@ -6382,7 +6878,7 @@
           <a:lstStyle/>
           <a:p>
             <a:pPr defTabSz="825500">
-              <a:defRPr sz="2500" b="1">
+              <a:defRPr b="1" sz="2500">
                 <a:solidFill>
                   <a:srgbClr val="000000"/>
                 </a:solidFill>
@@ -6398,7 +6894,7 @@
           </a:p>
           <a:p>
             <a:pPr defTabSz="825500">
-              <a:defRPr sz="2500" b="1">
+              <a:defRPr b="1" sz="2500">
                 <a:solidFill>
                   <a:srgbClr val="000000"/>
                 </a:solidFill>
@@ -6433,7 +6929,7 @@
           </a:ln>
           <a:extLst>
             <a:ext uri="{C572A759-6A51-4108-AA02-DFA0A04FC94B}">
-              <ma14:wrappingTextBoxFlag xmlns:ma14="http://schemas.microsoft.com/office/mac/drawingml/2011/main" xmlns:a14="http://schemas.microsoft.com/office/drawing/2010/main" xmlns:m="http://schemas.openxmlformats.org/officeDocument/2006/math" xmlns="" val="1"/>
+              <ma14:wrappingTextBoxFlag xmlns:ma14="http://schemas.microsoft.com/office/mac/drawingml/2011/main" val="1"/>
             </a:ext>
           </a:extLst>
         </p:spPr>
@@ -6455,6 +6951,7 @@
             </a:lvl1pPr>
           </a:lstStyle>
           <a:p>
+            <a:pPr/>
             <a:r>
               <a:t>KARANUNAYAKE Dilshan</a:t>
             </a:r>
@@ -6480,7 +6977,7 @@
           </a:ln>
           <a:extLst>
             <a:ext uri="{C572A759-6A51-4108-AA02-DFA0A04FC94B}">
-              <ma14:wrappingTextBoxFlag xmlns:ma14="http://schemas.microsoft.com/office/mac/drawingml/2011/main" xmlns:a14="http://schemas.microsoft.com/office/drawing/2010/main" xmlns:m="http://schemas.openxmlformats.org/officeDocument/2006/math" xmlns="" val="1"/>
+              <ma14:wrappingTextBoxFlag xmlns:ma14="http://schemas.microsoft.com/office/mac/drawingml/2011/main" val="1"/>
             </a:ext>
           </a:extLst>
         </p:spPr>
@@ -6502,6 +6999,7 @@
             </a:lvl1pPr>
           </a:lstStyle>
           <a:p>
+            <a:pPr/>
             <a:r>
               <a:t>BHAVSAR Aakash</a:t>
             </a:r>
@@ -6527,7 +7025,7 @@
           </a:ln>
           <a:extLst>
             <a:ext uri="{C572A759-6A51-4108-AA02-DFA0A04FC94B}">
-              <ma14:wrappingTextBoxFlag xmlns:ma14="http://schemas.microsoft.com/office/mac/drawingml/2011/main" xmlns:a14="http://schemas.microsoft.com/office/drawing/2010/main" xmlns:m="http://schemas.openxmlformats.org/officeDocument/2006/math" xmlns="" val="1"/>
+              <ma14:wrappingTextBoxFlag xmlns:ma14="http://schemas.microsoft.com/office/mac/drawingml/2011/main" val="1"/>
             </a:ext>
           </a:extLst>
         </p:spPr>
@@ -6549,6 +7047,7 @@
             </a:lvl1pPr>
           </a:lstStyle>
           <a:p>
+            <a:pPr/>
             <a:r>
               <a:t>BHAVSAR Rashmi</a:t>
             </a:r>
@@ -6574,7 +7073,7 @@
           </a:ln>
           <a:extLst>
             <a:ext uri="{C572A759-6A51-4108-AA02-DFA0A04FC94B}">
-              <ma14:wrappingTextBoxFlag xmlns:ma14="http://schemas.microsoft.com/office/mac/drawingml/2011/main" xmlns:a14="http://schemas.microsoft.com/office/drawing/2010/main" xmlns:m="http://schemas.openxmlformats.org/officeDocument/2006/math" xmlns="" val="1"/>
+              <ma14:wrappingTextBoxFlag xmlns:ma14="http://schemas.microsoft.com/office/mac/drawingml/2011/main" val="1"/>
             </a:ext>
           </a:extLst>
         </p:spPr>
@@ -6740,9 +7239,7 @@
       <p:sp>
         <p:nvSpPr>
           <p:cNvPr id="198" name="01"/>
-          <p:cNvSpPr txBox="1">
-            <a:spLocks noGrp="1"/>
-          </p:cNvSpPr>
+          <p:cNvSpPr txBox="1"/>
           <p:nvPr>
             <p:ph type="sldNum" sz="quarter" idx="4294967295"/>
           </p:nvPr>
@@ -6757,7 +7254,7 @@
           </a:prstGeom>
           <a:extLst>
             <a:ext uri="{C572A759-6A51-4108-AA02-DFA0A04FC94B}">
-              <ma14:wrappingTextBoxFlag xmlns:ma14="http://schemas.microsoft.com/office/mac/drawingml/2011/main" xmlns:a14="http://schemas.microsoft.com/office/drawing/2010/main" xmlns:m="http://schemas.openxmlformats.org/officeDocument/2006/math" xmlns="" val="1"/>
+              <ma14:wrappingTextBoxFlag xmlns:ma14="http://schemas.microsoft.com/office/mac/drawingml/2011/main" val="1"/>
             </a:ext>
           </a:extLst>
         </p:spPr>
@@ -6765,12 +7262,8 @@
           <a:bodyPr/>
           <a:lstStyle/>
           <a:p>
-            <a:fld id="{86CB4B4D-7CA3-9044-876B-883B54F8677D}" type="slidenum">
-              <a:rPr/>
-              <a:pPr/>
-              <a:t>4</a:t>
-            </a:fld>
-            <a:endParaRPr/>
+            <a:pPr/>
+            <a:fld id="{86CB4B4D-7CA3-9044-876B-883B54F8677D}" type="slidenum"/>
           </a:p>
         </p:txBody>
       </p:sp>
@@ -6779,12 +7272,23 @@
   <p:clrMapOvr>
     <a:masterClrMapping/>
   </p:clrMapOvr>
-  <p:transition spd="med"/>
+  <mc:AlternateContent xmlns:mc="http://schemas.openxmlformats.org/markup-compatibility/2006">
+    <mc:Choice xmlns:p14="http://schemas.microsoft.com/office/powerpoint/2010/main" Requires="p14">
+      <p:transition spd="slow" advClick="1" p14:dur="1500">
+        <p:push dir="l"/>
+      </p:transition>
+    </mc:Choice>
+    <mc:Fallback>
+      <p:transition spd="slow">
+        <p:fade/>
+      </p:transition>
+    </mc:Fallback>
+  </mc:AlternateContent>
 </p:sld>
 </file>
 
 <file path=ppt/slides/slide5.xml><?xml version="1.0" encoding="utf-8"?>
-<p:sld xmlns:a="http://schemas.openxmlformats.org/drawingml/2006/main" xmlns:r="http://schemas.openxmlformats.org/officeDocument/2006/relationships" xmlns:p="http://schemas.openxmlformats.org/presentationml/2006/main">
+<p:sld xmlns:a="http://schemas.openxmlformats.org/drawingml/2006/main" xmlns:r="http://schemas.openxmlformats.org/officeDocument/2006/relationships" xmlns:p="http://schemas.openxmlformats.org/presentationml/2006/main" xmlns:m="http://schemas.openxmlformats.org/officeDocument/2006/math" xmlns:a14="http://schemas.microsoft.com/office/drawing/2010/main" showMasterSp="1" showMasterPhAnim="1">
   <p:cSld>
     <p:bg>
       <p:bgPr>
@@ -6799,7 +7303,6 @@
           </a:gsLst>
           <a:lin ang="5400000" scaled="0"/>
         </a:gradFill>
-        <a:effectLst/>
       </p:bgPr>
     </p:bg>
     <p:spTree>
@@ -6819,9 +7322,7 @@
       <p:sp>
         <p:nvSpPr>
           <p:cNvPr id="200" name="Matérielles"/>
-          <p:cNvSpPr txBox="1">
-            <a:spLocks noGrp="1"/>
-          </p:cNvSpPr>
+          <p:cNvSpPr txBox="1"/>
           <p:nvPr>
             <p:ph type="title" idx="4294967295"/>
           </p:nvPr>
@@ -6839,6 +7340,7 @@
           <a:bodyPr/>
           <a:lstStyle/>
           <a:p>
+            <a:pPr/>
             <a:r>
               <a:t>Matérielles</a:t>
             </a:r>
@@ -6848,9 +7350,7 @@
       <p:sp>
         <p:nvSpPr>
           <p:cNvPr id="201" name="01"/>
-          <p:cNvSpPr txBox="1">
-            <a:spLocks noGrp="1"/>
-          </p:cNvSpPr>
+          <p:cNvSpPr txBox="1"/>
           <p:nvPr>
             <p:ph type="sldNum" sz="quarter" idx="4294967295"/>
           </p:nvPr>
@@ -6865,7 +7365,7 @@
           </a:prstGeom>
           <a:extLst>
             <a:ext uri="{C572A759-6A51-4108-AA02-DFA0A04FC94B}">
-              <ma14:wrappingTextBoxFlag xmlns:ma14="http://schemas.microsoft.com/office/mac/drawingml/2011/main" xmlns:a14="http://schemas.microsoft.com/office/drawing/2010/main" xmlns:m="http://schemas.openxmlformats.org/officeDocument/2006/math" xmlns="" val="1"/>
+              <ma14:wrappingTextBoxFlag xmlns:ma14="http://schemas.microsoft.com/office/mac/drawingml/2011/main" val="1"/>
             </a:ext>
           </a:extLst>
         </p:spPr>
@@ -6873,12 +7373,8 @@
           <a:bodyPr/>
           <a:lstStyle/>
           <a:p>
-            <a:fld id="{86CB4B4D-7CA3-9044-876B-883B54F8677D}" type="slidenum">
-              <a:rPr/>
-              <a:pPr/>
-              <a:t>5</a:t>
-            </a:fld>
-            <a:endParaRPr/>
+            <a:pPr/>
+            <a:fld id="{86CB4B4D-7CA3-9044-876B-883B54F8677D}" type="slidenum"/>
           </a:p>
         </p:txBody>
       </p:sp>
@@ -6925,7 +7421,7 @@
               <a:miter lim="400000"/>
             </a:ln>
             <a:effectLst>
-              <a:outerShdw blurRad="127000" dist="127000" dir="2700000" rotWithShape="0">
+              <a:outerShdw sx="100000" sy="100000" kx="0" ky="0" algn="b" rotWithShape="0" blurRad="127000" dist="127000" dir="2700000">
                 <a:srgbClr val="000000">
                   <a:alpha val="54000"/>
                 </a:srgbClr>
@@ -6957,7 +7453,7 @@
             <a:effectLst/>
             <a:extLst>
               <a:ext uri="{C572A759-6A51-4108-AA02-DFA0A04FC94B}">
-                <ma14:wrappingTextBoxFlag xmlns:ma14="http://schemas.microsoft.com/office/mac/drawingml/2011/main" xmlns:a14="http://schemas.microsoft.com/office/drawing/2010/main" xmlns:m="http://schemas.openxmlformats.org/officeDocument/2006/math" xmlns="" val="1"/>
+                <ma14:wrappingTextBoxFlag xmlns:ma14="http://schemas.microsoft.com/office/mac/drawingml/2011/main" val="1"/>
               </a:ext>
             </a:extLst>
           </p:spPr>
@@ -6967,7 +7463,7 @@
             </a:bodyPr>
             <a:lstStyle>
               <a:lvl1pPr defTabSz="825500">
-                <a:defRPr sz="2700" b="1">
+                <a:defRPr b="1" sz="2700">
                   <a:solidFill>
                     <a:srgbClr val="000000"/>
                   </a:solidFill>
@@ -6975,6 +7471,7 @@
               </a:lvl1pPr>
             </a:lstStyle>
             <a:p>
+              <a:pPr/>
               <a:r>
                 <a:t>Serveur TCP/RF</a:t>
               </a:r>
@@ -7025,7 +7522,7 @@
               <a:miter lim="400000"/>
             </a:ln>
             <a:effectLst>
-              <a:outerShdw blurRad="127000" dist="127000" dir="2700000" rotWithShape="0">
+              <a:outerShdw sx="100000" sy="100000" kx="0" ky="0" algn="b" rotWithShape="0" blurRad="127000" dist="127000" dir="2700000">
                 <a:srgbClr val="000000">
                   <a:alpha val="54000"/>
                 </a:srgbClr>
@@ -7057,7 +7554,7 @@
             <a:effectLst/>
             <a:extLst>
               <a:ext uri="{C572A759-6A51-4108-AA02-DFA0A04FC94B}">
-                <ma14:wrappingTextBoxFlag xmlns:ma14="http://schemas.microsoft.com/office/mac/drawingml/2011/main" xmlns:a14="http://schemas.microsoft.com/office/drawing/2010/main" xmlns:m="http://schemas.openxmlformats.org/officeDocument/2006/math" xmlns="" val="1"/>
+                <ma14:wrappingTextBoxFlag xmlns:ma14="http://schemas.microsoft.com/office/mac/drawingml/2011/main" val="1"/>
               </a:ext>
             </a:extLst>
           </p:spPr>
@@ -7067,7 +7564,7 @@
             </a:bodyPr>
             <a:lstStyle>
               <a:lvl1pPr defTabSz="825500">
-                <a:defRPr sz="2700" b="1">
+                <a:defRPr b="1" sz="2700">
                   <a:solidFill>
                     <a:srgbClr val="000000"/>
                   </a:solidFill>
@@ -7075,6 +7572,7 @@
               </a:lvl1pPr>
             </a:lstStyle>
             <a:p>
+              <a:pPr/>
               <a:r>
                 <a:t>Serveur Web</a:t>
               </a:r>
@@ -7126,7 +7624,7 @@
               <a:miter lim="400000"/>
             </a:ln>
             <a:effectLst>
-              <a:outerShdw blurRad="127000" dist="76200" dir="2700000" rotWithShape="0">
+              <a:outerShdw sx="100000" sy="100000" kx="0" ky="0" algn="b" rotWithShape="0" blurRad="127000" dist="76200" dir="2700000">
                 <a:srgbClr val="000000">
                   <a:alpha val="75000"/>
                 </a:srgbClr>
@@ -7158,7 +7656,7 @@
             <a:effectLst/>
             <a:extLst>
               <a:ext uri="{C572A759-6A51-4108-AA02-DFA0A04FC94B}">
-                <ma14:wrappingTextBoxFlag xmlns:ma14="http://schemas.microsoft.com/office/mac/drawingml/2011/main" xmlns:a14="http://schemas.microsoft.com/office/drawing/2010/main" xmlns:m="http://schemas.openxmlformats.org/officeDocument/2006/math" xmlns="" val="1"/>
+                <ma14:wrappingTextBoxFlag xmlns:ma14="http://schemas.microsoft.com/office/mac/drawingml/2011/main" val="1"/>
               </a:ext>
             </a:extLst>
           </p:spPr>
@@ -7168,7 +7666,7 @@
             </a:bodyPr>
             <a:lstStyle>
               <a:lvl1pPr defTabSz="825500">
-                <a:defRPr sz="2700" b="1">
+                <a:defRPr b="1" sz="2700">
                   <a:solidFill>
                     <a:srgbClr val="000000"/>
                   </a:solidFill>
@@ -7176,6 +7674,7 @@
               </a:lvl1pPr>
             </a:lstStyle>
             <a:p>
+              <a:pPr/>
               <a:r>
                 <a:t>PC</a:t>
               </a:r>
@@ -7282,7 +7781,7 @@
             <a:effectLst/>
             <a:extLst>
               <a:ext uri="{C572A759-6A51-4108-AA02-DFA0A04FC94B}">
-                <ma14:wrappingTextBoxFlag xmlns:ma14="http://schemas.microsoft.com/office/mac/drawingml/2011/main" xmlns:a14="http://schemas.microsoft.com/office/drawing/2010/main" xmlns:m="http://schemas.openxmlformats.org/officeDocument/2006/math" xmlns="" val="1"/>
+                <ma14:wrappingTextBoxFlag xmlns:ma14="http://schemas.microsoft.com/office/mac/drawingml/2011/main" val="1"/>
               </a:ext>
             </a:extLst>
           </p:spPr>
@@ -7292,7 +7791,7 @@
             </a:bodyPr>
             <a:lstStyle>
               <a:lvl1pPr defTabSz="825500">
-                <a:defRPr sz="2700" b="1">
+                <a:defRPr b="1" sz="2700">
                   <a:solidFill>
                     <a:srgbClr val="000000"/>
                   </a:solidFill>
@@ -7300,6 +7799,7 @@
               </a:lvl1pPr>
             </a:lstStyle>
             <a:p>
+              <a:pPr/>
               <a:r>
                 <a:t>Afficheurs </a:t>
               </a:r>
@@ -7315,7 +7815,7 @@
         </p:nvGrpSpPr>
         <p:grpSpPr>
           <a:xfrm>
-            <a:off x="4376298" y="3505200"/>
+            <a:off x="4376298" y="3606800"/>
             <a:ext cx="4114801" cy="3215854"/>
             <a:chOff x="0" y="0"/>
             <a:chExt cx="4114800" cy="3215853"/>
@@ -7349,13 +7849,7 @@
               <a:noFill/>
               <a:miter lim="400000"/>
             </a:ln>
-            <a:effectLst>
-              <a:outerShdw blurRad="38100" dist="76200" dir="2700000" rotWithShape="0">
-                <a:srgbClr val="000000">
-                  <a:alpha val="75000"/>
-                </a:srgbClr>
-              </a:outerShdw>
-            </a:effectLst>
+            <a:effectLst/>
           </p:spPr>
         </p:pic>
         <p:sp>
@@ -7382,7 +7876,7 @@
             <a:effectLst/>
             <a:extLst>
               <a:ext uri="{C572A759-6A51-4108-AA02-DFA0A04FC94B}">
-                <ma14:wrappingTextBoxFlag xmlns:ma14="http://schemas.microsoft.com/office/mac/drawingml/2011/main" xmlns:a14="http://schemas.microsoft.com/office/drawing/2010/main" xmlns:m="http://schemas.openxmlformats.org/officeDocument/2006/math" xmlns="" val="1"/>
+                <ma14:wrappingTextBoxFlag xmlns:ma14="http://schemas.microsoft.com/office/mac/drawingml/2011/main" val="1"/>
               </a:ext>
             </a:extLst>
           </p:spPr>
@@ -7392,7 +7886,7 @@
             </a:bodyPr>
             <a:lstStyle>
               <a:lvl1pPr defTabSz="825500">
-                <a:defRPr sz="2700" b="1">
+                <a:defRPr b="1" sz="2700">
                   <a:solidFill>
                     <a:srgbClr val="000000"/>
                   </a:solidFill>
@@ -7400,6 +7894,7 @@
               </a:lvl1pPr>
             </a:lstStyle>
             <a:p>
+              <a:pPr/>
               <a:r>
                 <a:t>Capteurs SP3+</a:t>
               </a:r>
@@ -7426,20 +7921,20 @@
           </a:ln>
           <a:extLst>
             <a:ext uri="{C572A759-6A51-4108-AA02-DFA0A04FC94B}">
-              <ma14:wrappingTextBoxFlag xmlns:ma14="http://schemas.microsoft.com/office/mac/drawingml/2011/main" xmlns:a14="http://schemas.microsoft.com/office/drawing/2010/main" xmlns:m="http://schemas.openxmlformats.org/officeDocument/2006/math" xmlns="" val="1"/>
+              <ma14:wrappingTextBoxFlag xmlns:ma14="http://schemas.microsoft.com/office/mac/drawingml/2011/main" val="1"/>
             </a:ext>
           </a:extLst>
         </p:spPr>
         <p:txBody>
           <a:bodyPr lIns="50800" tIns="50800" rIns="50800" bIns="50800">
-            <a:normAutofit/>
+            <a:normAutofit fontScale="100000" lnSpcReduction="0"/>
           </a:bodyPr>
           <a:lstStyle>
             <a:lvl1pPr algn="l">
               <a:lnSpc>
                 <a:spcPct val="80000"/>
               </a:lnSpc>
-              <a:defRPr sz="8500" b="1" spc="-170">
+              <a:defRPr b="1" spc="-170" sz="8500">
                 <a:solidFill>
                   <a:schemeClr val="accent1">
                     <a:hueOff val="114395"/>
@@ -7450,6 +7945,7 @@
             </a:lvl1pPr>
           </a:lstStyle>
           <a:p>
+            <a:pPr/>
             <a:r>
               <a:t>Logiciels</a:t>
             </a:r>
@@ -7468,7 +7964,7 @@
           <a:blip r:embed="rId7">
             <a:extLst/>
           </a:blip>
-          <a:srcRect b="26500"/>
+          <a:srcRect l="0" t="0" r="0" b="26500"/>
           <a:stretch>
             <a:fillRect/>
           </a:stretch>
@@ -7649,7 +8145,7 @@
           <p:nvPr/>
         </p:nvPicPr>
         <p:blipFill>
-          <a:blip r:embed="rId13" cstate="print">
+          <a:blip r:embed="rId13">
             <a:extLst/>
           </a:blip>
           <a:stretch>
@@ -7668,7 +8164,7 @@
             <a:miter lim="400000"/>
           </a:ln>
           <a:effectLst>
-            <a:outerShdw blurRad="254000" dist="127000" dir="5400000" rotWithShape="0">
+            <a:outerShdw sx="100000" sy="100000" kx="0" ky="0" algn="b" rotWithShape="0" blurRad="254000" dist="127000" dir="5400000">
               <a:srgbClr val="000000">
                 <a:alpha val="70000"/>
               </a:srgbClr>
@@ -7704,7 +8200,7 @@
             <a:miter lim="400000"/>
           </a:ln>
           <a:effectLst>
-            <a:outerShdw blurRad="254000" dist="127000" dir="5400000" rotWithShape="0">
+            <a:outerShdw sx="100000" sy="100000" kx="0" ky="0" algn="b" rotWithShape="0" blurRad="254000" dist="127000" dir="5400000">
               <a:srgbClr val="000000">
                 <a:alpha val="70000"/>
               </a:srgbClr>
@@ -7721,7 +8217,7 @@
           <p:nvPr/>
         </p:nvPicPr>
         <p:blipFill>
-          <a:blip r:embed="rId15" cstate="print">
+          <a:blip r:embed="rId15">
             <a:extLst/>
           </a:blip>
           <a:stretch>
@@ -7740,7 +8236,7 @@
             <a:miter lim="400000"/>
           </a:ln>
           <a:effectLst>
-            <a:outerShdw blurRad="254000" dist="127000" dir="5400000" rotWithShape="0">
+            <a:outerShdw sx="100000" sy="100000" kx="0" ky="0" algn="b" rotWithShape="0" blurRad="254000" dist="127000" dir="5400000">
               <a:srgbClr val="000000">
                 <a:alpha val="70000"/>
               </a:srgbClr>
@@ -7753,19 +8249,29 @@
   <p:clrMapOvr>
     <a:masterClrMapping/>
   </p:clrMapOvr>
-  <p:transition spd="med"/>
+  <mc:AlternateContent xmlns:mc="http://schemas.openxmlformats.org/markup-compatibility/2006">
+    <mc:Choice xmlns:p14="http://schemas.microsoft.com/office/powerpoint/2010/main" Requires="p14">
+      <p:transition spd="slow" advClick="1" p14:dur="1500">
+        <p:push dir="l"/>
+      </p:transition>
+    </mc:Choice>
+    <mc:Fallback>
+      <p:transition spd="slow">
+        <p:fade/>
+      </p:transition>
+    </mc:Fallback>
+  </mc:AlternateContent>
 </p:sld>
 </file>
 
 <file path=ppt/slides/slide6.xml><?xml version="1.0" encoding="utf-8"?>
-<p:sld xmlns:a="http://schemas.openxmlformats.org/drawingml/2006/main" xmlns:r="http://schemas.openxmlformats.org/officeDocument/2006/relationships" xmlns:p="http://schemas.openxmlformats.org/presentationml/2006/main">
+<p:sld xmlns:a="http://schemas.openxmlformats.org/drawingml/2006/main" xmlns:r="http://schemas.openxmlformats.org/officeDocument/2006/relationships" xmlns:p="http://schemas.openxmlformats.org/presentationml/2006/main" xmlns:m="http://schemas.openxmlformats.org/officeDocument/2006/math" xmlns:a14="http://schemas.microsoft.com/office/drawing/2010/main" showMasterSp="1" showMasterPhAnim="1">
   <p:cSld>
     <p:bg>
       <p:bgPr>
         <a:solidFill>
           <a:srgbClr val="E6E6E6"/>
         </a:solidFill>
-        <a:effectLst/>
       </p:bgPr>
     </p:bg>
     <p:spTree>
@@ -7785,9 +8291,7 @@
       <p:sp>
         <p:nvSpPr>
           <p:cNvPr id="229" name="Diagramme de cas d'utilisation"/>
-          <p:cNvSpPr txBox="1">
-            <a:spLocks noGrp="1"/>
-          </p:cNvSpPr>
+          <p:cNvSpPr txBox="1"/>
           <p:nvPr>
             <p:ph type="title" idx="4294967295"/>
           </p:nvPr>
@@ -7805,10 +8309,11 @@
           <a:bodyPr/>
           <a:lstStyle>
             <a:lvl1pPr defTabSz="2292038">
-              <a:defRPr sz="7990" spc="-159"/>
+              <a:defRPr spc="-159" sz="7990"/>
             </a:lvl1pPr>
           </a:lstStyle>
           <a:p>
+            <a:pPr/>
             <a:r>
               <a:t>Diagramme de cas d'utilisation</a:t>
             </a:r>
@@ -7858,7 +8363,7 @@
               <a:miter lim="400000"/>
             </a:ln>
             <a:effectLst>
-              <a:outerShdw blurRad="254000" dist="127000" dir="5400000" rotWithShape="0">
+              <a:outerShdw sx="100000" sy="100000" kx="0" ky="0" algn="b" rotWithShape="0" blurRad="254000" dist="127000" dir="5400000">
                 <a:srgbClr val="000000">
                   <a:alpha val="70000"/>
                 </a:srgbClr>
@@ -7890,7 +8395,7 @@
             <a:effectLst/>
             <a:extLst>
               <a:ext uri="{C572A759-6A51-4108-AA02-DFA0A04FC94B}">
-                <ma14:wrappingTextBoxFlag xmlns:ma14="http://schemas.microsoft.com/office/mac/drawingml/2011/main" xmlns:a14="http://schemas.microsoft.com/office/drawing/2010/main" xmlns:m="http://schemas.openxmlformats.org/officeDocument/2006/math" xmlns="" val="1"/>
+                <ma14:wrappingTextBoxFlag xmlns:ma14="http://schemas.microsoft.com/office/mac/drawingml/2011/main" val="1"/>
               </a:ext>
             </a:extLst>
           </p:spPr>
@@ -7900,7 +8405,7 @@
             </a:bodyPr>
             <a:lstStyle>
               <a:lvl1pPr defTabSz="825500">
-                <a:defRPr sz="2000" b="1">
+                <a:defRPr b="1" sz="2000">
                   <a:solidFill>
                     <a:srgbClr val="000000"/>
                   </a:solidFill>
@@ -7908,6 +8413,7 @@
               </a:lvl1pPr>
             </a:lstStyle>
             <a:p>
+              <a:pPr/>
               <a:r>
                 <a:t>Client</a:t>
               </a:r>
@@ -7939,7 +8445,7 @@
           </a:ln>
           <a:extLst>
             <a:ext uri="{C572A759-6A51-4108-AA02-DFA0A04FC94B}">
-              <ma14:wrappingTextBoxFlag xmlns:ma14="http://schemas.microsoft.com/office/mac/drawingml/2011/main" xmlns:a14="http://schemas.microsoft.com/office/drawing/2010/main" xmlns:m="http://schemas.openxmlformats.org/officeDocument/2006/math" xmlns="" val="1"/>
+              <ma14:wrappingTextBoxFlag xmlns:ma14="http://schemas.microsoft.com/office/mac/drawingml/2011/main" val="1"/>
             </a:ext>
           </a:extLst>
         </p:spPr>
@@ -7959,6 +8465,7 @@
             </a:lvl1pPr>
           </a:lstStyle>
           <a:p>
+            <a:pPr/>
             <a:r>
               <a:t>Récupération données</a:t>
             </a:r>
@@ -7989,7 +8496,7 @@
           </a:ln>
           <a:extLst>
             <a:ext uri="{C572A759-6A51-4108-AA02-DFA0A04FC94B}">
-              <ma14:wrappingTextBoxFlag xmlns:ma14="http://schemas.microsoft.com/office/mac/drawingml/2011/main" xmlns:a14="http://schemas.microsoft.com/office/drawing/2010/main" xmlns:m="http://schemas.openxmlformats.org/officeDocument/2006/math" xmlns="" val="1"/>
+              <ma14:wrappingTextBoxFlag xmlns:ma14="http://schemas.microsoft.com/office/mac/drawingml/2011/main" val="1"/>
             </a:ext>
           </a:extLst>
         </p:spPr>
@@ -8009,6 +8516,7 @@
             </a:lvl1pPr>
           </a:lstStyle>
           <a:p>
+            <a:pPr/>
             <a:r>
               <a:t>Afficher état parking</a:t>
             </a:r>
@@ -8039,7 +8547,7 @@
           </a:ln>
           <a:extLst>
             <a:ext uri="{C572A759-6A51-4108-AA02-DFA0A04FC94B}">
-              <ma14:wrappingTextBoxFlag xmlns:ma14="http://schemas.microsoft.com/office/mac/drawingml/2011/main" xmlns:a14="http://schemas.microsoft.com/office/drawing/2010/main" xmlns:m="http://schemas.openxmlformats.org/officeDocument/2006/math" xmlns="" val="1"/>
+              <ma14:wrappingTextBoxFlag xmlns:ma14="http://schemas.microsoft.com/office/mac/drawingml/2011/main" val="1"/>
             </a:ext>
           </a:extLst>
         </p:spPr>
@@ -8059,6 +8567,7 @@
             </a:lvl1pPr>
           </a:lstStyle>
           <a:p>
+            <a:pPr/>
             <a:r>
               <a:t>Actualiser parking</a:t>
             </a:r>
@@ -8089,7 +8598,7 @@
           </a:ln>
           <a:extLst>
             <a:ext uri="{C572A759-6A51-4108-AA02-DFA0A04FC94B}">
-              <ma14:wrappingTextBoxFlag xmlns:ma14="http://schemas.microsoft.com/office/mac/drawingml/2011/main" xmlns:a14="http://schemas.microsoft.com/office/drawing/2010/main" xmlns:m="http://schemas.openxmlformats.org/officeDocument/2006/math" xmlns="" val="1"/>
+              <ma14:wrappingTextBoxFlag xmlns:ma14="http://schemas.microsoft.com/office/mac/drawingml/2011/main" val="1"/>
             </a:ext>
           </a:extLst>
         </p:spPr>
@@ -8109,6 +8618,7 @@
             </a:lvl1pPr>
           </a:lstStyle>
           <a:p>
+            <a:pPr/>
             <a:r>
               <a:t>Authentification</a:t>
             </a:r>
@@ -8143,7 +8653,7 @@
           </a:ln>
           <a:extLst>
             <a:ext uri="{C572A759-6A51-4108-AA02-DFA0A04FC94B}">
-              <ma14:wrappingTextBoxFlag xmlns:ma14="http://schemas.microsoft.com/office/mac/drawingml/2011/main" xmlns:a14="http://schemas.microsoft.com/office/drawing/2010/main" xmlns:m="http://schemas.openxmlformats.org/officeDocument/2006/math" xmlns="" val="1"/>
+              <ma14:wrappingTextBoxFlag xmlns:ma14="http://schemas.microsoft.com/office/mac/drawingml/2011/main" val="1"/>
             </a:ext>
           </a:extLst>
         </p:spPr>
@@ -8163,6 +8673,7 @@
             </a:lvl1pPr>
           </a:lstStyle>
           <a:p>
+            <a:pPr/>
             <a:r>
               <a:t>Gérer réservation</a:t>
             </a:r>
@@ -8193,7 +8704,7 @@
           </a:ln>
           <a:extLst>
             <a:ext uri="{C572A759-6A51-4108-AA02-DFA0A04FC94B}">
-              <ma14:wrappingTextBoxFlag xmlns:ma14="http://schemas.microsoft.com/office/mac/drawingml/2011/main" xmlns:a14="http://schemas.microsoft.com/office/drawing/2010/main" xmlns:m="http://schemas.openxmlformats.org/officeDocument/2006/math" xmlns="" val="1"/>
+              <ma14:wrappingTextBoxFlag xmlns:ma14="http://schemas.microsoft.com/office/mac/drawingml/2011/main" val="1"/>
             </a:ext>
           </a:extLst>
         </p:spPr>
@@ -8213,6 +8724,7 @@
             </a:lvl1pPr>
           </a:lstStyle>
           <a:p>
+            <a:pPr/>
             <a:r>
               <a:t>Gérer place</a:t>
             </a:r>
@@ -8246,7 +8758,7 @@
           </a:ln>
           <a:extLst>
             <a:ext uri="{C572A759-6A51-4108-AA02-DFA0A04FC94B}">
-              <ma14:wrappingTextBoxFlag xmlns:ma14="http://schemas.microsoft.com/office/mac/drawingml/2011/main" xmlns:a14="http://schemas.microsoft.com/office/drawing/2010/main" xmlns:m="http://schemas.openxmlformats.org/officeDocument/2006/math" xmlns="" val="1"/>
+              <ma14:wrappingTextBoxFlag xmlns:ma14="http://schemas.microsoft.com/office/mac/drawingml/2011/main" val="1"/>
             </a:ext>
           </a:extLst>
         </p:spPr>
@@ -8266,6 +8778,7 @@
             </a:lvl1pPr>
           </a:lstStyle>
           <a:p>
+            <a:pPr/>
             <a:r>
               <a:t>Sauvegarder parking</a:t>
             </a:r>
@@ -8298,7 +8811,7 @@
             <a:blip r:embed="rId2">
               <a:extLst/>
             </a:blip>
-            <a:srcRect/>
+            <a:srcRect l="0" t="0" r="0" b="0"/>
             <a:stretch>
               <a:fillRect/>
             </a:stretch>
@@ -8316,7 +8829,7 @@
               <a:miter lim="400000"/>
             </a:ln>
             <a:effectLst>
-              <a:outerShdw blurRad="254000" dist="127000" dir="5400000" rotWithShape="0">
+              <a:outerShdw sx="100000" sy="100000" kx="0" ky="0" algn="b" rotWithShape="0" blurRad="254000" dist="127000" dir="5400000">
                 <a:srgbClr val="000000">
                   <a:alpha val="70000"/>
                 </a:srgbClr>
@@ -8348,7 +8861,7 @@
             <a:effectLst/>
             <a:extLst>
               <a:ext uri="{C572A759-6A51-4108-AA02-DFA0A04FC94B}">
-                <ma14:wrappingTextBoxFlag xmlns:ma14="http://schemas.microsoft.com/office/mac/drawingml/2011/main" xmlns:a14="http://schemas.microsoft.com/office/drawing/2010/main" xmlns:m="http://schemas.openxmlformats.org/officeDocument/2006/math" xmlns="" val="1"/>
+                <ma14:wrappingTextBoxFlag xmlns:ma14="http://schemas.microsoft.com/office/mac/drawingml/2011/main" val="1"/>
               </a:ext>
             </a:extLst>
           </p:spPr>
@@ -8358,7 +8871,7 @@
             </a:bodyPr>
             <a:lstStyle>
               <a:lvl1pPr defTabSz="825500">
-                <a:defRPr sz="2000" b="1">
+                <a:defRPr b="1" sz="2000">
                   <a:solidFill>
                     <a:srgbClr val="000000"/>
                   </a:solidFill>
@@ -8366,6 +8879,7 @@
               </a:lvl1pPr>
             </a:lstStyle>
             <a:p>
+              <a:pPr/>
               <a:r>
                 <a:t>Admin</a:t>
               </a:r>
@@ -8401,7 +8915,7 @@
           </a:ln>
           <a:extLst>
             <a:ext uri="{C572A759-6A51-4108-AA02-DFA0A04FC94B}">
-              <ma14:wrappingTextBoxFlag xmlns:ma14="http://schemas.microsoft.com/office/mac/drawingml/2011/main" xmlns:a14="http://schemas.microsoft.com/office/drawing/2010/main" xmlns:m="http://schemas.openxmlformats.org/officeDocument/2006/math" xmlns="" val="1"/>
+              <ma14:wrappingTextBoxFlag xmlns:ma14="http://schemas.microsoft.com/office/mac/drawingml/2011/main" val="1"/>
             </a:ext>
           </a:extLst>
         </p:spPr>
@@ -8421,6 +8935,7 @@
             </a:lvl1pPr>
           </a:lstStyle>
           <a:p>
+            <a:pPr/>
             <a:r>
               <a:t>Gérer parking</a:t>
             </a:r>
@@ -8455,7 +8970,7 @@
           </a:ln>
           <a:extLst>
             <a:ext uri="{C572A759-6A51-4108-AA02-DFA0A04FC94B}">
-              <ma14:wrappingTextBoxFlag xmlns:ma14="http://schemas.microsoft.com/office/mac/drawingml/2011/main" xmlns:a14="http://schemas.microsoft.com/office/drawing/2010/main" xmlns:m="http://schemas.openxmlformats.org/officeDocument/2006/math" xmlns="" val="1"/>
+              <ma14:wrappingTextBoxFlag xmlns:ma14="http://schemas.microsoft.com/office/mac/drawingml/2011/main" val="1"/>
             </a:ext>
           </a:extLst>
         </p:spPr>
@@ -8475,6 +8990,7 @@
             </a:lvl1pPr>
           </a:lstStyle>
           <a:p>
+            <a:pPr/>
             <a:r>
               <a:t>Gérer tarif et paiement</a:t>
             </a:r>
@@ -8509,7 +9025,7 @@
           </a:ln>
           <a:extLst>
             <a:ext uri="{C572A759-6A51-4108-AA02-DFA0A04FC94B}">
-              <ma14:wrappingTextBoxFlag xmlns:ma14="http://schemas.microsoft.com/office/mac/drawingml/2011/main" xmlns:a14="http://schemas.microsoft.com/office/drawing/2010/main" xmlns:m="http://schemas.openxmlformats.org/officeDocument/2006/math" xmlns="" val="1"/>
+              <ma14:wrappingTextBoxFlag xmlns:ma14="http://schemas.microsoft.com/office/mac/drawingml/2011/main" val="1"/>
             </a:ext>
           </a:extLst>
         </p:spPr>
@@ -8529,6 +9045,7 @@
             </a:lvl1pPr>
           </a:lstStyle>
           <a:p>
+            <a:pPr/>
             <a:r>
               <a:t>Consulter historique</a:t>
             </a:r>
@@ -8559,7 +9076,7 @@
           </a:ln>
           <a:extLst>
             <a:ext uri="{C572A759-6A51-4108-AA02-DFA0A04FC94B}">
-              <ma14:wrappingTextBoxFlag xmlns:ma14="http://schemas.microsoft.com/office/mac/drawingml/2011/main" xmlns:a14="http://schemas.microsoft.com/office/drawing/2010/main" xmlns:m="http://schemas.openxmlformats.org/officeDocument/2006/math" xmlns="" val="1"/>
+              <ma14:wrappingTextBoxFlag xmlns:ma14="http://schemas.microsoft.com/office/mac/drawingml/2011/main" val="1"/>
             </a:ext>
           </a:extLst>
         </p:spPr>
@@ -8579,6 +9096,7 @@
             </a:lvl1pPr>
           </a:lstStyle>
           <a:p>
+            <a:pPr/>
             <a:r>
               <a:t>Récupérer données</a:t>
             </a:r>
@@ -8628,7 +9146,7 @@
               <a:miter lim="400000"/>
             </a:ln>
             <a:effectLst>
-              <a:outerShdw blurRad="254000" dist="127000" dir="5400000" rotWithShape="0">
+              <a:outerShdw sx="100000" sy="100000" kx="0" ky="0" algn="b" rotWithShape="0" blurRad="254000" dist="127000" dir="5400000">
                 <a:srgbClr val="000000">
                   <a:alpha val="70000"/>
                 </a:srgbClr>
@@ -8660,7 +9178,7 @@
             <a:effectLst/>
             <a:extLst>
               <a:ext uri="{C572A759-6A51-4108-AA02-DFA0A04FC94B}">
-                <ma14:wrappingTextBoxFlag xmlns:ma14="http://schemas.microsoft.com/office/mac/drawingml/2011/main" xmlns:a14="http://schemas.microsoft.com/office/drawing/2010/main" xmlns:m="http://schemas.openxmlformats.org/officeDocument/2006/math" xmlns="" val="1"/>
+                <ma14:wrappingTextBoxFlag xmlns:ma14="http://schemas.microsoft.com/office/mac/drawingml/2011/main" val="1"/>
               </a:ext>
             </a:extLst>
           </p:spPr>
@@ -8670,7 +9188,7 @@
             </a:bodyPr>
             <a:lstStyle>
               <a:lvl1pPr defTabSz="825500">
-                <a:defRPr sz="2000" b="1">
+                <a:defRPr b="1" sz="2000">
                   <a:solidFill>
                     <a:srgbClr val="000000"/>
                   </a:solidFill>
@@ -8678,6 +9196,7 @@
               </a:lvl1pPr>
             </a:lstStyle>
             <a:p>
+              <a:pPr/>
               <a:r>
                 <a:t>Client</a:t>
               </a:r>
@@ -8709,7 +9228,7 @@
           </a:ln>
           <a:extLst>
             <a:ext uri="{C572A759-6A51-4108-AA02-DFA0A04FC94B}">
-              <ma14:wrappingTextBoxFlag xmlns:ma14="http://schemas.microsoft.com/office/mac/drawingml/2011/main" xmlns:a14="http://schemas.microsoft.com/office/drawing/2010/main" xmlns:m="http://schemas.openxmlformats.org/officeDocument/2006/math" xmlns="" val="1"/>
+              <ma14:wrappingTextBoxFlag xmlns:ma14="http://schemas.microsoft.com/office/mac/drawingml/2011/main" val="1"/>
             </a:ext>
           </a:extLst>
         </p:spPr>
@@ -8729,6 +9248,7 @@
             </a:lvl1pPr>
           </a:lstStyle>
           <a:p>
+            <a:pPr/>
             <a:r>
               <a:t>Afficher contenu playlist</a:t>
             </a:r>
@@ -8759,7 +9279,7 @@
           </a:ln>
           <a:extLst>
             <a:ext uri="{C572A759-6A51-4108-AA02-DFA0A04FC94B}">
-              <ma14:wrappingTextBoxFlag xmlns:ma14="http://schemas.microsoft.com/office/mac/drawingml/2011/main" xmlns:a14="http://schemas.microsoft.com/office/drawing/2010/main" xmlns:m="http://schemas.openxmlformats.org/officeDocument/2006/math" xmlns="" val="1"/>
+              <ma14:wrappingTextBoxFlag xmlns:ma14="http://schemas.microsoft.com/office/mac/drawingml/2011/main" val="1"/>
             </a:ext>
           </a:extLst>
         </p:spPr>
@@ -8779,6 +9299,7 @@
             </a:lvl1pPr>
           </a:lstStyle>
           <a:p>
+            <a:pPr/>
             <a:r>
               <a:t>Envoyer image</a:t>
             </a:r>
@@ -8809,7 +9330,7 @@
           </a:ln>
           <a:extLst>
             <a:ext uri="{C572A759-6A51-4108-AA02-DFA0A04FC94B}">
-              <ma14:wrappingTextBoxFlag xmlns:ma14="http://schemas.microsoft.com/office/mac/drawingml/2011/main" xmlns:a14="http://schemas.microsoft.com/office/drawing/2010/main" xmlns:m="http://schemas.openxmlformats.org/officeDocument/2006/math" xmlns="" val="1"/>
+              <ma14:wrappingTextBoxFlag xmlns:ma14="http://schemas.microsoft.com/office/mac/drawingml/2011/main" val="1"/>
             </a:ext>
           </a:extLst>
         </p:spPr>
@@ -8829,6 +9350,7 @@
             </a:lvl1pPr>
           </a:lstStyle>
           <a:p>
+            <a:pPr/>
             <a:r>
               <a:t>Convertir TCP/RS</a:t>
             </a:r>
@@ -8859,7 +9381,7 @@
           </a:ln>
           <a:extLst>
             <a:ext uri="{C572A759-6A51-4108-AA02-DFA0A04FC94B}">
-              <ma14:wrappingTextBoxFlag xmlns:ma14="http://schemas.microsoft.com/office/mac/drawingml/2011/main" xmlns:a14="http://schemas.microsoft.com/office/drawing/2010/main" xmlns:m="http://schemas.openxmlformats.org/officeDocument/2006/math" xmlns="" val="1"/>
+              <ma14:wrappingTextBoxFlag xmlns:ma14="http://schemas.microsoft.com/office/mac/drawingml/2011/main" val="1"/>
             </a:ext>
           </a:extLst>
         </p:spPr>
@@ -8879,6 +9401,7 @@
             </a:lvl1pPr>
           </a:lstStyle>
           <a:p>
+            <a:pPr/>
             <a:r>
               <a:t>Simuler</a:t>
             </a:r>
@@ -8909,7 +9432,7 @@
           </a:ln>
           <a:extLst>
             <a:ext uri="{C572A759-6A51-4108-AA02-DFA0A04FC94B}">
-              <ma14:wrappingTextBoxFlag xmlns:ma14="http://schemas.microsoft.com/office/mac/drawingml/2011/main" xmlns:a14="http://schemas.microsoft.com/office/drawing/2010/main" xmlns:m="http://schemas.openxmlformats.org/officeDocument/2006/math" xmlns="" val="1"/>
+              <ma14:wrappingTextBoxFlag xmlns:ma14="http://schemas.microsoft.com/office/mac/drawingml/2011/main" val="1"/>
             </a:ext>
           </a:extLst>
         </p:spPr>
@@ -8929,6 +9452,7 @@
             </a:lvl1pPr>
           </a:lstStyle>
           <a:p>
+            <a:pPr/>
             <a:r>
               <a:t>Création d'une application graphique</a:t>
             </a:r>
@@ -8980,7 +9504,7 @@
               </a:cxnLst>
               <a:rect l="0" t="0" r="r" b="b"/>
               <a:pathLst>
-                <a:path w="21600" h="21600" extrusionOk="0">
+                <a:path w="21600" h="21600" fill="norm" stroke="1" extrusionOk="0">
                   <a:moveTo>
                     <a:pt x="0" y="0"/>
                   </a:moveTo>
@@ -9106,7 +9630,6 @@
                   <a:sym typeface="Helvetica Neue Medium"/>
                 </a:defRPr>
               </a:pPr>
-              <a:endParaRPr/>
             </a:p>
           </p:txBody>
         </p:sp>
@@ -9134,7 +9657,7 @@
             <a:effectLst/>
             <a:extLst>
               <a:ext uri="{C572A759-6A51-4108-AA02-DFA0A04FC94B}">
-                <ma14:wrappingTextBoxFlag xmlns:ma14="http://schemas.microsoft.com/office/mac/drawingml/2011/main" xmlns:a14="http://schemas.microsoft.com/office/drawing/2010/main" xmlns:m="http://schemas.openxmlformats.org/officeDocument/2006/math" xmlns="" val="1"/>
+                <ma14:wrappingTextBoxFlag xmlns:ma14="http://schemas.microsoft.com/office/mac/drawingml/2011/main" val="1"/>
               </a:ext>
             </a:extLst>
           </p:spPr>
@@ -9144,7 +9667,7 @@
             </a:bodyPr>
             <a:lstStyle>
               <a:lvl1pPr defTabSz="825500">
-                <a:defRPr sz="2200" b="1">
+                <a:defRPr b="1" sz="2200">
                   <a:solidFill>
                     <a:srgbClr val="000000"/>
                   </a:solidFill>
@@ -9152,6 +9675,7 @@
               </a:lvl1pPr>
             </a:lstStyle>
             <a:p>
+              <a:pPr/>
               <a:r>
                 <a:t>Écran Géant</a:t>
               </a:r>
@@ -9185,7 +9709,7 @@
             <a:blip r:embed="rId2">
               <a:extLst/>
             </a:blip>
-            <a:srcRect/>
+            <a:srcRect l="0" t="0" r="0" b="0"/>
             <a:stretch>
               <a:fillRect/>
             </a:stretch>
@@ -9203,7 +9727,7 @@
               <a:miter lim="400000"/>
             </a:ln>
             <a:effectLst>
-              <a:outerShdw blurRad="254000" dist="127000" dir="5400000" rotWithShape="0">
+              <a:outerShdw sx="100000" sy="100000" kx="0" ky="0" algn="b" rotWithShape="0" blurRad="254000" dist="127000" dir="5400000">
                 <a:srgbClr val="000000">
                   <a:alpha val="70000"/>
                 </a:srgbClr>
@@ -9235,7 +9759,7 @@
             <a:effectLst/>
             <a:extLst>
               <a:ext uri="{C572A759-6A51-4108-AA02-DFA0A04FC94B}">
-                <ma14:wrappingTextBoxFlag xmlns:ma14="http://schemas.microsoft.com/office/mac/drawingml/2011/main" xmlns:a14="http://schemas.microsoft.com/office/drawing/2010/main" xmlns:m="http://schemas.openxmlformats.org/officeDocument/2006/math" xmlns="" val="1"/>
+                <ma14:wrappingTextBoxFlag xmlns:ma14="http://schemas.microsoft.com/office/mac/drawingml/2011/main" val="1"/>
               </a:ext>
             </a:extLst>
           </p:spPr>
@@ -9245,7 +9769,7 @@
             </a:bodyPr>
             <a:lstStyle>
               <a:lvl1pPr defTabSz="825500">
-                <a:defRPr sz="2000" b="1">
+                <a:defRPr b="1" sz="2000">
                   <a:solidFill>
                     <a:srgbClr val="000000"/>
                   </a:solidFill>
@@ -9253,6 +9777,7 @@
               </a:lvl1pPr>
             </a:lstStyle>
             <a:p>
+              <a:pPr/>
               <a:r>
                 <a:t>Capteur</a:t>
               </a:r>
@@ -9285,7 +9810,7 @@
           <a:bodyPr lIns="50800" tIns="50800" rIns="50800" bIns="50800" anchor="ctr"/>
           <a:lstStyle/>
           <a:p>
-            <a:endParaRPr/>
+            <a:pPr/>
           </a:p>
         </p:txBody>
       </p:sp>
@@ -9314,7 +9839,7 @@
           <a:bodyPr lIns="50800" tIns="50800" rIns="50800" bIns="50800" anchor="ctr"/>
           <a:lstStyle/>
           <a:p>
-            <a:endParaRPr/>
+            <a:pPr/>
           </a:p>
         </p:txBody>
       </p:sp>
@@ -9343,7 +9868,7 @@
           <a:bodyPr lIns="50800" tIns="50800" rIns="50800" bIns="50800" anchor="ctr"/>
           <a:lstStyle/>
           <a:p>
-            <a:endParaRPr/>
+            <a:pPr/>
           </a:p>
         </p:txBody>
       </p:sp>
@@ -9372,7 +9897,7 @@
           <a:bodyPr lIns="50800" tIns="50800" rIns="50800" bIns="50800" anchor="ctr"/>
           <a:lstStyle/>
           <a:p>
-            <a:endParaRPr/>
+            <a:pPr/>
           </a:p>
         </p:txBody>
       </p:sp>
@@ -9401,7 +9926,7 @@
           <a:bodyPr lIns="50800" tIns="50800" rIns="50800" bIns="50800" anchor="ctr"/>
           <a:lstStyle/>
           <a:p>
-            <a:endParaRPr/>
+            <a:pPr/>
           </a:p>
         </p:txBody>
       </p:sp>
@@ -9430,7 +9955,7 @@
           <a:bodyPr lIns="50800" tIns="50800" rIns="50800" bIns="50800" anchor="ctr"/>
           <a:lstStyle/>
           <a:p>
-            <a:endParaRPr/>
+            <a:pPr/>
           </a:p>
         </p:txBody>
       </p:sp>
@@ -9459,7 +9984,7 @@
           <a:bodyPr lIns="50800" tIns="50800" rIns="50800" bIns="50800" anchor="ctr"/>
           <a:lstStyle/>
           <a:p>
-            <a:endParaRPr/>
+            <a:pPr/>
           </a:p>
         </p:txBody>
       </p:sp>
@@ -9488,7 +10013,7 @@
           <a:bodyPr lIns="50800" tIns="50800" rIns="50800" bIns="50800" anchor="ctr"/>
           <a:lstStyle/>
           <a:p>
-            <a:endParaRPr/>
+            <a:pPr/>
           </a:p>
         </p:txBody>
       </p:sp>
@@ -9517,7 +10042,7 @@
           <a:bodyPr lIns="50800" tIns="50800" rIns="50800" bIns="50800" anchor="ctr"/>
           <a:lstStyle/>
           <a:p>
-            <a:endParaRPr/>
+            <a:pPr/>
           </a:p>
         </p:txBody>
       </p:sp>
@@ -9546,7 +10071,7 @@
           <a:bodyPr lIns="50800" tIns="50800" rIns="50800" bIns="50800" anchor="ctr"/>
           <a:lstStyle/>
           <a:p>
-            <a:endParaRPr/>
+            <a:pPr/>
           </a:p>
         </p:txBody>
       </p:sp>
@@ -9575,7 +10100,7 @@
           <a:bodyPr lIns="50800" tIns="50800" rIns="50800" bIns="50800" anchor="ctr"/>
           <a:lstStyle/>
           <a:p>
-            <a:endParaRPr/>
+            <a:pPr/>
           </a:p>
         </p:txBody>
       </p:sp>
@@ -9604,7 +10129,7 @@
           <a:bodyPr lIns="50800" tIns="50800" rIns="50800" bIns="50800" anchor="ctr"/>
           <a:lstStyle/>
           <a:p>
-            <a:endParaRPr/>
+            <a:pPr/>
           </a:p>
         </p:txBody>
       </p:sp>
@@ -9633,7 +10158,7 @@
           <a:bodyPr lIns="50800" tIns="50800" rIns="50800" bIns="50800" anchor="ctr"/>
           <a:lstStyle/>
           <a:p>
-            <a:endParaRPr/>
+            <a:pPr/>
           </a:p>
         </p:txBody>
       </p:sp>
@@ -9662,7 +10187,7 @@
           <a:bodyPr lIns="50800" tIns="50800" rIns="50800" bIns="50800" anchor="ctr"/>
           <a:lstStyle/>
           <a:p>
-            <a:endParaRPr/>
+            <a:pPr/>
           </a:p>
         </p:txBody>
       </p:sp>
@@ -9691,7 +10216,7 @@
           <a:bodyPr lIns="50800" tIns="50800" rIns="50800" bIns="50800" anchor="ctr"/>
           <a:lstStyle/>
           <a:p>
-            <a:endParaRPr/>
+            <a:pPr/>
           </a:p>
         </p:txBody>
       </p:sp>
@@ -9720,7 +10245,7 @@
           <a:bodyPr lIns="50800" tIns="50800" rIns="50800" bIns="50800" anchor="ctr"/>
           <a:lstStyle/>
           <a:p>
-            <a:endParaRPr/>
+            <a:pPr/>
           </a:p>
         </p:txBody>
       </p:sp>
@@ -9749,7 +10274,7 @@
           <a:bodyPr lIns="50800" tIns="50800" rIns="50800" bIns="50800" anchor="ctr"/>
           <a:lstStyle/>
           <a:p>
-            <a:endParaRPr/>
+            <a:pPr/>
           </a:p>
         </p:txBody>
       </p:sp>
@@ -9778,7 +10303,7 @@
           <a:bodyPr lIns="50800" tIns="50800" rIns="50800" bIns="50800" anchor="ctr"/>
           <a:lstStyle/>
           <a:p>
-            <a:endParaRPr/>
+            <a:pPr/>
           </a:p>
         </p:txBody>
       </p:sp>
@@ -9807,7 +10332,7 @@
           <a:bodyPr lIns="50800" tIns="50800" rIns="50800" bIns="50800" anchor="ctr"/>
           <a:lstStyle/>
           <a:p>
-            <a:endParaRPr/>
+            <a:pPr/>
           </a:p>
         </p:txBody>
       </p:sp>
@@ -9836,7 +10361,7 @@
           <a:bodyPr lIns="50800" tIns="50800" rIns="50800" bIns="50800" anchor="ctr"/>
           <a:lstStyle/>
           <a:p>
-            <a:endParaRPr/>
+            <a:pPr/>
           </a:p>
         </p:txBody>
       </p:sp>
@@ -9844,7 +10369,7 @@
         <p:nvPicPr>
           <p:cNvPr id="281" name="Line Line" descr="Line Line"/>
           <p:cNvPicPr>
-            <a:picLocks/>
+            <a:picLocks noChangeAspect="0"/>
           </p:cNvPicPr>
           <p:nvPr/>
         </p:nvPicPr>
@@ -9870,7 +10395,7 @@
         <p:nvPicPr>
           <p:cNvPr id="283" name="Line Line" descr="Line Line"/>
           <p:cNvPicPr>
-            <a:picLocks/>
+            <a:picLocks noChangeAspect="0"/>
           </p:cNvPicPr>
           <p:nvPr/>
         </p:nvPicPr>
@@ -9896,7 +10421,7 @@
         <p:nvPicPr>
           <p:cNvPr id="285" name="Line Line" descr="Line Line"/>
           <p:cNvPicPr>
-            <a:picLocks/>
+            <a:picLocks noChangeAspect="0"/>
           </p:cNvPicPr>
           <p:nvPr/>
         </p:nvPicPr>
@@ -9922,7 +10447,7 @@
         <p:nvPicPr>
           <p:cNvPr id="287" name="Line Line" descr="Line Line"/>
           <p:cNvPicPr>
-            <a:picLocks/>
+            <a:picLocks noChangeAspect="0"/>
           </p:cNvPicPr>
           <p:nvPr/>
         </p:nvPicPr>
@@ -9963,7 +10488,7 @@
           </a:ln>
           <a:extLst>
             <a:ext uri="{C572A759-6A51-4108-AA02-DFA0A04FC94B}">
-              <ma14:wrappingTextBoxFlag xmlns:ma14="http://schemas.microsoft.com/office/mac/drawingml/2011/main" xmlns:a14="http://schemas.microsoft.com/office/drawing/2010/main" xmlns:m="http://schemas.openxmlformats.org/officeDocument/2006/math" xmlns="" val="1"/>
+              <ma14:wrappingTextBoxFlag xmlns:ma14="http://schemas.microsoft.com/office/mac/drawingml/2011/main" val="1"/>
             </a:ext>
           </a:extLst>
         </p:spPr>
@@ -9973,10 +10498,11 @@
           </a:bodyPr>
           <a:lstStyle>
             <a:lvl1pPr algn="l">
-              <a:defRPr sz="1600" b="1"/>
+              <a:defRPr b="1" sz="1600"/>
             </a:lvl1pPr>
           </a:lstStyle>
           <a:p>
+            <a:pPr/>
             <a:r>
               <a:t>Aakash</a:t>
             </a:r>
@@ -10002,7 +10528,7 @@
           </a:ln>
           <a:extLst>
             <a:ext uri="{C572A759-6A51-4108-AA02-DFA0A04FC94B}">
-              <ma14:wrappingTextBoxFlag xmlns:ma14="http://schemas.microsoft.com/office/mac/drawingml/2011/main" xmlns:a14="http://schemas.microsoft.com/office/drawing/2010/main" xmlns:m="http://schemas.openxmlformats.org/officeDocument/2006/math" xmlns="" val="1"/>
+              <ma14:wrappingTextBoxFlag xmlns:ma14="http://schemas.microsoft.com/office/mac/drawingml/2011/main" val="1"/>
             </a:ext>
           </a:extLst>
         </p:spPr>
@@ -10012,10 +10538,11 @@
           </a:bodyPr>
           <a:lstStyle>
             <a:lvl1pPr algn="l">
-              <a:defRPr sz="1600" b="1"/>
+              <a:defRPr b="1" sz="1600"/>
             </a:lvl1pPr>
           </a:lstStyle>
           <a:p>
+            <a:pPr/>
             <a:r>
               <a:t>Dilshan</a:t>
             </a:r>
@@ -10041,7 +10568,7 @@
           </a:ln>
           <a:extLst>
             <a:ext uri="{C572A759-6A51-4108-AA02-DFA0A04FC94B}">
-              <ma14:wrappingTextBoxFlag xmlns:ma14="http://schemas.microsoft.com/office/mac/drawingml/2011/main" xmlns:a14="http://schemas.microsoft.com/office/drawing/2010/main" xmlns:m="http://schemas.openxmlformats.org/officeDocument/2006/math" xmlns="" val="1"/>
+              <ma14:wrappingTextBoxFlag xmlns:ma14="http://schemas.microsoft.com/office/mac/drawingml/2011/main" val="1"/>
             </a:ext>
           </a:extLst>
         </p:spPr>
@@ -10051,10 +10578,11 @@
           </a:bodyPr>
           <a:lstStyle>
             <a:lvl1pPr algn="l">
-              <a:defRPr sz="1600" b="1"/>
+              <a:defRPr b="1" sz="1600"/>
             </a:lvl1pPr>
           </a:lstStyle>
           <a:p>
+            <a:pPr/>
             <a:r>
               <a:t>Yoan</a:t>
             </a:r>
@@ -10080,7 +10608,7 @@
           </a:ln>
           <a:extLst>
             <a:ext uri="{C572A759-6A51-4108-AA02-DFA0A04FC94B}">
-              <ma14:wrappingTextBoxFlag xmlns:ma14="http://schemas.microsoft.com/office/mac/drawingml/2011/main" xmlns:a14="http://schemas.microsoft.com/office/drawing/2010/main" xmlns:m="http://schemas.openxmlformats.org/officeDocument/2006/math" xmlns="" val="1"/>
+              <ma14:wrappingTextBoxFlag xmlns:ma14="http://schemas.microsoft.com/office/mac/drawingml/2011/main" val="1"/>
             </a:ext>
           </a:extLst>
         </p:spPr>
@@ -10090,10 +10618,11 @@
           </a:bodyPr>
           <a:lstStyle>
             <a:lvl1pPr algn="l">
-              <a:defRPr sz="1600" b="1"/>
+              <a:defRPr b="1" sz="1600"/>
             </a:lvl1pPr>
           </a:lstStyle>
           <a:p>
+            <a:pPr/>
             <a:r>
               <a:t>Rashmi</a:t>
             </a:r>
@@ -10125,7 +10654,7 @@
           <a:bodyPr lIns="50800" tIns="50800" rIns="50800" bIns="50800" anchor="ctr"/>
           <a:lstStyle/>
           <a:p>
-            <a:endParaRPr/>
+            <a:pPr/>
           </a:p>
         </p:txBody>
       </p:sp>
@@ -10154,7 +10683,7 @@
           <a:bodyPr lIns="50800" tIns="50800" rIns="50800" bIns="50800" anchor="ctr"/>
           <a:lstStyle/>
           <a:p>
-            <a:endParaRPr/>
+            <a:pPr/>
           </a:p>
         </p:txBody>
       </p:sp>
@@ -10183,7 +10712,7 @@
           <a:bodyPr lIns="50800" tIns="50800" rIns="50800" bIns="50800" anchor="ctr"/>
           <a:lstStyle/>
           <a:p>
-            <a:endParaRPr/>
+            <a:pPr/>
           </a:p>
         </p:txBody>
       </p:sp>
@@ -10212,7 +10741,7 @@
           <a:bodyPr lIns="50800" tIns="50800" rIns="50800" bIns="50800" anchor="ctr"/>
           <a:lstStyle/>
           <a:p>
-            <a:endParaRPr/>
+            <a:pPr/>
           </a:p>
         </p:txBody>
       </p:sp>
@@ -10241,7 +10770,7 @@
           <a:bodyPr lIns="50800" tIns="50800" rIns="50800" bIns="50800" anchor="ctr"/>
           <a:lstStyle/>
           <a:p>
-            <a:endParaRPr/>
+            <a:pPr/>
           </a:p>
         </p:txBody>
       </p:sp>
@@ -10270,7 +10799,7 @@
           <a:bodyPr lIns="50800" tIns="50800" rIns="50800" bIns="50800" anchor="ctr"/>
           <a:lstStyle/>
           <a:p>
-            <a:endParaRPr/>
+            <a:pPr/>
           </a:p>
         </p:txBody>
       </p:sp>
@@ -10299,7 +10828,7 @@
           <a:bodyPr lIns="50800" tIns="50800" rIns="50800" bIns="50800" anchor="ctr"/>
           <a:lstStyle/>
           <a:p>
-            <a:endParaRPr/>
+            <a:pPr/>
           </a:p>
         </p:txBody>
       </p:sp>
@@ -10308,19 +10837,29 @@
   <p:clrMapOvr>
     <a:masterClrMapping/>
   </p:clrMapOvr>
-  <p:transition spd="med"/>
+  <mc:AlternateContent xmlns:mc="http://schemas.openxmlformats.org/markup-compatibility/2006">
+    <mc:Choice xmlns:p14="http://schemas.microsoft.com/office/powerpoint/2010/main" Requires="p14">
+      <p:transition spd="slow" advClick="1" p14:dur="1500">
+        <p:push dir="l"/>
+      </p:transition>
+    </mc:Choice>
+    <mc:Fallback>
+      <p:transition spd="slow">
+        <p:fade/>
+      </p:transition>
+    </mc:Fallback>
+  </mc:AlternateContent>
 </p:sld>
 </file>
 
 <file path=ppt/slides/slide7.xml><?xml version="1.0" encoding="utf-8"?>
-<p:sld xmlns:a="http://schemas.openxmlformats.org/drawingml/2006/main" xmlns:r="http://schemas.openxmlformats.org/officeDocument/2006/relationships" xmlns:p="http://schemas.openxmlformats.org/presentationml/2006/main">
+<p:sld xmlns:a="http://schemas.openxmlformats.org/drawingml/2006/main" xmlns:r="http://schemas.openxmlformats.org/officeDocument/2006/relationships" xmlns:p="http://schemas.openxmlformats.org/presentationml/2006/main" xmlns:m="http://schemas.openxmlformats.org/officeDocument/2006/math" xmlns:a14="http://schemas.microsoft.com/office/drawing/2010/main" showMasterSp="1" showMasterPhAnim="1">
   <p:cSld>
     <p:bg>
       <p:bgPr>
         <a:solidFill>
           <a:srgbClr val="E6E6E6"/>
         </a:solidFill>
-        <a:effectLst/>
       </p:bgPr>
     </p:bg>
     <p:spTree>
@@ -10340,9 +10879,7 @@
       <p:sp>
         <p:nvSpPr>
           <p:cNvPr id="301" name="Diagramme de déploiement"/>
-          <p:cNvSpPr txBox="1">
-            <a:spLocks noGrp="1"/>
-          </p:cNvSpPr>
+          <p:cNvSpPr txBox="1"/>
           <p:nvPr>
             <p:ph type="title" idx="4294967295"/>
           </p:nvPr>
@@ -10360,10 +10897,11 @@
           <a:bodyPr/>
           <a:lstStyle>
             <a:lvl1pPr defTabSz="2243271">
-              <a:defRPr sz="7820" spc="-156"/>
+              <a:defRPr spc="-156" sz="7820"/>
             </a:lvl1pPr>
           </a:lstStyle>
           <a:p>
+            <a:pPr/>
             <a:r>
               <a:t>Diagramme de déploiement</a:t>
             </a:r>
@@ -10395,7 +10933,7 @@
           </a:ln>
           <a:extLst>
             <a:ext uri="{C572A759-6A51-4108-AA02-DFA0A04FC94B}">
-              <ma14:wrappingTextBoxFlag xmlns:ma14="http://schemas.microsoft.com/office/mac/drawingml/2011/main" xmlns:a14="http://schemas.microsoft.com/office/drawing/2010/main" xmlns:m="http://schemas.openxmlformats.org/officeDocument/2006/math" xmlns="" val="1"/>
+              <ma14:wrappingTextBoxFlag xmlns:ma14="http://schemas.microsoft.com/office/mac/drawingml/2011/main" val="1"/>
             </a:ext>
           </a:extLst>
         </p:spPr>
@@ -10416,32 +10954,28 @@
           </a:p>
           <a:p>
             <a:pPr defTabSz="825500">
-              <a:defRPr sz="3600" b="1">
+              <a:defRPr b="1" sz="3600">
                 <a:solidFill>
                   <a:srgbClr val="000000"/>
                 </a:solidFill>
               </a:defRPr>
             </a:pPr>
-            <a:endParaRPr/>
           </a:p>
           <a:p>
             <a:pPr defTabSz="825500">
-              <a:defRPr sz="3600" b="1">
+              <a:defRPr b="1" sz="3600">
                 <a:solidFill>
                   <a:srgbClr val="000000"/>
                 </a:solidFill>
               </a:defRPr>
             </a:pPr>
-            <a:endParaRPr/>
           </a:p>
         </p:txBody>
       </p:sp>
       <p:sp>
         <p:nvSpPr>
           <p:cNvPr id="303" name="01"/>
-          <p:cNvSpPr txBox="1">
-            <a:spLocks noGrp="1"/>
-          </p:cNvSpPr>
+          <p:cNvSpPr txBox="1"/>
           <p:nvPr>
             <p:ph type="sldNum" sz="quarter" idx="4294967295"/>
           </p:nvPr>
@@ -10456,7 +10990,7 @@
           </a:prstGeom>
           <a:extLst>
             <a:ext uri="{C572A759-6A51-4108-AA02-DFA0A04FC94B}">
-              <ma14:wrappingTextBoxFlag xmlns:ma14="http://schemas.microsoft.com/office/mac/drawingml/2011/main" xmlns:a14="http://schemas.microsoft.com/office/drawing/2010/main" xmlns:m="http://schemas.openxmlformats.org/officeDocument/2006/math" xmlns="" val="1"/>
+              <ma14:wrappingTextBoxFlag xmlns:ma14="http://schemas.microsoft.com/office/mac/drawingml/2011/main" val="1"/>
             </a:ext>
           </a:extLst>
         </p:spPr>
@@ -10464,12 +10998,8 @@
           <a:bodyPr/>
           <a:lstStyle/>
           <a:p>
-            <a:fld id="{86CB4B4D-7CA3-9044-876B-883B54F8677D}" type="slidenum">
-              <a:rPr/>
-              <a:pPr/>
-              <a:t>7</a:t>
-            </a:fld>
-            <a:endParaRPr/>
+            <a:pPr/>
+            <a:fld id="{86CB4B4D-7CA3-9044-876B-883B54F8677D}" type="slidenum"/>
           </a:p>
         </p:txBody>
       </p:sp>
@@ -10498,7 +11028,7 @@
           </a:ln>
           <a:extLst>
             <a:ext uri="{C572A759-6A51-4108-AA02-DFA0A04FC94B}">
-              <ma14:wrappingTextBoxFlag xmlns:ma14="http://schemas.microsoft.com/office/mac/drawingml/2011/main" xmlns:a14="http://schemas.microsoft.com/office/drawing/2010/main" xmlns:m="http://schemas.openxmlformats.org/officeDocument/2006/math" xmlns="" val="1"/>
+              <ma14:wrappingTextBoxFlag xmlns:ma14="http://schemas.microsoft.com/office/mac/drawingml/2011/main" val="1"/>
             </a:ext>
           </a:extLst>
         </p:spPr>
@@ -10519,23 +11049,21 @@
           </a:p>
           <a:p>
             <a:pPr algn="l" defTabSz="825500">
-              <a:defRPr sz="3000" b="1">
+              <a:defRPr b="1" sz="3000">
                 <a:solidFill>
                   <a:srgbClr val="000000"/>
                 </a:solidFill>
               </a:defRPr>
             </a:pPr>
-            <a:endParaRPr/>
           </a:p>
           <a:p>
             <a:pPr algn="l" defTabSz="825500">
-              <a:defRPr sz="3000" b="1">
+              <a:defRPr b="1" sz="3000">
                 <a:solidFill>
                   <a:srgbClr val="000000"/>
                 </a:solidFill>
               </a:defRPr>
             </a:pPr>
-            <a:endParaRPr/>
           </a:p>
         </p:txBody>
       </p:sp>
@@ -10564,7 +11092,7 @@
           </a:ln>
           <a:extLst>
             <a:ext uri="{C572A759-6A51-4108-AA02-DFA0A04FC94B}">
-              <ma14:wrappingTextBoxFlag xmlns:ma14="http://schemas.microsoft.com/office/mac/drawingml/2011/main" xmlns:a14="http://schemas.microsoft.com/office/drawing/2010/main" xmlns:m="http://schemas.openxmlformats.org/officeDocument/2006/math" xmlns="" val="1"/>
+              <ma14:wrappingTextBoxFlag xmlns:ma14="http://schemas.microsoft.com/office/mac/drawingml/2011/main" val="1"/>
             </a:ext>
           </a:extLst>
         </p:spPr>
@@ -10591,7 +11119,6 @@
                 </a:solidFill>
               </a:defRPr>
             </a:pPr>
-            <a:endParaRPr/>
           </a:p>
           <a:p>
             <a:pPr defTabSz="825500">
@@ -10601,7 +11128,6 @@
                 </a:solidFill>
               </a:defRPr>
             </a:pPr>
-            <a:endParaRPr/>
           </a:p>
         </p:txBody>
       </p:sp>
@@ -10630,7 +11156,7 @@
           </a:ln>
           <a:extLst>
             <a:ext uri="{C572A759-6A51-4108-AA02-DFA0A04FC94B}">
-              <ma14:wrappingTextBoxFlag xmlns:ma14="http://schemas.microsoft.com/office/mac/drawingml/2011/main" xmlns:a14="http://schemas.microsoft.com/office/drawing/2010/main" xmlns:m="http://schemas.openxmlformats.org/officeDocument/2006/math" xmlns="" val="1"/>
+              <ma14:wrappingTextBoxFlag xmlns:ma14="http://schemas.microsoft.com/office/mac/drawingml/2011/main" val="1"/>
             </a:ext>
           </a:extLst>
         </p:spPr>
@@ -10657,7 +11183,6 @@
                 </a:solidFill>
               </a:defRPr>
             </a:pPr>
-            <a:endParaRPr/>
           </a:p>
           <a:p>
             <a:pPr defTabSz="825500">
@@ -10667,7 +11192,6 @@
                 </a:solidFill>
               </a:defRPr>
             </a:pPr>
-            <a:endParaRPr/>
           </a:p>
           <a:p>
             <a:pPr defTabSz="825500">
@@ -10677,7 +11201,6 @@
                 </a:solidFill>
               </a:defRPr>
             </a:pPr>
-            <a:endParaRPr/>
           </a:p>
         </p:txBody>
       </p:sp>
@@ -10706,7 +11229,7 @@
           </a:ln>
           <a:extLst>
             <a:ext uri="{C572A759-6A51-4108-AA02-DFA0A04FC94B}">
-              <ma14:wrappingTextBoxFlag xmlns:ma14="http://schemas.microsoft.com/office/mac/drawingml/2011/main" xmlns:a14="http://schemas.microsoft.com/office/drawing/2010/main" xmlns:m="http://schemas.openxmlformats.org/officeDocument/2006/math" xmlns="" val="1"/>
+              <ma14:wrappingTextBoxFlag xmlns:ma14="http://schemas.microsoft.com/office/mac/drawingml/2011/main" val="1"/>
             </a:ext>
           </a:extLst>
         </p:spPr>
@@ -10726,6 +11249,7 @@
             </a:lvl1pPr>
           </a:lstStyle>
           <a:p>
+            <a:pPr/>
             <a:r>
               <a:t>Engine</a:t>
             </a:r>
@@ -10757,7 +11281,7 @@
           </a:ln>
           <a:extLst>
             <a:ext uri="{C572A759-6A51-4108-AA02-DFA0A04FC94B}">
-              <ma14:wrappingTextBoxFlag xmlns:ma14="http://schemas.microsoft.com/office/mac/drawingml/2011/main" xmlns:a14="http://schemas.microsoft.com/office/drawing/2010/main" xmlns:m="http://schemas.openxmlformats.org/officeDocument/2006/math" xmlns="" val="1"/>
+              <ma14:wrappingTextBoxFlag xmlns:ma14="http://schemas.microsoft.com/office/mac/drawingml/2011/main" val="1"/>
             </a:ext>
           </a:extLst>
         </p:spPr>
@@ -10778,23 +11302,21 @@
           </a:p>
           <a:p>
             <a:pPr algn="l" defTabSz="825500">
-              <a:defRPr sz="3000" b="1">
+              <a:defRPr b="1" sz="3000">
                 <a:solidFill>
                   <a:srgbClr val="000000"/>
                 </a:solidFill>
               </a:defRPr>
             </a:pPr>
-            <a:endParaRPr/>
           </a:p>
           <a:p>
             <a:pPr algn="l" defTabSz="825500">
-              <a:defRPr sz="3000" b="1">
+              <a:defRPr b="1" sz="3000">
                 <a:solidFill>
                   <a:srgbClr val="000000"/>
                 </a:solidFill>
               </a:defRPr>
             </a:pPr>
-            <a:endParaRPr/>
           </a:p>
         </p:txBody>
       </p:sp>
@@ -10823,7 +11345,7 @@
           <a:bodyPr lIns="50800" tIns="50800" rIns="50800" bIns="50800" anchor="ctr"/>
           <a:lstStyle/>
           <a:p>
-            <a:endParaRPr/>
+            <a:pPr/>
           </a:p>
         </p:txBody>
       </p:sp>
@@ -10852,7 +11374,7 @@
           <a:bodyPr lIns="50800" tIns="50800" rIns="50800" bIns="50800" anchor="ctr"/>
           <a:lstStyle/>
           <a:p>
-            <a:endParaRPr/>
+            <a:pPr/>
           </a:p>
         </p:txBody>
       </p:sp>
@@ -10881,7 +11403,7 @@
           <a:bodyPr lIns="50800" tIns="50800" rIns="50800" bIns="50800" anchor="ctr"/>
           <a:lstStyle/>
           <a:p>
-            <a:endParaRPr/>
+            <a:pPr/>
           </a:p>
         </p:txBody>
       </p:sp>
@@ -10910,7 +11432,7 @@
           <a:bodyPr lIns="50800" tIns="50800" rIns="50800" bIns="50800" anchor="ctr"/>
           <a:lstStyle/>
           <a:p>
-            <a:endParaRPr/>
+            <a:pPr/>
           </a:p>
         </p:txBody>
       </p:sp>
@@ -10939,7 +11461,7 @@
           <a:bodyPr lIns="50800" tIns="50800" rIns="50800" bIns="50800" anchor="ctr"/>
           <a:lstStyle/>
           <a:p>
-            <a:endParaRPr/>
+            <a:pPr/>
           </a:p>
         </p:txBody>
       </p:sp>
@@ -10968,7 +11490,7 @@
           <a:bodyPr lIns="50800" tIns="50800" rIns="50800" bIns="50800" anchor="ctr"/>
           <a:lstStyle/>
           <a:p>
-            <a:endParaRPr/>
+            <a:pPr/>
           </a:p>
         </p:txBody>
       </p:sp>
@@ -10991,7 +11513,7 @@
           </a:ln>
           <a:extLst>
             <a:ext uri="{C572A759-6A51-4108-AA02-DFA0A04FC94B}">
-              <ma14:wrappingTextBoxFlag xmlns:ma14="http://schemas.microsoft.com/office/mac/drawingml/2011/main" xmlns:a14="http://schemas.microsoft.com/office/drawing/2010/main" xmlns:m="http://schemas.openxmlformats.org/officeDocument/2006/math" xmlns="" val="1"/>
+              <ma14:wrappingTextBoxFlag xmlns:ma14="http://schemas.microsoft.com/office/mac/drawingml/2011/main" val="1"/>
             </a:ext>
           </a:extLst>
         </p:spPr>
@@ -11001,7 +11523,7 @@
           </a:bodyPr>
           <a:lstStyle>
             <a:lvl1pPr defTabSz="825500">
-              <a:defRPr sz="2600" b="1">
+              <a:defRPr b="1" sz="2600">
                 <a:solidFill>
                   <a:srgbClr val="C632FD"/>
                 </a:solidFill>
@@ -11009,6 +11531,7 @@
             </a:lvl1pPr>
           </a:lstStyle>
           <a:p>
+            <a:pPr/>
             <a:r>
               <a:t>UDP</a:t>
             </a:r>
@@ -11034,7 +11557,7 @@
           </a:ln>
           <a:extLst>
             <a:ext uri="{C572A759-6A51-4108-AA02-DFA0A04FC94B}">
-              <ma14:wrappingTextBoxFlag xmlns:ma14="http://schemas.microsoft.com/office/mac/drawingml/2011/main" xmlns:a14="http://schemas.microsoft.com/office/drawing/2010/main" xmlns:m="http://schemas.openxmlformats.org/officeDocument/2006/math" xmlns="" val="1"/>
+              <ma14:wrappingTextBoxFlag xmlns:ma14="http://schemas.microsoft.com/office/mac/drawingml/2011/main" val="1"/>
             </a:ext>
           </a:extLst>
         </p:spPr>
@@ -11044,7 +11567,7 @@
           </a:bodyPr>
           <a:lstStyle>
             <a:lvl1pPr defTabSz="825500">
-              <a:defRPr sz="2600" b="1">
+              <a:defRPr b="1" sz="2600">
                 <a:solidFill>
                   <a:srgbClr val="C632FD"/>
                 </a:solidFill>
@@ -11052,6 +11575,7 @@
             </a:lvl1pPr>
           </a:lstStyle>
           <a:p>
+            <a:pPr/>
             <a:r>
               <a:t>HTTP</a:t>
             </a:r>
@@ -11077,7 +11601,7 @@
           </a:ln>
           <a:extLst>
             <a:ext uri="{C572A759-6A51-4108-AA02-DFA0A04FC94B}">
-              <ma14:wrappingTextBoxFlag xmlns:ma14="http://schemas.microsoft.com/office/mac/drawingml/2011/main" xmlns:a14="http://schemas.microsoft.com/office/drawing/2010/main" xmlns:m="http://schemas.openxmlformats.org/officeDocument/2006/math" xmlns="" val="1"/>
+              <ma14:wrappingTextBoxFlag xmlns:ma14="http://schemas.microsoft.com/office/mac/drawingml/2011/main" val="1"/>
             </a:ext>
           </a:extLst>
         </p:spPr>
@@ -11087,7 +11611,7 @@
           </a:bodyPr>
           <a:lstStyle>
             <a:lvl1pPr defTabSz="825500">
-              <a:defRPr sz="2600" b="1">
+              <a:defRPr b="1" sz="2600">
                 <a:solidFill>
                   <a:srgbClr val="C632FD"/>
                 </a:solidFill>
@@ -11095,6 +11619,7 @@
             </a:lvl1pPr>
           </a:lstStyle>
           <a:p>
+            <a:pPr/>
             <a:r>
               <a:t>ModBus</a:t>
             </a:r>
@@ -11120,7 +11645,7 @@
           </a:ln>
           <a:extLst>
             <a:ext uri="{C572A759-6A51-4108-AA02-DFA0A04FC94B}">
-              <ma14:wrappingTextBoxFlag xmlns:ma14="http://schemas.microsoft.com/office/mac/drawingml/2011/main" xmlns:a14="http://schemas.microsoft.com/office/drawing/2010/main" xmlns:m="http://schemas.openxmlformats.org/officeDocument/2006/math" xmlns="" val="1"/>
+              <ma14:wrappingTextBoxFlag xmlns:ma14="http://schemas.microsoft.com/office/mac/drawingml/2011/main" val="1"/>
             </a:ext>
           </a:extLst>
         </p:spPr>
@@ -11130,7 +11655,7 @@
           </a:bodyPr>
           <a:lstStyle>
             <a:lvl1pPr defTabSz="825500">
-              <a:defRPr sz="2600" b="1">
+              <a:defRPr b="1" sz="2600">
                 <a:solidFill>
                   <a:srgbClr val="C632FD"/>
                 </a:solidFill>
@@ -11138,6 +11663,7 @@
             </a:lvl1pPr>
           </a:lstStyle>
           <a:p>
+            <a:pPr/>
             <a:r>
               <a:t>RS</a:t>
             </a:r>
@@ -11180,7 +11706,6 @@
                 <a:sym typeface="Helvetica Neue Medium"/>
               </a:defRPr>
             </a:pPr>
-            <a:endParaRPr/>
           </a:p>
         </p:txBody>
       </p:sp>
@@ -11220,7 +11745,6 @@
                 <a:sym typeface="Helvetica Neue Medium"/>
               </a:defRPr>
             </a:pPr>
-            <a:endParaRPr/>
           </a:p>
         </p:txBody>
       </p:sp>
@@ -11228,7 +11752,7 @@
         <p:nvPicPr>
           <p:cNvPr id="321" name="Line Line" descr="Line Line"/>
           <p:cNvPicPr>
-            <a:picLocks/>
+            <a:picLocks noChangeAspect="0"/>
           </p:cNvPicPr>
           <p:nvPr/>
         </p:nvPicPr>
@@ -11254,7 +11778,7 @@
         <p:nvPicPr>
           <p:cNvPr id="323" name="Line Line" descr="Line Line"/>
           <p:cNvPicPr>
-            <a:picLocks/>
+            <a:picLocks noChangeAspect="0"/>
           </p:cNvPicPr>
           <p:nvPr/>
         </p:nvPicPr>
@@ -11280,7 +11804,7 @@
         <p:nvPicPr>
           <p:cNvPr id="325" name="Line Line" descr="Line Line"/>
           <p:cNvPicPr>
-            <a:picLocks/>
+            <a:picLocks noChangeAspect="0"/>
           </p:cNvPicPr>
           <p:nvPr/>
         </p:nvPicPr>
@@ -11306,7 +11830,7 @@
         <p:nvPicPr>
           <p:cNvPr id="327" name="Line Line" descr="Line Line"/>
           <p:cNvPicPr>
-            <a:picLocks/>
+            <a:picLocks noChangeAspect="0"/>
           </p:cNvPicPr>
           <p:nvPr/>
         </p:nvPicPr>
@@ -11347,7 +11871,7 @@
           </a:ln>
           <a:extLst>
             <a:ext uri="{C572A759-6A51-4108-AA02-DFA0A04FC94B}">
-              <ma14:wrappingTextBoxFlag xmlns:ma14="http://schemas.microsoft.com/office/mac/drawingml/2011/main" xmlns:a14="http://schemas.microsoft.com/office/drawing/2010/main" xmlns:m="http://schemas.openxmlformats.org/officeDocument/2006/math" xmlns="" val="1"/>
+              <ma14:wrappingTextBoxFlag xmlns:ma14="http://schemas.microsoft.com/office/mac/drawingml/2011/main" val="1"/>
             </a:ext>
           </a:extLst>
         </p:spPr>
@@ -11357,10 +11881,11 @@
           </a:bodyPr>
           <a:lstStyle>
             <a:lvl1pPr algn="l">
-              <a:defRPr sz="1600" b="1"/>
+              <a:defRPr b="1" sz="1600"/>
             </a:lvl1pPr>
           </a:lstStyle>
           <a:p>
+            <a:pPr/>
             <a:r>
               <a:t>Aakash</a:t>
             </a:r>
@@ -11386,7 +11911,7 @@
           </a:ln>
           <a:extLst>
             <a:ext uri="{C572A759-6A51-4108-AA02-DFA0A04FC94B}">
-              <ma14:wrappingTextBoxFlag xmlns:ma14="http://schemas.microsoft.com/office/mac/drawingml/2011/main" xmlns:a14="http://schemas.microsoft.com/office/drawing/2010/main" xmlns:m="http://schemas.openxmlformats.org/officeDocument/2006/math" xmlns="" val="1"/>
+              <ma14:wrappingTextBoxFlag xmlns:ma14="http://schemas.microsoft.com/office/mac/drawingml/2011/main" val="1"/>
             </a:ext>
           </a:extLst>
         </p:spPr>
@@ -11396,10 +11921,11 @@
           </a:bodyPr>
           <a:lstStyle>
             <a:lvl1pPr algn="l">
-              <a:defRPr sz="1600" b="1"/>
+              <a:defRPr b="1" sz="1600"/>
             </a:lvl1pPr>
           </a:lstStyle>
           <a:p>
+            <a:pPr/>
             <a:r>
               <a:t>Dilshan</a:t>
             </a:r>
@@ -11425,7 +11951,7 @@
           </a:ln>
           <a:extLst>
             <a:ext uri="{C572A759-6A51-4108-AA02-DFA0A04FC94B}">
-              <ma14:wrappingTextBoxFlag xmlns:ma14="http://schemas.microsoft.com/office/mac/drawingml/2011/main" xmlns:a14="http://schemas.microsoft.com/office/drawing/2010/main" xmlns:m="http://schemas.openxmlformats.org/officeDocument/2006/math" xmlns="" val="1"/>
+              <ma14:wrappingTextBoxFlag xmlns:ma14="http://schemas.microsoft.com/office/mac/drawingml/2011/main" val="1"/>
             </a:ext>
           </a:extLst>
         </p:spPr>
@@ -11435,10 +11961,11 @@
           </a:bodyPr>
           <a:lstStyle>
             <a:lvl1pPr algn="l">
-              <a:defRPr sz="1600" b="1"/>
+              <a:defRPr b="1" sz="1600"/>
             </a:lvl1pPr>
           </a:lstStyle>
           <a:p>
+            <a:pPr/>
             <a:r>
               <a:t>Yoan</a:t>
             </a:r>
@@ -11464,7 +11991,7 @@
           </a:ln>
           <a:extLst>
             <a:ext uri="{C572A759-6A51-4108-AA02-DFA0A04FC94B}">
-              <ma14:wrappingTextBoxFlag xmlns:ma14="http://schemas.microsoft.com/office/mac/drawingml/2011/main" xmlns:a14="http://schemas.microsoft.com/office/drawing/2010/main" xmlns:m="http://schemas.openxmlformats.org/officeDocument/2006/math" xmlns="" val="1"/>
+              <ma14:wrappingTextBoxFlag xmlns:ma14="http://schemas.microsoft.com/office/mac/drawingml/2011/main" val="1"/>
             </a:ext>
           </a:extLst>
         </p:spPr>
@@ -11474,10 +12001,11 @@
           </a:bodyPr>
           <a:lstStyle>
             <a:lvl1pPr algn="l">
-              <a:defRPr sz="1600" b="1"/>
+              <a:defRPr b="1" sz="1600"/>
             </a:lvl1pPr>
           </a:lstStyle>
           <a:p>
+            <a:pPr/>
             <a:r>
               <a:t>Rashmi</a:t>
             </a:r>
@@ -11509,7 +12037,7 @@
           </a:ln>
           <a:extLst>
             <a:ext uri="{C572A759-6A51-4108-AA02-DFA0A04FC94B}">
-              <ma14:wrappingTextBoxFlag xmlns:ma14="http://schemas.microsoft.com/office/mac/drawingml/2011/main" xmlns:a14="http://schemas.microsoft.com/office/drawing/2010/main" xmlns:m="http://schemas.openxmlformats.org/officeDocument/2006/math" xmlns="" val="1"/>
+              <ma14:wrappingTextBoxFlag xmlns:ma14="http://schemas.microsoft.com/office/mac/drawingml/2011/main" val="1"/>
             </a:ext>
           </a:extLst>
         </p:spPr>
@@ -11536,7 +12064,6 @@
                 </a:solidFill>
               </a:defRPr>
             </a:pPr>
-            <a:endParaRPr/>
           </a:p>
           <a:p>
             <a:pPr defTabSz="825500">
@@ -11546,7 +12073,6 @@
                 </a:solidFill>
               </a:defRPr>
             </a:pPr>
-            <a:endParaRPr/>
           </a:p>
         </p:txBody>
       </p:sp>
@@ -11575,7 +12101,7 @@
           <a:bodyPr lIns="50800" tIns="50800" rIns="50800" bIns="50800" anchor="ctr"/>
           <a:lstStyle/>
           <a:p>
-            <a:endParaRPr/>
+            <a:pPr/>
           </a:p>
         </p:txBody>
       </p:sp>
@@ -11598,7 +12124,7 @@
           </a:ln>
           <a:extLst>
             <a:ext uri="{C572A759-6A51-4108-AA02-DFA0A04FC94B}">
-              <ma14:wrappingTextBoxFlag xmlns:ma14="http://schemas.microsoft.com/office/mac/drawingml/2011/main" xmlns:a14="http://schemas.microsoft.com/office/drawing/2010/main" xmlns:m="http://schemas.openxmlformats.org/officeDocument/2006/math" xmlns="" val="1"/>
+              <ma14:wrappingTextBoxFlag xmlns:ma14="http://schemas.microsoft.com/office/mac/drawingml/2011/main" val="1"/>
             </a:ext>
           </a:extLst>
         </p:spPr>
@@ -11608,7 +12134,7 @@
           </a:bodyPr>
           <a:lstStyle>
             <a:lvl1pPr defTabSz="825500">
-              <a:defRPr sz="2600" b="1">
+              <a:defRPr b="1" sz="2600">
                 <a:solidFill>
                   <a:srgbClr val="C632FD"/>
                 </a:solidFill>
@@ -11616,6 +12142,7 @@
             </a:lvl1pPr>
           </a:lstStyle>
           <a:p>
+            <a:pPr/>
             <a:r>
               <a:t>HTTP</a:t>
             </a:r>
@@ -11653,7 +12180,7 @@
             </a:cxnLst>
             <a:rect l="0" t="0" r="r" b="b"/>
             <a:pathLst>
-              <a:path w="21595" h="21600" extrusionOk="0">
+              <a:path w="21595" h="21600" fill="norm" stroke="1" extrusionOk="0">
                 <a:moveTo>
                   <a:pt x="464" y="0"/>
                 </a:moveTo>
@@ -11791,7 +12318,6 @@
                 <a:sym typeface="Helvetica Neue Medium"/>
               </a:defRPr>
             </a:pPr>
-            <a:endParaRPr/>
           </a:p>
         </p:txBody>
       </p:sp>
@@ -11826,7 +12352,7 @@
             </a:cxnLst>
             <a:rect l="0" t="0" r="r" b="b"/>
             <a:pathLst>
-              <a:path w="21600" h="21600" extrusionOk="0">
+              <a:path w="21600" h="21600" fill="norm" stroke="1" extrusionOk="0">
                 <a:moveTo>
                   <a:pt x="10801" y="0"/>
                 </a:moveTo>
@@ -12186,7 +12712,6 @@
                 <a:sym typeface="Helvetica Neue Medium"/>
               </a:defRPr>
             </a:pPr>
-            <a:endParaRPr/>
           </a:p>
         </p:txBody>
       </p:sp>
@@ -12221,7 +12746,7 @@
             </a:cxnLst>
             <a:rect l="0" t="0" r="r" b="b"/>
             <a:pathLst>
-              <a:path w="21600" h="21600" extrusionOk="0">
+              <a:path w="21600" h="21600" fill="norm" stroke="1" extrusionOk="0">
                 <a:moveTo>
                   <a:pt x="0" y="0"/>
                 </a:moveTo>
@@ -12343,7 +12868,6 @@
                 <a:sym typeface="Helvetica Neue Medium"/>
               </a:defRPr>
             </a:pPr>
-            <a:endParaRPr/>
           </a:p>
         </p:txBody>
       </p:sp>
@@ -12441,7 +12965,6 @@
                 <a:sym typeface="Helvetica Neue Medium"/>
               </a:defRPr>
             </a:pPr>
-            <a:endParaRPr/>
           </a:p>
         </p:txBody>
       </p:sp>
@@ -12481,7 +13004,6 @@
                 <a:sym typeface="Helvetica Neue Medium"/>
               </a:defRPr>
             </a:pPr>
-            <a:endParaRPr/>
           </a:p>
         </p:txBody>
       </p:sp>
@@ -12521,7 +13043,6 @@
                 <a:sym typeface="Helvetica Neue Medium"/>
               </a:defRPr>
             </a:pPr>
-            <a:endParaRPr/>
           </a:p>
         </p:txBody>
       </p:sp>
@@ -12561,7 +13082,6 @@
                 <a:sym typeface="Helvetica Neue Medium"/>
               </a:defRPr>
             </a:pPr>
-            <a:endParaRPr/>
           </a:p>
         </p:txBody>
       </p:sp>
@@ -12601,7 +13121,6 @@
                 <a:sym typeface="Helvetica Neue Medium"/>
               </a:defRPr>
             </a:pPr>
-            <a:endParaRPr/>
           </a:p>
         </p:txBody>
       </p:sp>
@@ -12630,7 +13149,7 @@
           <a:bodyPr lIns="50800" tIns="50800" rIns="50800" bIns="50800" anchor="ctr"/>
           <a:lstStyle/>
           <a:p>
-            <a:endParaRPr/>
+            <a:pPr/>
           </a:p>
         </p:txBody>
       </p:sp>
@@ -12659,7 +13178,7 @@
           <a:bodyPr lIns="50800" tIns="50800" rIns="50800" bIns="50800" anchor="ctr"/>
           <a:lstStyle/>
           <a:p>
-            <a:endParaRPr/>
+            <a:pPr/>
           </a:p>
         </p:txBody>
       </p:sp>
@@ -12688,7 +13207,7 @@
           <a:bodyPr lIns="50800" tIns="50800" rIns="50800" bIns="50800" anchor="ctr"/>
           <a:lstStyle/>
           <a:p>
-            <a:endParaRPr/>
+            <a:pPr/>
           </a:p>
         </p:txBody>
       </p:sp>
@@ -12717,7 +13236,7 @@
           <a:bodyPr lIns="50800" tIns="50800" rIns="50800" bIns="50800" anchor="ctr"/>
           <a:lstStyle/>
           <a:p>
-            <a:endParaRPr/>
+            <a:pPr/>
           </a:p>
         </p:txBody>
       </p:sp>
@@ -12746,7 +13265,7 @@
           <a:bodyPr lIns="50800" tIns="50800" rIns="50800" bIns="50800" anchor="ctr"/>
           <a:lstStyle/>
           <a:p>
-            <a:endParaRPr/>
+            <a:pPr/>
           </a:p>
         </p:txBody>
       </p:sp>
@@ -12775,7 +13294,7 @@
           <a:bodyPr lIns="50800" tIns="50800" rIns="50800" bIns="50800" anchor="ctr"/>
           <a:lstStyle/>
           <a:p>
-            <a:endParaRPr/>
+            <a:pPr/>
           </a:p>
         </p:txBody>
       </p:sp>
@@ -12804,7 +13323,7 @@
           <a:bodyPr lIns="50800" tIns="50800" rIns="50800" bIns="50800" anchor="ctr"/>
           <a:lstStyle/>
           <a:p>
-            <a:endParaRPr/>
+            <a:pPr/>
           </a:p>
         </p:txBody>
       </p:sp>
@@ -12833,7 +13352,7 @@
           <a:bodyPr lIns="50800" tIns="50800" rIns="50800" bIns="50800" anchor="ctr"/>
           <a:lstStyle/>
           <a:p>
-            <a:endParaRPr/>
+            <a:pPr/>
           </a:p>
         </p:txBody>
       </p:sp>
@@ -12862,7 +13381,7 @@
           <a:bodyPr lIns="50800" tIns="50800" rIns="50800" bIns="50800" anchor="ctr"/>
           <a:lstStyle/>
           <a:p>
-            <a:endParaRPr/>
+            <a:pPr/>
           </a:p>
         </p:txBody>
       </p:sp>
@@ -12891,7 +13410,7 @@
           <a:bodyPr lIns="50800" tIns="50800" rIns="50800" bIns="50800" anchor="ctr"/>
           <a:lstStyle/>
           <a:p>
-            <a:endParaRPr/>
+            <a:pPr/>
           </a:p>
         </p:txBody>
       </p:sp>
@@ -12920,7 +13439,7 @@
           <a:bodyPr lIns="50800" tIns="50800" rIns="50800" bIns="50800" anchor="ctr"/>
           <a:lstStyle/>
           <a:p>
-            <a:endParaRPr/>
+            <a:pPr/>
           </a:p>
         </p:txBody>
       </p:sp>
@@ -12949,7 +13468,7 @@
           <a:bodyPr lIns="50800" tIns="50800" rIns="50800" bIns="50800" anchor="ctr"/>
           <a:lstStyle/>
           <a:p>
-            <a:endParaRPr/>
+            <a:pPr/>
           </a:p>
         </p:txBody>
       </p:sp>
@@ -12978,7 +13497,7 @@
           <a:bodyPr lIns="50800" tIns="50800" rIns="50800" bIns="50800" anchor="ctr"/>
           <a:lstStyle/>
           <a:p>
-            <a:endParaRPr/>
+            <a:pPr/>
           </a:p>
         </p:txBody>
       </p:sp>
@@ -13007,7 +13526,7 @@
           <a:bodyPr lIns="50800" tIns="50800" rIns="50800" bIns="50800" anchor="ctr"/>
           <a:lstStyle/>
           <a:p>
-            <a:endParaRPr/>
+            <a:pPr/>
           </a:p>
         </p:txBody>
       </p:sp>
@@ -13036,7 +13555,7 @@
           <a:bodyPr lIns="50800" tIns="50800" rIns="50800" bIns="50800" anchor="ctr"/>
           <a:lstStyle/>
           <a:p>
-            <a:endParaRPr/>
+            <a:pPr/>
           </a:p>
         </p:txBody>
       </p:sp>
@@ -13065,7 +13584,7 @@
           <a:bodyPr lIns="50800" tIns="50800" rIns="50800" bIns="50800" anchor="ctr"/>
           <a:lstStyle/>
           <a:p>
-            <a:endParaRPr/>
+            <a:pPr/>
           </a:p>
         </p:txBody>
       </p:sp>
@@ -13094,7 +13613,7 @@
           <a:bodyPr lIns="50800" tIns="50800" rIns="50800" bIns="50800" anchor="ctr"/>
           <a:lstStyle/>
           <a:p>
-            <a:endParaRPr/>
+            <a:pPr/>
           </a:p>
         </p:txBody>
       </p:sp>
@@ -13123,7 +13642,7 @@
           <a:bodyPr lIns="50800" tIns="50800" rIns="50800" bIns="50800" anchor="ctr"/>
           <a:lstStyle/>
           <a:p>
-            <a:endParaRPr/>
+            <a:pPr/>
           </a:p>
         </p:txBody>
       </p:sp>
@@ -13152,7 +13671,7 @@
           <a:bodyPr lIns="50800" tIns="50800" rIns="50800" bIns="50800" anchor="ctr"/>
           <a:lstStyle/>
           <a:p>
-            <a:endParaRPr/>
+            <a:pPr/>
           </a:p>
         </p:txBody>
       </p:sp>
@@ -13181,7 +13700,7 @@
           <a:bodyPr lIns="50800" tIns="50800" rIns="50800" bIns="50800" anchor="ctr"/>
           <a:lstStyle/>
           <a:p>
-            <a:endParaRPr/>
+            <a:pPr/>
           </a:p>
         </p:txBody>
       </p:sp>
@@ -13210,7 +13729,7 @@
           <a:bodyPr lIns="50800" tIns="50800" rIns="50800" bIns="50800" anchor="ctr"/>
           <a:lstStyle/>
           <a:p>
-            <a:endParaRPr/>
+            <a:pPr/>
           </a:p>
         </p:txBody>
       </p:sp>
@@ -13239,7 +13758,7 @@
           <a:bodyPr lIns="50800" tIns="50800" rIns="50800" bIns="50800" anchor="ctr"/>
           <a:lstStyle/>
           <a:p>
-            <a:endParaRPr/>
+            <a:pPr/>
           </a:p>
         </p:txBody>
       </p:sp>
@@ -13268,7 +13787,7 @@
           <a:bodyPr lIns="50800" tIns="50800" rIns="50800" bIns="50800" anchor="ctr"/>
           <a:lstStyle/>
           <a:p>
-            <a:endParaRPr/>
+            <a:pPr/>
           </a:p>
         </p:txBody>
       </p:sp>
@@ -13297,7 +13816,7 @@
           <a:bodyPr lIns="50800" tIns="50800" rIns="50800" bIns="50800" anchor="ctr"/>
           <a:lstStyle/>
           <a:p>
-            <a:endParaRPr/>
+            <a:pPr/>
           </a:p>
         </p:txBody>
       </p:sp>
@@ -13326,7 +13845,7 @@
           <a:bodyPr lIns="50800" tIns="50800" rIns="50800" bIns="50800" anchor="ctr"/>
           <a:lstStyle/>
           <a:p>
-            <a:endParaRPr/>
+            <a:pPr/>
           </a:p>
         </p:txBody>
       </p:sp>
@@ -13355,7 +13874,7 @@
           <a:bodyPr lIns="50800" tIns="50800" rIns="50800" bIns="50800" anchor="ctr"/>
           <a:lstStyle/>
           <a:p>
-            <a:endParaRPr/>
+            <a:pPr/>
           </a:p>
         </p:txBody>
       </p:sp>
@@ -13384,7 +13903,7 @@
           <a:bodyPr lIns="50800" tIns="50800" rIns="50800" bIns="50800" anchor="ctr"/>
           <a:lstStyle/>
           <a:p>
-            <a:endParaRPr/>
+            <a:pPr/>
           </a:p>
         </p:txBody>
       </p:sp>
@@ -13413,7 +13932,7 @@
           <a:bodyPr lIns="50800" tIns="50800" rIns="50800" bIns="50800" anchor="ctr"/>
           <a:lstStyle/>
           <a:p>
-            <a:endParaRPr/>
+            <a:pPr/>
           </a:p>
         </p:txBody>
       </p:sp>
@@ -13442,7 +13961,7 @@
           <a:bodyPr lIns="50800" tIns="50800" rIns="50800" bIns="50800" anchor="ctr"/>
           <a:lstStyle/>
           <a:p>
-            <a:endParaRPr/>
+            <a:pPr/>
           </a:p>
         </p:txBody>
       </p:sp>
@@ -13471,7 +13990,7 @@
           <a:bodyPr lIns="50800" tIns="50800" rIns="50800" bIns="50800" anchor="ctr"/>
           <a:lstStyle/>
           <a:p>
-            <a:endParaRPr/>
+            <a:pPr/>
           </a:p>
         </p:txBody>
       </p:sp>
@@ -13500,7 +14019,7 @@
           <a:bodyPr lIns="50800" tIns="50800" rIns="50800" bIns="50800" anchor="ctr"/>
           <a:lstStyle/>
           <a:p>
-            <a:endParaRPr/>
+            <a:pPr/>
           </a:p>
         </p:txBody>
       </p:sp>
@@ -13529,7 +14048,7 @@
           <a:bodyPr lIns="50800" tIns="50800" rIns="50800" bIns="50800" anchor="ctr"/>
           <a:lstStyle/>
           <a:p>
-            <a:endParaRPr/>
+            <a:pPr/>
           </a:p>
         </p:txBody>
       </p:sp>
@@ -13558,7 +14077,7 @@
           <a:bodyPr lIns="50800" tIns="50800" rIns="50800" bIns="50800" anchor="ctr"/>
           <a:lstStyle/>
           <a:p>
-            <a:endParaRPr/>
+            <a:pPr/>
           </a:p>
         </p:txBody>
       </p:sp>
@@ -13587,7 +14106,7 @@
           <a:bodyPr lIns="50800" tIns="50800" rIns="50800" bIns="50800" anchor="ctr"/>
           <a:lstStyle/>
           <a:p>
-            <a:endParaRPr/>
+            <a:pPr/>
           </a:p>
         </p:txBody>
       </p:sp>
@@ -13616,7 +14135,7 @@
           <a:bodyPr lIns="50800" tIns="50800" rIns="50800" bIns="50800" anchor="ctr"/>
           <a:lstStyle/>
           <a:p>
-            <a:endParaRPr/>
+            <a:pPr/>
           </a:p>
         </p:txBody>
       </p:sp>
@@ -13625,12 +14144,23 @@
   <p:clrMapOvr>
     <a:masterClrMapping/>
   </p:clrMapOvr>
-  <p:transition spd="med"/>
+  <mc:AlternateContent xmlns:mc="http://schemas.openxmlformats.org/markup-compatibility/2006">
+    <mc:Choice xmlns:p14="http://schemas.microsoft.com/office/powerpoint/2010/main" Requires="p14">
+      <p:transition spd="slow" advClick="1" p14:dur="1500">
+        <p:push dir="l"/>
+      </p:transition>
+    </mc:Choice>
+    <mc:Fallback>
+      <p:transition spd="slow">
+        <p:fade/>
+      </p:transition>
+    </mc:Fallback>
+  </mc:AlternateContent>
 </p:sld>
 </file>
 
 <file path=ppt/slides/slide8.xml><?xml version="1.0" encoding="utf-8"?>
-<p:sld xmlns:a="http://schemas.openxmlformats.org/drawingml/2006/main" xmlns:r="http://schemas.openxmlformats.org/officeDocument/2006/relationships" xmlns:p="http://schemas.openxmlformats.org/presentationml/2006/main">
+<p:sld xmlns:a="http://schemas.openxmlformats.org/drawingml/2006/main" xmlns:r="http://schemas.openxmlformats.org/officeDocument/2006/relationships" xmlns:p="http://schemas.openxmlformats.org/presentationml/2006/main" xmlns:m="http://schemas.openxmlformats.org/officeDocument/2006/math" xmlns:a14="http://schemas.microsoft.com/office/drawing/2010/main" showMasterSp="1" showMasterPhAnim="1">
   <p:cSld>
     <p:spTree>
       <p:nvGrpSpPr>
@@ -13649,9 +14179,7 @@
       <p:sp>
         <p:nvSpPr>
           <p:cNvPr id="382" name="Tâche personnelle"/>
-          <p:cNvSpPr txBox="1">
-            <a:spLocks noGrp="1"/>
-          </p:cNvSpPr>
+          <p:cNvSpPr txBox="1"/>
           <p:nvPr>
             <p:ph type="title" idx="4294967295"/>
           </p:nvPr>
@@ -13659,31 +14187,20 @@
         <p:spPr>
           <a:xfrm>
             <a:off x="596900" y="406400"/>
-            <a:ext cx="14095430" cy="1435100"/>
-          </a:xfrm>
-          <a:prstGeom prst="rect">
-            <a:avLst/>
-          </a:prstGeom>
-        </p:spPr>
-        <p:txBody>
-          <a:bodyPr>
-            <a:normAutofit/>
-          </a:bodyPr>
+            <a:ext cx="10477500" cy="1435100"/>
+          </a:xfrm>
+          <a:prstGeom prst="rect">
+            <a:avLst/>
+          </a:prstGeom>
+        </p:spPr>
+        <p:txBody>
+          <a:bodyPr/>
           <a:lstStyle/>
           <a:p>
-            <a:r>
-              <a:rPr/>
-              <a:t>Tâche </a:t>
-            </a:r>
-            <a:r>
-              <a:rPr smtClean="0"/>
-              <a:t>personnelle</a:t>
-            </a:r>
-            <a:r>
-              <a:rPr lang="fr-FR" dirty="0" smtClean="0"/>
-              <a:t> (Rashmi)</a:t>
-            </a:r>
-            <a:endParaRPr/>
+            <a:pPr/>
+            <a:r>
+              <a:t>Tâche personnelle</a:t>
+            </a:r>
           </a:p>
         </p:txBody>
       </p:sp>
@@ -13695,7 +14212,7 @@
         </p:nvSpPr>
         <p:spPr>
           <a:xfrm>
-            <a:off x="1478686" y="2817317"/>
+            <a:off x="13289686" y="302717"/>
             <a:ext cx="7532828" cy="1197966"/>
           </a:xfrm>
           <a:prstGeom prst="rect">
@@ -13706,7 +14223,7 @@
           </a:ln>
           <a:extLst>
             <a:ext uri="{C572A759-6A51-4108-AA02-DFA0A04FC94B}">
-              <ma14:wrappingTextBoxFlag xmlns:ma14="http://schemas.microsoft.com/office/mac/drawingml/2011/main" xmlns:a14="http://schemas.microsoft.com/office/drawing/2010/main" xmlns:m="http://schemas.openxmlformats.org/officeDocument/2006/math" xmlns="" val="1"/>
+              <ma14:wrappingTextBoxFlag xmlns:ma14="http://schemas.microsoft.com/office/mac/drawingml/2011/main" val="1"/>
             </a:ext>
           </a:extLst>
         </p:spPr>
@@ -13716,19 +14233,182 @@
           </a:bodyPr>
           <a:lstStyle/>
           <a:p>
+            <a:pPr/>
             <a:r>
               <a:t>Etude protocole engine de cirpark</a:t>
             </a:r>
           </a:p>
           <a:p>
+            <a:pPr/>
             <a:r>
               <a:t>Lecture des trames émises sur Serial Port Monitor</a:t>
             </a:r>
           </a:p>
           <a:p>
+            <a:pPr/>
             <a:r>
               <a:t>Création application permettant de simuler le capteur  </a:t>
             </a:r>
+          </a:p>
+        </p:txBody>
+      </p:sp>
+      <p:pic>
+        <p:nvPicPr>
+          <p:cNvPr id="384" name="Image" descr="Image"/>
+          <p:cNvPicPr>
+            <a:picLocks noChangeAspect="1"/>
+          </p:cNvPicPr>
+          <p:nvPr/>
+        </p:nvPicPr>
+        <p:blipFill>
+          <a:blip r:embed="rId2">
+            <a:extLst/>
+          </a:blip>
+          <a:stretch>
+            <a:fillRect/>
+          </a:stretch>
+        </p:blipFill>
+        <p:spPr>
+          <a:xfrm>
+            <a:off x="596900" y="2171700"/>
+            <a:ext cx="7607300" cy="2896626"/>
+          </a:xfrm>
+          <a:prstGeom prst="rect">
+            <a:avLst/>
+          </a:prstGeom>
+          <a:ln w="12700">
+            <a:miter lim="400000"/>
+          </a:ln>
+        </p:spPr>
+      </p:pic>
+      <p:pic>
+        <p:nvPicPr>
+          <p:cNvPr id="385" name="Image" descr="Image"/>
+          <p:cNvPicPr>
+            <a:picLocks noChangeAspect="1"/>
+          </p:cNvPicPr>
+          <p:nvPr/>
+        </p:nvPicPr>
+        <p:blipFill>
+          <a:blip r:embed="rId3">
+            <a:extLst/>
+          </a:blip>
+          <a:stretch>
+            <a:fillRect/>
+          </a:stretch>
+        </p:blipFill>
+        <p:spPr>
+          <a:xfrm>
+            <a:off x="7239000" y="3746500"/>
+            <a:ext cx="1930400" cy="1930400"/>
+          </a:xfrm>
+          <a:prstGeom prst="rect">
+            <a:avLst/>
+          </a:prstGeom>
+          <a:ln w="12700">
+            <a:miter lim="400000"/>
+          </a:ln>
+        </p:spPr>
+      </p:pic>
+      <p:pic>
+        <p:nvPicPr>
+          <p:cNvPr id="386" name="Image" descr="Image"/>
+          <p:cNvPicPr>
+            <a:picLocks noChangeAspect="1"/>
+          </p:cNvPicPr>
+          <p:nvPr/>
+        </p:nvPicPr>
+        <p:blipFill>
+          <a:blip r:embed="rId4">
+            <a:extLst/>
+          </a:blip>
+          <a:stretch>
+            <a:fillRect/>
+          </a:stretch>
+        </p:blipFill>
+        <p:spPr>
+          <a:xfrm>
+            <a:off x="10655300" y="5981700"/>
+            <a:ext cx="6096000" cy="6705600"/>
+          </a:xfrm>
+          <a:prstGeom prst="rect">
+            <a:avLst/>
+          </a:prstGeom>
+          <a:ln w="12700">
+            <a:miter lim="400000"/>
+          </a:ln>
+        </p:spPr>
+      </p:pic>
+      <p:sp>
+        <p:nvSpPr>
+          <p:cNvPr id="387" name="Line"/>
+          <p:cNvSpPr/>
+          <p:nvPr/>
+        </p:nvSpPr>
+        <p:spPr>
+          <a:xfrm flipV="1">
+            <a:off x="16736403" y="9375735"/>
+            <a:ext cx="1092259" cy="5810"/>
+          </a:xfrm>
+          <a:prstGeom prst="line">
+            <a:avLst/>
+          </a:prstGeom>
+          <a:ln w="25400">
+            <a:solidFill>
+              <a:srgbClr val="000000"/>
+            </a:solidFill>
+            <a:miter lim="400000"/>
+            <a:tailEnd type="stealth"/>
+          </a:ln>
+        </p:spPr>
+        <p:txBody>
+          <a:bodyPr lIns="50800" tIns="50800" rIns="50800" bIns="50800" anchor="ctr"/>
+          <a:lstStyle/>
+          <a:p>
+            <a:pPr/>
+          </a:p>
+        </p:txBody>
+      </p:sp>
+      <p:sp>
+        <p:nvSpPr>
+          <p:cNvPr id="388" name="Rectangle"/>
+          <p:cNvSpPr/>
+          <p:nvPr/>
+        </p:nvSpPr>
+        <p:spPr>
+          <a:xfrm>
+            <a:off x="17907000" y="11506200"/>
+            <a:ext cx="1562100" cy="939800"/>
+          </a:xfrm>
+          <a:prstGeom prst="rect">
+            <a:avLst/>
+          </a:prstGeom>
+          <a:ln w="50800">
+            <a:solidFill>
+              <a:schemeClr val="accent5">
+                <a:hueOff val="-82419"/>
+                <a:satOff val="-9513"/>
+                <a:lumOff val="-16343"/>
+              </a:schemeClr>
+            </a:solidFill>
+            <a:miter lim="400000"/>
+          </a:ln>
+        </p:spPr>
+        <p:txBody>
+          <a:bodyPr lIns="50800" tIns="50800" rIns="50800" bIns="50800" anchor="ctr"/>
+          <a:lstStyle/>
+          <a:p>
+            <a:pPr defTabSz="825500">
+              <a:defRPr sz="3200">
+                <a:solidFill>
+                  <a:srgbClr val="FFFFFF"/>
+                </a:solidFill>
+                <a:latin typeface="Helvetica Neue Medium"/>
+                <a:ea typeface="Helvetica Neue Medium"/>
+                <a:cs typeface="Helvetica Neue Medium"/>
+                <a:sym typeface="Helvetica Neue Medium"/>
+              </a:defRPr>
+            </a:pPr>
           </a:p>
         </p:txBody>
       </p:sp>
@@ -13737,12 +14417,23 @@
   <p:clrMapOvr>
     <a:masterClrMapping/>
   </p:clrMapOvr>
-  <p:transition spd="med"/>
+  <mc:AlternateContent xmlns:mc="http://schemas.openxmlformats.org/markup-compatibility/2006">
+    <mc:Choice xmlns:p14="http://schemas.microsoft.com/office/powerpoint/2010/main" Requires="p14">
+      <p:transition spd="slow" advClick="1" p14:dur="1500">
+        <p:push dir="l"/>
+      </p:transition>
+    </mc:Choice>
+    <mc:Fallback>
+      <p:transition spd="slow">
+        <p:fade/>
+      </p:transition>
+    </mc:Fallback>
+  </mc:AlternateContent>
 </p:sld>
 </file>
 
 <file path=ppt/slides/slide9.xml><?xml version="1.0" encoding="utf-8"?>
-<p:sld xmlns:a="http://schemas.openxmlformats.org/drawingml/2006/main" xmlns:r="http://schemas.openxmlformats.org/officeDocument/2006/relationships" xmlns:p="http://schemas.openxmlformats.org/presentationml/2006/main">
+<p:sld xmlns:a="http://schemas.openxmlformats.org/drawingml/2006/main" xmlns:r="http://schemas.openxmlformats.org/officeDocument/2006/relationships" xmlns:p="http://schemas.openxmlformats.org/presentationml/2006/main" xmlns:m="http://schemas.openxmlformats.org/officeDocument/2006/math" xmlns:a14="http://schemas.microsoft.com/office/drawing/2010/main" showMasterSp="1" showMasterPhAnim="1">
   <p:cSld>
     <p:spTree>
       <p:nvGrpSpPr>
@@ -13760,10 +14451,8 @@
       </p:grpSpPr>
       <p:sp>
         <p:nvSpPr>
-          <p:cNvPr id="385" name="Partie Physique"/>
-          <p:cNvSpPr txBox="1">
-            <a:spLocks noGrp="1"/>
-          </p:cNvSpPr>
+          <p:cNvPr id="390" name="Partie Physique"/>
+          <p:cNvSpPr txBox="1"/>
           <p:nvPr>
             <p:ph type="title" idx="4294967295"/>
           </p:nvPr>
@@ -13781,6 +14470,7 @@
           <a:bodyPr/>
           <a:lstStyle/>
           <a:p>
+            <a:pPr/>
             <a:r>
               <a:t>Partie Physique</a:t>
             </a:r>
@@ -13789,7 +14479,7 @@
       </p:sp>
       <p:sp>
         <p:nvSpPr>
-          <p:cNvPr id="386" name="Décodage des trames du capteur"/>
+          <p:cNvPr id="391" name="Décodage des trames du capteur"/>
           <p:cNvSpPr txBox="1"/>
           <p:nvPr/>
         </p:nvSpPr>
@@ -13806,7 +14496,7 @@
           </a:ln>
           <a:extLst>
             <a:ext uri="{C572A759-6A51-4108-AA02-DFA0A04FC94B}">
-              <ma14:wrappingTextBoxFlag xmlns:ma14="http://schemas.microsoft.com/office/mac/drawingml/2011/main" xmlns:a14="http://schemas.microsoft.com/office/drawing/2010/main" xmlns:m="http://schemas.openxmlformats.org/officeDocument/2006/math" xmlns="" val="1"/>
+              <ma14:wrappingTextBoxFlag xmlns:ma14="http://schemas.microsoft.com/office/mac/drawingml/2011/main" val="1"/>
             </a:ext>
           </a:extLst>
         </p:spPr>
@@ -13816,7 +14506,7 @@
           </a:bodyPr>
           <a:lstStyle>
             <a:lvl1pPr algn="l" defTabSz="825500">
-              <a:defRPr sz="5500" b="1">
+              <a:defRPr b="1" sz="5500">
                 <a:solidFill>
                   <a:schemeClr val="accent1"/>
                 </a:solidFill>
@@ -13824,6 +14514,7 @@
             </a:lvl1pPr>
           </a:lstStyle>
           <a:p>
+            <a:pPr/>
             <a:r>
               <a:t>Décodage des trames du capteur </a:t>
             </a:r>
@@ -13832,13 +14523,13 @@
       </p:sp>
       <p:sp>
         <p:nvSpPr>
-          <p:cNvPr id="387" name="Caractéristique du protocole de communication des capteurs…"/>
+          <p:cNvPr id="392" name="Caractéristique du protocole de communication des capteurs…"/>
           <p:cNvSpPr txBox="1"/>
           <p:nvPr/>
         </p:nvSpPr>
         <p:spPr>
           <a:xfrm>
-            <a:off x="3029407" y="4042867"/>
+            <a:off x="13291007" y="156667"/>
             <a:ext cx="9790786" cy="2302866"/>
           </a:xfrm>
           <a:prstGeom prst="rect">
@@ -13849,7 +14540,7 @@
           </a:ln>
           <a:extLst>
             <a:ext uri="{C572A759-6A51-4108-AA02-DFA0A04FC94B}">
-              <ma14:wrappingTextBoxFlag xmlns:ma14="http://schemas.microsoft.com/office/mac/drawingml/2011/main" xmlns:a14="http://schemas.microsoft.com/office/drawing/2010/main" xmlns:m="http://schemas.openxmlformats.org/officeDocument/2006/math" xmlns="" val="1"/>
+              <ma14:wrappingTextBoxFlag xmlns:ma14="http://schemas.microsoft.com/office/mac/drawingml/2011/main" val="1"/>
             </a:ext>
           </a:extLst>
         </p:spPr>
@@ -13859,31 +14550,1007 @@
           </a:bodyPr>
           <a:lstStyle/>
           <a:p>
+            <a:pPr/>
             <a:r>
               <a:t>Caractéristique du protocole de communication des capteurs</a:t>
             </a:r>
           </a:p>
           <a:p>
+            <a:pPr/>
             <a:r>
               <a:t>Créer un protocole de mesure de la trame</a:t>
             </a:r>
           </a:p>
           <a:p>
-            <a:endParaRPr/>
-          </a:p>
-          <a:p>
+            <a:pPr/>
+          </a:p>
+          <a:p>
+            <a:pPr/>
             <a:r>
               <a:t>Activités :</a:t>
             </a:r>
           </a:p>
           <a:p>
+            <a:pPr/>
             <a:r>
               <a:t>Visualiser les trames , vérifier le débit, la durée de la trame</a:t>
             </a:r>
           </a:p>
           <a:p>
+            <a:pPr/>
             <a:r>
               <a:t>D'après le protocole,décoder la trame et faire un lien avec vos mesures</a:t>
+            </a:r>
+          </a:p>
+        </p:txBody>
+      </p:sp>
+      <p:pic>
+        <p:nvPicPr>
+          <p:cNvPr id="393" name="Image" descr="Image"/>
+          <p:cNvPicPr>
+            <a:picLocks noChangeAspect="1"/>
+          </p:cNvPicPr>
+          <p:nvPr/>
+        </p:nvPicPr>
+        <p:blipFill>
+          <a:blip r:embed="rId2">
+            <a:extLst/>
+          </a:blip>
+          <a:stretch>
+            <a:fillRect/>
+          </a:stretch>
+        </p:blipFill>
+        <p:spPr>
+          <a:xfrm rot="16200000">
+            <a:off x="3281362" y="1900237"/>
+            <a:ext cx="5133976" cy="6845301"/>
+          </a:xfrm>
+          <a:prstGeom prst="rect">
+            <a:avLst/>
+          </a:prstGeom>
+          <a:ln w="12700">
+            <a:miter lim="400000"/>
+          </a:ln>
+        </p:spPr>
+      </p:pic>
+      <p:pic>
+        <p:nvPicPr>
+          <p:cNvPr id="394" name="Image" descr="Image"/>
+          <p:cNvPicPr>
+            <a:picLocks noChangeAspect="1"/>
+          </p:cNvPicPr>
+          <p:nvPr/>
+        </p:nvPicPr>
+        <p:blipFill>
+          <a:blip r:embed="rId3">
+            <a:extLst/>
+          </a:blip>
+          <a:stretch>
+            <a:fillRect/>
+          </a:stretch>
+        </p:blipFill>
+        <p:spPr>
+          <a:xfrm rot="16200000">
+            <a:off x="3281362" y="7138987"/>
+            <a:ext cx="5133976" cy="6845301"/>
+          </a:xfrm>
+          <a:prstGeom prst="rect">
+            <a:avLst/>
+          </a:prstGeom>
+          <a:ln w="12700">
+            <a:miter lim="400000"/>
+          </a:ln>
+        </p:spPr>
+      </p:pic>
+      <p:sp>
+        <p:nvSpPr>
+          <p:cNvPr id="395" name="Rounded Rectangle"/>
+          <p:cNvSpPr/>
+          <p:nvPr/>
+        </p:nvSpPr>
+        <p:spPr>
+          <a:xfrm>
+            <a:off x="10337800" y="6705600"/>
+            <a:ext cx="6705600" cy="2362200"/>
+          </a:xfrm>
+          <a:prstGeom prst="roundRect">
+            <a:avLst>
+              <a:gd name="adj" fmla="val 8065"/>
+            </a:avLst>
+          </a:prstGeom>
+          <a:solidFill>
+            <a:srgbClr val="000000"/>
+          </a:solidFill>
+          <a:ln w="38100">
+            <a:solidFill>
+              <a:srgbClr val="929292"/>
+            </a:solidFill>
+            <a:miter lim="400000"/>
+          </a:ln>
+        </p:spPr>
+        <p:txBody>
+          <a:bodyPr lIns="50800" tIns="50800" rIns="50800" bIns="50800" anchor="ctr"/>
+          <a:lstStyle/>
+          <a:p>
+            <a:pPr defTabSz="825500">
+              <a:defRPr sz="3200">
+                <a:solidFill>
+                  <a:srgbClr val="FFFFFF"/>
+                </a:solidFill>
+                <a:latin typeface="Helvetica Neue Medium"/>
+                <a:ea typeface="Helvetica Neue Medium"/>
+                <a:cs typeface="Helvetica Neue Medium"/>
+                <a:sym typeface="Helvetica Neue Medium"/>
+              </a:defRPr>
+            </a:pPr>
+          </a:p>
+        </p:txBody>
+      </p:sp>
+      <p:sp>
+        <p:nvSpPr>
+          <p:cNvPr id="396" name="Rounded Rectangle"/>
+          <p:cNvSpPr/>
+          <p:nvPr/>
+        </p:nvSpPr>
+        <p:spPr>
+          <a:xfrm>
+            <a:off x="10502900" y="7150100"/>
+            <a:ext cx="6375400" cy="1727200"/>
+          </a:xfrm>
+          <a:prstGeom prst="roundRect">
+            <a:avLst>
+              <a:gd name="adj" fmla="val 11029"/>
+            </a:avLst>
+          </a:prstGeom>
+          <a:ln w="38100">
+            <a:solidFill>
+              <a:srgbClr val="929292"/>
+            </a:solidFill>
+            <a:miter lim="400000"/>
+          </a:ln>
+        </p:spPr>
+        <p:txBody>
+          <a:bodyPr lIns="50800" tIns="50800" rIns="50800" bIns="50800" anchor="ctr"/>
+          <a:lstStyle/>
+          <a:p>
+            <a:pPr defTabSz="825500">
+              <a:defRPr sz="3200">
+                <a:solidFill>
+                  <a:srgbClr val="FFFFFF"/>
+                </a:solidFill>
+                <a:latin typeface="Helvetica Neue Medium"/>
+                <a:ea typeface="Helvetica Neue Medium"/>
+                <a:cs typeface="Helvetica Neue Medium"/>
+                <a:sym typeface="Helvetica Neue Medium"/>
+              </a:defRPr>
+            </a:pPr>
+          </a:p>
+        </p:txBody>
+      </p:sp>
+      <p:sp>
+        <p:nvSpPr>
+          <p:cNvPr id="397" name="Oval"/>
+          <p:cNvSpPr/>
+          <p:nvPr/>
+        </p:nvSpPr>
+        <p:spPr>
+          <a:xfrm>
+            <a:off x="10591800" y="6858000"/>
+            <a:ext cx="152400" cy="127000"/>
+          </a:xfrm>
+          <a:prstGeom prst="ellipse">
+            <a:avLst/>
+          </a:prstGeom>
+          <a:solidFill>
+            <a:srgbClr val="ED220D"/>
+          </a:solidFill>
+          <a:ln w="12700">
+            <a:miter lim="400000"/>
+          </a:ln>
+        </p:spPr>
+        <p:txBody>
+          <a:bodyPr lIns="50800" tIns="50800" rIns="50800" bIns="50800" anchor="ctr"/>
+          <a:lstStyle/>
+          <a:p>
+            <a:pPr defTabSz="825500">
+              <a:defRPr sz="3200">
+                <a:solidFill>
+                  <a:srgbClr val="FFFFFF"/>
+                </a:solidFill>
+                <a:latin typeface="Helvetica Neue Medium"/>
+                <a:ea typeface="Helvetica Neue Medium"/>
+                <a:cs typeface="Helvetica Neue Medium"/>
+                <a:sym typeface="Helvetica Neue Medium"/>
+              </a:defRPr>
+            </a:pPr>
+          </a:p>
+        </p:txBody>
+      </p:sp>
+      <p:sp>
+        <p:nvSpPr>
+          <p:cNvPr id="398" name="Oval"/>
+          <p:cNvSpPr/>
+          <p:nvPr/>
+        </p:nvSpPr>
+        <p:spPr>
+          <a:xfrm>
+            <a:off x="10871200" y="6858000"/>
+            <a:ext cx="152400" cy="127000"/>
+          </a:xfrm>
+          <a:prstGeom prst="ellipse">
+            <a:avLst/>
+          </a:prstGeom>
+          <a:solidFill>
+            <a:schemeClr val="accent4">
+              <a:hueOff val="-476017"/>
+              <a:lumOff val="-10042"/>
+            </a:schemeClr>
+          </a:solidFill>
+          <a:ln w="12700">
+            <a:miter lim="400000"/>
+          </a:ln>
+        </p:spPr>
+        <p:txBody>
+          <a:bodyPr lIns="50800" tIns="50800" rIns="50800" bIns="50800" anchor="ctr"/>
+          <a:lstStyle/>
+          <a:p>
+            <a:pPr defTabSz="825500">
+              <a:defRPr sz="3200">
+                <a:solidFill>
+                  <a:srgbClr val="000000"/>
+                </a:solidFill>
+                <a:latin typeface="Helvetica Neue Medium"/>
+                <a:ea typeface="Helvetica Neue Medium"/>
+                <a:cs typeface="Helvetica Neue Medium"/>
+                <a:sym typeface="Helvetica Neue Medium"/>
+              </a:defRPr>
+            </a:pPr>
+          </a:p>
+        </p:txBody>
+      </p:sp>
+      <p:sp>
+        <p:nvSpPr>
+          <p:cNvPr id="399" name="Oval"/>
+          <p:cNvSpPr/>
+          <p:nvPr/>
+        </p:nvSpPr>
+        <p:spPr>
+          <a:xfrm>
+            <a:off x="11150600" y="6858000"/>
+            <a:ext cx="152400" cy="127000"/>
+          </a:xfrm>
+          <a:prstGeom prst="ellipse">
+            <a:avLst/>
+          </a:prstGeom>
+          <a:solidFill>
+            <a:srgbClr val="60D937"/>
+          </a:solidFill>
+          <a:ln w="12700">
+            <a:miter lim="400000"/>
+          </a:ln>
+        </p:spPr>
+        <p:txBody>
+          <a:bodyPr lIns="50800" tIns="50800" rIns="50800" bIns="50800" anchor="ctr"/>
+          <a:lstStyle/>
+          <a:p>
+            <a:pPr defTabSz="825500">
+              <a:defRPr sz="3200">
+                <a:solidFill>
+                  <a:srgbClr val="000000"/>
+                </a:solidFill>
+                <a:latin typeface="Helvetica Neue Medium"/>
+                <a:ea typeface="Helvetica Neue Medium"/>
+                <a:cs typeface="Helvetica Neue Medium"/>
+                <a:sym typeface="Helvetica Neue Medium"/>
+              </a:defRPr>
+            </a:pPr>
+          </a:p>
+        </p:txBody>
+      </p:sp>
+      <p:sp>
+        <p:nvSpPr>
+          <p:cNvPr id="400" name="1c 27 10 53 =&gt; 1c 27 01 bb"/>
+          <p:cNvSpPr txBox="1"/>
+          <p:nvPr/>
+        </p:nvSpPr>
+        <p:spPr>
+          <a:xfrm>
+            <a:off x="10668761" y="7359649"/>
+            <a:ext cx="5638801" cy="393701"/>
+          </a:xfrm>
+          <a:prstGeom prst="rect">
+            <a:avLst/>
+          </a:prstGeom>
+          <a:ln w="12700">
+            <a:miter lim="400000"/>
+          </a:ln>
+          <a:extLst>
+            <a:ext uri="{C572A759-6A51-4108-AA02-DFA0A04FC94B}">
+              <ma14:wrappingTextBoxFlag xmlns:ma14="http://schemas.microsoft.com/office/mac/drawingml/2011/main" val="1"/>
+            </a:ext>
+          </a:extLst>
+        </p:spPr>
+        <p:txBody>
+          <a:bodyPr lIns="50800" tIns="50800" rIns="50800" bIns="50800" anchor="ctr">
+            <a:spAutoFit/>
+          </a:bodyPr>
+          <a:lstStyle>
+            <a:lvl1pPr algn="l">
+              <a:defRPr sz="2000">
+                <a:solidFill>
+                  <a:srgbClr val="FFFFFF"/>
+                </a:solidFill>
+                <a:latin typeface="Courier New"/>
+                <a:ea typeface="Courier New"/>
+                <a:cs typeface="Courier New"/>
+                <a:sym typeface="Courier New"/>
+              </a:defRPr>
+            </a:lvl1pPr>
+          </a:lstStyle>
+          <a:p>
+            <a:pPr/>
+            <a:r>
+              <a:t>1c 27 10 53 =&gt; 1c 27 01 bb</a:t>
+            </a:r>
+          </a:p>
+        </p:txBody>
+      </p:sp>
+      <p:sp>
+        <p:nvSpPr>
+          <p:cNvPr id="401" name="1c 27 85 c8 =&gt; 1c 27 00 06 00 1d 96"/>
+          <p:cNvSpPr txBox="1"/>
+          <p:nvPr/>
+        </p:nvSpPr>
+        <p:spPr>
+          <a:xfrm>
+            <a:off x="10668000" y="8134349"/>
+            <a:ext cx="5638800" cy="393701"/>
+          </a:xfrm>
+          <a:prstGeom prst="rect">
+            <a:avLst/>
+          </a:prstGeom>
+          <a:ln w="12700">
+            <a:miter lim="400000"/>
+          </a:ln>
+          <a:extLst>
+            <a:ext uri="{C572A759-6A51-4108-AA02-DFA0A04FC94B}">
+              <ma14:wrappingTextBoxFlag xmlns:ma14="http://schemas.microsoft.com/office/mac/drawingml/2011/main" val="1"/>
+            </a:ext>
+          </a:extLst>
+        </p:spPr>
+        <p:txBody>
+          <a:bodyPr lIns="50800" tIns="50800" rIns="50800" bIns="50800" anchor="ctr">
+            <a:spAutoFit/>
+          </a:bodyPr>
+          <a:lstStyle>
+            <a:lvl1pPr algn="l">
+              <a:defRPr sz="2000">
+                <a:solidFill>
+                  <a:srgbClr val="FFFFFF"/>
+                </a:solidFill>
+                <a:latin typeface="Courier New"/>
+                <a:ea typeface="Courier New"/>
+                <a:cs typeface="Courier New"/>
+                <a:sym typeface="Courier New"/>
+              </a:defRPr>
+            </a:lvl1pPr>
+          </a:lstStyle>
+          <a:p>
+            <a:pPr/>
+            <a:r>
+              <a:t>1c 27 85 c8 =&gt; 1c 27 00 06 00 1d 96</a:t>
+            </a:r>
+          </a:p>
+        </p:txBody>
+      </p:sp>
+      <p:pic>
+        <p:nvPicPr>
+          <p:cNvPr id="402" name="Line Line" descr="Line Line"/>
+          <p:cNvPicPr>
+            <a:picLocks noChangeAspect="0"/>
+          </p:cNvPicPr>
+          <p:nvPr/>
+        </p:nvPicPr>
+        <p:blipFill>
+          <a:blip r:embed="rId4">
+            <a:extLst/>
+          </a:blip>
+          <a:stretch>
+            <a:fillRect/>
+          </a:stretch>
+        </p:blipFill>
+        <p:spPr>
+          <a:xfrm rot="21560052">
+            <a:off x="11583227" y="7706907"/>
+            <a:ext cx="419101" cy="76201"/>
+          </a:xfrm>
+          <a:prstGeom prst="rect">
+            <a:avLst/>
+          </a:prstGeom>
+        </p:spPr>
+      </p:pic>
+      <p:pic>
+        <p:nvPicPr>
+          <p:cNvPr id="404" name="Line Line" descr="Line Line"/>
+          <p:cNvPicPr>
+            <a:picLocks noChangeAspect="0"/>
+          </p:cNvPicPr>
+          <p:nvPr/>
+        </p:nvPicPr>
+        <p:blipFill>
+          <a:blip r:embed="rId5">
+            <a:extLst/>
+          </a:blip>
+          <a:stretch>
+            <a:fillRect/>
+          </a:stretch>
+        </p:blipFill>
+        <p:spPr>
+          <a:xfrm rot="16214275">
+            <a:off x="11210421" y="6603301"/>
+            <a:ext cx="1168475" cy="352235"/>
+          </a:xfrm>
+          <a:prstGeom prst="rect">
+            <a:avLst/>
+          </a:prstGeom>
+        </p:spPr>
+      </p:pic>
+      <p:pic>
+        <p:nvPicPr>
+          <p:cNvPr id="406" name="Image" descr="Image"/>
+          <p:cNvPicPr>
+            <a:picLocks noChangeAspect="1"/>
+          </p:cNvPicPr>
+          <p:nvPr/>
+        </p:nvPicPr>
+        <p:blipFill>
+          <a:blip r:embed="rId6">
+            <a:extLst/>
+          </a:blip>
+          <a:stretch>
+            <a:fillRect/>
+          </a:stretch>
+        </p:blipFill>
+        <p:spPr>
+          <a:xfrm>
+            <a:off x="9639300" y="2997200"/>
+            <a:ext cx="7704667" cy="2933700"/>
+          </a:xfrm>
+          <a:prstGeom prst="rect">
+            <a:avLst/>
+          </a:prstGeom>
+          <a:ln w="12700">
+            <a:miter lim="400000"/>
+          </a:ln>
+        </p:spPr>
+      </p:pic>
+      <p:pic>
+        <p:nvPicPr>
+          <p:cNvPr id="407" name="Line Line" descr="Line Line"/>
+          <p:cNvPicPr>
+            <a:picLocks noChangeAspect="0"/>
+          </p:cNvPicPr>
+          <p:nvPr/>
+        </p:nvPicPr>
+        <p:blipFill>
+          <a:blip r:embed="rId4">
+            <a:extLst/>
+          </a:blip>
+          <a:stretch>
+            <a:fillRect/>
+          </a:stretch>
+        </p:blipFill>
+        <p:spPr>
+          <a:xfrm rot="21560052">
+            <a:off x="11595099" y="8521699"/>
+            <a:ext cx="419102" cy="76201"/>
+          </a:xfrm>
+          <a:prstGeom prst="rect">
+            <a:avLst/>
+          </a:prstGeom>
+        </p:spPr>
+      </p:pic>
+      <p:pic>
+        <p:nvPicPr>
+          <p:cNvPr id="409" name="Line Line" descr="Line Line"/>
+          <p:cNvPicPr>
+            <a:picLocks noChangeAspect="0"/>
+          </p:cNvPicPr>
+          <p:nvPr/>
+        </p:nvPicPr>
+        <p:blipFill>
+          <a:blip r:embed="rId7">
+            <a:extLst/>
+          </a:blip>
+          <a:stretch>
+            <a:fillRect/>
+          </a:stretch>
+        </p:blipFill>
+        <p:spPr>
+          <a:xfrm rot="16214275">
+            <a:off x="11214350" y="9132984"/>
+            <a:ext cx="1168475" cy="352234"/>
+          </a:xfrm>
+          <a:prstGeom prst="rect">
+            <a:avLst/>
+          </a:prstGeom>
+        </p:spPr>
+      </p:pic>
+      <p:pic>
+        <p:nvPicPr>
+          <p:cNvPr id="411" name="Image" descr="Image"/>
+          <p:cNvPicPr>
+            <a:picLocks noChangeAspect="1"/>
+          </p:cNvPicPr>
+          <p:nvPr/>
+        </p:nvPicPr>
+        <p:blipFill>
+          <a:blip r:embed="rId8">
+            <a:extLst/>
+          </a:blip>
+          <a:stretch>
+            <a:fillRect/>
+          </a:stretch>
+        </p:blipFill>
+        <p:spPr>
+          <a:xfrm>
+            <a:off x="9643699" y="9893300"/>
+            <a:ext cx="7704501" cy="3062509"/>
+          </a:xfrm>
+          <a:prstGeom prst="rect">
+            <a:avLst/>
+          </a:prstGeom>
+          <a:ln w="12700">
+            <a:miter lim="400000"/>
+          </a:ln>
+        </p:spPr>
+      </p:pic>
+      <p:pic>
+        <p:nvPicPr>
+          <p:cNvPr id="412" name="Line Line" descr="Line Line"/>
+          <p:cNvPicPr>
+            <a:picLocks noChangeAspect="0"/>
+          </p:cNvPicPr>
+          <p:nvPr/>
+        </p:nvPicPr>
+        <p:blipFill>
+          <a:blip r:embed="rId9">
+            <a:extLst/>
+          </a:blip>
+          <a:stretch>
+            <a:fillRect/>
+          </a:stretch>
+        </p:blipFill>
+        <p:spPr>
+          <a:xfrm rot="3360562">
+            <a:off x="8800598" y="6601657"/>
+            <a:ext cx="2095541" cy="76201"/>
+          </a:xfrm>
+          <a:prstGeom prst="rect">
+            <a:avLst/>
+          </a:prstGeom>
+        </p:spPr>
+      </p:pic>
+      <p:pic>
+        <p:nvPicPr>
+          <p:cNvPr id="414" name="Line Line" descr="Line Line"/>
+          <p:cNvPicPr>
+            <a:picLocks noChangeAspect="0"/>
+          </p:cNvPicPr>
+          <p:nvPr/>
+        </p:nvPicPr>
+        <p:blipFill>
+          <a:blip r:embed="rId10">
+            <a:extLst/>
+          </a:blip>
+          <a:stretch>
+            <a:fillRect/>
+          </a:stretch>
+        </p:blipFill>
+        <p:spPr>
+          <a:xfrm rot="18195569">
+            <a:off x="8679651" y="9350734"/>
+            <a:ext cx="2286147" cy="76201"/>
+          </a:xfrm>
+          <a:prstGeom prst="rect">
+            <a:avLst/>
+          </a:prstGeom>
+        </p:spPr>
+      </p:pic>
+      <p:pic>
+        <p:nvPicPr>
+          <p:cNvPr id="416" name="Line Line" descr="Line Line"/>
+          <p:cNvPicPr>
+            <a:picLocks noChangeAspect="0"/>
+          </p:cNvPicPr>
+          <p:nvPr/>
+        </p:nvPicPr>
+        <p:blipFill>
+          <a:blip r:embed="rId11">
+            <a:extLst/>
+          </a:blip>
+          <a:stretch>
+            <a:fillRect/>
+          </a:stretch>
+        </p:blipFill>
+        <p:spPr>
+          <a:xfrm rot="21560052">
+            <a:off x="13906499" y="7708899"/>
+            <a:ext cx="419102" cy="76201"/>
+          </a:xfrm>
+          <a:prstGeom prst="rect">
+            <a:avLst/>
+          </a:prstGeom>
+        </p:spPr>
+      </p:pic>
+      <p:pic>
+        <p:nvPicPr>
+          <p:cNvPr id="418" name="Line Line" descr="Line Line"/>
+          <p:cNvPicPr>
+            <a:picLocks noChangeAspect="0"/>
+          </p:cNvPicPr>
+          <p:nvPr/>
+        </p:nvPicPr>
+        <p:blipFill>
+          <a:blip r:embed="rId12">
+            <a:extLst/>
+          </a:blip>
+          <a:stretch>
+            <a:fillRect/>
+          </a:stretch>
+        </p:blipFill>
+        <p:spPr>
+          <a:xfrm rot="16163925">
+            <a:off x="13581837" y="6819958"/>
+            <a:ext cx="1016001" cy="76201"/>
+          </a:xfrm>
+          <a:prstGeom prst="rect">
+            <a:avLst/>
+          </a:prstGeom>
+        </p:spPr>
+      </p:pic>
+      <p:pic>
+        <p:nvPicPr>
+          <p:cNvPr id="420" name="Line Line" descr="Line Line"/>
+          <p:cNvPicPr>
+            <a:picLocks noChangeAspect="0"/>
+          </p:cNvPicPr>
+          <p:nvPr/>
+        </p:nvPicPr>
+        <p:blipFill>
+          <a:blip r:embed="rId13">
+            <a:extLst/>
+          </a:blip>
+          <a:stretch>
+            <a:fillRect/>
+          </a:stretch>
+        </p:blipFill>
+        <p:spPr>
+          <a:xfrm rot="21581005">
+            <a:off x="14046073" y="6151776"/>
+            <a:ext cx="5143501" cy="352235"/>
+          </a:xfrm>
+          <a:prstGeom prst="rect">
+            <a:avLst/>
+          </a:prstGeom>
+        </p:spPr>
+      </p:pic>
+      <p:pic>
+        <p:nvPicPr>
+          <p:cNvPr id="422" name="Image" descr="Image"/>
+          <p:cNvPicPr>
+            <a:picLocks noChangeAspect="1"/>
+          </p:cNvPicPr>
+          <p:nvPr/>
+        </p:nvPicPr>
+        <p:blipFill>
+          <a:blip r:embed="rId14">
+            <a:extLst/>
+          </a:blip>
+          <a:stretch>
+            <a:fillRect/>
+          </a:stretch>
+        </p:blipFill>
+        <p:spPr>
+          <a:xfrm flipH="1" rot="10800000">
+            <a:off x="19507200" y="3581400"/>
+            <a:ext cx="2324100" cy="2324100"/>
+          </a:xfrm>
+          <a:prstGeom prst="rect">
+            <a:avLst/>
+          </a:prstGeom>
+          <a:ln w="12700">
+            <a:miter lim="400000"/>
+          </a:ln>
+        </p:spPr>
+      </p:pic>
+      <p:pic>
+        <p:nvPicPr>
+          <p:cNvPr id="423" name="Image" descr="Image"/>
+          <p:cNvPicPr>
+            <a:picLocks noChangeAspect="1"/>
+          </p:cNvPicPr>
+          <p:nvPr/>
+        </p:nvPicPr>
+        <p:blipFill>
+          <a:blip r:embed="rId14">
+            <a:extLst/>
+          </a:blip>
+          <a:stretch>
+            <a:fillRect/>
+          </a:stretch>
+        </p:blipFill>
+        <p:spPr>
+          <a:xfrm flipH="1" rot="10800000">
+            <a:off x="19507200" y="6565900"/>
+            <a:ext cx="2324100" cy="2324100"/>
+          </a:xfrm>
+          <a:prstGeom prst="rect">
+            <a:avLst/>
+          </a:prstGeom>
+          <a:ln w="12700">
+            <a:miter lim="400000"/>
+          </a:ln>
+        </p:spPr>
+      </p:pic>
+      <p:sp>
+        <p:nvSpPr>
+          <p:cNvPr id="424" name="Oval"/>
+          <p:cNvSpPr/>
+          <p:nvPr/>
+        </p:nvSpPr>
+        <p:spPr>
+          <a:xfrm>
+            <a:off x="20066000" y="3937000"/>
+            <a:ext cx="1219200" cy="812800"/>
+          </a:xfrm>
+          <a:prstGeom prst="ellipse">
+            <a:avLst/>
+          </a:prstGeom>
+          <a:solidFill>
+            <a:srgbClr val="ED220D"/>
+          </a:solidFill>
+          <a:ln w="12700">
+            <a:miter lim="400000"/>
+          </a:ln>
+        </p:spPr>
+        <p:txBody>
+          <a:bodyPr lIns="50800" tIns="50800" rIns="50800" bIns="50800" anchor="ctr"/>
+          <a:lstStyle/>
+          <a:p>
+            <a:pPr defTabSz="825500">
+              <a:defRPr sz="3200">
+                <a:solidFill>
+                  <a:srgbClr val="FFFFFF"/>
+                </a:solidFill>
+                <a:latin typeface="Helvetica Neue Medium"/>
+                <a:ea typeface="Helvetica Neue Medium"/>
+                <a:cs typeface="Helvetica Neue Medium"/>
+                <a:sym typeface="Helvetica Neue Medium"/>
+              </a:defRPr>
+            </a:pPr>
+          </a:p>
+        </p:txBody>
+      </p:sp>
+      <p:sp>
+        <p:nvSpPr>
+          <p:cNvPr id="425" name="Oval"/>
+          <p:cNvSpPr/>
+          <p:nvPr/>
+        </p:nvSpPr>
+        <p:spPr>
+          <a:xfrm>
+            <a:off x="20370800" y="4127500"/>
+            <a:ext cx="609600" cy="419100"/>
+          </a:xfrm>
+          <a:prstGeom prst="ellipse">
+            <a:avLst/>
+          </a:prstGeom>
+          <a:solidFill>
+            <a:srgbClr val="FFFFFF"/>
+          </a:solidFill>
+          <a:ln w="12700">
+            <a:miter lim="400000"/>
+          </a:ln>
+        </p:spPr>
+        <p:txBody>
+          <a:bodyPr lIns="50800" tIns="50800" rIns="50800" bIns="50800" anchor="ctr"/>
+          <a:lstStyle/>
+          <a:p>
+            <a:pPr defTabSz="825500">
+              <a:defRPr sz="3200">
+                <a:solidFill>
+                  <a:srgbClr val="FFFFFF"/>
+                </a:solidFill>
+                <a:latin typeface="Helvetica Neue Medium"/>
+                <a:ea typeface="Helvetica Neue Medium"/>
+                <a:cs typeface="Helvetica Neue Medium"/>
+                <a:sym typeface="Helvetica Neue Medium"/>
+              </a:defRPr>
+            </a:pPr>
+          </a:p>
+        </p:txBody>
+      </p:sp>
+      <p:sp>
+        <p:nvSpPr>
+          <p:cNvPr id="426" name="Oval"/>
+          <p:cNvSpPr/>
+          <p:nvPr/>
+        </p:nvSpPr>
+        <p:spPr>
+          <a:xfrm>
+            <a:off x="20053300" y="6921500"/>
+            <a:ext cx="1219200" cy="812800"/>
+          </a:xfrm>
+          <a:prstGeom prst="ellipse">
+            <a:avLst/>
+          </a:prstGeom>
+          <a:solidFill>
+            <a:schemeClr val="accent3">
+              <a:hueOff val="362282"/>
+              <a:satOff val="31803"/>
+              <a:lumOff val="-18242"/>
+            </a:schemeClr>
+          </a:solidFill>
+          <a:ln w="12700">
+            <a:miter lim="400000"/>
+          </a:ln>
+        </p:spPr>
+        <p:txBody>
+          <a:bodyPr lIns="50800" tIns="50800" rIns="50800" bIns="50800" anchor="ctr"/>
+          <a:lstStyle/>
+          <a:p>
+            <a:pPr defTabSz="825500">
+              <a:defRPr sz="3200">
+                <a:solidFill>
+                  <a:srgbClr val="FFFFFF"/>
+                </a:solidFill>
+                <a:latin typeface="Helvetica Neue Medium"/>
+                <a:ea typeface="Helvetica Neue Medium"/>
+                <a:cs typeface="Helvetica Neue Medium"/>
+                <a:sym typeface="Helvetica Neue Medium"/>
+              </a:defRPr>
+            </a:pPr>
+          </a:p>
+        </p:txBody>
+      </p:sp>
+      <p:sp>
+        <p:nvSpPr>
+          <p:cNvPr id="427" name="Oval"/>
+          <p:cNvSpPr/>
+          <p:nvPr/>
+        </p:nvSpPr>
+        <p:spPr>
+          <a:xfrm>
+            <a:off x="20358100" y="7124700"/>
+            <a:ext cx="609600" cy="419100"/>
+          </a:xfrm>
+          <a:prstGeom prst="ellipse">
+            <a:avLst/>
+          </a:prstGeom>
+          <a:solidFill>
+            <a:srgbClr val="FFFFFF"/>
+          </a:solidFill>
+          <a:ln w="12700">
+            <a:miter lim="400000"/>
+          </a:ln>
+        </p:spPr>
+        <p:txBody>
+          <a:bodyPr lIns="50800" tIns="50800" rIns="50800" bIns="50800" anchor="ctr"/>
+          <a:lstStyle/>
+          <a:p>
+            <a:pPr defTabSz="825500">
+              <a:defRPr sz="3200">
+                <a:solidFill>
+                  <a:srgbClr val="FFFFFF"/>
+                </a:solidFill>
+                <a:latin typeface="Helvetica Neue Medium"/>
+                <a:ea typeface="Helvetica Neue Medium"/>
+                <a:cs typeface="Helvetica Neue Medium"/>
+                <a:sym typeface="Helvetica Neue Medium"/>
+              </a:defRPr>
+            </a:pPr>
+          </a:p>
+        </p:txBody>
+      </p:sp>
+      <p:sp>
+        <p:nvSpPr>
+          <p:cNvPr id="428" name="01 : Occupée"/>
+          <p:cNvSpPr txBox="1"/>
+          <p:nvPr/>
+        </p:nvSpPr>
+        <p:spPr>
+          <a:xfrm>
+            <a:off x="19841845" y="5598033"/>
+            <a:ext cx="1667511" cy="411734"/>
+          </a:xfrm>
+          <a:prstGeom prst="rect">
+            <a:avLst/>
+          </a:prstGeom>
+          <a:solidFill>
+            <a:srgbClr val="ED220D"/>
+          </a:solidFill>
+          <a:ln w="12700">
+            <a:miter lim="400000"/>
+          </a:ln>
+          <a:extLst>
+            <a:ext uri="{C572A759-6A51-4108-AA02-DFA0A04FC94B}">
+              <ma14:wrappingTextBoxFlag xmlns:ma14="http://schemas.microsoft.com/office/mac/drawingml/2011/main" val="1"/>
+            </a:ext>
+          </a:extLst>
+        </p:spPr>
+        <p:txBody>
+          <a:bodyPr wrap="none" lIns="50800" tIns="50800" rIns="50800" bIns="50800" anchor="ctr">
+            <a:spAutoFit/>
+          </a:bodyPr>
+          <a:lstStyle>
+            <a:lvl1pPr defTabSz="825500">
+              <a:defRPr sz="2000">
+                <a:solidFill>
+                  <a:srgbClr val="FFFFFF"/>
+                </a:solidFill>
+                <a:latin typeface="Helvetica Neue Medium"/>
+                <a:ea typeface="Helvetica Neue Medium"/>
+                <a:cs typeface="Helvetica Neue Medium"/>
+                <a:sym typeface="Helvetica Neue Medium"/>
+              </a:defRPr>
+            </a:lvl1pPr>
+          </a:lstStyle>
+          <a:p>
+            <a:pPr/>
+            <a:r>
+              <a:t>01 : Occupée</a:t>
+            </a:r>
+          </a:p>
+        </p:txBody>
+      </p:sp>
+      <p:sp>
+        <p:nvSpPr>
+          <p:cNvPr id="429" name="00 : Libre"/>
+          <p:cNvSpPr txBox="1"/>
+          <p:nvPr/>
+        </p:nvSpPr>
+        <p:spPr>
+          <a:xfrm>
+            <a:off x="20026376" y="8582533"/>
+            <a:ext cx="1196849" cy="411734"/>
+          </a:xfrm>
+          <a:prstGeom prst="rect">
+            <a:avLst/>
+          </a:prstGeom>
+          <a:solidFill>
+            <a:srgbClr val="60D937"/>
+          </a:solidFill>
+          <a:ln w="12700">
+            <a:miter lim="400000"/>
+          </a:ln>
+          <a:extLst>
+            <a:ext uri="{C572A759-6A51-4108-AA02-DFA0A04FC94B}">
+              <ma14:wrappingTextBoxFlag xmlns:ma14="http://schemas.microsoft.com/office/mac/drawingml/2011/main" val="1"/>
+            </a:ext>
+          </a:extLst>
+        </p:spPr>
+        <p:txBody>
+          <a:bodyPr wrap="none" lIns="50800" tIns="50800" rIns="50800" bIns="50800" anchor="ctr">
+            <a:spAutoFit/>
+          </a:bodyPr>
+          <a:lstStyle>
+            <a:lvl1pPr defTabSz="825500">
+              <a:defRPr sz="2000">
+                <a:solidFill>
+                  <a:srgbClr val="000000"/>
+                </a:solidFill>
+                <a:latin typeface="Helvetica Neue Medium"/>
+                <a:ea typeface="Helvetica Neue Medium"/>
+                <a:cs typeface="Helvetica Neue Medium"/>
+                <a:sym typeface="Helvetica Neue Medium"/>
+              </a:defRPr>
+            </a:lvl1pPr>
+          </a:lstStyle>
+          <a:p>
+            <a:pPr/>
+            <a:r>
+              <a:t>00 : Libre</a:t>
             </a:r>
           </a:p>
         </p:txBody>
@@ -13893,12 +15560,23 @@
   <p:clrMapOvr>
     <a:masterClrMapping/>
   </p:clrMapOvr>
-  <p:transition spd="med"/>
+  <mc:AlternateContent xmlns:mc="http://schemas.openxmlformats.org/markup-compatibility/2006">
+    <mc:Choice xmlns:p14="http://schemas.microsoft.com/office/powerpoint/2010/main" Requires="p14">
+      <p:transition spd="slow" advClick="1" p14:dur="1500">
+        <p:push dir="l"/>
+      </p:transition>
+    </mc:Choice>
+    <mc:Fallback>
+      <p:transition spd="slow">
+        <p:fade/>
+      </p:transition>
+    </mc:Fallback>
+  </mc:AlternateContent>
 </p:sld>
 </file>
 
 <file path=ppt/theme/theme1.xml><?xml version="1.0" encoding="utf-8"?>
-<a:theme xmlns:a="http://schemas.openxmlformats.org/drawingml/2006/main" name="30_BasicColor">
+<a:theme xmlns:a="http://schemas.openxmlformats.org/drawingml/2006/main" xmlns:r="http://schemas.openxmlformats.org/officeDocument/2006/relationships" name="30_BasicColor">
   <a:themeElements>
     <a:clrScheme name="30_BasicColor">
       <a:dk1>
@@ -14097,7 +15775,7 @@
         <a:effectLst/>
         <a:sp3d/>
       </a:spPr>
-      <a:bodyPr rot="0" spcFirstLastPara="1" vertOverflow="overflow" horzOverflow="overflow" vert="horz" wrap="square" lIns="50800" tIns="50800" rIns="50800" bIns="50800" numCol="1" spcCol="38100" rtlCol="0" anchor="ctr">
+      <a:bodyPr rot="0" spcFirstLastPara="1" vertOverflow="overflow" horzOverflow="overflow" vert="horz" wrap="square" lIns="50800" tIns="50800" rIns="50800" bIns="50800" numCol="1" spcCol="38100" rtlCol="0" anchor="ctr" upright="0">
         <a:spAutoFit/>
       </a:bodyPr>
       <a:lstStyle>
@@ -14116,7 +15794,7 @@
           <a:buFontTx/>
           <a:buNone/>
           <a:tabLst/>
-          <a:defRPr kumimoji="0" sz="3200" b="0" i="0" u="none" strike="noStrike" cap="none" spc="0" normalizeH="0" baseline="0">
+          <a:defRPr b="0" baseline="0" cap="none" i="0" spc="0" strike="noStrike" sz="3200" u="none" kumimoji="0" normalizeH="0">
             <a:ln>
               <a:noFill/>
             </a:ln>
@@ -14146,7 +15824,7 @@
           <a:buFontTx/>
           <a:buNone/>
           <a:tabLst/>
-          <a:defRPr kumimoji="0" sz="1800" b="0" i="0" u="none" strike="noStrike" cap="none" spc="0" normalizeH="0" baseline="0">
+          <a:defRPr b="0" baseline="0" cap="none" i="0" spc="0" strike="noStrike" sz="1800" u="none" kumimoji="0" normalizeH="0">
             <a:ln>
               <a:noFill/>
             </a:ln>
@@ -14172,7 +15850,7 @@
           <a:buFontTx/>
           <a:buNone/>
           <a:tabLst/>
-          <a:defRPr kumimoji="0" sz="1800" b="0" i="0" u="none" strike="noStrike" cap="none" spc="0" normalizeH="0" baseline="0">
+          <a:defRPr b="0" baseline="0" cap="none" i="0" spc="0" strike="noStrike" sz="1800" u="none" kumimoji="0" normalizeH="0">
             <a:ln>
               <a:noFill/>
             </a:ln>
@@ -14198,7 +15876,7 @@
           <a:buFontTx/>
           <a:buNone/>
           <a:tabLst/>
-          <a:defRPr kumimoji="0" sz="1800" b="0" i="0" u="none" strike="noStrike" cap="none" spc="0" normalizeH="0" baseline="0">
+          <a:defRPr b="0" baseline="0" cap="none" i="0" spc="0" strike="noStrike" sz="1800" u="none" kumimoji="0" normalizeH="0">
             <a:ln>
               <a:noFill/>
             </a:ln>
@@ -14224,7 +15902,7 @@
           <a:buFontTx/>
           <a:buNone/>
           <a:tabLst/>
-          <a:defRPr kumimoji="0" sz="1800" b="0" i="0" u="none" strike="noStrike" cap="none" spc="0" normalizeH="0" baseline="0">
+          <a:defRPr b="0" baseline="0" cap="none" i="0" spc="0" strike="noStrike" sz="1800" u="none" kumimoji="0" normalizeH="0">
             <a:ln>
               <a:noFill/>
             </a:ln>
@@ -14250,7 +15928,7 @@
           <a:buFontTx/>
           <a:buNone/>
           <a:tabLst/>
-          <a:defRPr kumimoji="0" sz="1800" b="0" i="0" u="none" strike="noStrike" cap="none" spc="0" normalizeH="0" baseline="0">
+          <a:defRPr b="0" baseline="0" cap="none" i="0" spc="0" strike="noStrike" sz="1800" u="none" kumimoji="0" normalizeH="0">
             <a:ln>
               <a:noFill/>
             </a:ln>
@@ -14276,7 +15954,7 @@
           <a:buFontTx/>
           <a:buNone/>
           <a:tabLst/>
-          <a:defRPr kumimoji="0" sz="1800" b="0" i="0" u="none" strike="noStrike" cap="none" spc="0" normalizeH="0" baseline="0">
+          <a:defRPr b="0" baseline="0" cap="none" i="0" spc="0" strike="noStrike" sz="1800" u="none" kumimoji="0" normalizeH="0">
             <a:ln>
               <a:noFill/>
             </a:ln>
@@ -14302,7 +15980,7 @@
           <a:buFontTx/>
           <a:buNone/>
           <a:tabLst/>
-          <a:defRPr kumimoji="0" sz="1800" b="0" i="0" u="none" strike="noStrike" cap="none" spc="0" normalizeH="0" baseline="0">
+          <a:defRPr b="0" baseline="0" cap="none" i="0" spc="0" strike="noStrike" sz="1800" u="none" kumimoji="0" normalizeH="0">
             <a:ln>
               <a:noFill/>
             </a:ln>
@@ -14328,7 +16006,7 @@
           <a:buFontTx/>
           <a:buNone/>
           <a:tabLst/>
-          <a:defRPr kumimoji="0" sz="1800" b="0" i="0" u="none" strike="noStrike" cap="none" spc="0" normalizeH="0" baseline="0">
+          <a:defRPr b="0" baseline="0" cap="none" i="0" spc="0" strike="noStrike" sz="1800" u="none" kumimoji="0" normalizeH="0">
             <a:ln>
               <a:noFill/>
             </a:ln>
@@ -14354,7 +16032,7 @@
           <a:buFontTx/>
           <a:buNone/>
           <a:tabLst/>
-          <a:defRPr kumimoji="0" sz="1800" b="0" i="0" u="none" strike="noStrike" cap="none" spc="0" normalizeH="0" baseline="0">
+          <a:defRPr b="0" baseline="0" cap="none" i="0" spc="0" strike="noStrike" sz="1800" u="none" kumimoji="0" normalizeH="0">
             <a:ln>
               <a:noFill/>
             </a:ln>
@@ -14367,15 +16045,9 @@
         </a:lvl9pPr>
       </a:lstStyle>
       <a:style>
-        <a:lnRef idx="0">
-          <a:scrgbClr r="0" g="0" b="0"/>
-        </a:lnRef>
-        <a:fillRef idx="0">
-          <a:scrgbClr r="0" g="0" b="0"/>
-        </a:fillRef>
-        <a:effectRef idx="0">
-          <a:scrgbClr r="0" g="0" b="0"/>
-        </a:effectRef>
+        <a:lnRef idx="0"/>
+        <a:fillRef idx="0"/>
+        <a:effectRef idx="0"/>
         <a:fontRef idx="none"/>
       </a:style>
     </a:spDef>
@@ -14392,7 +16064,7 @@
         <a:effectLst/>
         <a:sp3d/>
       </a:spPr>
-      <a:bodyPr rot="0" spcFirstLastPara="1" vertOverflow="overflow" horzOverflow="overflow" vert="horz" wrap="square" lIns="91439" tIns="45719" rIns="91439" bIns="45719" numCol="1" spcCol="38100" rtlCol="0" anchor="t">
+      <a:bodyPr rot="0" spcFirstLastPara="1" vertOverflow="overflow" horzOverflow="overflow" vert="horz" wrap="square" lIns="91439" tIns="45719" rIns="91439" bIns="45719" numCol="1" spcCol="38100" rtlCol="0" anchor="t" upright="0">
         <a:noAutofit/>
       </a:bodyPr>
       <a:lstStyle>
@@ -14411,7 +16083,7 @@
           <a:buFontTx/>
           <a:buNone/>
           <a:tabLst/>
-          <a:defRPr kumimoji="0" sz="1800" b="0" i="0" u="none" strike="noStrike" cap="none" spc="0" normalizeH="0" baseline="0">
+          <a:defRPr b="0" baseline="0" cap="none" i="0" spc="0" strike="noStrike" sz="1800" u="none" kumimoji="0" normalizeH="0">
             <a:ln>
               <a:noFill/>
             </a:ln>
@@ -14437,7 +16109,7 @@
           <a:buFontTx/>
           <a:buNone/>
           <a:tabLst/>
-          <a:defRPr kumimoji="0" sz="1800" b="0" i="0" u="none" strike="noStrike" cap="none" spc="0" normalizeH="0" baseline="0">
+          <a:defRPr b="0" baseline="0" cap="none" i="0" spc="0" strike="noStrike" sz="1800" u="none" kumimoji="0" normalizeH="0">
             <a:ln>
               <a:noFill/>
             </a:ln>
@@ -14463,7 +16135,7 @@
           <a:buFontTx/>
           <a:buNone/>
           <a:tabLst/>
-          <a:defRPr kumimoji="0" sz="1800" b="0" i="0" u="none" strike="noStrike" cap="none" spc="0" normalizeH="0" baseline="0">
+          <a:defRPr b="0" baseline="0" cap="none" i="0" spc="0" strike="noStrike" sz="1800" u="none" kumimoji="0" normalizeH="0">
             <a:ln>
               <a:noFill/>
             </a:ln>
@@ -14489,7 +16161,7 @@
           <a:buFontTx/>
           <a:buNone/>
           <a:tabLst/>
-          <a:defRPr kumimoji="0" sz="1800" b="0" i="0" u="none" strike="noStrike" cap="none" spc="0" normalizeH="0" baseline="0">
+          <a:defRPr b="0" baseline="0" cap="none" i="0" spc="0" strike="noStrike" sz="1800" u="none" kumimoji="0" normalizeH="0">
             <a:ln>
               <a:noFill/>
             </a:ln>
@@ -14515,7 +16187,7 @@
           <a:buFontTx/>
           <a:buNone/>
           <a:tabLst/>
-          <a:defRPr kumimoji="0" sz="1800" b="0" i="0" u="none" strike="noStrike" cap="none" spc="0" normalizeH="0" baseline="0">
+          <a:defRPr b="0" baseline="0" cap="none" i="0" spc="0" strike="noStrike" sz="1800" u="none" kumimoji="0" normalizeH="0">
             <a:ln>
               <a:noFill/>
             </a:ln>
@@ -14541,7 +16213,7 @@
           <a:buFontTx/>
           <a:buNone/>
           <a:tabLst/>
-          <a:defRPr kumimoji="0" sz="1800" b="0" i="0" u="none" strike="noStrike" cap="none" spc="0" normalizeH="0" baseline="0">
+          <a:defRPr b="0" baseline="0" cap="none" i="0" spc="0" strike="noStrike" sz="1800" u="none" kumimoji="0" normalizeH="0">
             <a:ln>
               <a:noFill/>
             </a:ln>
@@ -14567,7 +16239,7 @@
           <a:buFontTx/>
           <a:buNone/>
           <a:tabLst/>
-          <a:defRPr kumimoji="0" sz="1800" b="0" i="0" u="none" strike="noStrike" cap="none" spc="0" normalizeH="0" baseline="0">
+          <a:defRPr b="0" baseline="0" cap="none" i="0" spc="0" strike="noStrike" sz="1800" u="none" kumimoji="0" normalizeH="0">
             <a:ln>
               <a:noFill/>
             </a:ln>
@@ -14593,7 +16265,7 @@
           <a:buFontTx/>
           <a:buNone/>
           <a:tabLst/>
-          <a:defRPr kumimoji="0" sz="1800" b="0" i="0" u="none" strike="noStrike" cap="none" spc="0" normalizeH="0" baseline="0">
+          <a:defRPr b="0" baseline="0" cap="none" i="0" spc="0" strike="noStrike" sz="1800" u="none" kumimoji="0" normalizeH="0">
             <a:ln>
               <a:noFill/>
             </a:ln>
@@ -14619,7 +16291,7 @@
           <a:buFontTx/>
           <a:buNone/>
           <a:tabLst/>
-          <a:defRPr kumimoji="0" sz="1800" b="0" i="0" u="none" strike="noStrike" cap="none" spc="0" normalizeH="0" baseline="0">
+          <a:defRPr b="0" baseline="0" cap="none" i="0" spc="0" strike="noStrike" sz="1800" u="none" kumimoji="0" normalizeH="0">
             <a:ln>
               <a:noFill/>
             </a:ln>
@@ -14645,7 +16317,7 @@
           <a:buFontTx/>
           <a:buNone/>
           <a:tabLst/>
-          <a:defRPr kumimoji="0" sz="1800" b="0" i="0" u="none" strike="noStrike" cap="none" spc="0" normalizeH="0" baseline="0">
+          <a:defRPr b="0" baseline="0" cap="none" i="0" spc="0" strike="noStrike" sz="1800" u="none" kumimoji="0" normalizeH="0">
             <a:ln>
               <a:noFill/>
             </a:ln>
@@ -14658,15 +16330,9 @@
         </a:lvl9pPr>
       </a:lstStyle>
       <a:style>
-        <a:lnRef idx="0">
-          <a:scrgbClr r="0" g="0" b="0"/>
-        </a:lnRef>
-        <a:fillRef idx="0">
-          <a:scrgbClr r="0" g="0" b="0"/>
-        </a:fillRef>
-        <a:effectRef idx="0">
-          <a:scrgbClr r="0" g="0" b="0"/>
-        </a:effectRef>
+        <a:lnRef idx="0"/>
+        <a:fillRef idx="0"/>
+        <a:effectRef idx="0"/>
         <a:fontRef idx="none"/>
       </a:style>
     </a:lnDef>
@@ -14680,7 +16346,7 @@
         <a:effectLst/>
         <a:sp3d/>
       </a:spPr>
-      <a:bodyPr rot="0" spcFirstLastPara="1" vertOverflow="overflow" horzOverflow="overflow" vert="horz" wrap="square" lIns="50800" tIns="50800" rIns="50800" bIns="50800" numCol="1" spcCol="38100" rtlCol="0" anchor="ctr">
+      <a:bodyPr rot="0" spcFirstLastPara="1" vertOverflow="overflow" horzOverflow="overflow" vert="horz" wrap="square" lIns="50800" tIns="50800" rIns="50800" bIns="50800" numCol="1" spcCol="38100" rtlCol="0" anchor="ctr" upright="0">
         <a:spAutoFit/>
       </a:bodyPr>
       <a:lstStyle>
@@ -14699,7 +16365,7 @@
           <a:buFontTx/>
           <a:buNone/>
           <a:tabLst/>
-          <a:defRPr kumimoji="0" sz="2400" b="0" i="0" u="none" strike="noStrike" cap="none" spc="0" normalizeH="0" baseline="0">
+          <a:defRPr b="0" baseline="0" cap="none" i="0" spc="0" strike="noStrike" sz="2400" u="none" kumimoji="0" normalizeH="0">
             <a:ln>
               <a:noFill/>
             </a:ln>
@@ -14729,7 +16395,7 @@
           <a:buFontTx/>
           <a:buNone/>
           <a:tabLst/>
-          <a:defRPr kumimoji="0" sz="1800" b="0" i="0" u="none" strike="noStrike" cap="none" spc="0" normalizeH="0" baseline="0">
+          <a:defRPr b="0" baseline="0" cap="none" i="0" spc="0" strike="noStrike" sz="1800" u="none" kumimoji="0" normalizeH="0">
             <a:ln>
               <a:noFill/>
             </a:ln>
@@ -14755,7 +16421,7 @@
           <a:buFontTx/>
           <a:buNone/>
           <a:tabLst/>
-          <a:defRPr kumimoji="0" sz="1800" b="0" i="0" u="none" strike="noStrike" cap="none" spc="0" normalizeH="0" baseline="0">
+          <a:defRPr b="0" baseline="0" cap="none" i="0" spc="0" strike="noStrike" sz="1800" u="none" kumimoji="0" normalizeH="0">
             <a:ln>
               <a:noFill/>
             </a:ln>
@@ -14781,7 +16447,7 @@
           <a:buFontTx/>
           <a:buNone/>
           <a:tabLst/>
-          <a:defRPr kumimoji="0" sz="1800" b="0" i="0" u="none" strike="noStrike" cap="none" spc="0" normalizeH="0" baseline="0">
+          <a:defRPr b="0" baseline="0" cap="none" i="0" spc="0" strike="noStrike" sz="1800" u="none" kumimoji="0" normalizeH="0">
             <a:ln>
               <a:noFill/>
             </a:ln>
@@ -14807,7 +16473,7 @@
           <a:buFontTx/>
           <a:buNone/>
           <a:tabLst/>
-          <a:defRPr kumimoji="0" sz="1800" b="0" i="0" u="none" strike="noStrike" cap="none" spc="0" normalizeH="0" baseline="0">
+          <a:defRPr b="0" baseline="0" cap="none" i="0" spc="0" strike="noStrike" sz="1800" u="none" kumimoji="0" normalizeH="0">
             <a:ln>
               <a:noFill/>
             </a:ln>
@@ -14833,7 +16499,7 @@
           <a:buFontTx/>
           <a:buNone/>
           <a:tabLst/>
-          <a:defRPr kumimoji="0" sz="1800" b="0" i="0" u="none" strike="noStrike" cap="none" spc="0" normalizeH="0" baseline="0">
+          <a:defRPr b="0" baseline="0" cap="none" i="0" spc="0" strike="noStrike" sz="1800" u="none" kumimoji="0" normalizeH="0">
             <a:ln>
               <a:noFill/>
             </a:ln>
@@ -14859,7 +16525,7 @@
           <a:buFontTx/>
           <a:buNone/>
           <a:tabLst/>
-          <a:defRPr kumimoji="0" sz="1800" b="0" i="0" u="none" strike="noStrike" cap="none" spc="0" normalizeH="0" baseline="0">
+          <a:defRPr b="0" baseline="0" cap="none" i="0" spc="0" strike="noStrike" sz="1800" u="none" kumimoji="0" normalizeH="0">
             <a:ln>
               <a:noFill/>
             </a:ln>
@@ -14885,7 +16551,7 @@
           <a:buFontTx/>
           <a:buNone/>
           <a:tabLst/>
-          <a:defRPr kumimoji="0" sz="1800" b="0" i="0" u="none" strike="noStrike" cap="none" spc="0" normalizeH="0" baseline="0">
+          <a:defRPr b="0" baseline="0" cap="none" i="0" spc="0" strike="noStrike" sz="1800" u="none" kumimoji="0" normalizeH="0">
             <a:ln>
               <a:noFill/>
             </a:ln>
@@ -14911,7 +16577,7 @@
           <a:buFontTx/>
           <a:buNone/>
           <a:tabLst/>
-          <a:defRPr kumimoji="0" sz="1800" b="0" i="0" u="none" strike="noStrike" cap="none" spc="0" normalizeH="0" baseline="0">
+          <a:defRPr b="0" baseline="0" cap="none" i="0" spc="0" strike="noStrike" sz="1800" u="none" kumimoji="0" normalizeH="0">
             <a:ln>
               <a:noFill/>
             </a:ln>
@@ -14937,7 +16603,7 @@
           <a:buFontTx/>
           <a:buNone/>
           <a:tabLst/>
-          <a:defRPr kumimoji="0" sz="1800" b="0" i="0" u="none" strike="noStrike" cap="none" spc="0" normalizeH="0" baseline="0">
+          <a:defRPr b="0" baseline="0" cap="none" i="0" spc="0" strike="noStrike" sz="1800" u="none" kumimoji="0" normalizeH="0">
             <a:ln>
               <a:noFill/>
             </a:ln>
@@ -14950,25 +16616,18 @@
         </a:lvl9pPr>
       </a:lstStyle>
       <a:style>
-        <a:lnRef idx="0">
-          <a:scrgbClr r="0" g="0" b="0"/>
-        </a:lnRef>
-        <a:fillRef idx="0">
-          <a:scrgbClr r="0" g="0" b="0"/>
-        </a:fillRef>
-        <a:effectRef idx="0">
-          <a:scrgbClr r="0" g="0" b="0"/>
-        </a:effectRef>
+        <a:lnRef idx="0"/>
+        <a:fillRef idx="0"/>
+        <a:effectRef idx="0"/>
         <a:fontRef idx="none"/>
       </a:style>
     </a:txDef>
   </a:objectDefaults>
-  <a:extraClrSchemeLst/>
 </a:theme>
 </file>
 
 <file path=ppt/theme/theme2.xml><?xml version="1.0" encoding="utf-8"?>
-<a:theme xmlns:a="http://schemas.openxmlformats.org/drawingml/2006/main" name="30_BasicColor">
+<a:theme xmlns:a="http://schemas.openxmlformats.org/drawingml/2006/main" xmlns:r="http://schemas.openxmlformats.org/officeDocument/2006/relationships" name="30_BasicColor">
   <a:themeElements>
     <a:clrScheme name="30_BasicColor">
       <a:dk1>
@@ -15167,7 +16826,7 @@
         <a:effectLst/>
         <a:sp3d/>
       </a:spPr>
-      <a:bodyPr rot="0" spcFirstLastPara="1" vertOverflow="overflow" horzOverflow="overflow" vert="horz" wrap="square" lIns="50800" tIns="50800" rIns="50800" bIns="50800" numCol="1" spcCol="38100" rtlCol="0" anchor="ctr">
+      <a:bodyPr rot="0" spcFirstLastPara="1" vertOverflow="overflow" horzOverflow="overflow" vert="horz" wrap="square" lIns="50800" tIns="50800" rIns="50800" bIns="50800" numCol="1" spcCol="38100" rtlCol="0" anchor="ctr" upright="0">
         <a:spAutoFit/>
       </a:bodyPr>
       <a:lstStyle>
@@ -15186,7 +16845,7 @@
           <a:buFontTx/>
           <a:buNone/>
           <a:tabLst/>
-          <a:defRPr kumimoji="0" sz="3200" b="0" i="0" u="none" strike="noStrike" cap="none" spc="0" normalizeH="0" baseline="0">
+          <a:defRPr b="0" baseline="0" cap="none" i="0" spc="0" strike="noStrike" sz="3200" u="none" kumimoji="0" normalizeH="0">
             <a:ln>
               <a:noFill/>
             </a:ln>
@@ -15216,7 +16875,7 @@
           <a:buFontTx/>
           <a:buNone/>
           <a:tabLst/>
-          <a:defRPr kumimoji="0" sz="1800" b="0" i="0" u="none" strike="noStrike" cap="none" spc="0" normalizeH="0" baseline="0">
+          <a:defRPr b="0" baseline="0" cap="none" i="0" spc="0" strike="noStrike" sz="1800" u="none" kumimoji="0" normalizeH="0">
             <a:ln>
               <a:noFill/>
             </a:ln>
@@ -15242,7 +16901,7 @@
           <a:buFontTx/>
           <a:buNone/>
           <a:tabLst/>
-          <a:defRPr kumimoji="0" sz="1800" b="0" i="0" u="none" strike="noStrike" cap="none" spc="0" normalizeH="0" baseline="0">
+          <a:defRPr b="0" baseline="0" cap="none" i="0" spc="0" strike="noStrike" sz="1800" u="none" kumimoji="0" normalizeH="0">
             <a:ln>
               <a:noFill/>
             </a:ln>
@@ -15268,7 +16927,7 @@
           <a:buFontTx/>
           <a:buNone/>
           <a:tabLst/>
-          <a:defRPr kumimoji="0" sz="1800" b="0" i="0" u="none" strike="noStrike" cap="none" spc="0" normalizeH="0" baseline="0">
+          <a:defRPr b="0" baseline="0" cap="none" i="0" spc="0" strike="noStrike" sz="1800" u="none" kumimoji="0" normalizeH="0">
             <a:ln>
               <a:noFill/>
             </a:ln>
@@ -15294,7 +16953,7 @@
           <a:buFontTx/>
           <a:buNone/>
           <a:tabLst/>
-          <a:defRPr kumimoji="0" sz="1800" b="0" i="0" u="none" strike="noStrike" cap="none" spc="0" normalizeH="0" baseline="0">
+          <a:defRPr b="0" baseline="0" cap="none" i="0" spc="0" strike="noStrike" sz="1800" u="none" kumimoji="0" normalizeH="0">
             <a:ln>
               <a:noFill/>
             </a:ln>
@@ -15320,7 +16979,7 @@
           <a:buFontTx/>
           <a:buNone/>
           <a:tabLst/>
-          <a:defRPr kumimoji="0" sz="1800" b="0" i="0" u="none" strike="noStrike" cap="none" spc="0" normalizeH="0" baseline="0">
+          <a:defRPr b="0" baseline="0" cap="none" i="0" spc="0" strike="noStrike" sz="1800" u="none" kumimoji="0" normalizeH="0">
             <a:ln>
               <a:noFill/>
             </a:ln>
@@ -15346,7 +17005,7 @@
           <a:buFontTx/>
           <a:buNone/>
           <a:tabLst/>
-          <a:defRPr kumimoji="0" sz="1800" b="0" i="0" u="none" strike="noStrike" cap="none" spc="0" normalizeH="0" baseline="0">
+          <a:defRPr b="0" baseline="0" cap="none" i="0" spc="0" strike="noStrike" sz="1800" u="none" kumimoji="0" normalizeH="0">
             <a:ln>
               <a:noFill/>
             </a:ln>
@@ -15372,7 +17031,7 @@
           <a:buFontTx/>
           <a:buNone/>
           <a:tabLst/>
-          <a:defRPr kumimoji="0" sz="1800" b="0" i="0" u="none" strike="noStrike" cap="none" spc="0" normalizeH="0" baseline="0">
+          <a:defRPr b="0" baseline="0" cap="none" i="0" spc="0" strike="noStrike" sz="1800" u="none" kumimoji="0" normalizeH="0">
             <a:ln>
               <a:noFill/>
             </a:ln>
@@ -15398,7 +17057,7 @@
           <a:buFontTx/>
           <a:buNone/>
           <a:tabLst/>
-          <a:defRPr kumimoji="0" sz="1800" b="0" i="0" u="none" strike="noStrike" cap="none" spc="0" normalizeH="0" baseline="0">
+          <a:defRPr b="0" baseline="0" cap="none" i="0" spc="0" strike="noStrike" sz="1800" u="none" kumimoji="0" normalizeH="0">
             <a:ln>
               <a:noFill/>
             </a:ln>
@@ -15424,7 +17083,7 @@
           <a:buFontTx/>
           <a:buNone/>
           <a:tabLst/>
-          <a:defRPr kumimoji="0" sz="1800" b="0" i="0" u="none" strike="noStrike" cap="none" spc="0" normalizeH="0" baseline="0">
+          <a:defRPr b="0" baseline="0" cap="none" i="0" spc="0" strike="noStrike" sz="1800" u="none" kumimoji="0" normalizeH="0">
             <a:ln>
               <a:noFill/>
             </a:ln>
@@ -15437,15 +17096,9 @@
         </a:lvl9pPr>
       </a:lstStyle>
       <a:style>
-        <a:lnRef idx="0">
-          <a:scrgbClr r="0" g="0" b="0"/>
-        </a:lnRef>
-        <a:fillRef idx="0">
-          <a:scrgbClr r="0" g="0" b="0"/>
-        </a:fillRef>
-        <a:effectRef idx="0">
-          <a:scrgbClr r="0" g="0" b="0"/>
-        </a:effectRef>
+        <a:lnRef idx="0"/>
+        <a:fillRef idx="0"/>
+        <a:effectRef idx="0"/>
         <a:fontRef idx="none"/>
       </a:style>
     </a:spDef>
@@ -15462,7 +17115,7 @@
         <a:effectLst/>
         <a:sp3d/>
       </a:spPr>
-      <a:bodyPr rot="0" spcFirstLastPara="1" vertOverflow="overflow" horzOverflow="overflow" vert="horz" wrap="square" lIns="91439" tIns="45719" rIns="91439" bIns="45719" numCol="1" spcCol="38100" rtlCol="0" anchor="t">
+      <a:bodyPr rot="0" spcFirstLastPara="1" vertOverflow="overflow" horzOverflow="overflow" vert="horz" wrap="square" lIns="91439" tIns="45719" rIns="91439" bIns="45719" numCol="1" spcCol="38100" rtlCol="0" anchor="t" upright="0">
         <a:noAutofit/>
       </a:bodyPr>
       <a:lstStyle>
@@ -15481,7 +17134,7 @@
           <a:buFontTx/>
           <a:buNone/>
           <a:tabLst/>
-          <a:defRPr kumimoji="0" sz="1800" b="0" i="0" u="none" strike="noStrike" cap="none" spc="0" normalizeH="0" baseline="0">
+          <a:defRPr b="0" baseline="0" cap="none" i="0" spc="0" strike="noStrike" sz="1800" u="none" kumimoji="0" normalizeH="0">
             <a:ln>
               <a:noFill/>
             </a:ln>
@@ -15507,7 +17160,7 @@
           <a:buFontTx/>
           <a:buNone/>
           <a:tabLst/>
-          <a:defRPr kumimoji="0" sz="1800" b="0" i="0" u="none" strike="noStrike" cap="none" spc="0" normalizeH="0" baseline="0">
+          <a:defRPr b="0" baseline="0" cap="none" i="0" spc="0" strike="noStrike" sz="1800" u="none" kumimoji="0" normalizeH="0">
             <a:ln>
               <a:noFill/>
             </a:ln>
@@ -15533,7 +17186,7 @@
           <a:buFontTx/>
           <a:buNone/>
           <a:tabLst/>
-          <a:defRPr kumimoji="0" sz="1800" b="0" i="0" u="none" strike="noStrike" cap="none" spc="0" normalizeH="0" baseline="0">
+          <a:defRPr b="0" baseline="0" cap="none" i="0" spc="0" strike="noStrike" sz="1800" u="none" kumimoji="0" normalizeH="0">
             <a:ln>
               <a:noFill/>
             </a:ln>
@@ -15559,7 +17212,7 @@
           <a:buFontTx/>
           <a:buNone/>
           <a:tabLst/>
-          <a:defRPr kumimoji="0" sz="1800" b="0" i="0" u="none" strike="noStrike" cap="none" spc="0" normalizeH="0" baseline="0">
+          <a:defRPr b="0" baseline="0" cap="none" i="0" spc="0" strike="noStrike" sz="1800" u="none" kumimoji="0" normalizeH="0">
             <a:ln>
               <a:noFill/>
             </a:ln>
@@ -15585,7 +17238,7 @@
           <a:buFontTx/>
           <a:buNone/>
           <a:tabLst/>
-          <a:defRPr kumimoji="0" sz="1800" b="0" i="0" u="none" strike="noStrike" cap="none" spc="0" normalizeH="0" baseline="0">
+          <a:defRPr b="0" baseline="0" cap="none" i="0" spc="0" strike="noStrike" sz="1800" u="none" kumimoji="0" normalizeH="0">
             <a:ln>
               <a:noFill/>
             </a:ln>
@@ -15611,7 +17264,7 @@
           <a:buFontTx/>
           <a:buNone/>
           <a:tabLst/>
-          <a:defRPr kumimoji="0" sz="1800" b="0" i="0" u="none" strike="noStrike" cap="none" spc="0" normalizeH="0" baseline="0">
+          <a:defRPr b="0" baseline="0" cap="none" i="0" spc="0" strike="noStrike" sz="1800" u="none" kumimoji="0" normalizeH="0">
             <a:ln>
               <a:noFill/>
             </a:ln>
@@ -15637,7 +17290,7 @@
           <a:buFontTx/>
           <a:buNone/>
           <a:tabLst/>
-          <a:defRPr kumimoji="0" sz="1800" b="0" i="0" u="none" strike="noStrike" cap="none" spc="0" normalizeH="0" baseline="0">
+          <a:defRPr b="0" baseline="0" cap="none" i="0" spc="0" strike="noStrike" sz="1800" u="none" kumimoji="0" normalizeH="0">
             <a:ln>
               <a:noFill/>
             </a:ln>
@@ -15663,7 +17316,7 @@
           <a:buFontTx/>
           <a:buNone/>
           <a:tabLst/>
-          <a:defRPr kumimoji="0" sz="1800" b="0" i="0" u="none" strike="noStrike" cap="none" spc="0" normalizeH="0" baseline="0">
+          <a:defRPr b="0" baseline="0" cap="none" i="0" spc="0" strike="noStrike" sz="1800" u="none" kumimoji="0" normalizeH="0">
             <a:ln>
               <a:noFill/>
             </a:ln>
@@ -15689,7 +17342,7 @@
           <a:buFontTx/>
           <a:buNone/>
           <a:tabLst/>
-          <a:defRPr kumimoji="0" sz="1800" b="0" i="0" u="none" strike="noStrike" cap="none" spc="0" normalizeH="0" baseline="0">
+          <a:defRPr b="0" baseline="0" cap="none" i="0" spc="0" strike="noStrike" sz="1800" u="none" kumimoji="0" normalizeH="0">
             <a:ln>
               <a:noFill/>
             </a:ln>
@@ -15715,7 +17368,7 @@
           <a:buFontTx/>
           <a:buNone/>
           <a:tabLst/>
-          <a:defRPr kumimoji="0" sz="1800" b="0" i="0" u="none" strike="noStrike" cap="none" spc="0" normalizeH="0" baseline="0">
+          <a:defRPr b="0" baseline="0" cap="none" i="0" spc="0" strike="noStrike" sz="1800" u="none" kumimoji="0" normalizeH="0">
             <a:ln>
               <a:noFill/>
             </a:ln>
@@ -15728,15 +17381,9 @@
         </a:lvl9pPr>
       </a:lstStyle>
       <a:style>
-        <a:lnRef idx="0">
-          <a:scrgbClr r="0" g="0" b="0"/>
-        </a:lnRef>
-        <a:fillRef idx="0">
-          <a:scrgbClr r="0" g="0" b="0"/>
-        </a:fillRef>
-        <a:effectRef idx="0">
-          <a:scrgbClr r="0" g="0" b="0"/>
-        </a:effectRef>
+        <a:lnRef idx="0"/>
+        <a:fillRef idx="0"/>
+        <a:effectRef idx="0"/>
         <a:fontRef idx="none"/>
       </a:style>
     </a:lnDef>
@@ -15750,7 +17397,7 @@
         <a:effectLst/>
         <a:sp3d/>
       </a:spPr>
-      <a:bodyPr rot="0" spcFirstLastPara="1" vertOverflow="overflow" horzOverflow="overflow" vert="horz" wrap="square" lIns="50800" tIns="50800" rIns="50800" bIns="50800" numCol="1" spcCol="38100" rtlCol="0" anchor="ctr">
+      <a:bodyPr rot="0" spcFirstLastPara="1" vertOverflow="overflow" horzOverflow="overflow" vert="horz" wrap="square" lIns="50800" tIns="50800" rIns="50800" bIns="50800" numCol="1" spcCol="38100" rtlCol="0" anchor="ctr" upright="0">
         <a:spAutoFit/>
       </a:bodyPr>
       <a:lstStyle>
@@ -15769,7 +17416,7 @@
           <a:buFontTx/>
           <a:buNone/>
           <a:tabLst/>
-          <a:defRPr kumimoji="0" sz="2400" b="0" i="0" u="none" strike="noStrike" cap="none" spc="0" normalizeH="0" baseline="0">
+          <a:defRPr b="0" baseline="0" cap="none" i="0" spc="0" strike="noStrike" sz="2400" u="none" kumimoji="0" normalizeH="0">
             <a:ln>
               <a:noFill/>
             </a:ln>
@@ -15799,7 +17446,7 @@
           <a:buFontTx/>
           <a:buNone/>
           <a:tabLst/>
-          <a:defRPr kumimoji="0" sz="1800" b="0" i="0" u="none" strike="noStrike" cap="none" spc="0" normalizeH="0" baseline="0">
+          <a:defRPr b="0" baseline="0" cap="none" i="0" spc="0" strike="noStrike" sz="1800" u="none" kumimoji="0" normalizeH="0">
             <a:ln>
               <a:noFill/>
             </a:ln>
@@ -15825,7 +17472,7 @@
           <a:buFontTx/>
           <a:buNone/>
           <a:tabLst/>
-          <a:defRPr kumimoji="0" sz="1800" b="0" i="0" u="none" strike="noStrike" cap="none" spc="0" normalizeH="0" baseline="0">
+          <a:defRPr b="0" baseline="0" cap="none" i="0" spc="0" strike="noStrike" sz="1800" u="none" kumimoji="0" normalizeH="0">
             <a:ln>
               <a:noFill/>
             </a:ln>
@@ -15851,7 +17498,7 @@
           <a:buFontTx/>
           <a:buNone/>
           <a:tabLst/>
-          <a:defRPr kumimoji="0" sz="1800" b="0" i="0" u="none" strike="noStrike" cap="none" spc="0" normalizeH="0" baseline="0">
+          <a:defRPr b="0" baseline="0" cap="none" i="0" spc="0" strike="noStrike" sz="1800" u="none" kumimoji="0" normalizeH="0">
             <a:ln>
               <a:noFill/>
             </a:ln>
@@ -15877,7 +17524,7 @@
           <a:buFontTx/>
           <a:buNone/>
           <a:tabLst/>
-          <a:defRPr kumimoji="0" sz="1800" b="0" i="0" u="none" strike="noStrike" cap="none" spc="0" normalizeH="0" baseline="0">
+          <a:defRPr b="0" baseline="0" cap="none" i="0" spc="0" strike="noStrike" sz="1800" u="none" kumimoji="0" normalizeH="0">
             <a:ln>
               <a:noFill/>
             </a:ln>
@@ -15903,7 +17550,7 @@
           <a:buFontTx/>
           <a:buNone/>
           <a:tabLst/>
-          <a:defRPr kumimoji="0" sz="1800" b="0" i="0" u="none" strike="noStrike" cap="none" spc="0" normalizeH="0" baseline="0">
+          <a:defRPr b="0" baseline="0" cap="none" i="0" spc="0" strike="noStrike" sz="1800" u="none" kumimoji="0" normalizeH="0">
             <a:ln>
               <a:noFill/>
             </a:ln>
@@ -15929,7 +17576,7 @@
           <a:buFontTx/>
           <a:buNone/>
           <a:tabLst/>
-          <a:defRPr kumimoji="0" sz="1800" b="0" i="0" u="none" strike="noStrike" cap="none" spc="0" normalizeH="0" baseline="0">
+          <a:defRPr b="0" baseline="0" cap="none" i="0" spc="0" strike="noStrike" sz="1800" u="none" kumimoji="0" normalizeH="0">
             <a:ln>
               <a:noFill/>
             </a:ln>
@@ -15955,7 +17602,7 @@
           <a:buFontTx/>
           <a:buNone/>
           <a:tabLst/>
-          <a:defRPr kumimoji="0" sz="1800" b="0" i="0" u="none" strike="noStrike" cap="none" spc="0" normalizeH="0" baseline="0">
+          <a:defRPr b="0" baseline="0" cap="none" i="0" spc="0" strike="noStrike" sz="1800" u="none" kumimoji="0" normalizeH="0">
             <a:ln>
               <a:noFill/>
             </a:ln>
@@ -15981,7 +17628,7 @@
           <a:buFontTx/>
           <a:buNone/>
           <a:tabLst/>
-          <a:defRPr kumimoji="0" sz="1800" b="0" i="0" u="none" strike="noStrike" cap="none" spc="0" normalizeH="0" baseline="0">
+          <a:defRPr b="0" baseline="0" cap="none" i="0" spc="0" strike="noStrike" sz="1800" u="none" kumimoji="0" normalizeH="0">
             <a:ln>
               <a:noFill/>
             </a:ln>
@@ -16007,7 +17654,7 @@
           <a:buFontTx/>
           <a:buNone/>
           <a:tabLst/>
-          <a:defRPr kumimoji="0" sz="1800" b="0" i="0" u="none" strike="noStrike" cap="none" spc="0" normalizeH="0" baseline="0">
+          <a:defRPr b="0" baseline="0" cap="none" i="0" spc="0" strike="noStrike" sz="1800" u="none" kumimoji="0" normalizeH="0">
             <a:ln>
               <a:noFill/>
             </a:ln>
@@ -16020,19 +17667,12 @@
         </a:lvl9pPr>
       </a:lstStyle>
       <a:style>
-        <a:lnRef idx="0">
-          <a:scrgbClr r="0" g="0" b="0"/>
-        </a:lnRef>
-        <a:fillRef idx="0">
-          <a:scrgbClr r="0" g="0" b="0"/>
-        </a:fillRef>
-        <a:effectRef idx="0">
-          <a:scrgbClr r="0" g="0" b="0"/>
-        </a:effectRef>
+        <a:lnRef idx="0"/>
+        <a:fillRef idx="0"/>
+        <a:effectRef idx="0"/>
         <a:fontRef idx="none"/>
       </a:style>
     </a:txDef>
   </a:objectDefaults>
-  <a:extraClrSchemeLst/>
 </a:theme>
 </file>